--- a/slides/01_first_steps_with_java.pptx
+++ b/slides/01_first_steps_with_java.pptx
@@ -19,6 +19,8 @@
     <p:sldId id="264" r:id="rId14"/>
     <p:sldId id="265" r:id="rId15"/>
     <p:sldId id="266" r:id="rId16"/>
+    <p:sldId id="267" r:id="rId17"/>
+    <p:sldId id="268" r:id="rId18"/>
   </p:sldIdLst>
   <p:sldSz cy="5143500" cx="9144000"/>
   <p:notesSz cx="6858000" cy="9144000"/>
@@ -800,7 +802,7 @@
   <p:cSld>
     <p:spTree>
       <p:nvGrpSpPr>
-        <p:cNvPr id="159" name="Shape 159"/>
+        <p:cNvPr id="157" name="Shape 157"/>
         <p:cNvGrpSpPr/>
         <p:nvPr/>
       </p:nvGrpSpPr>
@@ -814,7 +816,7 @@
       </p:grpSpPr>
       <p:sp>
         <p:nvSpPr>
-          <p:cNvPr id="160" name="Google Shape;160;gf9e77fe1e2_0_166:notes"/>
+          <p:cNvPr id="158" name="Google Shape;158;gfa9b00c572_0_7:notes"/>
           <p:cNvSpPr/>
           <p:nvPr>
             <p:ph idx="2" type="sldImg"/>
@@ -849,7 +851,7 @@
       </p:sp>
       <p:sp>
         <p:nvSpPr>
-          <p:cNvPr id="161" name="Google Shape;161;gf9e77fe1e2_0_166:notes"/>
+          <p:cNvPr id="159" name="Google Shape;159;gfa9b00c572_0_7:notes"/>
           <p:cNvSpPr txBox="1"/>
           <p:nvPr>
             <p:ph idx="1" type="body"/>
@@ -899,7 +901,7 @@
   <p:cSld>
     <p:spTree>
       <p:nvGrpSpPr>
-        <p:cNvPr id="165" name="Shape 165"/>
+        <p:cNvPr id="164" name="Shape 164"/>
         <p:cNvGrpSpPr/>
         <p:nvPr/>
       </p:nvGrpSpPr>
@@ -913,7 +915,7 @@
       </p:grpSpPr>
       <p:sp>
         <p:nvSpPr>
-          <p:cNvPr id="166" name="Google Shape;166;gf9e77fe1e2_0_171:notes"/>
+          <p:cNvPr id="165" name="Google Shape;165;gf9e77fe1e2_0_149:notes"/>
           <p:cNvSpPr/>
           <p:nvPr>
             <p:ph idx="2" type="sldImg"/>
@@ -948,7 +950,205 @@
       </p:sp>
       <p:sp>
         <p:nvSpPr>
-          <p:cNvPr id="167" name="Google Shape;167;gf9e77fe1e2_0_171:notes"/>
+          <p:cNvPr id="166" name="Google Shape;166;gf9e77fe1e2_0_149:notes"/>
+          <p:cNvSpPr txBox="1"/>
+          <p:nvPr>
+            <p:ph idx="1" type="body"/>
+          </p:nvPr>
+        </p:nvSpPr>
+        <p:spPr>
+          <a:xfrm>
+            <a:off x="685800" y="4343400"/>
+            <a:ext cx="5486400" cy="4114800"/>
+          </a:xfrm>
+          <a:prstGeom prst="rect">
+            <a:avLst/>
+          </a:prstGeom>
+        </p:spPr>
+        <p:txBody>
+          <a:bodyPr anchorCtr="0" anchor="t" bIns="91425" lIns="91425" spcFirstLastPara="1" rIns="91425" wrap="square" tIns="91425">
+            <a:noAutofit/>
+          </a:bodyPr>
+          <a:lstStyle/>
+          <a:p>
+            <a:pPr indent="0" lvl="0" marL="0" rtl="0" algn="l">
+              <a:spcBef>
+                <a:spcPts val="0"/>
+              </a:spcBef>
+              <a:spcAft>
+                <a:spcPts val="0"/>
+              </a:spcAft>
+              <a:buNone/>
+            </a:pPr>
+            <a:r>
+              <a:t/>
+            </a:r>
+            <a:endParaRPr/>
+          </a:p>
+        </p:txBody>
+      </p:sp>
+    </p:spTree>
+  </p:cSld>
+  <p:clrMapOvr>
+    <a:masterClrMapping/>
+  </p:clrMapOvr>
+</p:notes>
+</file>
+
+<file path=ppt/notesSlides/notesSlide12.xml><?xml version="1.0" encoding="utf-8"?>
+<p:notes xmlns:a="http://schemas.openxmlformats.org/drawingml/2006/main" xmlns:r="http://schemas.openxmlformats.org/officeDocument/2006/relationships" xmlns:mc="http://schemas.openxmlformats.org/markup-compatibility/2006" xmlns:mv="urn:schemas-microsoft-com:mac:vml" xmlns:p="http://schemas.openxmlformats.org/presentationml/2006/main" xmlns:c="http://schemas.openxmlformats.org/drawingml/2006/chart" xmlns:dgm="http://schemas.openxmlformats.org/drawingml/2006/diagram" xmlns:o="urn:schemas-microsoft-com:office:office" xmlns:v="urn:schemas-microsoft-com:vml" xmlns:pvml="urn:schemas-microsoft-com:office:powerpoint" xmlns:com="http://schemas.openxmlformats.org/drawingml/2006/compatibility" xmlns:p14="http://schemas.microsoft.com/office/powerpoint/2010/main" xmlns:p15="http://schemas.microsoft.com/office/powerpoint/2012/main" xmlns:ahyp="http://schemas.microsoft.com/office/drawing/2018/hyperlinkcolor" showMasterPhAnim="0" showMasterSp="0">
+  <p:cSld>
+    <p:spTree>
+      <p:nvGrpSpPr>
+        <p:cNvPr id="172" name="Shape 172"/>
+        <p:cNvGrpSpPr/>
+        <p:nvPr/>
+      </p:nvGrpSpPr>
+      <p:grpSpPr>
+        <a:xfrm>
+          <a:off x="0" y="0"/>
+          <a:ext cx="0" cy="0"/>
+          <a:chOff x="0" y="0"/>
+          <a:chExt cx="0" cy="0"/>
+        </a:xfrm>
+      </p:grpSpPr>
+      <p:sp>
+        <p:nvSpPr>
+          <p:cNvPr id="173" name="Google Shape;173;gf9e77fe1e2_0_166:notes"/>
+          <p:cNvSpPr/>
+          <p:nvPr>
+            <p:ph idx="2" type="sldImg"/>
+          </p:nvPr>
+        </p:nvSpPr>
+        <p:spPr>
+          <a:xfrm>
+            <a:off x="381300" y="685800"/>
+            <a:ext cx="6096000" cy="3429000"/>
+          </a:xfrm>
+          <a:custGeom>
+            <a:rect b="b" l="l" r="r" t="t"/>
+            <a:pathLst>
+              <a:path extrusionOk="0" h="120000" w="120000">
+                <a:moveTo>
+                  <a:pt x="0" y="0"/>
+                </a:moveTo>
+                <a:lnTo>
+                  <a:pt x="120000" y="0"/>
+                </a:lnTo>
+                <a:lnTo>
+                  <a:pt x="120000" y="120000"/>
+                </a:lnTo>
+                <a:lnTo>
+                  <a:pt x="0" y="120000"/>
+                </a:lnTo>
+                <a:close/>
+              </a:path>
+            </a:pathLst>
+          </a:custGeom>
+        </p:spPr>
+      </p:sp>
+      <p:sp>
+        <p:nvSpPr>
+          <p:cNvPr id="174" name="Google Shape;174;gf9e77fe1e2_0_166:notes"/>
+          <p:cNvSpPr txBox="1"/>
+          <p:nvPr>
+            <p:ph idx="1" type="body"/>
+          </p:nvPr>
+        </p:nvSpPr>
+        <p:spPr>
+          <a:xfrm>
+            <a:off x="685800" y="4343400"/>
+            <a:ext cx="5486400" cy="4114800"/>
+          </a:xfrm>
+          <a:prstGeom prst="rect">
+            <a:avLst/>
+          </a:prstGeom>
+        </p:spPr>
+        <p:txBody>
+          <a:bodyPr anchorCtr="0" anchor="t" bIns="91425" lIns="91425" spcFirstLastPara="1" rIns="91425" wrap="square" tIns="91425">
+            <a:noAutofit/>
+          </a:bodyPr>
+          <a:lstStyle/>
+          <a:p>
+            <a:pPr indent="0" lvl="0" marL="0" rtl="0" algn="l">
+              <a:spcBef>
+                <a:spcPts val="0"/>
+              </a:spcBef>
+              <a:spcAft>
+                <a:spcPts val="0"/>
+              </a:spcAft>
+              <a:buNone/>
+            </a:pPr>
+            <a:r>
+              <a:t/>
+            </a:r>
+            <a:endParaRPr/>
+          </a:p>
+        </p:txBody>
+      </p:sp>
+    </p:spTree>
+  </p:cSld>
+  <p:clrMapOvr>
+    <a:masterClrMapping/>
+  </p:clrMapOvr>
+</p:notes>
+</file>
+
+<file path=ppt/notesSlides/notesSlide13.xml><?xml version="1.0" encoding="utf-8"?>
+<p:notes xmlns:a="http://schemas.openxmlformats.org/drawingml/2006/main" xmlns:r="http://schemas.openxmlformats.org/officeDocument/2006/relationships" xmlns:mc="http://schemas.openxmlformats.org/markup-compatibility/2006" xmlns:mv="urn:schemas-microsoft-com:mac:vml" xmlns:p="http://schemas.openxmlformats.org/presentationml/2006/main" xmlns:c="http://schemas.openxmlformats.org/drawingml/2006/chart" xmlns:dgm="http://schemas.openxmlformats.org/drawingml/2006/diagram" xmlns:o="urn:schemas-microsoft-com:office:office" xmlns:v="urn:schemas-microsoft-com:vml" xmlns:pvml="urn:schemas-microsoft-com:office:powerpoint" xmlns:com="http://schemas.openxmlformats.org/drawingml/2006/compatibility" xmlns:p14="http://schemas.microsoft.com/office/powerpoint/2010/main" xmlns:p15="http://schemas.microsoft.com/office/powerpoint/2012/main" xmlns:ahyp="http://schemas.microsoft.com/office/drawing/2018/hyperlinkcolor" showMasterPhAnim="0" showMasterSp="0">
+  <p:cSld>
+    <p:spTree>
+      <p:nvGrpSpPr>
+        <p:cNvPr id="178" name="Shape 178"/>
+        <p:cNvGrpSpPr/>
+        <p:nvPr/>
+      </p:nvGrpSpPr>
+      <p:grpSpPr>
+        <a:xfrm>
+          <a:off x="0" y="0"/>
+          <a:ext cx="0" cy="0"/>
+          <a:chOff x="0" y="0"/>
+          <a:chExt cx="0" cy="0"/>
+        </a:xfrm>
+      </p:grpSpPr>
+      <p:sp>
+        <p:nvSpPr>
+          <p:cNvPr id="179" name="Google Shape;179;gf9e77fe1e2_0_171:notes"/>
+          <p:cNvSpPr/>
+          <p:nvPr>
+            <p:ph idx="2" type="sldImg"/>
+          </p:nvPr>
+        </p:nvSpPr>
+        <p:spPr>
+          <a:xfrm>
+            <a:off x="381300" y="685800"/>
+            <a:ext cx="6096000" cy="3429000"/>
+          </a:xfrm>
+          <a:custGeom>
+            <a:rect b="b" l="l" r="r" t="t"/>
+            <a:pathLst>
+              <a:path extrusionOk="0" h="120000" w="120000">
+                <a:moveTo>
+                  <a:pt x="0" y="0"/>
+                </a:moveTo>
+                <a:lnTo>
+                  <a:pt x="120000" y="0"/>
+                </a:lnTo>
+                <a:lnTo>
+                  <a:pt x="120000" y="120000"/>
+                </a:lnTo>
+                <a:lnTo>
+                  <a:pt x="0" y="120000"/>
+                </a:lnTo>
+                <a:close/>
+              </a:path>
+            </a:pathLst>
+          </a:custGeom>
+        </p:spPr>
+      </p:sp>
+      <p:sp>
+        <p:nvSpPr>
+          <p:cNvPr id="180" name="Google Shape;180;gf9e77fe1e2_0_171:notes"/>
           <p:cNvSpPr txBox="1"/>
           <p:nvPr>
             <p:ph idx="1" type="body"/>
@@ -1408,7 +1608,7 @@
       </p:grpSpPr>
       <p:sp>
         <p:nvSpPr>
-          <p:cNvPr id="132" name="Google Shape;132;gf9e77fe1e2_0_130:notes"/>
+          <p:cNvPr id="132" name="Google Shape;132;gfa9b00c572_0_0:notes"/>
           <p:cNvSpPr/>
           <p:nvPr>
             <p:ph idx="2" type="sldImg"/>
@@ -1443,7 +1643,7 @@
       </p:sp>
       <p:sp>
         <p:nvSpPr>
-          <p:cNvPr id="133" name="Google Shape;133;gf9e77fe1e2_0_130:notes"/>
+          <p:cNvPr id="133" name="Google Shape;133;gfa9b00c572_0_0:notes"/>
           <p:cNvSpPr txBox="1"/>
           <p:nvPr>
             <p:ph idx="1" type="body"/>
@@ -1493,7 +1693,7 @@
   <p:cSld>
     <p:spTree>
       <p:nvGrpSpPr>
-        <p:cNvPr id="137" name="Shape 137"/>
+        <p:cNvPr id="138" name="Shape 138"/>
         <p:cNvGrpSpPr/>
         <p:nvPr/>
       </p:nvGrpSpPr>
@@ -1507,7 +1707,7 @@
       </p:grpSpPr>
       <p:sp>
         <p:nvSpPr>
-          <p:cNvPr id="138" name="Google Shape;138;gf9e77fe1e2_0_140:notes"/>
+          <p:cNvPr id="139" name="Google Shape;139;gf9e77fe1e2_0_130:notes"/>
           <p:cNvSpPr/>
           <p:nvPr>
             <p:ph idx="2" type="sldImg"/>
@@ -1542,7 +1742,7 @@
       </p:sp>
       <p:sp>
         <p:nvSpPr>
-          <p:cNvPr id="139" name="Google Shape;139;gf9e77fe1e2_0_140:notes"/>
+          <p:cNvPr id="140" name="Google Shape;140;gf9e77fe1e2_0_130:notes"/>
           <p:cNvSpPr txBox="1"/>
           <p:nvPr>
             <p:ph idx="1" type="body"/>
@@ -1592,7 +1792,7 @@
   <p:cSld>
     <p:spTree>
       <p:nvGrpSpPr>
-        <p:cNvPr id="143" name="Shape 143"/>
+        <p:cNvPr id="144" name="Shape 144"/>
         <p:cNvGrpSpPr/>
         <p:nvPr/>
       </p:nvGrpSpPr>
@@ -1606,7 +1806,7 @@
       </p:grpSpPr>
       <p:sp>
         <p:nvSpPr>
-          <p:cNvPr id="144" name="Google Shape;144;gf9e77fe1e2_0_135:notes"/>
+          <p:cNvPr id="145" name="Google Shape;145;gf9e77fe1e2_0_140:notes"/>
           <p:cNvSpPr/>
           <p:nvPr>
             <p:ph idx="2" type="sldImg"/>
@@ -1641,7 +1841,7 @@
       </p:sp>
       <p:sp>
         <p:nvSpPr>
-          <p:cNvPr id="145" name="Google Shape;145;gf9e77fe1e2_0_135:notes"/>
+          <p:cNvPr id="146" name="Google Shape;146;gf9e77fe1e2_0_140:notes"/>
           <p:cNvSpPr txBox="1"/>
           <p:nvPr>
             <p:ph idx="1" type="body"/>
@@ -1691,7 +1891,7 @@
   <p:cSld>
     <p:spTree>
       <p:nvGrpSpPr>
-        <p:cNvPr id="151" name="Shape 151"/>
+        <p:cNvPr id="150" name="Shape 150"/>
         <p:cNvGrpSpPr/>
         <p:nvPr/>
       </p:nvGrpSpPr>
@@ -1705,7 +1905,7 @@
       </p:grpSpPr>
       <p:sp>
         <p:nvSpPr>
-          <p:cNvPr id="152" name="Google Shape;152;gf9e77fe1e2_0_149:notes"/>
+          <p:cNvPr id="151" name="Google Shape;151;gf9e77fe1e2_0_135:notes"/>
           <p:cNvSpPr/>
           <p:nvPr>
             <p:ph idx="2" type="sldImg"/>
@@ -1740,7 +1940,7 @@
       </p:sp>
       <p:sp>
         <p:nvSpPr>
-          <p:cNvPr id="153" name="Google Shape;153;gf9e77fe1e2_0_149:notes"/>
+          <p:cNvPr id="152" name="Google Shape;152;gf9e77fe1e2_0_135:notes"/>
           <p:cNvSpPr txBox="1"/>
           <p:nvPr>
             <p:ph idx="1" type="body"/>
@@ -9921,7 +10121,7 @@
   <p:cSld>
     <p:spTree>
       <p:nvGrpSpPr>
-        <p:cNvPr id="162" name="Shape 162"/>
+        <p:cNvPr id="160" name="Shape 160"/>
         <p:cNvGrpSpPr/>
         <p:nvPr/>
       </p:nvGrpSpPr>
@@ -9935,7 +10135,7 @@
       </p:grpSpPr>
       <p:sp>
         <p:nvSpPr>
-          <p:cNvPr id="163" name="Google Shape;163;p26"/>
+          <p:cNvPr id="161" name="Google Shape;161;p26"/>
           <p:cNvSpPr txBox="1"/>
           <p:nvPr>
             <p:ph type="title"/>
@@ -9967,7 +10167,7 @@
             </a:pPr>
             <a:r>
               <a:rPr lang="de"/>
-              <a:t>4. Fragen</a:t>
+              <a:t>3.1. if-else</a:t>
             </a:r>
             <a:endParaRPr/>
           </a:p>
@@ -9975,7 +10175,436 @@
       </p:sp>
       <p:sp>
         <p:nvSpPr>
-          <p:cNvPr id="164" name="Google Shape;164;p26"/>
+          <p:cNvPr id="162" name="Google Shape;162;p26"/>
+          <p:cNvSpPr/>
+          <p:nvPr>
+            <p:ph idx="2" type="chart"/>
+          </p:nvPr>
+        </p:nvSpPr>
+        <p:spPr>
+          <a:xfrm>
+            <a:off x="431800" y="782241"/>
+            <a:ext cx="8375700" cy="3579000"/>
+          </a:xfrm>
+          <a:prstGeom prst="rect">
+            <a:avLst/>
+          </a:prstGeom>
+        </p:spPr>
+        <p:txBody>
+          <a:bodyPr anchorCtr="0" anchor="t" bIns="0" lIns="0" spcFirstLastPara="1" rIns="0" wrap="square" tIns="0">
+            <a:noAutofit/>
+          </a:bodyPr>
+          <a:lstStyle/>
+          <a:p>
+            <a:pPr indent="0" lvl="0" marL="0" rtl="0" algn="l">
+              <a:spcBef>
+                <a:spcPts val="320"/>
+              </a:spcBef>
+              <a:spcAft>
+                <a:spcPts val="0"/>
+              </a:spcAft>
+              <a:buNone/>
+            </a:pPr>
+            <a:r>
+              <a:rPr lang="de"/>
+              <a:t>Man kann if-else Blöcke auch weiter verschachteln, indem man einen “else-if” Block mit der entsprechenden Bedingung formuliert</a:t>
+            </a:r>
+            <a:endParaRPr/>
+          </a:p>
+        </p:txBody>
+      </p:sp>
+      <p:pic>
+        <p:nvPicPr>
+          <p:cNvPr id="163" name="Google Shape;163;p26"/>
+          <p:cNvPicPr preferRelativeResize="0"/>
+          <p:nvPr/>
+        </p:nvPicPr>
+        <p:blipFill>
+          <a:blip r:embed="rId3">
+            <a:alphaModFix/>
+          </a:blip>
+          <a:stretch>
+            <a:fillRect/>
+          </a:stretch>
+        </p:blipFill>
+        <p:spPr>
+          <a:xfrm>
+            <a:off x="2178513" y="1930825"/>
+            <a:ext cx="4786975" cy="1974125"/>
+          </a:xfrm>
+          <a:prstGeom prst="rect">
+            <a:avLst/>
+          </a:prstGeom>
+          <a:noFill/>
+          <a:ln>
+            <a:noFill/>
+          </a:ln>
+        </p:spPr>
+      </p:pic>
+    </p:spTree>
+  </p:cSld>
+  <p:clrMapOvr>
+    <a:masterClrMapping/>
+  </p:clrMapOvr>
+</p:sld>
+</file>
+
+<file path=ppt/slides/slide11.xml><?xml version="1.0" encoding="utf-8"?>
+<p:sld xmlns:a="http://schemas.openxmlformats.org/drawingml/2006/main" xmlns:r="http://schemas.openxmlformats.org/officeDocument/2006/relationships" xmlns:mc="http://schemas.openxmlformats.org/markup-compatibility/2006" xmlns:mv="urn:schemas-microsoft-com:mac:vml" xmlns:p="http://schemas.openxmlformats.org/presentationml/2006/main" xmlns:c="http://schemas.openxmlformats.org/drawingml/2006/chart" xmlns:dgm="http://schemas.openxmlformats.org/drawingml/2006/diagram" xmlns:o="urn:schemas-microsoft-com:office:office" xmlns:v="urn:schemas-microsoft-com:vml" xmlns:pvml="urn:schemas-microsoft-com:office:powerpoint" xmlns:com="http://schemas.openxmlformats.org/drawingml/2006/compatibility" xmlns:p14="http://schemas.microsoft.com/office/powerpoint/2010/main" xmlns:p15="http://schemas.microsoft.com/office/powerpoint/2012/main" xmlns:ahyp="http://schemas.microsoft.com/office/drawing/2018/hyperlinkcolor">
+  <p:cSld>
+    <p:spTree>
+      <p:nvGrpSpPr>
+        <p:cNvPr id="167" name="Shape 167"/>
+        <p:cNvGrpSpPr/>
+        <p:nvPr/>
+      </p:nvGrpSpPr>
+      <p:grpSpPr>
+        <a:xfrm>
+          <a:off x="0" y="0"/>
+          <a:ext cx="0" cy="0"/>
+          <a:chOff x="0" y="0"/>
+          <a:chExt cx="0" cy="0"/>
+        </a:xfrm>
+      </p:grpSpPr>
+      <p:sp>
+        <p:nvSpPr>
+          <p:cNvPr id="168" name="Google Shape;168;p27"/>
+          <p:cNvSpPr txBox="1"/>
+          <p:nvPr>
+            <p:ph type="title"/>
+          </p:nvPr>
+        </p:nvSpPr>
+        <p:spPr>
+          <a:xfrm>
+            <a:off x="431800" y="83344"/>
+            <a:ext cx="8375700" cy="531000"/>
+          </a:xfrm>
+          <a:prstGeom prst="rect">
+            <a:avLst/>
+          </a:prstGeom>
+        </p:spPr>
+        <p:txBody>
+          <a:bodyPr anchorCtr="0" anchor="b" bIns="0" lIns="0" spcFirstLastPara="1" rIns="0" wrap="square" tIns="0">
+            <a:noAutofit/>
+          </a:bodyPr>
+          <a:lstStyle/>
+          <a:p>
+            <a:pPr indent="0" lvl="0" marL="0" rtl="0" algn="l">
+              <a:spcBef>
+                <a:spcPts val="0"/>
+              </a:spcBef>
+              <a:spcAft>
+                <a:spcPts val="0"/>
+              </a:spcAft>
+              <a:buNone/>
+            </a:pPr>
+            <a:r>
+              <a:rPr lang="de"/>
+              <a:t>3.2. switch-case</a:t>
+            </a:r>
+            <a:endParaRPr/>
+          </a:p>
+        </p:txBody>
+      </p:sp>
+      <p:sp>
+        <p:nvSpPr>
+          <p:cNvPr id="169" name="Google Shape;169;p27"/>
+          <p:cNvSpPr/>
+          <p:nvPr>
+            <p:ph idx="2" type="chart"/>
+          </p:nvPr>
+        </p:nvSpPr>
+        <p:spPr>
+          <a:xfrm>
+            <a:off x="431800" y="782241"/>
+            <a:ext cx="8375700" cy="3579000"/>
+          </a:xfrm>
+          <a:prstGeom prst="rect">
+            <a:avLst/>
+          </a:prstGeom>
+        </p:spPr>
+        <p:txBody>
+          <a:bodyPr anchorCtr="0" anchor="t" bIns="0" lIns="0" spcFirstLastPara="1" rIns="0" wrap="square" tIns="0">
+            <a:noAutofit/>
+          </a:bodyPr>
+          <a:lstStyle/>
+          <a:p>
+            <a:pPr indent="0" lvl="0" marL="0" rtl="0" algn="l">
+              <a:spcBef>
+                <a:spcPts val="320"/>
+              </a:spcBef>
+              <a:spcAft>
+                <a:spcPts val="0"/>
+              </a:spcAft>
+              <a:buNone/>
+            </a:pPr>
+            <a:r>
+              <a:t/>
+            </a:r>
+            <a:endParaRPr/>
+          </a:p>
+          <a:p>
+            <a:pPr indent="0" lvl="0" marL="0" rtl="0" algn="l">
+              <a:spcBef>
+                <a:spcPts val="320"/>
+              </a:spcBef>
+              <a:spcAft>
+                <a:spcPts val="0"/>
+              </a:spcAft>
+              <a:buNone/>
+            </a:pPr>
+            <a:r>
+              <a:t/>
+            </a:r>
+            <a:endParaRPr/>
+          </a:p>
+          <a:p>
+            <a:pPr indent="0" lvl="0" marL="0" rtl="0" algn="l">
+              <a:spcBef>
+                <a:spcPts val="320"/>
+              </a:spcBef>
+              <a:spcAft>
+                <a:spcPts val="0"/>
+              </a:spcAft>
+              <a:buNone/>
+            </a:pPr>
+            <a:r>
+              <a:t/>
+            </a:r>
+            <a:endParaRPr/>
+          </a:p>
+          <a:p>
+            <a:pPr indent="0" lvl="0" marL="0" rtl="0" algn="l">
+              <a:spcBef>
+                <a:spcPts val="320"/>
+              </a:spcBef>
+              <a:spcAft>
+                <a:spcPts val="0"/>
+              </a:spcAft>
+              <a:buNone/>
+            </a:pPr>
+            <a:r>
+              <a:t/>
+            </a:r>
+            <a:endParaRPr/>
+          </a:p>
+          <a:p>
+            <a:pPr indent="0" lvl="0" marL="0" rtl="0" algn="l">
+              <a:spcBef>
+                <a:spcPts val="320"/>
+              </a:spcBef>
+              <a:spcAft>
+                <a:spcPts val="0"/>
+              </a:spcAft>
+              <a:buNone/>
+            </a:pPr>
+            <a:r>
+              <a:t/>
+            </a:r>
+            <a:endParaRPr/>
+          </a:p>
+          <a:p>
+            <a:pPr indent="0" lvl="0" marL="0" rtl="0" algn="l">
+              <a:spcBef>
+                <a:spcPts val="320"/>
+              </a:spcBef>
+              <a:spcAft>
+                <a:spcPts val="0"/>
+              </a:spcAft>
+              <a:buNone/>
+            </a:pPr>
+            <a:r>
+              <a:t/>
+            </a:r>
+            <a:endParaRPr/>
+          </a:p>
+          <a:p>
+            <a:pPr indent="0" lvl="0" marL="0" rtl="0" algn="l">
+              <a:spcBef>
+                <a:spcPts val="320"/>
+              </a:spcBef>
+              <a:spcAft>
+                <a:spcPts val="0"/>
+              </a:spcAft>
+              <a:buNone/>
+            </a:pPr>
+            <a:r>
+              <a:t/>
+            </a:r>
+            <a:endParaRPr/>
+          </a:p>
+          <a:p>
+            <a:pPr indent="0" lvl="0" marL="0" rtl="0" algn="l">
+              <a:spcBef>
+                <a:spcPts val="320"/>
+              </a:spcBef>
+              <a:spcAft>
+                <a:spcPts val="0"/>
+              </a:spcAft>
+              <a:buNone/>
+            </a:pPr>
+            <a:r>
+              <a:t/>
+            </a:r>
+            <a:endParaRPr/>
+          </a:p>
+          <a:p>
+            <a:pPr indent="0" lvl="0" marL="0" rtl="0" algn="l">
+              <a:spcBef>
+                <a:spcPts val="320"/>
+              </a:spcBef>
+              <a:spcAft>
+                <a:spcPts val="0"/>
+              </a:spcAft>
+              <a:buNone/>
+            </a:pPr>
+            <a:r>
+              <a:rPr lang="de"/>
+              <a:t>Die switch-case-Anweisung ist (bis auf wenige Kleinigkeiten) nichts anderes, als eine intuitivere Schreibweise für...</a:t>
+            </a:r>
+            <a:endParaRPr/>
+          </a:p>
+          <a:p>
+            <a:pPr indent="0" lvl="0" marL="0" rtl="0" algn="l">
+              <a:spcBef>
+                <a:spcPts val="320"/>
+              </a:spcBef>
+              <a:spcAft>
+                <a:spcPts val="0"/>
+              </a:spcAft>
+              <a:buNone/>
+            </a:pPr>
+            <a:r>
+              <a:t/>
+            </a:r>
+            <a:endParaRPr/>
+          </a:p>
+        </p:txBody>
+      </p:sp>
+      <p:pic>
+        <p:nvPicPr>
+          <p:cNvPr id="170" name="Google Shape;170;p27"/>
+          <p:cNvPicPr preferRelativeResize="0"/>
+          <p:nvPr/>
+        </p:nvPicPr>
+        <p:blipFill>
+          <a:blip r:embed="rId3">
+            <a:alphaModFix/>
+          </a:blip>
+          <a:stretch>
+            <a:fillRect/>
+          </a:stretch>
+        </p:blipFill>
+        <p:spPr>
+          <a:xfrm>
+            <a:off x="3541125" y="3385575"/>
+            <a:ext cx="1506575" cy="1107775"/>
+          </a:xfrm>
+          <a:prstGeom prst="rect">
+            <a:avLst/>
+          </a:prstGeom>
+          <a:noFill/>
+          <a:ln>
+            <a:noFill/>
+          </a:ln>
+        </p:spPr>
+      </p:pic>
+      <p:pic>
+        <p:nvPicPr>
+          <p:cNvPr id="171" name="Google Shape;171;p27"/>
+          <p:cNvPicPr preferRelativeResize="0"/>
+          <p:nvPr/>
+        </p:nvPicPr>
+        <p:blipFill>
+          <a:blip r:embed="rId4">
+            <a:alphaModFix/>
+          </a:blip>
+          <a:stretch>
+            <a:fillRect/>
+          </a:stretch>
+        </p:blipFill>
+        <p:spPr>
+          <a:xfrm>
+            <a:off x="2648963" y="782250"/>
+            <a:ext cx="3290901" cy="2147225"/>
+          </a:xfrm>
+          <a:prstGeom prst="rect">
+            <a:avLst/>
+          </a:prstGeom>
+          <a:noFill/>
+          <a:ln>
+            <a:noFill/>
+          </a:ln>
+        </p:spPr>
+      </p:pic>
+    </p:spTree>
+  </p:cSld>
+  <p:clrMapOvr>
+    <a:masterClrMapping/>
+  </p:clrMapOvr>
+</p:sld>
+</file>
+
+<file path=ppt/slides/slide12.xml><?xml version="1.0" encoding="utf-8"?>
+<p:sld xmlns:a="http://schemas.openxmlformats.org/drawingml/2006/main" xmlns:r="http://schemas.openxmlformats.org/officeDocument/2006/relationships" xmlns:mc="http://schemas.openxmlformats.org/markup-compatibility/2006" xmlns:mv="urn:schemas-microsoft-com:mac:vml" xmlns:p="http://schemas.openxmlformats.org/presentationml/2006/main" xmlns:c="http://schemas.openxmlformats.org/drawingml/2006/chart" xmlns:dgm="http://schemas.openxmlformats.org/drawingml/2006/diagram" xmlns:o="urn:schemas-microsoft-com:office:office" xmlns:v="urn:schemas-microsoft-com:vml" xmlns:pvml="urn:schemas-microsoft-com:office:powerpoint" xmlns:com="http://schemas.openxmlformats.org/drawingml/2006/compatibility" xmlns:p14="http://schemas.microsoft.com/office/powerpoint/2010/main" xmlns:p15="http://schemas.microsoft.com/office/powerpoint/2012/main" xmlns:ahyp="http://schemas.microsoft.com/office/drawing/2018/hyperlinkcolor">
+  <p:cSld>
+    <p:spTree>
+      <p:nvGrpSpPr>
+        <p:cNvPr id="175" name="Shape 175"/>
+        <p:cNvGrpSpPr/>
+        <p:nvPr/>
+      </p:nvGrpSpPr>
+      <p:grpSpPr>
+        <a:xfrm>
+          <a:off x="0" y="0"/>
+          <a:ext cx="0" cy="0"/>
+          <a:chOff x="0" y="0"/>
+          <a:chExt cx="0" cy="0"/>
+        </a:xfrm>
+      </p:grpSpPr>
+      <p:sp>
+        <p:nvSpPr>
+          <p:cNvPr id="176" name="Google Shape;176;p28"/>
+          <p:cNvSpPr txBox="1"/>
+          <p:nvPr>
+            <p:ph type="title"/>
+          </p:nvPr>
+        </p:nvSpPr>
+        <p:spPr>
+          <a:xfrm>
+            <a:off x="431800" y="83344"/>
+            <a:ext cx="8375700" cy="531000"/>
+          </a:xfrm>
+          <a:prstGeom prst="rect">
+            <a:avLst/>
+          </a:prstGeom>
+        </p:spPr>
+        <p:txBody>
+          <a:bodyPr anchorCtr="0" anchor="b" bIns="0" lIns="0" spcFirstLastPara="1" rIns="0" wrap="square" tIns="0">
+            <a:noAutofit/>
+          </a:bodyPr>
+          <a:lstStyle/>
+          <a:p>
+            <a:pPr indent="0" lvl="0" marL="0" rtl="0" algn="l">
+              <a:spcBef>
+                <a:spcPts val="0"/>
+              </a:spcBef>
+              <a:spcAft>
+                <a:spcPts val="0"/>
+              </a:spcAft>
+              <a:buNone/>
+            </a:pPr>
+            <a:r>
+              <a:rPr lang="de"/>
+              <a:t>4. Fragen</a:t>
+            </a:r>
+            <a:endParaRPr/>
+          </a:p>
+        </p:txBody>
+      </p:sp>
+      <p:sp>
+        <p:nvSpPr>
+          <p:cNvPr id="177" name="Google Shape;177;p28"/>
           <p:cNvSpPr/>
           <p:nvPr>
             <p:ph idx="2" type="chart"/>
@@ -10111,12 +10740,12 @@
 </p:sld>
 </file>
 
-<file path=ppt/slides/slide11.xml><?xml version="1.0" encoding="utf-8"?>
+<file path=ppt/slides/slide13.xml><?xml version="1.0" encoding="utf-8"?>
 <p:sld xmlns:a="http://schemas.openxmlformats.org/drawingml/2006/main" xmlns:r="http://schemas.openxmlformats.org/officeDocument/2006/relationships" xmlns:mc="http://schemas.openxmlformats.org/markup-compatibility/2006" xmlns:mv="urn:schemas-microsoft-com:mac:vml" xmlns:p="http://schemas.openxmlformats.org/presentationml/2006/main" xmlns:c="http://schemas.openxmlformats.org/drawingml/2006/chart" xmlns:dgm="http://schemas.openxmlformats.org/drawingml/2006/diagram" xmlns:o="urn:schemas-microsoft-com:office:office" xmlns:v="urn:schemas-microsoft-com:vml" xmlns:pvml="urn:schemas-microsoft-com:office:powerpoint" xmlns:com="http://schemas.openxmlformats.org/drawingml/2006/compatibility" xmlns:p14="http://schemas.microsoft.com/office/powerpoint/2010/main" xmlns:p15="http://schemas.microsoft.com/office/powerpoint/2012/main" xmlns:ahyp="http://schemas.microsoft.com/office/drawing/2018/hyperlinkcolor">
   <p:cSld>
     <p:spTree>
       <p:nvGrpSpPr>
-        <p:cNvPr id="168" name="Shape 168"/>
+        <p:cNvPr id="181" name="Shape 181"/>
         <p:cNvGrpSpPr/>
         <p:nvPr/>
       </p:nvGrpSpPr>
@@ -10130,7 +10759,7 @@
       </p:grpSpPr>
       <p:sp>
         <p:nvSpPr>
-          <p:cNvPr id="169" name="Google Shape;169;p27"/>
+          <p:cNvPr id="182" name="Google Shape;182;p29"/>
           <p:cNvSpPr txBox="1"/>
           <p:nvPr>
             <p:ph type="title"/>
@@ -10170,7 +10799,7 @@
       </p:sp>
       <p:sp>
         <p:nvSpPr>
-          <p:cNvPr id="170" name="Google Shape;170;p27"/>
+          <p:cNvPr id="183" name="Google Shape;183;p29"/>
           <p:cNvSpPr/>
           <p:nvPr>
             <p:ph idx="2" type="chart"/>
@@ -11450,7 +12079,7 @@
             </a:pPr>
             <a:r>
               <a:rPr lang="de"/>
-              <a:t>2.1. Was sind Variablen</a:t>
+              <a:t>2.1. Was sind Variablen?</a:t>
             </a:r>
             <a:endParaRPr/>
           </a:p>
@@ -11614,8 +12243,7 @@
               <a:buNone/>
             </a:pPr>
             <a:r>
-              <a:rPr lang="de"/>
-              <a:t>Variablen kann auch direkt bei der Deklaration einen Wert zugewiesen werden:</a:t>
+              <a:t/>
             </a:r>
             <a:endParaRPr/>
           </a:p>
@@ -11630,7 +12258,8 @@
               <a:buNone/>
             </a:pPr>
             <a:r>
-              <a:t/>
+              <a:rPr lang="de"/>
+              <a:t>Variablen kann auch direkt bei der Deklaration einen Wert zugewiesen werden:</a:t>
             </a:r>
             <a:endParaRPr/>
           </a:p>
@@ -11645,8 +12274,22 @@
               <a:buNone/>
             </a:pPr>
             <a:r>
-              <a:rPr lang="de"/>
-              <a:t>Variablen sind nur innerhalb des Scopes, in dem sie deklariert sind und erst nach der Deklaration sichtbar.</a:t>
+              <a:t/>
+            </a:r>
+            <a:endParaRPr/>
+          </a:p>
+          <a:p>
+            <a:pPr indent="0" lvl="0" marL="0" rtl="0" algn="l">
+              <a:spcBef>
+                <a:spcPts val="320"/>
+              </a:spcBef>
+              <a:spcAft>
+                <a:spcPts val="0"/>
+              </a:spcAft>
+              <a:buNone/>
+            </a:pPr>
+            <a:r>
+              <a:t/>
             </a:r>
             <a:endParaRPr/>
           </a:p>
@@ -11668,7 +12311,7 @@
         </p:blipFill>
         <p:spPr>
           <a:xfrm>
-            <a:off x="2470250" y="2139050"/>
+            <a:off x="2470250" y="2241538"/>
             <a:ext cx="3529125" cy="660425"/>
           </a:xfrm>
           <a:prstGeom prst="rect">
@@ -11696,7 +12339,7 @@
         </p:blipFill>
         <p:spPr>
           <a:xfrm>
-            <a:off x="2805000" y="3241925"/>
+            <a:off x="2805000" y="3908500"/>
             <a:ext cx="2859624" cy="273325"/>
           </a:xfrm>
           <a:prstGeom prst="rect">
@@ -11767,7 +12410,7 @@
             </a:pPr>
             <a:r>
               <a:rPr lang="de"/>
-              <a:t>2.2. Datentypen</a:t>
+              <a:t>2.1. Was sind Variablen?</a:t>
             </a:r>
             <a:endParaRPr/>
           </a:p>
@@ -11807,98 +12450,7 @@
             </a:pPr>
             <a:r>
               <a:rPr lang="de"/>
-              <a:t>Primitive Datentypen:</a:t>
-            </a:r>
-            <a:endParaRPr/>
-          </a:p>
-          <a:p>
-            <a:pPr indent="-317500" lvl="0" marL="457200" rtl="0" algn="l">
-              <a:spcBef>
-                <a:spcPts val="320"/>
-              </a:spcBef>
-              <a:spcAft>
-                <a:spcPts val="0"/>
-              </a:spcAft>
-              <a:buSzPts val="1400"/>
-              <a:buChar char="●"/>
-            </a:pPr>
-            <a:r>
-              <a:rPr lang="de"/>
-              <a:t>Numerisch</a:t>
-            </a:r>
-            <a:endParaRPr/>
-          </a:p>
-          <a:p>
-            <a:pPr indent="-330200" lvl="1" marL="914400" rtl="0" algn="l">
-              <a:spcBef>
-                <a:spcPts val="0"/>
-              </a:spcBef>
-              <a:spcAft>
-                <a:spcPts val="0"/>
-              </a:spcAft>
-              <a:buSzPts val="1600"/>
-              <a:buChar char="-"/>
-            </a:pPr>
-            <a:r>
-              <a:rPr lang="de"/>
-              <a:t>Ganzzahlig: byte (8 Bit), short (16 Bit), int (32 Bit), long (64 Bit)</a:t>
-            </a:r>
-            <a:endParaRPr/>
-          </a:p>
-          <a:p>
-            <a:pPr indent="-330200" lvl="1" marL="914400" rtl="0" algn="l">
-              <a:spcBef>
-                <a:spcPts val="0"/>
-              </a:spcBef>
-              <a:spcAft>
-                <a:spcPts val="0"/>
-              </a:spcAft>
-              <a:buSzPts val="1600"/>
-              <a:buChar char="-"/>
-            </a:pPr>
-            <a:r>
-              <a:rPr lang="de"/>
-              <a:t>Fließkommazahlen: float (32 Bit), double (64 Bit)</a:t>
-            </a:r>
-            <a:br>
-              <a:rPr lang="de"/>
-            </a:br>
-            <a:endParaRPr/>
-          </a:p>
-          <a:p>
-            <a:pPr indent="-317500" lvl="0" marL="457200" rtl="0" algn="l">
-              <a:spcBef>
-                <a:spcPts val="0"/>
-              </a:spcBef>
-              <a:spcAft>
-                <a:spcPts val="0"/>
-              </a:spcAft>
-              <a:buSzPts val="1400"/>
-              <a:buChar char="●"/>
-            </a:pPr>
-            <a:r>
-              <a:rPr lang="de"/>
-              <a:t>Einzelne Zeichen: char</a:t>
-            </a:r>
-            <a:br>
-              <a:rPr lang="de"/>
-            </a:br>
-            <a:endParaRPr/>
-          </a:p>
-          <a:p>
-            <a:pPr indent="-317500" lvl="0" marL="457200" rtl="0" algn="l">
-              <a:spcBef>
-                <a:spcPts val="0"/>
-              </a:spcBef>
-              <a:spcAft>
-                <a:spcPts val="0"/>
-              </a:spcAft>
-              <a:buSzPts val="1400"/>
-              <a:buChar char="●"/>
-            </a:pPr>
-            <a:r>
-              <a:rPr lang="de"/>
-              <a:t>Bool’scher Wert (wahr / falsch): boolean</a:t>
+              <a:t>Variablen können auch überschrieben werden, indem man ihnen einfach einen neuen Wert zuweist.</a:t>
             </a:r>
             <a:endParaRPr/>
           </a:p>
@@ -11928,80 +12480,7 @@
               <a:buNone/>
             </a:pPr>
             <a:r>
-              <a:rPr lang="de"/>
-              <a:t>Referenzdatentypen:</a:t>
-            </a:r>
-            <a:endParaRPr/>
-          </a:p>
-          <a:p>
-            <a:pPr indent="-317500" lvl="0" marL="457200" rtl="0" algn="l">
-              <a:spcBef>
-                <a:spcPts val="320"/>
-              </a:spcBef>
-              <a:spcAft>
-                <a:spcPts val="0"/>
-              </a:spcAft>
-              <a:buSzPts val="1400"/>
-              <a:buChar char="●"/>
-            </a:pPr>
-            <a:r>
-              <a:rPr lang="de"/>
-              <a:t>Zeichenketten: String</a:t>
-            </a:r>
-            <a:endParaRPr/>
-          </a:p>
-          <a:p>
-            <a:pPr indent="-317500" lvl="0" marL="457200" rtl="0" algn="l">
-              <a:spcBef>
-                <a:spcPts val="0"/>
-              </a:spcBef>
-              <a:spcAft>
-                <a:spcPts val="0"/>
-              </a:spcAft>
-              <a:buSzPts val="1400"/>
-              <a:buChar char="●"/>
-            </a:pPr>
-            <a:r>
-              <a:rPr lang="de"/>
-              <a:t>Listen: Array</a:t>
-            </a:r>
-            <a:endParaRPr/>
-          </a:p>
-          <a:p>
-            <a:pPr indent="-317500" lvl="0" marL="457200" rtl="0" algn="l">
-              <a:spcBef>
-                <a:spcPts val="0"/>
-              </a:spcBef>
-              <a:spcAft>
-                <a:spcPts val="0"/>
-              </a:spcAft>
-              <a:buSzPts val="1400"/>
-              <a:buChar char="●"/>
-            </a:pPr>
-            <a:r>
-              <a:rPr lang="de"/>
-              <a:t>null</a:t>
-            </a:r>
-            <a:endParaRPr/>
-          </a:p>
-          <a:p>
-            <a:pPr indent="-317500" lvl="0" marL="457200" rtl="0" algn="l">
-              <a:spcBef>
-                <a:spcPts val="0"/>
-              </a:spcBef>
-              <a:spcAft>
-                <a:spcPts val="0"/>
-              </a:spcAft>
-              <a:buSzPts val="1400"/>
-              <a:buChar char="●"/>
-            </a:pPr>
-            <a:r>
-              <a:rPr lang="de"/>
-              <a:t>...</a:t>
-            </a:r>
-            <a:r>
-              <a:rPr lang="de"/>
-              <a:t>.</a:t>
+              <a:t/>
             </a:r>
             <a:endParaRPr/>
           </a:p>
@@ -12035,8 +12514,87 @@
             </a:r>
             <a:endParaRPr/>
           </a:p>
+          <a:p>
+            <a:pPr indent="0" lvl="0" marL="0" rtl="0" algn="l">
+              <a:spcBef>
+                <a:spcPts val="320"/>
+              </a:spcBef>
+              <a:spcAft>
+                <a:spcPts val="0"/>
+              </a:spcAft>
+              <a:buNone/>
+            </a:pPr>
+            <a:r>
+              <a:t/>
+            </a:r>
+            <a:endParaRPr/>
+          </a:p>
+          <a:p>
+            <a:pPr indent="0" lvl="0" marL="0" rtl="0" algn="l">
+              <a:spcBef>
+                <a:spcPts val="320"/>
+              </a:spcBef>
+              <a:spcAft>
+                <a:spcPts val="0"/>
+              </a:spcAft>
+              <a:buNone/>
+            </a:pPr>
+            <a:r>
+              <a:t/>
+            </a:r>
+            <a:endParaRPr/>
+          </a:p>
+          <a:p>
+            <a:pPr indent="0" lvl="0" marL="0" rtl="0" algn="l">
+              <a:spcBef>
+                <a:spcPts val="320"/>
+              </a:spcBef>
+              <a:spcAft>
+                <a:spcPts val="0"/>
+              </a:spcAft>
+              <a:buClr>
+                <a:schemeClr val="dk1"/>
+              </a:buClr>
+              <a:buSzPts val="1100"/>
+              <a:buFont typeface="Arial"/>
+              <a:buNone/>
+            </a:pPr>
+            <a:r>
+              <a:rPr lang="de"/>
+              <a:t>Variablen sind nur innerhalb des Scopes ( =&gt; {}), in dem sie deklariert sind und erst nach der Deklaration sichtbar.</a:t>
+            </a:r>
+            <a:endParaRPr/>
+          </a:p>
         </p:txBody>
       </p:sp>
+      <p:pic>
+        <p:nvPicPr>
+          <p:cNvPr id="137" name="Google Shape;137;p22"/>
+          <p:cNvPicPr preferRelativeResize="0"/>
+          <p:nvPr/>
+        </p:nvPicPr>
+        <p:blipFill>
+          <a:blip r:embed="rId3">
+            <a:alphaModFix/>
+          </a:blip>
+          <a:stretch>
+            <a:fillRect/>
+          </a:stretch>
+        </p:blipFill>
+        <p:spPr>
+          <a:xfrm>
+            <a:off x="2071325" y="1328400"/>
+            <a:ext cx="4476258" cy="1284500"/>
+          </a:xfrm>
+          <a:prstGeom prst="rect">
+            <a:avLst/>
+          </a:prstGeom>
+          <a:noFill/>
+          <a:ln>
+            <a:noFill/>
+          </a:ln>
+        </p:spPr>
+      </p:pic>
     </p:spTree>
   </p:cSld>
   <p:clrMapOvr>
@@ -12050,7 +12608,7 @@
   <p:cSld>
     <p:spTree>
       <p:nvGrpSpPr>
-        <p:cNvPr id="140" name="Shape 140"/>
+        <p:cNvPr id="141" name="Shape 141"/>
         <p:cNvGrpSpPr/>
         <p:nvPr/>
       </p:nvGrpSpPr>
@@ -12064,7 +12622,7 @@
       </p:grpSpPr>
       <p:sp>
         <p:nvSpPr>
-          <p:cNvPr id="141" name="Google Shape;141;p23"/>
+          <p:cNvPr id="142" name="Google Shape;142;p23"/>
           <p:cNvSpPr txBox="1"/>
           <p:nvPr>
             <p:ph type="title"/>
@@ -12096,7 +12654,7 @@
             </a:pPr>
             <a:r>
               <a:rPr lang="de"/>
-              <a:t>2.3. Operatoren</a:t>
+              <a:t>2.2. Datentypen</a:t>
             </a:r>
             <a:endParaRPr/>
           </a:p>
@@ -12104,7 +12662,336 @@
       </p:sp>
       <p:sp>
         <p:nvSpPr>
-          <p:cNvPr id="142" name="Google Shape;142;p23"/>
+          <p:cNvPr id="143" name="Google Shape;143;p23"/>
+          <p:cNvSpPr/>
+          <p:nvPr>
+            <p:ph idx="2" type="chart"/>
+          </p:nvPr>
+        </p:nvSpPr>
+        <p:spPr>
+          <a:xfrm>
+            <a:off x="431800" y="782241"/>
+            <a:ext cx="8375700" cy="3579000"/>
+          </a:xfrm>
+          <a:prstGeom prst="rect">
+            <a:avLst/>
+          </a:prstGeom>
+        </p:spPr>
+        <p:txBody>
+          <a:bodyPr anchorCtr="0" anchor="t" bIns="0" lIns="0" spcFirstLastPara="1" rIns="0" wrap="square" tIns="0">
+            <a:noAutofit/>
+          </a:bodyPr>
+          <a:lstStyle/>
+          <a:p>
+            <a:pPr indent="0" lvl="0" marL="0" rtl="0" algn="l">
+              <a:spcBef>
+                <a:spcPts val="320"/>
+              </a:spcBef>
+              <a:spcAft>
+                <a:spcPts val="0"/>
+              </a:spcAft>
+              <a:buNone/>
+            </a:pPr>
+            <a:r>
+              <a:rPr lang="de"/>
+              <a:t>Primitive Datentypen:</a:t>
+            </a:r>
+            <a:endParaRPr/>
+          </a:p>
+          <a:p>
+            <a:pPr indent="-317500" lvl="0" marL="457200" rtl="0" algn="l">
+              <a:spcBef>
+                <a:spcPts val="320"/>
+              </a:spcBef>
+              <a:spcAft>
+                <a:spcPts val="0"/>
+              </a:spcAft>
+              <a:buSzPts val="1400"/>
+              <a:buChar char="●"/>
+            </a:pPr>
+            <a:r>
+              <a:rPr lang="de"/>
+              <a:t>Numerisch</a:t>
+            </a:r>
+            <a:endParaRPr/>
+          </a:p>
+          <a:p>
+            <a:pPr indent="-330200" lvl="1" marL="914400" rtl="0" algn="l">
+              <a:spcBef>
+                <a:spcPts val="0"/>
+              </a:spcBef>
+              <a:spcAft>
+                <a:spcPts val="0"/>
+              </a:spcAft>
+              <a:buSzPts val="1600"/>
+              <a:buChar char="-"/>
+            </a:pPr>
+            <a:r>
+              <a:rPr lang="de"/>
+              <a:t>Ganzzahlig: byte (8 Bit), short (16 Bit), int (32 Bit), long (64 Bit)</a:t>
+            </a:r>
+            <a:endParaRPr/>
+          </a:p>
+          <a:p>
+            <a:pPr indent="-330200" lvl="1" marL="914400" rtl="0" algn="l">
+              <a:spcBef>
+                <a:spcPts val="0"/>
+              </a:spcBef>
+              <a:spcAft>
+                <a:spcPts val="0"/>
+              </a:spcAft>
+              <a:buSzPts val="1600"/>
+              <a:buChar char="-"/>
+            </a:pPr>
+            <a:r>
+              <a:rPr lang="de"/>
+              <a:t>Fließkommazahlen: float (32 Bit), double (64 Bit)</a:t>
+            </a:r>
+            <a:br>
+              <a:rPr lang="de"/>
+            </a:br>
+            <a:endParaRPr/>
+          </a:p>
+          <a:p>
+            <a:pPr indent="-317500" lvl="0" marL="457200" rtl="0" algn="l">
+              <a:spcBef>
+                <a:spcPts val="0"/>
+              </a:spcBef>
+              <a:spcAft>
+                <a:spcPts val="0"/>
+              </a:spcAft>
+              <a:buSzPts val="1400"/>
+              <a:buChar char="●"/>
+            </a:pPr>
+            <a:r>
+              <a:rPr lang="de"/>
+              <a:t>Einzelne Zeichen: char</a:t>
+            </a:r>
+            <a:br>
+              <a:rPr lang="de"/>
+            </a:br>
+            <a:endParaRPr/>
+          </a:p>
+          <a:p>
+            <a:pPr indent="-317500" lvl="0" marL="457200" rtl="0" algn="l">
+              <a:spcBef>
+                <a:spcPts val="0"/>
+              </a:spcBef>
+              <a:spcAft>
+                <a:spcPts val="0"/>
+              </a:spcAft>
+              <a:buSzPts val="1400"/>
+              <a:buChar char="●"/>
+            </a:pPr>
+            <a:r>
+              <a:rPr lang="de"/>
+              <a:t>Bool’scher Wert (wahr / falsch): boolean</a:t>
+            </a:r>
+            <a:endParaRPr/>
+          </a:p>
+          <a:p>
+            <a:pPr indent="0" lvl="0" marL="0" rtl="0" algn="l">
+              <a:spcBef>
+                <a:spcPts val="320"/>
+              </a:spcBef>
+              <a:spcAft>
+                <a:spcPts val="0"/>
+              </a:spcAft>
+              <a:buNone/>
+            </a:pPr>
+            <a:r>
+              <a:t/>
+            </a:r>
+            <a:endParaRPr/>
+          </a:p>
+          <a:p>
+            <a:pPr indent="0" lvl="0" marL="0" rtl="0" algn="l">
+              <a:spcBef>
+                <a:spcPts val="320"/>
+              </a:spcBef>
+              <a:spcAft>
+                <a:spcPts val="0"/>
+              </a:spcAft>
+              <a:buNone/>
+            </a:pPr>
+            <a:r>
+              <a:rPr lang="de"/>
+              <a:t>Referenzdatentypen:</a:t>
+            </a:r>
+            <a:endParaRPr/>
+          </a:p>
+          <a:p>
+            <a:pPr indent="-317500" lvl="0" marL="457200" rtl="0" algn="l">
+              <a:spcBef>
+                <a:spcPts val="320"/>
+              </a:spcBef>
+              <a:spcAft>
+                <a:spcPts val="0"/>
+              </a:spcAft>
+              <a:buSzPts val="1400"/>
+              <a:buChar char="●"/>
+            </a:pPr>
+            <a:r>
+              <a:rPr lang="de"/>
+              <a:t>Zeichenketten: String</a:t>
+            </a:r>
+            <a:endParaRPr/>
+          </a:p>
+          <a:p>
+            <a:pPr indent="-317500" lvl="0" marL="457200" rtl="0" algn="l">
+              <a:spcBef>
+                <a:spcPts val="0"/>
+              </a:spcBef>
+              <a:spcAft>
+                <a:spcPts val="0"/>
+              </a:spcAft>
+              <a:buSzPts val="1400"/>
+              <a:buChar char="●"/>
+            </a:pPr>
+            <a:r>
+              <a:rPr lang="de"/>
+              <a:t>Listen: Array</a:t>
+            </a:r>
+            <a:endParaRPr/>
+          </a:p>
+          <a:p>
+            <a:pPr indent="-317500" lvl="0" marL="457200" rtl="0" algn="l">
+              <a:spcBef>
+                <a:spcPts val="0"/>
+              </a:spcBef>
+              <a:spcAft>
+                <a:spcPts val="0"/>
+              </a:spcAft>
+              <a:buSzPts val="1400"/>
+              <a:buChar char="●"/>
+            </a:pPr>
+            <a:r>
+              <a:rPr lang="de"/>
+              <a:t>null</a:t>
+            </a:r>
+            <a:endParaRPr/>
+          </a:p>
+          <a:p>
+            <a:pPr indent="-317500" lvl="0" marL="457200" rtl="0" algn="l">
+              <a:spcBef>
+                <a:spcPts val="0"/>
+              </a:spcBef>
+              <a:spcAft>
+                <a:spcPts val="0"/>
+              </a:spcAft>
+              <a:buSzPts val="1400"/>
+              <a:buChar char="●"/>
+            </a:pPr>
+            <a:r>
+              <a:rPr lang="de"/>
+              <a:t>...</a:t>
+            </a:r>
+            <a:r>
+              <a:rPr lang="de"/>
+              <a:t>.</a:t>
+            </a:r>
+            <a:endParaRPr/>
+          </a:p>
+          <a:p>
+            <a:pPr indent="0" lvl="0" marL="0" rtl="0" algn="l">
+              <a:spcBef>
+                <a:spcPts val="320"/>
+              </a:spcBef>
+              <a:spcAft>
+                <a:spcPts val="0"/>
+              </a:spcAft>
+              <a:buNone/>
+            </a:pPr>
+            <a:r>
+              <a:t/>
+            </a:r>
+            <a:endParaRPr/>
+          </a:p>
+          <a:p>
+            <a:pPr indent="0" lvl="0" marL="0" rtl="0" algn="l">
+              <a:spcBef>
+                <a:spcPts val="320"/>
+              </a:spcBef>
+              <a:spcAft>
+                <a:spcPts val="0"/>
+              </a:spcAft>
+              <a:buNone/>
+            </a:pPr>
+            <a:r>
+              <a:t/>
+            </a:r>
+            <a:endParaRPr/>
+          </a:p>
+        </p:txBody>
+      </p:sp>
+    </p:spTree>
+  </p:cSld>
+  <p:clrMapOvr>
+    <a:masterClrMapping/>
+  </p:clrMapOvr>
+</p:sld>
+</file>
+
+<file path=ppt/slides/slide8.xml><?xml version="1.0" encoding="utf-8"?>
+<p:sld xmlns:a="http://schemas.openxmlformats.org/drawingml/2006/main" xmlns:r="http://schemas.openxmlformats.org/officeDocument/2006/relationships" xmlns:mc="http://schemas.openxmlformats.org/markup-compatibility/2006" xmlns:mv="urn:schemas-microsoft-com:mac:vml" xmlns:p="http://schemas.openxmlformats.org/presentationml/2006/main" xmlns:c="http://schemas.openxmlformats.org/drawingml/2006/chart" xmlns:dgm="http://schemas.openxmlformats.org/drawingml/2006/diagram" xmlns:o="urn:schemas-microsoft-com:office:office" xmlns:v="urn:schemas-microsoft-com:vml" xmlns:pvml="urn:schemas-microsoft-com:office:powerpoint" xmlns:com="http://schemas.openxmlformats.org/drawingml/2006/compatibility" xmlns:p14="http://schemas.microsoft.com/office/powerpoint/2010/main" xmlns:p15="http://schemas.microsoft.com/office/powerpoint/2012/main" xmlns:ahyp="http://schemas.microsoft.com/office/drawing/2018/hyperlinkcolor">
+  <p:cSld>
+    <p:spTree>
+      <p:nvGrpSpPr>
+        <p:cNvPr id="147" name="Shape 147"/>
+        <p:cNvGrpSpPr/>
+        <p:nvPr/>
+      </p:nvGrpSpPr>
+      <p:grpSpPr>
+        <a:xfrm>
+          <a:off x="0" y="0"/>
+          <a:ext cx="0" cy="0"/>
+          <a:chOff x="0" y="0"/>
+          <a:chExt cx="0" cy="0"/>
+        </a:xfrm>
+      </p:grpSpPr>
+      <p:sp>
+        <p:nvSpPr>
+          <p:cNvPr id="148" name="Google Shape;148;p24"/>
+          <p:cNvSpPr txBox="1"/>
+          <p:nvPr>
+            <p:ph type="title"/>
+          </p:nvPr>
+        </p:nvSpPr>
+        <p:spPr>
+          <a:xfrm>
+            <a:off x="431800" y="83344"/>
+            <a:ext cx="8375700" cy="531000"/>
+          </a:xfrm>
+          <a:prstGeom prst="rect">
+            <a:avLst/>
+          </a:prstGeom>
+        </p:spPr>
+        <p:txBody>
+          <a:bodyPr anchorCtr="0" anchor="b" bIns="0" lIns="0" spcFirstLastPara="1" rIns="0" wrap="square" tIns="0">
+            <a:noAutofit/>
+          </a:bodyPr>
+          <a:lstStyle/>
+          <a:p>
+            <a:pPr indent="0" lvl="0" marL="0" rtl="0" algn="l">
+              <a:spcBef>
+                <a:spcPts val="0"/>
+              </a:spcBef>
+              <a:spcAft>
+                <a:spcPts val="0"/>
+              </a:spcAft>
+              <a:buNone/>
+            </a:pPr>
+            <a:r>
+              <a:rPr lang="de"/>
+              <a:t>2.3. Operatoren</a:t>
+            </a:r>
+            <a:endParaRPr/>
+          </a:p>
+        </p:txBody>
+      </p:sp>
+      <p:sp>
+        <p:nvSpPr>
+          <p:cNvPr id="149" name="Google Shape;149;p24"/>
           <p:cNvSpPr/>
           <p:nvPr>
             <p:ph idx="2" type="chart"/>
@@ -12416,12 +13303,12 @@
 </p:sld>
 </file>
 
-<file path=ppt/slides/slide8.xml><?xml version="1.0" encoding="utf-8"?>
+<file path=ppt/slides/slide9.xml><?xml version="1.0" encoding="utf-8"?>
 <p:sld xmlns:a="http://schemas.openxmlformats.org/drawingml/2006/main" xmlns:r="http://schemas.openxmlformats.org/officeDocument/2006/relationships" xmlns:mc="http://schemas.openxmlformats.org/markup-compatibility/2006" xmlns:mv="urn:schemas-microsoft-com:mac:vml" xmlns:p="http://schemas.openxmlformats.org/presentationml/2006/main" xmlns:c="http://schemas.openxmlformats.org/drawingml/2006/chart" xmlns:dgm="http://schemas.openxmlformats.org/drawingml/2006/diagram" xmlns:o="urn:schemas-microsoft-com:office:office" xmlns:v="urn:schemas-microsoft-com:vml" xmlns:pvml="urn:schemas-microsoft-com:office:powerpoint" xmlns:com="http://schemas.openxmlformats.org/drawingml/2006/compatibility" xmlns:p14="http://schemas.microsoft.com/office/powerpoint/2010/main" xmlns:p15="http://schemas.microsoft.com/office/powerpoint/2012/main" xmlns:ahyp="http://schemas.microsoft.com/office/drawing/2018/hyperlinkcolor">
   <p:cSld>
     <p:spTree>
       <p:nvGrpSpPr>
-        <p:cNvPr id="146" name="Shape 146"/>
+        <p:cNvPr id="153" name="Shape 153"/>
         <p:cNvGrpSpPr/>
         <p:nvPr/>
       </p:nvGrpSpPr>
@@ -12435,7 +13322,7 @@
       </p:grpSpPr>
       <p:sp>
         <p:nvSpPr>
-          <p:cNvPr id="147" name="Google Shape;147;p24"/>
+          <p:cNvPr id="154" name="Google Shape;154;p25"/>
           <p:cNvSpPr txBox="1"/>
           <p:nvPr>
             <p:ph type="title"/>
@@ -12475,7 +13362,7 @@
       </p:sp>
       <p:sp>
         <p:nvSpPr>
-          <p:cNvPr id="148" name="Google Shape;148;p24"/>
+          <p:cNvPr id="155" name="Google Shape;155;p25"/>
           <p:cNvSpPr/>
           <p:nvPr>
             <p:ph idx="2" type="chart"/>
@@ -12506,7 +13393,16 @@
               <a:buNone/>
             </a:pPr>
             <a:r>
-              <a:t/>
+              <a:rPr lang="de"/>
+              <a:t>Es können Programmschnipsel bedingt ausgeführt werden. Die Bedingungen müssen immer den </a:t>
+            </a:r>
+            <a:r>
+              <a:rPr b="1" lang="de"/>
+              <a:t>bool’schen Datentypen</a:t>
+            </a:r>
+            <a:r>
+              <a:rPr lang="de"/>
+              <a:t> haben. </a:t>
             </a:r>
             <a:endParaRPr/>
           </a:p>
@@ -12521,68 +13417,8 @@
               <a:buNone/>
             </a:pPr>
             <a:r>
-              <a:t/>
-            </a:r>
-            <a:endParaRPr/>
-          </a:p>
-          <a:p>
-            <a:pPr indent="0" lvl="0" marL="0" rtl="0" algn="l">
-              <a:spcBef>
-                <a:spcPts val="320"/>
-              </a:spcBef>
-              <a:spcAft>
-                <a:spcPts val="0"/>
-              </a:spcAft>
-              <a:buNone/>
-            </a:pPr>
-            <a:r>
-              <a:t/>
-            </a:r>
-            <a:endParaRPr/>
-          </a:p>
-          <a:p>
-            <a:pPr indent="0" lvl="0" marL="0" rtl="0" algn="l">
-              <a:spcBef>
-                <a:spcPts val="320"/>
-              </a:spcBef>
-              <a:spcAft>
-                <a:spcPts val="0"/>
-              </a:spcAft>
-              <a:buNone/>
-            </a:pPr>
-            <a:r>
-              <a:t/>
-            </a:r>
-            <a:endParaRPr/>
-          </a:p>
-          <a:p>
-            <a:pPr indent="0" lvl="0" marL="0" rtl="0" algn="l">
-              <a:spcBef>
-                <a:spcPts val="320"/>
-              </a:spcBef>
-              <a:spcAft>
-                <a:spcPts val="0"/>
-              </a:spcAft>
-              <a:buNone/>
-            </a:pPr>
-            <a:r>
-              <a:t/>
-            </a:r>
-            <a:endParaRPr/>
-          </a:p>
-          <a:p>
-            <a:pPr indent="0" lvl="0" marL="0" rtl="0" algn="l">
-              <a:spcBef>
-                <a:spcPts val="320"/>
-              </a:spcBef>
-              <a:spcAft>
-                <a:spcPts val="0"/>
-              </a:spcAft>
-              <a:buNone/>
-            </a:pPr>
-            <a:r>
               <a:rPr lang="de"/>
-              <a:t>Es können Programmschnipsel bedingt ausgeführt werden. Die Bedingungen müssen immer den bool’schen Datentypen haben. Der “if-Block” wird ausgeführt, wenn die Bedingung den Wert “true” hat. Der </a:t>
+              <a:t>Der “if-Block” wird ausgeführt, wenn die Bedingung den Wert “true” hat. Der </a:t>
             </a:r>
             <a:r>
               <a:rPr b="1" lang="de"/>
@@ -12598,7 +13434,7 @@
       </p:sp>
       <p:pic>
         <p:nvPicPr>
-          <p:cNvPr id="149" name="Google Shape;149;p24"/>
+          <p:cNvPr id="156" name="Google Shape;156;p25"/>
           <p:cNvPicPr preferRelativeResize="0"/>
           <p:nvPr/>
         </p:nvPicPr>
@@ -12612,332 +13448,8 @@
         </p:blipFill>
         <p:spPr>
           <a:xfrm>
-            <a:off x="2439688" y="922150"/>
+            <a:off x="2439688" y="2156575"/>
             <a:ext cx="4359925" cy="1167300"/>
-          </a:xfrm>
-          <a:prstGeom prst="rect">
-            <a:avLst/>
-          </a:prstGeom>
-          <a:noFill/>
-          <a:ln>
-            <a:noFill/>
-          </a:ln>
-        </p:spPr>
-      </p:pic>
-      <p:pic>
-        <p:nvPicPr>
-          <p:cNvPr id="150" name="Google Shape;150;p24"/>
-          <p:cNvPicPr preferRelativeResize="0"/>
-          <p:nvPr/>
-        </p:nvPicPr>
-        <p:blipFill>
-          <a:blip r:embed="rId4">
-            <a:alphaModFix/>
-          </a:blip>
-          <a:stretch>
-            <a:fillRect/>
-          </a:stretch>
-        </p:blipFill>
-        <p:spPr>
-          <a:xfrm>
-            <a:off x="2642025" y="3036700"/>
-            <a:ext cx="3859951" cy="1504875"/>
-          </a:xfrm>
-          <a:prstGeom prst="rect">
-            <a:avLst/>
-          </a:prstGeom>
-          <a:noFill/>
-          <a:ln>
-            <a:noFill/>
-          </a:ln>
-        </p:spPr>
-      </p:pic>
-    </p:spTree>
-  </p:cSld>
-  <p:clrMapOvr>
-    <a:masterClrMapping/>
-  </p:clrMapOvr>
-</p:sld>
-</file>
-
-<file path=ppt/slides/slide9.xml><?xml version="1.0" encoding="utf-8"?>
-<p:sld xmlns:a="http://schemas.openxmlformats.org/drawingml/2006/main" xmlns:r="http://schemas.openxmlformats.org/officeDocument/2006/relationships" xmlns:mc="http://schemas.openxmlformats.org/markup-compatibility/2006" xmlns:mv="urn:schemas-microsoft-com:mac:vml" xmlns:p="http://schemas.openxmlformats.org/presentationml/2006/main" xmlns:c="http://schemas.openxmlformats.org/drawingml/2006/chart" xmlns:dgm="http://schemas.openxmlformats.org/drawingml/2006/diagram" xmlns:o="urn:schemas-microsoft-com:office:office" xmlns:v="urn:schemas-microsoft-com:vml" xmlns:pvml="urn:schemas-microsoft-com:office:powerpoint" xmlns:com="http://schemas.openxmlformats.org/drawingml/2006/compatibility" xmlns:p14="http://schemas.microsoft.com/office/powerpoint/2010/main" xmlns:p15="http://schemas.microsoft.com/office/powerpoint/2012/main" xmlns:ahyp="http://schemas.microsoft.com/office/drawing/2018/hyperlinkcolor">
-  <p:cSld>
-    <p:spTree>
-      <p:nvGrpSpPr>
-        <p:cNvPr id="154" name="Shape 154"/>
-        <p:cNvGrpSpPr/>
-        <p:nvPr/>
-      </p:nvGrpSpPr>
-      <p:grpSpPr>
-        <a:xfrm>
-          <a:off x="0" y="0"/>
-          <a:ext cx="0" cy="0"/>
-          <a:chOff x="0" y="0"/>
-          <a:chExt cx="0" cy="0"/>
-        </a:xfrm>
-      </p:grpSpPr>
-      <p:sp>
-        <p:nvSpPr>
-          <p:cNvPr id="155" name="Google Shape;155;p25"/>
-          <p:cNvSpPr txBox="1"/>
-          <p:nvPr>
-            <p:ph type="title"/>
-          </p:nvPr>
-        </p:nvSpPr>
-        <p:spPr>
-          <a:xfrm>
-            <a:off x="431800" y="83344"/>
-            <a:ext cx="8375700" cy="531000"/>
-          </a:xfrm>
-          <a:prstGeom prst="rect">
-            <a:avLst/>
-          </a:prstGeom>
-        </p:spPr>
-        <p:txBody>
-          <a:bodyPr anchorCtr="0" anchor="b" bIns="0" lIns="0" spcFirstLastPara="1" rIns="0" wrap="square" tIns="0">
-            <a:noAutofit/>
-          </a:bodyPr>
-          <a:lstStyle/>
-          <a:p>
-            <a:pPr indent="0" lvl="0" marL="0" rtl="0" algn="l">
-              <a:spcBef>
-                <a:spcPts val="0"/>
-              </a:spcBef>
-              <a:spcAft>
-                <a:spcPts val="0"/>
-              </a:spcAft>
-              <a:buNone/>
-            </a:pPr>
-            <a:r>
-              <a:rPr lang="de"/>
-              <a:t>3.2. switch-case</a:t>
-            </a:r>
-            <a:endParaRPr/>
-          </a:p>
-        </p:txBody>
-      </p:sp>
-      <p:sp>
-        <p:nvSpPr>
-          <p:cNvPr id="156" name="Google Shape;156;p25"/>
-          <p:cNvSpPr/>
-          <p:nvPr>
-            <p:ph idx="2" type="chart"/>
-          </p:nvPr>
-        </p:nvSpPr>
-        <p:spPr>
-          <a:xfrm>
-            <a:off x="431800" y="782241"/>
-            <a:ext cx="8375700" cy="3579000"/>
-          </a:xfrm>
-          <a:prstGeom prst="rect">
-            <a:avLst/>
-          </a:prstGeom>
-        </p:spPr>
-        <p:txBody>
-          <a:bodyPr anchorCtr="0" anchor="t" bIns="0" lIns="0" spcFirstLastPara="1" rIns="0" wrap="square" tIns="0">
-            <a:noAutofit/>
-          </a:bodyPr>
-          <a:lstStyle/>
-          <a:p>
-            <a:pPr indent="0" lvl="0" marL="0" rtl="0" algn="l">
-              <a:spcBef>
-                <a:spcPts val="320"/>
-              </a:spcBef>
-              <a:spcAft>
-                <a:spcPts val="0"/>
-              </a:spcAft>
-              <a:buNone/>
-            </a:pPr>
-            <a:r>
-              <a:t/>
-            </a:r>
-            <a:endParaRPr/>
-          </a:p>
-          <a:p>
-            <a:pPr indent="0" lvl="0" marL="0" rtl="0" algn="l">
-              <a:spcBef>
-                <a:spcPts val="320"/>
-              </a:spcBef>
-              <a:spcAft>
-                <a:spcPts val="0"/>
-              </a:spcAft>
-              <a:buNone/>
-            </a:pPr>
-            <a:r>
-              <a:t/>
-            </a:r>
-            <a:endParaRPr/>
-          </a:p>
-          <a:p>
-            <a:pPr indent="0" lvl="0" marL="0" rtl="0" algn="l">
-              <a:spcBef>
-                <a:spcPts val="320"/>
-              </a:spcBef>
-              <a:spcAft>
-                <a:spcPts val="0"/>
-              </a:spcAft>
-              <a:buNone/>
-            </a:pPr>
-            <a:r>
-              <a:t/>
-            </a:r>
-            <a:endParaRPr/>
-          </a:p>
-          <a:p>
-            <a:pPr indent="0" lvl="0" marL="0" rtl="0" algn="l">
-              <a:spcBef>
-                <a:spcPts val="320"/>
-              </a:spcBef>
-              <a:spcAft>
-                <a:spcPts val="0"/>
-              </a:spcAft>
-              <a:buNone/>
-            </a:pPr>
-            <a:r>
-              <a:t/>
-            </a:r>
-            <a:endParaRPr/>
-          </a:p>
-          <a:p>
-            <a:pPr indent="0" lvl="0" marL="0" rtl="0" algn="l">
-              <a:spcBef>
-                <a:spcPts val="320"/>
-              </a:spcBef>
-              <a:spcAft>
-                <a:spcPts val="0"/>
-              </a:spcAft>
-              <a:buNone/>
-            </a:pPr>
-            <a:r>
-              <a:t/>
-            </a:r>
-            <a:endParaRPr/>
-          </a:p>
-          <a:p>
-            <a:pPr indent="0" lvl="0" marL="0" rtl="0" algn="l">
-              <a:spcBef>
-                <a:spcPts val="320"/>
-              </a:spcBef>
-              <a:spcAft>
-                <a:spcPts val="0"/>
-              </a:spcAft>
-              <a:buNone/>
-            </a:pPr>
-            <a:r>
-              <a:t/>
-            </a:r>
-            <a:endParaRPr/>
-          </a:p>
-          <a:p>
-            <a:pPr indent="0" lvl="0" marL="0" rtl="0" algn="l">
-              <a:spcBef>
-                <a:spcPts val="320"/>
-              </a:spcBef>
-              <a:spcAft>
-                <a:spcPts val="0"/>
-              </a:spcAft>
-              <a:buNone/>
-            </a:pPr>
-            <a:r>
-              <a:t/>
-            </a:r>
-            <a:endParaRPr/>
-          </a:p>
-          <a:p>
-            <a:pPr indent="0" lvl="0" marL="0" rtl="0" algn="l">
-              <a:spcBef>
-                <a:spcPts val="320"/>
-              </a:spcBef>
-              <a:spcAft>
-                <a:spcPts val="0"/>
-              </a:spcAft>
-              <a:buNone/>
-            </a:pPr>
-            <a:r>
-              <a:t/>
-            </a:r>
-            <a:endParaRPr/>
-          </a:p>
-          <a:p>
-            <a:pPr indent="0" lvl="0" marL="0" rtl="0" algn="l">
-              <a:spcBef>
-                <a:spcPts val="320"/>
-              </a:spcBef>
-              <a:spcAft>
-                <a:spcPts val="0"/>
-              </a:spcAft>
-              <a:buNone/>
-            </a:pPr>
-            <a:r>
-              <a:rPr lang="de"/>
-              <a:t>Die switch-case-Anweisung ist nichts anderes, als eine intuitivere Schreibweise für...</a:t>
-            </a:r>
-            <a:endParaRPr/>
-          </a:p>
-          <a:p>
-            <a:pPr indent="0" lvl="0" marL="0" rtl="0" algn="l">
-              <a:spcBef>
-                <a:spcPts val="320"/>
-              </a:spcBef>
-              <a:spcAft>
-                <a:spcPts val="0"/>
-              </a:spcAft>
-              <a:buNone/>
-            </a:pPr>
-            <a:r>
-              <a:t/>
-            </a:r>
-            <a:endParaRPr/>
-          </a:p>
-        </p:txBody>
-      </p:sp>
-      <p:pic>
-        <p:nvPicPr>
-          <p:cNvPr id="157" name="Google Shape;157;p25"/>
-          <p:cNvPicPr preferRelativeResize="0"/>
-          <p:nvPr/>
-        </p:nvPicPr>
-        <p:blipFill>
-          <a:blip r:embed="rId3">
-            <a:alphaModFix/>
-          </a:blip>
-          <a:stretch>
-            <a:fillRect/>
-          </a:stretch>
-        </p:blipFill>
-        <p:spPr>
-          <a:xfrm>
-            <a:off x="2256663" y="741100"/>
-            <a:ext cx="4725975" cy="2155725"/>
-          </a:xfrm>
-          <a:prstGeom prst="rect">
-            <a:avLst/>
-          </a:prstGeom>
-          <a:noFill/>
-          <a:ln>
-            <a:noFill/>
-          </a:ln>
-        </p:spPr>
-      </p:pic>
-      <p:pic>
-        <p:nvPicPr>
-          <p:cNvPr id="158" name="Google Shape;158;p25"/>
-          <p:cNvPicPr preferRelativeResize="0"/>
-          <p:nvPr/>
-        </p:nvPicPr>
-        <p:blipFill>
-          <a:blip r:embed="rId4">
-            <a:alphaModFix/>
-          </a:blip>
-          <a:stretch>
-            <a:fillRect/>
-          </a:stretch>
-        </p:blipFill>
-        <p:spPr>
-          <a:xfrm>
-            <a:off x="3541125" y="3385575"/>
-            <a:ext cx="1506575" cy="1107775"/>
           </a:xfrm>
           <a:prstGeom prst="rect">
             <a:avLst/>
@@ -12957,6 +13469,285 @@
 </file>
 
 <file path=ppt/theme/theme1.xml><?xml version="1.0" encoding="utf-8"?>
+<a:theme xmlns:a="http://schemas.openxmlformats.org/drawingml/2006/main" xmlns:r="http://schemas.openxmlformats.org/officeDocument/2006/relationships">
+  <a:themeElements>
+    <a:clrScheme name="Default">
+      <a:dk1>
+        <a:srgbClr val="000000"/>
+      </a:dk1>
+      <a:lt1>
+        <a:srgbClr val="FFFFFF"/>
+      </a:lt1>
+      <a:dk2>
+        <a:srgbClr val="158158"/>
+      </a:dk2>
+      <a:lt2>
+        <a:srgbClr val="F3F3F3"/>
+      </a:lt2>
+      <a:accent1>
+        <a:srgbClr val="058DC7"/>
+      </a:accent1>
+      <a:accent2>
+        <a:srgbClr val="50B432"/>
+      </a:accent2>
+      <a:accent3>
+        <a:srgbClr val="ED561B"/>
+      </a:accent3>
+      <a:accent4>
+        <a:srgbClr val="EDEF00"/>
+      </a:accent4>
+      <a:accent5>
+        <a:srgbClr val="24CBE5"/>
+      </a:accent5>
+      <a:accent6>
+        <a:srgbClr val="64E572"/>
+      </a:accent6>
+      <a:hlink>
+        <a:srgbClr val="2200CC"/>
+      </a:hlink>
+      <a:folHlink>
+        <a:srgbClr val="551A8B"/>
+      </a:folHlink>
+    </a:clrScheme>
+    <a:fontScheme name="Office">
+      <a:majorFont>
+        <a:latin typeface="Arial"/>
+        <a:ea typeface=""/>
+        <a:cs typeface=""/>
+        <a:font script="Jpan" typeface="ＭＳ Ｐゴシック"/>
+        <a:font script="Hang" typeface="맑은 고딕"/>
+        <a:font script="Hans" typeface="宋体"/>
+        <a:font script="Hant" typeface="新細明體"/>
+        <a:font script="Arab" typeface="Times New Roman"/>
+        <a:font script="Hebr" typeface="Times New Roman"/>
+        <a:font script="Thai" typeface="Angsana New"/>
+        <a:font script="Ethi" typeface="Nyala"/>
+        <a:font script="Beng" typeface="Vrinda"/>
+        <a:font script="Gujr" typeface="Shruti"/>
+        <a:font script="Khmr" typeface="MoolBoran"/>
+        <a:font script="Knda" typeface="Tunga"/>
+        <a:font script="Guru" typeface="Raavi"/>
+        <a:font script="Cans" typeface="Euphemia"/>
+        <a:font script="Cher" typeface="Plantagenet Cherokee"/>
+        <a:font script="Yiii" typeface="Microsoft Yi Baiti"/>
+        <a:font script="Tibt" typeface="Microsoft Himalaya"/>
+        <a:font script="Thaa" typeface="MV Boli"/>
+        <a:font script="Deva" typeface="Mangal"/>
+        <a:font script="Telu" typeface="Gautami"/>
+        <a:font script="Taml" typeface="Latha"/>
+        <a:font script="Syrc" typeface="Estrangelo Edessa"/>
+        <a:font script="Orya" typeface="Kalinga"/>
+        <a:font script="Mlym" typeface="Kartika"/>
+        <a:font script="Laoo" typeface="DokChampa"/>
+        <a:font script="Sinh" typeface="Iskoola Pota"/>
+        <a:font script="Mong" typeface="Mongolian Baiti"/>
+        <a:font script="Viet" typeface="Times New Roman"/>
+        <a:font script="Uigh" typeface="Microsoft Uighur"/>
+        <a:font script="Geor" typeface="Sylfaen"/>
+      </a:majorFont>
+      <a:minorFont>
+        <a:latin typeface="Arial"/>
+        <a:ea typeface=""/>
+        <a:cs typeface=""/>
+        <a:font script="Jpan" typeface="ＭＳ Ｐゴシック"/>
+        <a:font script="Hang" typeface="맑은 고딕"/>
+        <a:font script="Hans" typeface="宋体"/>
+        <a:font script="Hant" typeface="新細明體"/>
+        <a:font script="Arab" typeface="Arial"/>
+        <a:font script="Hebr" typeface="Arial"/>
+        <a:font script="Thai" typeface="Cordia New"/>
+        <a:font script="Ethi" typeface="Nyala"/>
+        <a:font script="Beng" typeface="Vrinda"/>
+        <a:font script="Gujr" typeface="Shruti"/>
+        <a:font script="Khmr" typeface="DaunPenh"/>
+        <a:font script="Knda" typeface="Tunga"/>
+        <a:font script="Guru" typeface="Raavi"/>
+        <a:font script="Cans" typeface="Euphemia"/>
+        <a:font script="Cher" typeface="Plantagenet Cherokee"/>
+        <a:font script="Yiii" typeface="Microsoft Yi Baiti"/>
+        <a:font script="Tibt" typeface="Microsoft Himalaya"/>
+        <a:font script="Thaa" typeface="MV Boli"/>
+        <a:font script="Deva" typeface="Mangal"/>
+        <a:font script="Telu" typeface="Gautami"/>
+        <a:font script="Taml" typeface="Latha"/>
+        <a:font script="Syrc" typeface="Estrangelo Edessa"/>
+        <a:font script="Orya" typeface="Kalinga"/>
+        <a:font script="Mlym" typeface="Kartika"/>
+        <a:font script="Laoo" typeface="DokChampa"/>
+        <a:font script="Sinh" typeface="Iskoola Pota"/>
+        <a:font script="Mong" typeface="Mongolian Baiti"/>
+        <a:font script="Viet" typeface="Arial"/>
+        <a:font script="Uigh" typeface="Microsoft Uighur"/>
+        <a:font script="Geor" typeface="Sylfaen"/>
+      </a:minorFont>
+    </a:fontScheme>
+    <a:fmtScheme name="Office">
+      <a:fillStyleLst>
+        <a:solidFill>
+          <a:schemeClr val="phClr"/>
+        </a:solidFill>
+        <a:gradFill rotWithShape="1">
+          <a:gsLst>
+            <a:gs pos="0">
+              <a:schemeClr val="phClr">
+                <a:tint val="50000"/>
+                <a:satMod val="300000"/>
+              </a:schemeClr>
+            </a:gs>
+            <a:gs pos="35000">
+              <a:schemeClr val="phClr">
+                <a:tint val="37000"/>
+                <a:satMod val="300000"/>
+              </a:schemeClr>
+            </a:gs>
+            <a:gs pos="100000">
+              <a:schemeClr val="phClr">
+                <a:tint val="15000"/>
+                <a:satMod val="350000"/>
+              </a:schemeClr>
+            </a:gs>
+          </a:gsLst>
+          <a:lin ang="16200000" scaled="1"/>
+        </a:gradFill>
+        <a:gradFill rotWithShape="1">
+          <a:gsLst>
+            <a:gs pos="0">
+              <a:schemeClr val="phClr">
+                <a:tint val="100000"/>
+                <a:shade val="100000"/>
+                <a:satMod val="130000"/>
+              </a:schemeClr>
+            </a:gs>
+            <a:gs pos="100000">
+              <a:schemeClr val="phClr">
+                <a:tint val="50000"/>
+                <a:shade val="100000"/>
+                <a:satMod val="350000"/>
+              </a:schemeClr>
+            </a:gs>
+          </a:gsLst>
+          <a:lin ang="16200000" scaled="0"/>
+        </a:gradFill>
+      </a:fillStyleLst>
+      <a:lnStyleLst>
+        <a:ln w="9525" cap="flat" cmpd="sng" algn="ctr">
+          <a:solidFill>
+            <a:schemeClr val="phClr">
+              <a:shade val="95000"/>
+              <a:satMod val="105000"/>
+            </a:schemeClr>
+          </a:solidFill>
+          <a:prstDash val="solid"/>
+        </a:ln>
+        <a:ln w="25400" cap="flat" cmpd="sng" algn="ctr">
+          <a:solidFill>
+            <a:schemeClr val="phClr"/>
+          </a:solidFill>
+          <a:prstDash val="solid"/>
+        </a:ln>
+        <a:ln w="38100" cap="flat" cmpd="sng" algn="ctr">
+          <a:solidFill>
+            <a:schemeClr val="phClr"/>
+          </a:solidFill>
+          <a:prstDash val="solid"/>
+        </a:ln>
+      </a:lnStyleLst>
+      <a:effectStyleLst>
+        <a:effectStyle>
+          <a:effectLst>
+            <a:outerShdw blurRad="40000" dist="20000" dir="5400000" rotWithShape="0">
+              <a:srgbClr val="000000">
+                <a:alpha val="38000"/>
+              </a:srgbClr>
+            </a:outerShdw>
+          </a:effectLst>
+        </a:effectStyle>
+        <a:effectStyle>
+          <a:effectLst>
+            <a:outerShdw blurRad="40000" dist="23000" dir="5400000" rotWithShape="0">
+              <a:srgbClr val="000000">
+                <a:alpha val="35000"/>
+              </a:srgbClr>
+            </a:outerShdw>
+          </a:effectLst>
+        </a:effectStyle>
+        <a:effectStyle>
+          <a:effectLst>
+            <a:outerShdw blurRad="40000" dist="23000" dir="5400000" rotWithShape="0">
+              <a:srgbClr val="000000">
+                <a:alpha val="35000"/>
+              </a:srgbClr>
+            </a:outerShdw>
+          </a:effectLst>
+          <a:scene3d>
+            <a:camera prst="orthographicFront">
+              <a:rot lat="0" lon="0" rev="0"/>
+            </a:camera>
+            <a:lightRig rig="threePt" dir="t">
+              <a:rot lat="0" lon="0" rev="1200000"/>
+            </a:lightRig>
+          </a:scene3d>
+          <a:sp3d>
+            <a:bevelT w="63500" h="25400"/>
+          </a:sp3d>
+        </a:effectStyle>
+      </a:effectStyleLst>
+      <a:bgFillStyleLst>
+        <a:solidFill>
+          <a:schemeClr val="phClr"/>
+        </a:solidFill>
+        <a:gradFill rotWithShape="1">
+          <a:gsLst>
+            <a:gs pos="0">
+              <a:schemeClr val="phClr">
+                <a:tint val="40000"/>
+                <a:satMod val="350000"/>
+              </a:schemeClr>
+            </a:gs>
+            <a:gs pos="40000">
+              <a:schemeClr val="phClr">
+                <a:tint val="45000"/>
+                <a:shade val="99000"/>
+                <a:satMod val="350000"/>
+              </a:schemeClr>
+            </a:gs>
+            <a:gs pos="100000">
+              <a:schemeClr val="phClr">
+                <a:shade val="20000"/>
+                <a:satMod val="255000"/>
+              </a:schemeClr>
+            </a:gs>
+          </a:gsLst>
+          <a:path path="circle">
+            <a:fillToRect l="50000" t="-80000" r="50000" b="180000"/>
+          </a:path>
+        </a:gradFill>
+        <a:gradFill rotWithShape="1">
+          <a:gsLst>
+            <a:gs pos="0">
+              <a:schemeClr val="phClr">
+                <a:tint val="80000"/>
+                <a:satMod val="300000"/>
+              </a:schemeClr>
+            </a:gs>
+            <a:gs pos="100000">
+              <a:schemeClr val="phClr">
+                <a:shade val="30000"/>
+                <a:satMod val="200000"/>
+              </a:schemeClr>
+            </a:gs>
+          </a:gsLst>
+          <a:path path="circle">
+            <a:fillToRect l="50000" t="50000" r="50000" b="50000"/>
+          </a:path>
+        </a:gradFill>
+      </a:bgFillStyleLst>
+    </a:fmtScheme>
+  </a:themeElements>
+</a:theme>
+</file>
+
+<file path=ppt/theme/theme2.xml><?xml version="1.0" encoding="utf-8"?>
 <a:theme xmlns:a="http://schemas.openxmlformats.org/drawingml/2006/main" xmlns:r="http://schemas.openxmlformats.org/officeDocument/2006/relationships" name="TUBraunschweig_PPT2007_Folienpool_pptx">
   <a:themeElements>
     <a:clrScheme name="TU Braunschweig">
@@ -13233,283 +14024,4 @@
     </a:fmtScheme>
   </a:themeElements>
 </a:theme>
-</file>
-
-<file path=ppt/theme/theme2.xml><?xml version="1.0" encoding="utf-8"?>
-<a:theme xmlns:a="http://schemas.openxmlformats.org/drawingml/2006/main" xmlns:r="http://schemas.openxmlformats.org/officeDocument/2006/relationships">
-  <a:themeElements>
-    <a:clrScheme name="Default">
-      <a:dk1>
-        <a:srgbClr val="000000"/>
-      </a:dk1>
-      <a:lt1>
-        <a:srgbClr val="FFFFFF"/>
-      </a:lt1>
-      <a:dk2>
-        <a:srgbClr val="158158"/>
-      </a:dk2>
-      <a:lt2>
-        <a:srgbClr val="F3F3F3"/>
-      </a:lt2>
-      <a:accent1>
-        <a:srgbClr val="058DC7"/>
-      </a:accent1>
-      <a:accent2>
-        <a:srgbClr val="50B432"/>
-      </a:accent2>
-      <a:accent3>
-        <a:srgbClr val="ED561B"/>
-      </a:accent3>
-      <a:accent4>
-        <a:srgbClr val="EDEF00"/>
-      </a:accent4>
-      <a:accent5>
-        <a:srgbClr val="24CBE5"/>
-      </a:accent5>
-      <a:accent6>
-        <a:srgbClr val="64E572"/>
-      </a:accent6>
-      <a:hlink>
-        <a:srgbClr val="2200CC"/>
-      </a:hlink>
-      <a:folHlink>
-        <a:srgbClr val="551A8B"/>
-      </a:folHlink>
-    </a:clrScheme>
-    <a:fontScheme name="Office">
-      <a:majorFont>
-        <a:latin typeface="Arial"/>
-        <a:ea typeface=""/>
-        <a:cs typeface=""/>
-        <a:font script="Jpan" typeface="ＭＳ Ｐゴシック"/>
-        <a:font script="Hang" typeface="맑은 고딕"/>
-        <a:font script="Hans" typeface="宋体"/>
-        <a:font script="Hant" typeface="新細明體"/>
-        <a:font script="Arab" typeface="Times New Roman"/>
-        <a:font script="Hebr" typeface="Times New Roman"/>
-        <a:font script="Thai" typeface="Angsana New"/>
-        <a:font script="Ethi" typeface="Nyala"/>
-        <a:font script="Beng" typeface="Vrinda"/>
-        <a:font script="Gujr" typeface="Shruti"/>
-        <a:font script="Khmr" typeface="MoolBoran"/>
-        <a:font script="Knda" typeface="Tunga"/>
-        <a:font script="Guru" typeface="Raavi"/>
-        <a:font script="Cans" typeface="Euphemia"/>
-        <a:font script="Cher" typeface="Plantagenet Cherokee"/>
-        <a:font script="Yiii" typeface="Microsoft Yi Baiti"/>
-        <a:font script="Tibt" typeface="Microsoft Himalaya"/>
-        <a:font script="Thaa" typeface="MV Boli"/>
-        <a:font script="Deva" typeface="Mangal"/>
-        <a:font script="Telu" typeface="Gautami"/>
-        <a:font script="Taml" typeface="Latha"/>
-        <a:font script="Syrc" typeface="Estrangelo Edessa"/>
-        <a:font script="Orya" typeface="Kalinga"/>
-        <a:font script="Mlym" typeface="Kartika"/>
-        <a:font script="Laoo" typeface="DokChampa"/>
-        <a:font script="Sinh" typeface="Iskoola Pota"/>
-        <a:font script="Mong" typeface="Mongolian Baiti"/>
-        <a:font script="Viet" typeface="Times New Roman"/>
-        <a:font script="Uigh" typeface="Microsoft Uighur"/>
-        <a:font script="Geor" typeface="Sylfaen"/>
-      </a:majorFont>
-      <a:minorFont>
-        <a:latin typeface="Arial"/>
-        <a:ea typeface=""/>
-        <a:cs typeface=""/>
-        <a:font script="Jpan" typeface="ＭＳ Ｐゴシック"/>
-        <a:font script="Hang" typeface="맑은 고딕"/>
-        <a:font script="Hans" typeface="宋体"/>
-        <a:font script="Hant" typeface="新細明體"/>
-        <a:font script="Arab" typeface="Arial"/>
-        <a:font script="Hebr" typeface="Arial"/>
-        <a:font script="Thai" typeface="Cordia New"/>
-        <a:font script="Ethi" typeface="Nyala"/>
-        <a:font script="Beng" typeface="Vrinda"/>
-        <a:font script="Gujr" typeface="Shruti"/>
-        <a:font script="Khmr" typeface="DaunPenh"/>
-        <a:font script="Knda" typeface="Tunga"/>
-        <a:font script="Guru" typeface="Raavi"/>
-        <a:font script="Cans" typeface="Euphemia"/>
-        <a:font script="Cher" typeface="Plantagenet Cherokee"/>
-        <a:font script="Yiii" typeface="Microsoft Yi Baiti"/>
-        <a:font script="Tibt" typeface="Microsoft Himalaya"/>
-        <a:font script="Thaa" typeface="MV Boli"/>
-        <a:font script="Deva" typeface="Mangal"/>
-        <a:font script="Telu" typeface="Gautami"/>
-        <a:font script="Taml" typeface="Latha"/>
-        <a:font script="Syrc" typeface="Estrangelo Edessa"/>
-        <a:font script="Orya" typeface="Kalinga"/>
-        <a:font script="Mlym" typeface="Kartika"/>
-        <a:font script="Laoo" typeface="DokChampa"/>
-        <a:font script="Sinh" typeface="Iskoola Pota"/>
-        <a:font script="Mong" typeface="Mongolian Baiti"/>
-        <a:font script="Viet" typeface="Arial"/>
-        <a:font script="Uigh" typeface="Microsoft Uighur"/>
-        <a:font script="Geor" typeface="Sylfaen"/>
-      </a:minorFont>
-    </a:fontScheme>
-    <a:fmtScheme name="Office">
-      <a:fillStyleLst>
-        <a:solidFill>
-          <a:schemeClr val="phClr"/>
-        </a:solidFill>
-        <a:gradFill rotWithShape="1">
-          <a:gsLst>
-            <a:gs pos="0">
-              <a:schemeClr val="phClr">
-                <a:tint val="50000"/>
-                <a:satMod val="300000"/>
-              </a:schemeClr>
-            </a:gs>
-            <a:gs pos="35000">
-              <a:schemeClr val="phClr">
-                <a:tint val="37000"/>
-                <a:satMod val="300000"/>
-              </a:schemeClr>
-            </a:gs>
-            <a:gs pos="100000">
-              <a:schemeClr val="phClr">
-                <a:tint val="15000"/>
-                <a:satMod val="350000"/>
-              </a:schemeClr>
-            </a:gs>
-          </a:gsLst>
-          <a:lin ang="16200000" scaled="1"/>
-        </a:gradFill>
-        <a:gradFill rotWithShape="1">
-          <a:gsLst>
-            <a:gs pos="0">
-              <a:schemeClr val="phClr">
-                <a:tint val="100000"/>
-                <a:shade val="100000"/>
-                <a:satMod val="130000"/>
-              </a:schemeClr>
-            </a:gs>
-            <a:gs pos="100000">
-              <a:schemeClr val="phClr">
-                <a:tint val="50000"/>
-                <a:shade val="100000"/>
-                <a:satMod val="350000"/>
-              </a:schemeClr>
-            </a:gs>
-          </a:gsLst>
-          <a:lin ang="16200000" scaled="0"/>
-        </a:gradFill>
-      </a:fillStyleLst>
-      <a:lnStyleLst>
-        <a:ln w="9525" cap="flat" cmpd="sng" algn="ctr">
-          <a:solidFill>
-            <a:schemeClr val="phClr">
-              <a:shade val="95000"/>
-              <a:satMod val="105000"/>
-            </a:schemeClr>
-          </a:solidFill>
-          <a:prstDash val="solid"/>
-        </a:ln>
-        <a:ln w="25400" cap="flat" cmpd="sng" algn="ctr">
-          <a:solidFill>
-            <a:schemeClr val="phClr"/>
-          </a:solidFill>
-          <a:prstDash val="solid"/>
-        </a:ln>
-        <a:ln w="38100" cap="flat" cmpd="sng" algn="ctr">
-          <a:solidFill>
-            <a:schemeClr val="phClr"/>
-          </a:solidFill>
-          <a:prstDash val="solid"/>
-        </a:ln>
-      </a:lnStyleLst>
-      <a:effectStyleLst>
-        <a:effectStyle>
-          <a:effectLst>
-            <a:outerShdw blurRad="40000" dist="20000" dir="5400000" rotWithShape="0">
-              <a:srgbClr val="000000">
-                <a:alpha val="38000"/>
-              </a:srgbClr>
-            </a:outerShdw>
-          </a:effectLst>
-        </a:effectStyle>
-        <a:effectStyle>
-          <a:effectLst>
-            <a:outerShdw blurRad="40000" dist="23000" dir="5400000" rotWithShape="0">
-              <a:srgbClr val="000000">
-                <a:alpha val="35000"/>
-              </a:srgbClr>
-            </a:outerShdw>
-          </a:effectLst>
-        </a:effectStyle>
-        <a:effectStyle>
-          <a:effectLst>
-            <a:outerShdw blurRad="40000" dist="23000" dir="5400000" rotWithShape="0">
-              <a:srgbClr val="000000">
-                <a:alpha val="35000"/>
-              </a:srgbClr>
-            </a:outerShdw>
-          </a:effectLst>
-          <a:scene3d>
-            <a:camera prst="orthographicFront">
-              <a:rot lat="0" lon="0" rev="0"/>
-            </a:camera>
-            <a:lightRig rig="threePt" dir="t">
-              <a:rot lat="0" lon="0" rev="1200000"/>
-            </a:lightRig>
-          </a:scene3d>
-          <a:sp3d>
-            <a:bevelT w="63500" h="25400"/>
-          </a:sp3d>
-        </a:effectStyle>
-      </a:effectStyleLst>
-      <a:bgFillStyleLst>
-        <a:solidFill>
-          <a:schemeClr val="phClr"/>
-        </a:solidFill>
-        <a:gradFill rotWithShape="1">
-          <a:gsLst>
-            <a:gs pos="0">
-              <a:schemeClr val="phClr">
-                <a:tint val="40000"/>
-                <a:satMod val="350000"/>
-              </a:schemeClr>
-            </a:gs>
-            <a:gs pos="40000">
-              <a:schemeClr val="phClr">
-                <a:tint val="45000"/>
-                <a:shade val="99000"/>
-                <a:satMod val="350000"/>
-              </a:schemeClr>
-            </a:gs>
-            <a:gs pos="100000">
-              <a:schemeClr val="phClr">
-                <a:shade val="20000"/>
-                <a:satMod val="255000"/>
-              </a:schemeClr>
-            </a:gs>
-          </a:gsLst>
-          <a:path path="circle">
-            <a:fillToRect l="50000" t="-80000" r="50000" b="180000"/>
-          </a:path>
-        </a:gradFill>
-        <a:gradFill rotWithShape="1">
-          <a:gsLst>
-            <a:gs pos="0">
-              <a:schemeClr val="phClr">
-                <a:tint val="80000"/>
-                <a:satMod val="300000"/>
-              </a:schemeClr>
-            </a:gs>
-            <a:gs pos="100000">
-              <a:schemeClr val="phClr">
-                <a:shade val="30000"/>
-                <a:satMod val="200000"/>
-              </a:schemeClr>
-            </a:gs>
-          </a:gsLst>
-          <a:path path="circle">
-            <a:fillToRect l="50000" t="50000" r="50000" b="50000"/>
-          </a:path>
-        </a:gradFill>
-      </a:bgFillStyleLst>
-    </a:fmtScheme>
-  </a:themeElements>
-</a:theme>
 </file>
--- a/slides/01_first_steps_with_java.pptx
+++ b/slides/01_first_steps_with_java.pptx
@@ -21,6 +21,7 @@
     <p:sldId id="266" r:id="rId16"/>
     <p:sldId id="267" r:id="rId17"/>
     <p:sldId id="268" r:id="rId18"/>
+    <p:sldId id="269" r:id="rId19"/>
   </p:sldIdLst>
   <p:sldSz cy="5143500" cx="9144000"/>
   <p:notesSz cx="6858000" cy="9144000"/>
@@ -1014,7 +1015,7 @@
       </p:grpSpPr>
       <p:sp>
         <p:nvSpPr>
-          <p:cNvPr id="173" name="Google Shape;173;gf9e77fe1e2_0_166:notes"/>
+          <p:cNvPr id="173" name="Google Shape;173;gf65309313e_0_0:notes"/>
           <p:cNvSpPr/>
           <p:nvPr>
             <p:ph idx="2" type="sldImg"/>
@@ -1049,7 +1050,7 @@
       </p:sp>
       <p:sp>
         <p:nvSpPr>
-          <p:cNvPr id="174" name="Google Shape;174;gf9e77fe1e2_0_166:notes"/>
+          <p:cNvPr id="174" name="Google Shape;174;gf65309313e_0_0:notes"/>
           <p:cNvSpPr txBox="1"/>
           <p:nvPr>
             <p:ph idx="1" type="body"/>
@@ -1099,7 +1100,7 @@
   <p:cSld>
     <p:spTree>
       <p:nvGrpSpPr>
-        <p:cNvPr id="178" name="Shape 178"/>
+        <p:cNvPr id="179" name="Shape 179"/>
         <p:cNvGrpSpPr/>
         <p:nvPr/>
       </p:nvGrpSpPr>
@@ -1113,7 +1114,7 @@
       </p:grpSpPr>
       <p:sp>
         <p:nvSpPr>
-          <p:cNvPr id="179" name="Google Shape;179;gf9e77fe1e2_0_171:notes"/>
+          <p:cNvPr id="180" name="Google Shape;180;gf9e77fe1e2_0_166:notes"/>
           <p:cNvSpPr/>
           <p:nvPr>
             <p:ph idx="2" type="sldImg"/>
@@ -1148,7 +1149,106 @@
       </p:sp>
       <p:sp>
         <p:nvSpPr>
-          <p:cNvPr id="180" name="Google Shape;180;gf9e77fe1e2_0_171:notes"/>
+          <p:cNvPr id="181" name="Google Shape;181;gf9e77fe1e2_0_166:notes"/>
+          <p:cNvSpPr txBox="1"/>
+          <p:nvPr>
+            <p:ph idx="1" type="body"/>
+          </p:nvPr>
+        </p:nvSpPr>
+        <p:spPr>
+          <a:xfrm>
+            <a:off x="685800" y="4343400"/>
+            <a:ext cx="5486400" cy="4114800"/>
+          </a:xfrm>
+          <a:prstGeom prst="rect">
+            <a:avLst/>
+          </a:prstGeom>
+        </p:spPr>
+        <p:txBody>
+          <a:bodyPr anchorCtr="0" anchor="t" bIns="91425" lIns="91425" spcFirstLastPara="1" rIns="91425" wrap="square" tIns="91425">
+            <a:noAutofit/>
+          </a:bodyPr>
+          <a:lstStyle/>
+          <a:p>
+            <a:pPr indent="0" lvl="0" marL="0" rtl="0" algn="l">
+              <a:spcBef>
+                <a:spcPts val="0"/>
+              </a:spcBef>
+              <a:spcAft>
+                <a:spcPts val="0"/>
+              </a:spcAft>
+              <a:buNone/>
+            </a:pPr>
+            <a:r>
+              <a:t/>
+            </a:r>
+            <a:endParaRPr/>
+          </a:p>
+        </p:txBody>
+      </p:sp>
+    </p:spTree>
+  </p:cSld>
+  <p:clrMapOvr>
+    <a:masterClrMapping/>
+  </p:clrMapOvr>
+</p:notes>
+</file>
+
+<file path=ppt/notesSlides/notesSlide14.xml><?xml version="1.0" encoding="utf-8"?>
+<p:notes xmlns:a="http://schemas.openxmlformats.org/drawingml/2006/main" xmlns:r="http://schemas.openxmlformats.org/officeDocument/2006/relationships" xmlns:mc="http://schemas.openxmlformats.org/markup-compatibility/2006" xmlns:mv="urn:schemas-microsoft-com:mac:vml" xmlns:p="http://schemas.openxmlformats.org/presentationml/2006/main" xmlns:c="http://schemas.openxmlformats.org/drawingml/2006/chart" xmlns:dgm="http://schemas.openxmlformats.org/drawingml/2006/diagram" xmlns:o="urn:schemas-microsoft-com:office:office" xmlns:v="urn:schemas-microsoft-com:vml" xmlns:pvml="urn:schemas-microsoft-com:office:powerpoint" xmlns:com="http://schemas.openxmlformats.org/drawingml/2006/compatibility" xmlns:p14="http://schemas.microsoft.com/office/powerpoint/2010/main" xmlns:p15="http://schemas.microsoft.com/office/powerpoint/2012/main" xmlns:ahyp="http://schemas.microsoft.com/office/drawing/2018/hyperlinkcolor" showMasterPhAnim="0" showMasterSp="0">
+  <p:cSld>
+    <p:spTree>
+      <p:nvGrpSpPr>
+        <p:cNvPr id="185" name="Shape 185"/>
+        <p:cNvGrpSpPr/>
+        <p:nvPr/>
+      </p:nvGrpSpPr>
+      <p:grpSpPr>
+        <a:xfrm>
+          <a:off x="0" y="0"/>
+          <a:ext cx="0" cy="0"/>
+          <a:chOff x="0" y="0"/>
+          <a:chExt cx="0" cy="0"/>
+        </a:xfrm>
+      </p:grpSpPr>
+      <p:sp>
+        <p:nvSpPr>
+          <p:cNvPr id="186" name="Google Shape;186;gf9e77fe1e2_0_171:notes"/>
+          <p:cNvSpPr/>
+          <p:nvPr>
+            <p:ph idx="2" type="sldImg"/>
+          </p:nvPr>
+        </p:nvSpPr>
+        <p:spPr>
+          <a:xfrm>
+            <a:off x="381300" y="685800"/>
+            <a:ext cx="6096000" cy="3429000"/>
+          </a:xfrm>
+          <a:custGeom>
+            <a:rect b="b" l="l" r="r" t="t"/>
+            <a:pathLst>
+              <a:path extrusionOk="0" h="120000" w="120000">
+                <a:moveTo>
+                  <a:pt x="0" y="0"/>
+                </a:moveTo>
+                <a:lnTo>
+                  <a:pt x="120000" y="0"/>
+                </a:lnTo>
+                <a:lnTo>
+                  <a:pt x="120000" y="120000"/>
+                </a:lnTo>
+                <a:lnTo>
+                  <a:pt x="0" y="120000"/>
+                </a:lnTo>
+                <a:close/>
+              </a:path>
+            </a:pathLst>
+          </a:custGeom>
+        </p:spPr>
+      </p:sp>
+      <p:sp>
+        <p:nvSpPr>
+          <p:cNvPr id="187" name="Google Shape;187;gf9e77fe1e2_0_171:notes"/>
           <p:cNvSpPr txBox="1"/>
           <p:nvPr>
             <p:ph idx="1" type="body"/>
@@ -10596,7 +10696,7 @@
             </a:pPr>
             <a:r>
               <a:rPr lang="de"/>
-              <a:t>4. Fragen</a:t>
+              <a:t>3.3 ternärer Operator</a:t>
             </a:r>
             <a:endParaRPr/>
           </a:p>
@@ -10625,7 +10725,7 @@
           </a:bodyPr>
           <a:lstStyle/>
           <a:p>
-            <a:pPr indent="0" lvl="0" marL="0" rtl="0" algn="ctr">
+            <a:pPr indent="0" lvl="0" marL="0" rtl="0" algn="l">
               <a:spcBef>
                 <a:spcPts val="320"/>
               </a:spcBef>
@@ -10635,12 +10735,28 @@
               <a:buNone/>
             </a:pPr>
             <a:r>
+              <a:rPr lang="de"/>
+              <a:t>Nur damit ihr es mal gesehen habt: Der Ternäre Operator lässt euch ein Bedingtes Statement in einer Zeile verfassen.</a:t>
+            </a:r>
+            <a:endParaRPr/>
+          </a:p>
+          <a:p>
+            <a:pPr indent="0" lvl="0" marL="0" rtl="0" algn="l">
+              <a:spcBef>
+                <a:spcPts val="320"/>
+              </a:spcBef>
+              <a:spcAft>
+                <a:spcPts val="0"/>
+              </a:spcAft>
+              <a:buNone/>
+            </a:pPr>
+            <a:r>
               <a:t/>
             </a:r>
             <a:endParaRPr/>
           </a:p>
           <a:p>
-            <a:pPr indent="0" lvl="0" marL="0" rtl="0" algn="ctr">
+            <a:pPr indent="0" lvl="0" marL="0" rtl="0" algn="l">
               <a:spcBef>
                 <a:spcPts val="320"/>
               </a:spcBef>
@@ -10655,7 +10771,7 @@
             <a:endParaRPr/>
           </a:p>
           <a:p>
-            <a:pPr indent="0" lvl="0" marL="0" rtl="0" algn="ctr">
+            <a:pPr indent="0" lvl="0" marL="0" rtl="0" algn="l">
               <a:spcBef>
                 <a:spcPts val="320"/>
               </a:spcBef>
@@ -10670,7 +10786,7 @@
             <a:endParaRPr/>
           </a:p>
           <a:p>
-            <a:pPr indent="0" lvl="0" marL="0" rtl="0" algn="ctr">
+            <a:pPr indent="0" lvl="0" marL="0" rtl="0" algn="l">
               <a:spcBef>
                 <a:spcPts val="320"/>
               </a:spcBef>
@@ -10685,7 +10801,7 @@
             <a:endParaRPr/>
           </a:p>
           <a:p>
-            <a:pPr indent="0" lvl="0" marL="0" rtl="0" algn="ctr">
+            <a:pPr indent="0" lvl="0" marL="0" rtl="0" algn="l">
               <a:spcBef>
                 <a:spcPts val="320"/>
               </a:spcBef>
@@ -10700,7 +10816,7 @@
             <a:endParaRPr/>
           </a:p>
           <a:p>
-            <a:pPr indent="0" lvl="0" marL="0" rtl="0" algn="ctr">
+            <a:pPr indent="0" lvl="0" marL="0" rtl="0" algn="l">
               <a:spcBef>
                 <a:spcPts val="320"/>
               </a:spcBef>
@@ -10710,28 +10826,41 @@
               <a:buNone/>
             </a:pPr>
             <a:r>
-              <a:t/>
+              <a:rPr lang="de"/>
+              <a:t>Vor dem Fragezeichen steht die Bedingung, zwischen Fragezeichen und Doppelpunkt das gewünschte Statement im “true”-Fall und nach dem Doppelpunkt das gewünschte Statement im “false”-Fall.</a:t>
             </a:r>
             <a:endParaRPr/>
-          </a:p>
-          <a:p>
-            <a:pPr indent="0" lvl="0" marL="0" rtl="0" algn="ctr">
-              <a:spcBef>
-                <a:spcPts val="320"/>
-              </a:spcBef>
-              <a:spcAft>
-                <a:spcPts val="0"/>
-              </a:spcAft>
-              <a:buNone/>
-            </a:pPr>
-            <a:r>
-              <a:rPr lang="de" sz="3600"/>
-              <a:t>Fragen</a:t>
-            </a:r>
-            <a:endParaRPr sz="3600"/>
           </a:p>
         </p:txBody>
       </p:sp>
+      <p:pic>
+        <p:nvPicPr>
+          <p:cNvPr id="178" name="Google Shape;178;p28"/>
+          <p:cNvPicPr preferRelativeResize="0"/>
+          <p:nvPr/>
+        </p:nvPicPr>
+        <p:blipFill>
+          <a:blip r:embed="rId3">
+            <a:alphaModFix/>
+          </a:blip>
+          <a:stretch>
+            <a:fillRect/>
+          </a:stretch>
+        </p:blipFill>
+        <p:spPr>
+          <a:xfrm>
+            <a:off x="1804550" y="1553974"/>
+            <a:ext cx="5534876" cy="838625"/>
+          </a:xfrm>
+          <a:prstGeom prst="rect">
+            <a:avLst/>
+          </a:prstGeom>
+          <a:noFill/>
+          <a:ln>
+            <a:noFill/>
+          </a:ln>
+        </p:spPr>
+      </p:pic>
     </p:spTree>
   </p:cSld>
   <p:clrMapOvr>
@@ -10745,7 +10874,7 @@
   <p:cSld>
     <p:spTree>
       <p:nvGrpSpPr>
-        <p:cNvPr id="181" name="Shape 181"/>
+        <p:cNvPr id="182" name="Shape 182"/>
         <p:cNvGrpSpPr/>
         <p:nvPr/>
       </p:nvGrpSpPr>
@@ -10759,7 +10888,7 @@
       </p:grpSpPr>
       <p:sp>
         <p:nvSpPr>
-          <p:cNvPr id="182" name="Google Shape;182;p29"/>
+          <p:cNvPr id="183" name="Google Shape;183;p29"/>
           <p:cNvSpPr txBox="1"/>
           <p:nvPr>
             <p:ph type="title"/>
@@ -10791,7 +10920,7 @@
             </a:pPr>
             <a:r>
               <a:rPr lang="de"/>
-              <a:t>5. Übungsaufgaben</a:t>
+              <a:t>4. Fragen</a:t>
             </a:r>
             <a:endParaRPr/>
           </a:p>
@@ -10799,7 +10928,202 @@
       </p:sp>
       <p:sp>
         <p:nvSpPr>
-          <p:cNvPr id="183" name="Google Shape;183;p29"/>
+          <p:cNvPr id="184" name="Google Shape;184;p29"/>
+          <p:cNvSpPr/>
+          <p:nvPr>
+            <p:ph idx="2" type="chart"/>
+          </p:nvPr>
+        </p:nvSpPr>
+        <p:spPr>
+          <a:xfrm>
+            <a:off x="431800" y="782241"/>
+            <a:ext cx="8375700" cy="3579000"/>
+          </a:xfrm>
+          <a:prstGeom prst="rect">
+            <a:avLst/>
+          </a:prstGeom>
+        </p:spPr>
+        <p:txBody>
+          <a:bodyPr anchorCtr="0" anchor="t" bIns="0" lIns="0" spcFirstLastPara="1" rIns="0" wrap="square" tIns="0">
+            <a:noAutofit/>
+          </a:bodyPr>
+          <a:lstStyle/>
+          <a:p>
+            <a:pPr indent="0" lvl="0" marL="0" rtl="0" algn="ctr">
+              <a:spcBef>
+                <a:spcPts val="320"/>
+              </a:spcBef>
+              <a:spcAft>
+                <a:spcPts val="0"/>
+              </a:spcAft>
+              <a:buNone/>
+            </a:pPr>
+            <a:r>
+              <a:t/>
+            </a:r>
+            <a:endParaRPr/>
+          </a:p>
+          <a:p>
+            <a:pPr indent="0" lvl="0" marL="0" rtl="0" algn="ctr">
+              <a:spcBef>
+                <a:spcPts val="320"/>
+              </a:spcBef>
+              <a:spcAft>
+                <a:spcPts val="0"/>
+              </a:spcAft>
+              <a:buNone/>
+            </a:pPr>
+            <a:r>
+              <a:t/>
+            </a:r>
+            <a:endParaRPr/>
+          </a:p>
+          <a:p>
+            <a:pPr indent="0" lvl="0" marL="0" rtl="0" algn="ctr">
+              <a:spcBef>
+                <a:spcPts val="320"/>
+              </a:spcBef>
+              <a:spcAft>
+                <a:spcPts val="0"/>
+              </a:spcAft>
+              <a:buNone/>
+            </a:pPr>
+            <a:r>
+              <a:t/>
+            </a:r>
+            <a:endParaRPr/>
+          </a:p>
+          <a:p>
+            <a:pPr indent="0" lvl="0" marL="0" rtl="0" algn="ctr">
+              <a:spcBef>
+                <a:spcPts val="320"/>
+              </a:spcBef>
+              <a:spcAft>
+                <a:spcPts val="0"/>
+              </a:spcAft>
+              <a:buNone/>
+            </a:pPr>
+            <a:r>
+              <a:t/>
+            </a:r>
+            <a:endParaRPr/>
+          </a:p>
+          <a:p>
+            <a:pPr indent="0" lvl="0" marL="0" rtl="0" algn="ctr">
+              <a:spcBef>
+                <a:spcPts val="320"/>
+              </a:spcBef>
+              <a:spcAft>
+                <a:spcPts val="0"/>
+              </a:spcAft>
+              <a:buNone/>
+            </a:pPr>
+            <a:r>
+              <a:t/>
+            </a:r>
+            <a:endParaRPr/>
+          </a:p>
+          <a:p>
+            <a:pPr indent="0" lvl="0" marL="0" rtl="0" algn="ctr">
+              <a:spcBef>
+                <a:spcPts val="320"/>
+              </a:spcBef>
+              <a:spcAft>
+                <a:spcPts val="0"/>
+              </a:spcAft>
+              <a:buNone/>
+            </a:pPr>
+            <a:r>
+              <a:t/>
+            </a:r>
+            <a:endParaRPr/>
+          </a:p>
+          <a:p>
+            <a:pPr indent="0" lvl="0" marL="0" rtl="0" algn="ctr">
+              <a:spcBef>
+                <a:spcPts val="320"/>
+              </a:spcBef>
+              <a:spcAft>
+                <a:spcPts val="0"/>
+              </a:spcAft>
+              <a:buNone/>
+            </a:pPr>
+            <a:r>
+              <a:rPr lang="de" sz="3600"/>
+              <a:t>Fragen</a:t>
+            </a:r>
+            <a:endParaRPr sz="3600"/>
+          </a:p>
+        </p:txBody>
+      </p:sp>
+    </p:spTree>
+  </p:cSld>
+  <p:clrMapOvr>
+    <a:masterClrMapping/>
+  </p:clrMapOvr>
+</p:sld>
+</file>
+
+<file path=ppt/slides/slide14.xml><?xml version="1.0" encoding="utf-8"?>
+<p:sld xmlns:a="http://schemas.openxmlformats.org/drawingml/2006/main" xmlns:r="http://schemas.openxmlformats.org/officeDocument/2006/relationships" xmlns:mc="http://schemas.openxmlformats.org/markup-compatibility/2006" xmlns:mv="urn:schemas-microsoft-com:mac:vml" xmlns:p="http://schemas.openxmlformats.org/presentationml/2006/main" xmlns:c="http://schemas.openxmlformats.org/drawingml/2006/chart" xmlns:dgm="http://schemas.openxmlformats.org/drawingml/2006/diagram" xmlns:o="urn:schemas-microsoft-com:office:office" xmlns:v="urn:schemas-microsoft-com:vml" xmlns:pvml="urn:schemas-microsoft-com:office:powerpoint" xmlns:com="http://schemas.openxmlformats.org/drawingml/2006/compatibility" xmlns:p14="http://schemas.microsoft.com/office/powerpoint/2010/main" xmlns:p15="http://schemas.microsoft.com/office/powerpoint/2012/main" xmlns:ahyp="http://schemas.microsoft.com/office/drawing/2018/hyperlinkcolor">
+  <p:cSld>
+    <p:spTree>
+      <p:nvGrpSpPr>
+        <p:cNvPr id="188" name="Shape 188"/>
+        <p:cNvGrpSpPr/>
+        <p:nvPr/>
+      </p:nvGrpSpPr>
+      <p:grpSpPr>
+        <a:xfrm>
+          <a:off x="0" y="0"/>
+          <a:ext cx="0" cy="0"/>
+          <a:chOff x="0" y="0"/>
+          <a:chExt cx="0" cy="0"/>
+        </a:xfrm>
+      </p:grpSpPr>
+      <p:sp>
+        <p:nvSpPr>
+          <p:cNvPr id="189" name="Google Shape;189;p30"/>
+          <p:cNvSpPr txBox="1"/>
+          <p:nvPr>
+            <p:ph type="title"/>
+          </p:nvPr>
+        </p:nvSpPr>
+        <p:spPr>
+          <a:xfrm>
+            <a:off x="431800" y="83344"/>
+            <a:ext cx="8375700" cy="531000"/>
+          </a:xfrm>
+          <a:prstGeom prst="rect">
+            <a:avLst/>
+          </a:prstGeom>
+        </p:spPr>
+        <p:txBody>
+          <a:bodyPr anchorCtr="0" anchor="b" bIns="0" lIns="0" spcFirstLastPara="1" rIns="0" wrap="square" tIns="0">
+            <a:noAutofit/>
+          </a:bodyPr>
+          <a:lstStyle/>
+          <a:p>
+            <a:pPr indent="0" lvl="0" marL="0" rtl="0" algn="l">
+              <a:spcBef>
+                <a:spcPts val="0"/>
+              </a:spcBef>
+              <a:spcAft>
+                <a:spcPts val="0"/>
+              </a:spcAft>
+              <a:buNone/>
+            </a:pPr>
+            <a:r>
+              <a:rPr lang="de"/>
+              <a:t>5. Übungsaufgaben</a:t>
+            </a:r>
+            <a:endParaRPr/>
+          </a:p>
+        </p:txBody>
+      </p:sp>
+      <p:sp>
+        <p:nvSpPr>
+          <p:cNvPr id="190" name="Google Shape;190;p30"/>
           <p:cNvSpPr/>
           <p:nvPr>
             <p:ph idx="2" type="chart"/>
@@ -11079,98 +11403,98 @@
           </a:bodyPr>
           <a:lstStyle/>
           <a:p>
-            <a:pPr indent="-330200" lvl="0" marL="457200" rtl="0" algn="l">
+            <a:pPr indent="-323850" lvl="0" marL="457200" rtl="0" algn="l">
               <a:spcBef>
                 <a:spcPts val="320"/>
               </a:spcBef>
               <a:spcAft>
                 <a:spcPts val="0"/>
               </a:spcAft>
-              <a:buSzPts val="1600"/>
+              <a:buSzPts val="1500"/>
               <a:buAutoNum type="arabicPeriod"/>
             </a:pPr>
             <a:r>
-              <a:rPr lang="de"/>
+              <a:rPr lang="de" sz="1500"/>
               <a:t>Ein erstes Programm: “Hello World!”</a:t>
             </a:r>
             <a:br>
-              <a:rPr lang="de"/>
+              <a:rPr lang="de" sz="1500"/>
             </a:br>
-            <a:endParaRPr/>
-          </a:p>
-          <a:p>
-            <a:pPr indent="-330200" lvl="0" marL="457200" rtl="0" algn="l">
-              <a:spcBef>
-                <a:spcPts val="0"/>
-              </a:spcBef>
-              <a:spcAft>
-                <a:spcPts val="0"/>
-              </a:spcAft>
-              <a:buSzPts val="1600"/>
+            <a:endParaRPr sz="1500"/>
+          </a:p>
+          <a:p>
+            <a:pPr indent="-323850" lvl="0" marL="457200" rtl="0" algn="l">
+              <a:spcBef>
+                <a:spcPts val="0"/>
+              </a:spcBef>
+              <a:spcAft>
+                <a:spcPts val="0"/>
+              </a:spcAft>
+              <a:buSzPts val="1500"/>
               <a:buAutoNum type="arabicPeriod"/>
             </a:pPr>
             <a:r>
-              <a:rPr lang="de"/>
+              <a:rPr lang="de" sz="1500"/>
               <a:t>Variablen</a:t>
             </a:r>
-            <a:endParaRPr/>
-          </a:p>
-          <a:p>
-            <a:pPr indent="-330200" lvl="1" marL="914400" rtl="0" algn="l">
-              <a:spcBef>
-                <a:spcPts val="0"/>
-              </a:spcBef>
-              <a:spcAft>
-                <a:spcPts val="0"/>
-              </a:spcAft>
-              <a:buSzPts val="1600"/>
+            <a:endParaRPr sz="1500"/>
+          </a:p>
+          <a:p>
+            <a:pPr indent="-323850" lvl="1" marL="914400" rtl="0" algn="l">
+              <a:spcBef>
+                <a:spcPts val="0"/>
+              </a:spcBef>
+              <a:spcAft>
+                <a:spcPts val="0"/>
+              </a:spcAft>
+              <a:buSzPts val="1500"/>
               <a:buAutoNum type="arabicPeriod"/>
             </a:pPr>
             <a:r>
-              <a:rPr lang="de"/>
+              <a:rPr lang="de" sz="1500"/>
               <a:t>Was sind Variablen?</a:t>
             </a:r>
-            <a:endParaRPr/>
-          </a:p>
-          <a:p>
-            <a:pPr indent="-330200" lvl="1" marL="914400" rtl="0" algn="l">
-              <a:spcBef>
-                <a:spcPts val="0"/>
-              </a:spcBef>
-              <a:spcAft>
-                <a:spcPts val="0"/>
-              </a:spcAft>
-              <a:buSzPts val="1600"/>
+            <a:endParaRPr sz="1500"/>
+          </a:p>
+          <a:p>
+            <a:pPr indent="-323850" lvl="1" marL="914400" rtl="0" algn="l">
+              <a:spcBef>
+                <a:spcPts val="0"/>
+              </a:spcBef>
+              <a:spcAft>
+                <a:spcPts val="0"/>
+              </a:spcAft>
+              <a:buSzPts val="1500"/>
               <a:buAutoNum type="arabicPeriod"/>
             </a:pPr>
             <a:r>
-              <a:rPr lang="de"/>
+              <a:rPr lang="de" sz="1500"/>
               <a:t>Datentypen</a:t>
             </a:r>
-            <a:endParaRPr/>
-          </a:p>
-          <a:p>
-            <a:pPr indent="-330200" lvl="1" marL="914400" rtl="0" algn="l">
-              <a:spcBef>
-                <a:spcPts val="0"/>
-              </a:spcBef>
-              <a:spcAft>
-                <a:spcPts val="0"/>
-              </a:spcAft>
-              <a:buSzPts val="1600"/>
+            <a:endParaRPr sz="1500"/>
+          </a:p>
+          <a:p>
+            <a:pPr indent="-323850" lvl="1" marL="914400" rtl="0" algn="l">
+              <a:spcBef>
+                <a:spcPts val="0"/>
+              </a:spcBef>
+              <a:spcAft>
+                <a:spcPts val="0"/>
+              </a:spcAft>
+              <a:buSzPts val="1500"/>
               <a:buAutoNum type="arabicPeriod"/>
             </a:pPr>
             <a:r>
-              <a:rPr lang="de"/>
+              <a:rPr lang="de" sz="1500"/>
               <a:t>Operatoren</a:t>
             </a:r>
             <a:br>
-              <a:rPr lang="de"/>
+              <a:rPr lang="de" sz="1500"/>
             </a:br>
-            <a:endParaRPr/>
-          </a:p>
-          <a:p>
-            <a:pPr indent="-330200" lvl="0" marL="457200" rtl="0" algn="l">
+            <a:endParaRPr sz="1500"/>
+          </a:p>
+          <a:p>
+            <a:pPr indent="-323850" lvl="0" marL="457200" rtl="0" algn="l">
               <a:spcBef>
                 <a:spcPts val="0"/>
               </a:spcBef>
@@ -11180,48 +11504,65 @@
               <a:buClr>
                 <a:schemeClr val="dk1"/>
               </a:buClr>
-              <a:buSzPts val="1600"/>
+              <a:buSzPts val="1500"/>
               <a:buAutoNum type="arabicPeriod"/>
             </a:pPr>
             <a:r>
-              <a:rPr lang="de"/>
+              <a:rPr lang="de" sz="1500"/>
               <a:t>Bedingungen </a:t>
             </a:r>
-            <a:endParaRPr/>
-          </a:p>
-          <a:p>
-            <a:pPr indent="-330200" lvl="1" marL="914400" rtl="0" algn="l">
-              <a:spcBef>
-                <a:spcPts val="0"/>
-              </a:spcBef>
-              <a:spcAft>
-                <a:spcPts val="0"/>
-              </a:spcAft>
-              <a:buSzPts val="1600"/>
+            <a:endParaRPr sz="1500"/>
+          </a:p>
+          <a:p>
+            <a:pPr indent="-323850" lvl="1" marL="914400" rtl="0" algn="l">
+              <a:spcBef>
+                <a:spcPts val="0"/>
+              </a:spcBef>
+              <a:spcAft>
+                <a:spcPts val="0"/>
+              </a:spcAft>
+              <a:buSzPts val="1500"/>
               <a:buAutoNum type="arabicPeriod"/>
             </a:pPr>
             <a:r>
-              <a:rPr lang="de"/>
+              <a:rPr lang="de" sz="1500"/>
               <a:t>if-else</a:t>
             </a:r>
-            <a:endParaRPr/>
-          </a:p>
-          <a:p>
-            <a:pPr indent="-330200" lvl="1" marL="914400" rtl="0" algn="l">
-              <a:spcBef>
-                <a:spcPts val="0"/>
-              </a:spcBef>
-              <a:spcAft>
-                <a:spcPts val="0"/>
-              </a:spcAft>
-              <a:buSzPts val="1600"/>
+            <a:endParaRPr sz="1500"/>
+          </a:p>
+          <a:p>
+            <a:pPr indent="-323850" lvl="1" marL="914400" rtl="0" algn="l">
+              <a:spcBef>
+                <a:spcPts val="0"/>
+              </a:spcBef>
+              <a:spcAft>
+                <a:spcPts val="0"/>
+              </a:spcAft>
+              <a:buSzPts val="1500"/>
               <a:buAutoNum type="arabicPeriod"/>
             </a:pPr>
             <a:r>
-              <a:rPr lang="de"/>
+              <a:rPr lang="de" sz="1500"/>
               <a:t>switch-case</a:t>
             </a:r>
-            <a:endParaRPr/>
+            <a:endParaRPr sz="1500"/>
+          </a:p>
+          <a:p>
+            <a:pPr indent="-323850" lvl="1" marL="914400" rtl="0" algn="l">
+              <a:spcBef>
+                <a:spcPts val="0"/>
+              </a:spcBef>
+              <a:spcAft>
+                <a:spcPts val="0"/>
+              </a:spcAft>
+              <a:buSzPts val="1500"/>
+              <a:buAutoNum type="arabicPeriod"/>
+            </a:pPr>
+            <a:r>
+              <a:rPr lang="de" sz="1500"/>
+              <a:t>ternärer Operator</a:t>
+            </a:r>
+            <a:endParaRPr sz="1500"/>
           </a:p>
           <a:p>
             <a:pPr indent="0" lvl="0" marL="0" rtl="0" algn="l">
@@ -11241,10 +11582,10 @@
             <a:r>
               <a:t/>
             </a:r>
-            <a:endParaRPr/>
-          </a:p>
-          <a:p>
-            <a:pPr indent="-330200" lvl="0" marL="457200" rtl="0" algn="l">
+            <a:endParaRPr sz="1500"/>
+          </a:p>
+          <a:p>
+            <a:pPr indent="-323850" lvl="0" marL="457200" rtl="0" algn="l">
               <a:spcBef>
                 <a:spcPts val="320"/>
               </a:spcBef>
@@ -11254,20 +11595,20 @@
               <a:buClr>
                 <a:schemeClr val="dk1"/>
               </a:buClr>
-              <a:buSzPts val="1600"/>
+              <a:buSzPts val="1500"/>
               <a:buAutoNum type="arabicPeriod"/>
             </a:pPr>
             <a:r>
-              <a:rPr lang="de"/>
+              <a:rPr lang="de" sz="1500"/>
               <a:t>Fragen</a:t>
             </a:r>
             <a:br>
-              <a:rPr lang="de"/>
+              <a:rPr lang="de" sz="1500"/>
             </a:br>
-            <a:endParaRPr/>
-          </a:p>
-          <a:p>
-            <a:pPr indent="-330200" lvl="0" marL="457200" rtl="0" algn="l">
+            <a:endParaRPr sz="1500"/>
+          </a:p>
+          <a:p>
+            <a:pPr indent="-323850" lvl="0" marL="457200" rtl="0" algn="l">
               <a:spcBef>
                 <a:spcPts val="0"/>
               </a:spcBef>
@@ -11277,14 +11618,14 @@
               <a:buClr>
                 <a:schemeClr val="dk1"/>
               </a:buClr>
-              <a:buSzPts val="1600"/>
+              <a:buSzPts val="1500"/>
               <a:buAutoNum type="arabicPeriod"/>
             </a:pPr>
             <a:r>
-              <a:rPr lang="de"/>
+              <a:rPr lang="de" sz="1500"/>
               <a:t>Übungsaufgabe</a:t>
             </a:r>
-            <a:endParaRPr/>
+            <a:endParaRPr sz="1500"/>
           </a:p>
         </p:txBody>
       </p:sp>
@@ -13469,6 +13810,285 @@
 </file>
 
 <file path=ppt/theme/theme1.xml><?xml version="1.0" encoding="utf-8"?>
+<a:theme xmlns:a="http://schemas.openxmlformats.org/drawingml/2006/main" xmlns:r="http://schemas.openxmlformats.org/officeDocument/2006/relationships" name="TUBraunschweig_PPT2007_Folienpool_pptx">
+  <a:themeElements>
+    <a:clrScheme name="TU Braunschweig">
+      <a:dk1>
+        <a:srgbClr val="000000"/>
+      </a:dk1>
+      <a:lt1>
+        <a:srgbClr val="FFFFFF"/>
+      </a:lt1>
+      <a:dk2>
+        <a:srgbClr val="000000"/>
+      </a:dk2>
+      <a:lt2>
+        <a:srgbClr val="DDDDDD"/>
+      </a:lt2>
+      <a:accent1>
+        <a:srgbClr val="BE1E3C"/>
+      </a:accent1>
+      <a:accent2>
+        <a:srgbClr val="4DA6CB"/>
+      </a:accent2>
+      <a:accent3>
+        <a:srgbClr val="ADBF4D"/>
+      </a:accent3>
+      <a:accent4>
+        <a:srgbClr val="FA6E00"/>
+      </a:accent4>
+      <a:accent5>
+        <a:srgbClr val="407E97"/>
+      </a:accent5>
+      <a:accent6>
+        <a:srgbClr val="984098"/>
+      </a:accent6>
+      <a:hlink>
+        <a:srgbClr val="BE1E3C"/>
+      </a:hlink>
+      <a:folHlink>
+        <a:srgbClr val="760054"/>
+      </a:folHlink>
+    </a:clrScheme>
+    <a:fontScheme name="Office">
+      <a:majorFont>
+        <a:latin typeface="Arial"/>
+        <a:ea typeface=""/>
+        <a:cs typeface=""/>
+        <a:font script="Jpan" typeface="ＭＳ Ｐゴシック"/>
+        <a:font script="Hang" typeface="맑은 고딕"/>
+        <a:font script="Hans" typeface="宋体"/>
+        <a:font script="Hant" typeface="新細明體"/>
+        <a:font script="Arab" typeface="Times New Roman"/>
+        <a:font script="Hebr" typeface="Times New Roman"/>
+        <a:font script="Thai" typeface="Angsana New"/>
+        <a:font script="Ethi" typeface="Nyala"/>
+        <a:font script="Beng" typeface="Vrinda"/>
+        <a:font script="Gujr" typeface="Shruti"/>
+        <a:font script="Khmr" typeface="MoolBoran"/>
+        <a:font script="Knda" typeface="Tunga"/>
+        <a:font script="Guru" typeface="Raavi"/>
+        <a:font script="Cans" typeface="Euphemia"/>
+        <a:font script="Cher" typeface="Plantagenet Cherokee"/>
+        <a:font script="Yiii" typeface="Microsoft Yi Baiti"/>
+        <a:font script="Tibt" typeface="Microsoft Himalaya"/>
+        <a:font script="Thaa" typeface="MV Boli"/>
+        <a:font script="Deva" typeface="Mangal"/>
+        <a:font script="Telu" typeface="Gautami"/>
+        <a:font script="Taml" typeface="Latha"/>
+        <a:font script="Syrc" typeface="Estrangelo Edessa"/>
+        <a:font script="Orya" typeface="Kalinga"/>
+        <a:font script="Mlym" typeface="Kartika"/>
+        <a:font script="Laoo" typeface="DokChampa"/>
+        <a:font script="Sinh" typeface="Iskoola Pota"/>
+        <a:font script="Mong" typeface="Mongolian Baiti"/>
+        <a:font script="Viet" typeface="Times New Roman"/>
+        <a:font script="Uigh" typeface="Microsoft Uighur"/>
+        <a:font script="Geor" typeface="Sylfaen"/>
+      </a:majorFont>
+      <a:minorFont>
+        <a:latin typeface="Arial"/>
+        <a:ea typeface=""/>
+        <a:cs typeface=""/>
+        <a:font script="Jpan" typeface="ＭＳ Ｐゴシック"/>
+        <a:font script="Hang" typeface="맑은 고딕"/>
+        <a:font script="Hans" typeface="宋体"/>
+        <a:font script="Hant" typeface="新細明體"/>
+        <a:font script="Arab" typeface="Arial"/>
+        <a:font script="Hebr" typeface="Arial"/>
+        <a:font script="Thai" typeface="Cordia New"/>
+        <a:font script="Ethi" typeface="Nyala"/>
+        <a:font script="Beng" typeface="Vrinda"/>
+        <a:font script="Gujr" typeface="Shruti"/>
+        <a:font script="Khmr" typeface="DaunPenh"/>
+        <a:font script="Knda" typeface="Tunga"/>
+        <a:font script="Guru" typeface="Raavi"/>
+        <a:font script="Cans" typeface="Euphemia"/>
+        <a:font script="Cher" typeface="Plantagenet Cherokee"/>
+        <a:font script="Yiii" typeface="Microsoft Yi Baiti"/>
+        <a:font script="Tibt" typeface="Microsoft Himalaya"/>
+        <a:font script="Thaa" typeface="MV Boli"/>
+        <a:font script="Deva" typeface="Mangal"/>
+        <a:font script="Telu" typeface="Gautami"/>
+        <a:font script="Taml" typeface="Latha"/>
+        <a:font script="Syrc" typeface="Estrangelo Edessa"/>
+        <a:font script="Orya" typeface="Kalinga"/>
+        <a:font script="Mlym" typeface="Kartika"/>
+        <a:font script="Laoo" typeface="DokChampa"/>
+        <a:font script="Sinh" typeface="Iskoola Pota"/>
+        <a:font script="Mong" typeface="Mongolian Baiti"/>
+        <a:font script="Viet" typeface="Arial"/>
+        <a:font script="Uigh" typeface="Microsoft Uighur"/>
+        <a:font script="Geor" typeface="Sylfaen"/>
+      </a:minorFont>
+    </a:fontScheme>
+    <a:fmtScheme name="Office">
+      <a:fillStyleLst>
+        <a:solidFill>
+          <a:schemeClr val="phClr"/>
+        </a:solidFill>
+        <a:gradFill rotWithShape="1">
+          <a:gsLst>
+            <a:gs pos="0">
+              <a:schemeClr val="phClr">
+                <a:tint val="50000"/>
+                <a:satMod val="300000"/>
+              </a:schemeClr>
+            </a:gs>
+            <a:gs pos="35000">
+              <a:schemeClr val="phClr">
+                <a:tint val="37000"/>
+                <a:satMod val="300000"/>
+              </a:schemeClr>
+            </a:gs>
+            <a:gs pos="100000">
+              <a:schemeClr val="phClr">
+                <a:tint val="15000"/>
+                <a:satMod val="350000"/>
+              </a:schemeClr>
+            </a:gs>
+          </a:gsLst>
+          <a:lin ang="16200000" scaled="1"/>
+        </a:gradFill>
+        <a:gradFill rotWithShape="1">
+          <a:gsLst>
+            <a:gs pos="0">
+              <a:schemeClr val="phClr">
+                <a:tint val="100000"/>
+                <a:shade val="100000"/>
+                <a:satMod val="130000"/>
+              </a:schemeClr>
+            </a:gs>
+            <a:gs pos="100000">
+              <a:schemeClr val="phClr">
+                <a:tint val="50000"/>
+                <a:shade val="100000"/>
+                <a:satMod val="350000"/>
+              </a:schemeClr>
+            </a:gs>
+          </a:gsLst>
+          <a:lin ang="16200000" scaled="0"/>
+        </a:gradFill>
+      </a:fillStyleLst>
+      <a:lnStyleLst>
+        <a:ln w="9525" cap="flat" cmpd="sng" algn="ctr">
+          <a:solidFill>
+            <a:schemeClr val="phClr">
+              <a:shade val="95000"/>
+              <a:satMod val="105000"/>
+            </a:schemeClr>
+          </a:solidFill>
+          <a:prstDash val="solid"/>
+        </a:ln>
+        <a:ln w="25400" cap="flat" cmpd="sng" algn="ctr">
+          <a:solidFill>
+            <a:schemeClr val="phClr"/>
+          </a:solidFill>
+          <a:prstDash val="solid"/>
+        </a:ln>
+        <a:ln w="38100" cap="flat" cmpd="sng" algn="ctr">
+          <a:solidFill>
+            <a:schemeClr val="phClr"/>
+          </a:solidFill>
+          <a:prstDash val="solid"/>
+        </a:ln>
+      </a:lnStyleLst>
+      <a:effectStyleLst>
+        <a:effectStyle>
+          <a:effectLst>
+            <a:outerShdw blurRad="40000" dist="20000" dir="5400000" rotWithShape="0">
+              <a:srgbClr val="000000">
+                <a:alpha val="38000"/>
+              </a:srgbClr>
+            </a:outerShdw>
+          </a:effectLst>
+        </a:effectStyle>
+        <a:effectStyle>
+          <a:effectLst>
+            <a:outerShdw blurRad="40000" dist="23000" dir="5400000" rotWithShape="0">
+              <a:srgbClr val="000000">
+                <a:alpha val="35000"/>
+              </a:srgbClr>
+            </a:outerShdw>
+          </a:effectLst>
+        </a:effectStyle>
+        <a:effectStyle>
+          <a:effectLst>
+            <a:outerShdw blurRad="40000" dist="23000" dir="5400000" rotWithShape="0">
+              <a:srgbClr val="000000">
+                <a:alpha val="35000"/>
+              </a:srgbClr>
+            </a:outerShdw>
+          </a:effectLst>
+          <a:scene3d>
+            <a:camera prst="orthographicFront">
+              <a:rot lat="0" lon="0" rev="0"/>
+            </a:camera>
+            <a:lightRig rig="threePt" dir="t">
+              <a:rot lat="0" lon="0" rev="1200000"/>
+            </a:lightRig>
+          </a:scene3d>
+          <a:sp3d>
+            <a:bevelT w="63500" h="25400"/>
+          </a:sp3d>
+        </a:effectStyle>
+      </a:effectStyleLst>
+      <a:bgFillStyleLst>
+        <a:solidFill>
+          <a:schemeClr val="phClr"/>
+        </a:solidFill>
+        <a:gradFill rotWithShape="1">
+          <a:gsLst>
+            <a:gs pos="0">
+              <a:schemeClr val="phClr">
+                <a:tint val="40000"/>
+                <a:satMod val="350000"/>
+              </a:schemeClr>
+            </a:gs>
+            <a:gs pos="40000">
+              <a:schemeClr val="phClr">
+                <a:tint val="45000"/>
+                <a:shade val="99000"/>
+                <a:satMod val="350000"/>
+              </a:schemeClr>
+            </a:gs>
+            <a:gs pos="100000">
+              <a:schemeClr val="phClr">
+                <a:shade val="20000"/>
+                <a:satMod val="255000"/>
+              </a:schemeClr>
+            </a:gs>
+          </a:gsLst>
+          <a:path path="circle">
+            <a:fillToRect l="50000" t="-80000" r="50000" b="180000"/>
+          </a:path>
+        </a:gradFill>
+        <a:gradFill rotWithShape="1">
+          <a:gsLst>
+            <a:gs pos="0">
+              <a:schemeClr val="phClr">
+                <a:tint val="80000"/>
+                <a:satMod val="300000"/>
+              </a:schemeClr>
+            </a:gs>
+            <a:gs pos="100000">
+              <a:schemeClr val="phClr">
+                <a:shade val="30000"/>
+                <a:satMod val="200000"/>
+              </a:schemeClr>
+            </a:gs>
+          </a:gsLst>
+          <a:path path="circle">
+            <a:fillToRect l="50000" t="50000" r="50000" b="50000"/>
+          </a:path>
+        </a:gradFill>
+      </a:bgFillStyleLst>
+    </a:fmtScheme>
+  </a:themeElements>
+</a:theme>
+</file>
+
+<file path=ppt/theme/theme2.xml><?xml version="1.0" encoding="utf-8"?>
 <a:theme xmlns:a="http://schemas.openxmlformats.org/drawingml/2006/main" xmlns:r="http://schemas.openxmlformats.org/officeDocument/2006/relationships">
   <a:themeElements>
     <a:clrScheme name="Default">
@@ -13745,283 +14365,4 @@
     </a:fmtScheme>
   </a:themeElements>
 </a:theme>
-</file>
-
-<file path=ppt/theme/theme2.xml><?xml version="1.0" encoding="utf-8"?>
-<a:theme xmlns:a="http://schemas.openxmlformats.org/drawingml/2006/main" xmlns:r="http://schemas.openxmlformats.org/officeDocument/2006/relationships" name="TUBraunschweig_PPT2007_Folienpool_pptx">
-  <a:themeElements>
-    <a:clrScheme name="TU Braunschweig">
-      <a:dk1>
-        <a:srgbClr val="000000"/>
-      </a:dk1>
-      <a:lt1>
-        <a:srgbClr val="FFFFFF"/>
-      </a:lt1>
-      <a:dk2>
-        <a:srgbClr val="000000"/>
-      </a:dk2>
-      <a:lt2>
-        <a:srgbClr val="DDDDDD"/>
-      </a:lt2>
-      <a:accent1>
-        <a:srgbClr val="BE1E3C"/>
-      </a:accent1>
-      <a:accent2>
-        <a:srgbClr val="4DA6CB"/>
-      </a:accent2>
-      <a:accent3>
-        <a:srgbClr val="ADBF4D"/>
-      </a:accent3>
-      <a:accent4>
-        <a:srgbClr val="FA6E00"/>
-      </a:accent4>
-      <a:accent5>
-        <a:srgbClr val="407E97"/>
-      </a:accent5>
-      <a:accent6>
-        <a:srgbClr val="984098"/>
-      </a:accent6>
-      <a:hlink>
-        <a:srgbClr val="BE1E3C"/>
-      </a:hlink>
-      <a:folHlink>
-        <a:srgbClr val="760054"/>
-      </a:folHlink>
-    </a:clrScheme>
-    <a:fontScheme name="Office">
-      <a:majorFont>
-        <a:latin typeface="Arial"/>
-        <a:ea typeface=""/>
-        <a:cs typeface=""/>
-        <a:font script="Jpan" typeface="ＭＳ Ｐゴシック"/>
-        <a:font script="Hang" typeface="맑은 고딕"/>
-        <a:font script="Hans" typeface="宋体"/>
-        <a:font script="Hant" typeface="新細明體"/>
-        <a:font script="Arab" typeface="Times New Roman"/>
-        <a:font script="Hebr" typeface="Times New Roman"/>
-        <a:font script="Thai" typeface="Angsana New"/>
-        <a:font script="Ethi" typeface="Nyala"/>
-        <a:font script="Beng" typeface="Vrinda"/>
-        <a:font script="Gujr" typeface="Shruti"/>
-        <a:font script="Khmr" typeface="MoolBoran"/>
-        <a:font script="Knda" typeface="Tunga"/>
-        <a:font script="Guru" typeface="Raavi"/>
-        <a:font script="Cans" typeface="Euphemia"/>
-        <a:font script="Cher" typeface="Plantagenet Cherokee"/>
-        <a:font script="Yiii" typeface="Microsoft Yi Baiti"/>
-        <a:font script="Tibt" typeface="Microsoft Himalaya"/>
-        <a:font script="Thaa" typeface="MV Boli"/>
-        <a:font script="Deva" typeface="Mangal"/>
-        <a:font script="Telu" typeface="Gautami"/>
-        <a:font script="Taml" typeface="Latha"/>
-        <a:font script="Syrc" typeface="Estrangelo Edessa"/>
-        <a:font script="Orya" typeface="Kalinga"/>
-        <a:font script="Mlym" typeface="Kartika"/>
-        <a:font script="Laoo" typeface="DokChampa"/>
-        <a:font script="Sinh" typeface="Iskoola Pota"/>
-        <a:font script="Mong" typeface="Mongolian Baiti"/>
-        <a:font script="Viet" typeface="Times New Roman"/>
-        <a:font script="Uigh" typeface="Microsoft Uighur"/>
-        <a:font script="Geor" typeface="Sylfaen"/>
-      </a:majorFont>
-      <a:minorFont>
-        <a:latin typeface="Arial"/>
-        <a:ea typeface=""/>
-        <a:cs typeface=""/>
-        <a:font script="Jpan" typeface="ＭＳ Ｐゴシック"/>
-        <a:font script="Hang" typeface="맑은 고딕"/>
-        <a:font script="Hans" typeface="宋体"/>
-        <a:font script="Hant" typeface="新細明體"/>
-        <a:font script="Arab" typeface="Arial"/>
-        <a:font script="Hebr" typeface="Arial"/>
-        <a:font script="Thai" typeface="Cordia New"/>
-        <a:font script="Ethi" typeface="Nyala"/>
-        <a:font script="Beng" typeface="Vrinda"/>
-        <a:font script="Gujr" typeface="Shruti"/>
-        <a:font script="Khmr" typeface="DaunPenh"/>
-        <a:font script="Knda" typeface="Tunga"/>
-        <a:font script="Guru" typeface="Raavi"/>
-        <a:font script="Cans" typeface="Euphemia"/>
-        <a:font script="Cher" typeface="Plantagenet Cherokee"/>
-        <a:font script="Yiii" typeface="Microsoft Yi Baiti"/>
-        <a:font script="Tibt" typeface="Microsoft Himalaya"/>
-        <a:font script="Thaa" typeface="MV Boli"/>
-        <a:font script="Deva" typeface="Mangal"/>
-        <a:font script="Telu" typeface="Gautami"/>
-        <a:font script="Taml" typeface="Latha"/>
-        <a:font script="Syrc" typeface="Estrangelo Edessa"/>
-        <a:font script="Orya" typeface="Kalinga"/>
-        <a:font script="Mlym" typeface="Kartika"/>
-        <a:font script="Laoo" typeface="DokChampa"/>
-        <a:font script="Sinh" typeface="Iskoola Pota"/>
-        <a:font script="Mong" typeface="Mongolian Baiti"/>
-        <a:font script="Viet" typeface="Arial"/>
-        <a:font script="Uigh" typeface="Microsoft Uighur"/>
-        <a:font script="Geor" typeface="Sylfaen"/>
-      </a:minorFont>
-    </a:fontScheme>
-    <a:fmtScheme name="Office">
-      <a:fillStyleLst>
-        <a:solidFill>
-          <a:schemeClr val="phClr"/>
-        </a:solidFill>
-        <a:gradFill rotWithShape="1">
-          <a:gsLst>
-            <a:gs pos="0">
-              <a:schemeClr val="phClr">
-                <a:tint val="50000"/>
-                <a:satMod val="300000"/>
-              </a:schemeClr>
-            </a:gs>
-            <a:gs pos="35000">
-              <a:schemeClr val="phClr">
-                <a:tint val="37000"/>
-                <a:satMod val="300000"/>
-              </a:schemeClr>
-            </a:gs>
-            <a:gs pos="100000">
-              <a:schemeClr val="phClr">
-                <a:tint val="15000"/>
-                <a:satMod val="350000"/>
-              </a:schemeClr>
-            </a:gs>
-          </a:gsLst>
-          <a:lin ang="16200000" scaled="1"/>
-        </a:gradFill>
-        <a:gradFill rotWithShape="1">
-          <a:gsLst>
-            <a:gs pos="0">
-              <a:schemeClr val="phClr">
-                <a:tint val="100000"/>
-                <a:shade val="100000"/>
-                <a:satMod val="130000"/>
-              </a:schemeClr>
-            </a:gs>
-            <a:gs pos="100000">
-              <a:schemeClr val="phClr">
-                <a:tint val="50000"/>
-                <a:shade val="100000"/>
-                <a:satMod val="350000"/>
-              </a:schemeClr>
-            </a:gs>
-          </a:gsLst>
-          <a:lin ang="16200000" scaled="0"/>
-        </a:gradFill>
-      </a:fillStyleLst>
-      <a:lnStyleLst>
-        <a:ln w="9525" cap="flat" cmpd="sng" algn="ctr">
-          <a:solidFill>
-            <a:schemeClr val="phClr">
-              <a:shade val="95000"/>
-              <a:satMod val="105000"/>
-            </a:schemeClr>
-          </a:solidFill>
-          <a:prstDash val="solid"/>
-        </a:ln>
-        <a:ln w="25400" cap="flat" cmpd="sng" algn="ctr">
-          <a:solidFill>
-            <a:schemeClr val="phClr"/>
-          </a:solidFill>
-          <a:prstDash val="solid"/>
-        </a:ln>
-        <a:ln w="38100" cap="flat" cmpd="sng" algn="ctr">
-          <a:solidFill>
-            <a:schemeClr val="phClr"/>
-          </a:solidFill>
-          <a:prstDash val="solid"/>
-        </a:ln>
-      </a:lnStyleLst>
-      <a:effectStyleLst>
-        <a:effectStyle>
-          <a:effectLst>
-            <a:outerShdw blurRad="40000" dist="20000" dir="5400000" rotWithShape="0">
-              <a:srgbClr val="000000">
-                <a:alpha val="38000"/>
-              </a:srgbClr>
-            </a:outerShdw>
-          </a:effectLst>
-        </a:effectStyle>
-        <a:effectStyle>
-          <a:effectLst>
-            <a:outerShdw blurRad="40000" dist="23000" dir="5400000" rotWithShape="0">
-              <a:srgbClr val="000000">
-                <a:alpha val="35000"/>
-              </a:srgbClr>
-            </a:outerShdw>
-          </a:effectLst>
-        </a:effectStyle>
-        <a:effectStyle>
-          <a:effectLst>
-            <a:outerShdw blurRad="40000" dist="23000" dir="5400000" rotWithShape="0">
-              <a:srgbClr val="000000">
-                <a:alpha val="35000"/>
-              </a:srgbClr>
-            </a:outerShdw>
-          </a:effectLst>
-          <a:scene3d>
-            <a:camera prst="orthographicFront">
-              <a:rot lat="0" lon="0" rev="0"/>
-            </a:camera>
-            <a:lightRig rig="threePt" dir="t">
-              <a:rot lat="0" lon="0" rev="1200000"/>
-            </a:lightRig>
-          </a:scene3d>
-          <a:sp3d>
-            <a:bevelT w="63500" h="25400"/>
-          </a:sp3d>
-        </a:effectStyle>
-      </a:effectStyleLst>
-      <a:bgFillStyleLst>
-        <a:solidFill>
-          <a:schemeClr val="phClr"/>
-        </a:solidFill>
-        <a:gradFill rotWithShape="1">
-          <a:gsLst>
-            <a:gs pos="0">
-              <a:schemeClr val="phClr">
-                <a:tint val="40000"/>
-                <a:satMod val="350000"/>
-              </a:schemeClr>
-            </a:gs>
-            <a:gs pos="40000">
-              <a:schemeClr val="phClr">
-                <a:tint val="45000"/>
-                <a:shade val="99000"/>
-                <a:satMod val="350000"/>
-              </a:schemeClr>
-            </a:gs>
-            <a:gs pos="100000">
-              <a:schemeClr val="phClr">
-                <a:shade val="20000"/>
-                <a:satMod val="255000"/>
-              </a:schemeClr>
-            </a:gs>
-          </a:gsLst>
-          <a:path path="circle">
-            <a:fillToRect l="50000" t="-80000" r="50000" b="180000"/>
-          </a:path>
-        </a:gradFill>
-        <a:gradFill rotWithShape="1">
-          <a:gsLst>
-            <a:gs pos="0">
-              <a:schemeClr val="phClr">
-                <a:tint val="80000"/>
-                <a:satMod val="300000"/>
-              </a:schemeClr>
-            </a:gs>
-            <a:gs pos="100000">
-              <a:schemeClr val="phClr">
-                <a:shade val="30000"/>
-                <a:satMod val="200000"/>
-              </a:schemeClr>
-            </a:gs>
-          </a:gsLst>
-          <a:path path="circle">
-            <a:fillToRect l="50000" t="50000" r="50000" b="50000"/>
-          </a:path>
-        </a:gradFill>
-      </a:bgFillStyleLst>
-    </a:fmtScheme>
-  </a:themeElements>
-</a:theme>
 </file>
--- a/slides/01_first_steps_with_java.pptx
+++ b/slides/01_first_steps_with_java.pptx
@@ -10307,7 +10307,7 @@
             </a:pPr>
             <a:r>
               <a:rPr lang="de"/>
-              <a:t>Man kann if-else Blöcke auch weiter verschachteln, indem man einen “else-if” Block mit der entsprechenden Bedingung formuliert</a:t>
+              <a:t>Man in if-else-Blöcke auch mehr als zwei mögliche Codeblöcke haben, indem man einen “else-if” Block mit der entsprechenden Bedingung formuliert</a:t>
             </a:r>
             <a:endParaRPr/>
           </a:p>
@@ -13767,7 +13767,7 @@
             </a:r>
             <a:r>
               <a:rPr lang="de"/>
-              <a:t> “else-Block” wird ausgeführt, wenn die Bedingung nicht erfüllt.</a:t>
+              <a:t> “else-Block” wird ausgeführt, wenn die Bedingung nicht erfüllt ist.</a:t>
             </a:r>
             <a:endParaRPr/>
           </a:p>

--- a/slides/01_first_steps_with_java.pptx
+++ b/slides/01_first_steps_with_java.pptx
@@ -22,6 +22,7 @@
     <p:sldId id="267" r:id="rId17"/>
     <p:sldId id="268" r:id="rId18"/>
     <p:sldId id="269" r:id="rId19"/>
+    <p:sldId id="270" r:id="rId20"/>
   </p:sldIdLst>
   <p:sldSz cy="5143500" cx="9144000"/>
   <p:notesSz cx="6858000" cy="9144000"/>
@@ -1114,7 +1115,7 @@
       </p:grpSpPr>
       <p:sp>
         <p:nvSpPr>
-          <p:cNvPr id="180" name="Google Shape;180;gf9e77fe1e2_0_166:notes"/>
+          <p:cNvPr id="180" name="Google Shape;180;gfb93995a4a_0_0:notes"/>
           <p:cNvSpPr/>
           <p:nvPr>
             <p:ph idx="2" type="sldImg"/>
@@ -1149,7 +1150,7 @@
       </p:sp>
       <p:sp>
         <p:nvSpPr>
-          <p:cNvPr id="181" name="Google Shape;181;gf9e77fe1e2_0_166:notes"/>
+          <p:cNvPr id="181" name="Google Shape;181;gfb93995a4a_0_0:notes"/>
           <p:cNvSpPr txBox="1"/>
           <p:nvPr>
             <p:ph idx="1" type="body"/>
@@ -1199,7 +1200,7 @@
   <p:cSld>
     <p:spTree>
       <p:nvGrpSpPr>
-        <p:cNvPr id="185" name="Shape 185"/>
+        <p:cNvPr id="187" name="Shape 187"/>
         <p:cNvGrpSpPr/>
         <p:nvPr/>
       </p:nvGrpSpPr>
@@ -1213,7 +1214,7 @@
       </p:grpSpPr>
       <p:sp>
         <p:nvSpPr>
-          <p:cNvPr id="186" name="Google Shape;186;gf9e77fe1e2_0_171:notes"/>
+          <p:cNvPr id="188" name="Google Shape;188;gf9e77fe1e2_0_166:notes"/>
           <p:cNvSpPr/>
           <p:nvPr>
             <p:ph idx="2" type="sldImg"/>
@@ -1248,7 +1249,106 @@
       </p:sp>
       <p:sp>
         <p:nvSpPr>
-          <p:cNvPr id="187" name="Google Shape;187;gf9e77fe1e2_0_171:notes"/>
+          <p:cNvPr id="189" name="Google Shape;189;gf9e77fe1e2_0_166:notes"/>
+          <p:cNvSpPr txBox="1"/>
+          <p:nvPr>
+            <p:ph idx="1" type="body"/>
+          </p:nvPr>
+        </p:nvSpPr>
+        <p:spPr>
+          <a:xfrm>
+            <a:off x="685800" y="4343400"/>
+            <a:ext cx="5486400" cy="4114800"/>
+          </a:xfrm>
+          <a:prstGeom prst="rect">
+            <a:avLst/>
+          </a:prstGeom>
+        </p:spPr>
+        <p:txBody>
+          <a:bodyPr anchorCtr="0" anchor="t" bIns="91425" lIns="91425" spcFirstLastPara="1" rIns="91425" wrap="square" tIns="91425">
+            <a:noAutofit/>
+          </a:bodyPr>
+          <a:lstStyle/>
+          <a:p>
+            <a:pPr indent="0" lvl="0" marL="0" rtl="0" algn="l">
+              <a:spcBef>
+                <a:spcPts val="0"/>
+              </a:spcBef>
+              <a:spcAft>
+                <a:spcPts val="0"/>
+              </a:spcAft>
+              <a:buNone/>
+            </a:pPr>
+            <a:r>
+              <a:t/>
+            </a:r>
+            <a:endParaRPr/>
+          </a:p>
+        </p:txBody>
+      </p:sp>
+    </p:spTree>
+  </p:cSld>
+  <p:clrMapOvr>
+    <a:masterClrMapping/>
+  </p:clrMapOvr>
+</p:notes>
+</file>
+
+<file path=ppt/notesSlides/notesSlide15.xml><?xml version="1.0" encoding="utf-8"?>
+<p:notes xmlns:a="http://schemas.openxmlformats.org/drawingml/2006/main" xmlns:r="http://schemas.openxmlformats.org/officeDocument/2006/relationships" xmlns:mc="http://schemas.openxmlformats.org/markup-compatibility/2006" xmlns:mv="urn:schemas-microsoft-com:mac:vml" xmlns:p="http://schemas.openxmlformats.org/presentationml/2006/main" xmlns:c="http://schemas.openxmlformats.org/drawingml/2006/chart" xmlns:dgm="http://schemas.openxmlformats.org/drawingml/2006/diagram" xmlns:o="urn:schemas-microsoft-com:office:office" xmlns:v="urn:schemas-microsoft-com:vml" xmlns:pvml="urn:schemas-microsoft-com:office:powerpoint" xmlns:com="http://schemas.openxmlformats.org/drawingml/2006/compatibility" xmlns:p14="http://schemas.microsoft.com/office/powerpoint/2010/main" xmlns:p15="http://schemas.microsoft.com/office/powerpoint/2012/main" xmlns:ahyp="http://schemas.microsoft.com/office/drawing/2018/hyperlinkcolor" showMasterPhAnim="0" showMasterSp="0">
+  <p:cSld>
+    <p:spTree>
+      <p:nvGrpSpPr>
+        <p:cNvPr id="193" name="Shape 193"/>
+        <p:cNvGrpSpPr/>
+        <p:nvPr/>
+      </p:nvGrpSpPr>
+      <p:grpSpPr>
+        <a:xfrm>
+          <a:off x="0" y="0"/>
+          <a:ext cx="0" cy="0"/>
+          <a:chOff x="0" y="0"/>
+          <a:chExt cx="0" cy="0"/>
+        </a:xfrm>
+      </p:grpSpPr>
+      <p:sp>
+        <p:nvSpPr>
+          <p:cNvPr id="194" name="Google Shape;194;gf9e77fe1e2_0_171:notes"/>
+          <p:cNvSpPr/>
+          <p:nvPr>
+            <p:ph idx="2" type="sldImg"/>
+          </p:nvPr>
+        </p:nvSpPr>
+        <p:spPr>
+          <a:xfrm>
+            <a:off x="381300" y="685800"/>
+            <a:ext cx="6096000" cy="3429000"/>
+          </a:xfrm>
+          <a:custGeom>
+            <a:rect b="b" l="l" r="r" t="t"/>
+            <a:pathLst>
+              <a:path extrusionOk="0" h="120000" w="120000">
+                <a:moveTo>
+                  <a:pt x="0" y="0"/>
+                </a:moveTo>
+                <a:lnTo>
+                  <a:pt x="120000" y="0"/>
+                </a:lnTo>
+                <a:lnTo>
+                  <a:pt x="120000" y="120000"/>
+                </a:lnTo>
+                <a:lnTo>
+                  <a:pt x="0" y="120000"/>
+                </a:lnTo>
+                <a:close/>
+              </a:path>
+            </a:pathLst>
+          </a:custGeom>
+        </p:spPr>
+      </p:sp>
+      <p:sp>
+        <p:nvSpPr>
+          <p:cNvPr id="195" name="Google Shape;195;gf9e77fe1e2_0_171:notes"/>
           <p:cNvSpPr txBox="1"/>
           <p:nvPr>
             <p:ph idx="1" type="body"/>
@@ -10920,7 +11020,7 @@
             </a:pPr>
             <a:r>
               <a:rPr lang="de"/>
-              <a:t>4. Fragen</a:t>
+              <a:t>4. Fehlerbehandlung</a:t>
             </a:r>
             <a:endParaRPr/>
           </a:p>
@@ -10949,7 +11049,7 @@
           </a:bodyPr>
           <a:lstStyle/>
           <a:p>
-            <a:pPr indent="0" lvl="0" marL="0" rtl="0" algn="ctr">
+            <a:pPr indent="0" lvl="0" marL="0" rtl="0" algn="l">
               <a:spcBef>
                 <a:spcPts val="320"/>
               </a:spcBef>
@@ -10959,12 +11059,13 @@
               <a:buNone/>
             </a:pPr>
             <a:r>
-              <a:t/>
+              <a:rPr lang="de"/>
+              <a:t>Solltet ihr beim Programmieren einen Fehler gemacht haben, sodass das Programm nicht nur falsch, sondern gar nicht läuft, dann ist der Fehler meisten schnell gefunden (anders wenn das Programm falsch läuft, dann müsst ihr selber auf die Suche gehen).</a:t>
             </a:r>
             <a:endParaRPr/>
           </a:p>
           <a:p>
-            <a:pPr indent="0" lvl="0" marL="0" rtl="0" algn="ctr">
+            <a:pPr indent="0" lvl="0" marL="0" rtl="0" algn="l">
               <a:spcBef>
                 <a:spcPts val="320"/>
               </a:spcBef>
@@ -10974,88 +11075,69 @@
               <a:buNone/>
             </a:pPr>
             <a:r>
-              <a:t/>
+              <a:rPr lang="de"/>
+              <a:t>Auf Fehler, die bewirken, dass das Programm nicht kompiliert werden kann, weist euch der Compiler hin.</a:t>
             </a:r>
             <a:endParaRPr/>
-          </a:p>
-          <a:p>
-            <a:pPr indent="0" lvl="0" marL="0" rtl="0" algn="ctr">
-              <a:spcBef>
-                <a:spcPts val="320"/>
-              </a:spcBef>
-              <a:spcAft>
-                <a:spcPts val="0"/>
-              </a:spcAft>
-              <a:buNone/>
-            </a:pPr>
-            <a:r>
-              <a:t/>
-            </a:r>
-            <a:endParaRPr/>
-          </a:p>
-          <a:p>
-            <a:pPr indent="0" lvl="0" marL="0" rtl="0" algn="ctr">
-              <a:spcBef>
-                <a:spcPts val="320"/>
-              </a:spcBef>
-              <a:spcAft>
-                <a:spcPts val="0"/>
-              </a:spcAft>
-              <a:buNone/>
-            </a:pPr>
-            <a:r>
-              <a:t/>
-            </a:r>
-            <a:endParaRPr/>
-          </a:p>
-          <a:p>
-            <a:pPr indent="0" lvl="0" marL="0" rtl="0" algn="ctr">
-              <a:spcBef>
-                <a:spcPts val="320"/>
-              </a:spcBef>
-              <a:spcAft>
-                <a:spcPts val="0"/>
-              </a:spcAft>
-              <a:buNone/>
-            </a:pPr>
-            <a:r>
-              <a:t/>
-            </a:r>
-            <a:endParaRPr/>
-          </a:p>
-          <a:p>
-            <a:pPr indent="0" lvl="0" marL="0" rtl="0" algn="ctr">
-              <a:spcBef>
-                <a:spcPts val="320"/>
-              </a:spcBef>
-              <a:spcAft>
-                <a:spcPts val="0"/>
-              </a:spcAft>
-              <a:buNone/>
-            </a:pPr>
-            <a:r>
-              <a:t/>
-            </a:r>
-            <a:endParaRPr/>
-          </a:p>
-          <a:p>
-            <a:pPr indent="0" lvl="0" marL="0" rtl="0" algn="ctr">
-              <a:spcBef>
-                <a:spcPts val="320"/>
-              </a:spcBef>
-              <a:spcAft>
-                <a:spcPts val="0"/>
-              </a:spcAft>
-              <a:buNone/>
-            </a:pPr>
-            <a:r>
-              <a:rPr lang="de" sz="3600"/>
-              <a:t>Fragen</a:t>
-            </a:r>
-            <a:endParaRPr sz="3600"/>
           </a:p>
         </p:txBody>
       </p:sp>
+      <p:pic>
+        <p:nvPicPr>
+          <p:cNvPr id="185" name="Google Shape;185;p29"/>
+          <p:cNvPicPr preferRelativeResize="0"/>
+          <p:nvPr/>
+        </p:nvPicPr>
+        <p:blipFill>
+          <a:blip r:embed="rId3">
+            <a:alphaModFix/>
+          </a:blip>
+          <a:stretch>
+            <a:fillRect/>
+          </a:stretch>
+        </p:blipFill>
+        <p:spPr>
+          <a:xfrm>
+            <a:off x="3697675" y="2192870"/>
+            <a:ext cx="1748650" cy="210475"/>
+          </a:xfrm>
+          <a:prstGeom prst="rect">
+            <a:avLst/>
+          </a:prstGeom>
+          <a:noFill/>
+          <a:ln>
+            <a:noFill/>
+          </a:ln>
+        </p:spPr>
+      </p:pic>
+      <p:pic>
+        <p:nvPicPr>
+          <p:cNvPr id="186" name="Google Shape;186;p29"/>
+          <p:cNvPicPr preferRelativeResize="0"/>
+          <p:nvPr/>
+        </p:nvPicPr>
+        <p:blipFill>
+          <a:blip r:embed="rId4">
+            <a:alphaModFix/>
+          </a:blip>
+          <a:stretch>
+            <a:fillRect/>
+          </a:stretch>
+        </p:blipFill>
+        <p:spPr>
+          <a:xfrm>
+            <a:off x="-860450" y="2874649"/>
+            <a:ext cx="7468825" cy="802500"/>
+          </a:xfrm>
+          <a:prstGeom prst="rect">
+            <a:avLst/>
+          </a:prstGeom>
+          <a:noFill/>
+          <a:ln>
+            <a:noFill/>
+          </a:ln>
+        </p:spPr>
+      </p:pic>
     </p:spTree>
   </p:cSld>
   <p:clrMapOvr>
@@ -11069,7 +11151,7 @@
   <p:cSld>
     <p:spTree>
       <p:nvGrpSpPr>
-        <p:cNvPr id="188" name="Shape 188"/>
+        <p:cNvPr id="190" name="Shape 190"/>
         <p:cNvGrpSpPr/>
         <p:nvPr/>
       </p:nvGrpSpPr>
@@ -11083,7 +11165,7 @@
       </p:grpSpPr>
       <p:sp>
         <p:nvSpPr>
-          <p:cNvPr id="189" name="Google Shape;189;p30"/>
+          <p:cNvPr id="191" name="Google Shape;191;p30"/>
           <p:cNvSpPr txBox="1"/>
           <p:nvPr>
             <p:ph type="title"/>
@@ -11115,7 +11197,7 @@
             </a:pPr>
             <a:r>
               <a:rPr lang="de"/>
-              <a:t>5. Übungsaufgaben</a:t>
+              <a:t>5. Fragen</a:t>
             </a:r>
             <a:endParaRPr/>
           </a:p>
@@ -11123,7 +11205,202 @@
       </p:sp>
       <p:sp>
         <p:nvSpPr>
-          <p:cNvPr id="190" name="Google Shape;190;p30"/>
+          <p:cNvPr id="192" name="Google Shape;192;p30"/>
+          <p:cNvSpPr/>
+          <p:nvPr>
+            <p:ph idx="2" type="chart"/>
+          </p:nvPr>
+        </p:nvSpPr>
+        <p:spPr>
+          <a:xfrm>
+            <a:off x="431800" y="782241"/>
+            <a:ext cx="8375700" cy="3579000"/>
+          </a:xfrm>
+          <a:prstGeom prst="rect">
+            <a:avLst/>
+          </a:prstGeom>
+        </p:spPr>
+        <p:txBody>
+          <a:bodyPr anchorCtr="0" anchor="t" bIns="0" lIns="0" spcFirstLastPara="1" rIns="0" wrap="square" tIns="0">
+            <a:noAutofit/>
+          </a:bodyPr>
+          <a:lstStyle/>
+          <a:p>
+            <a:pPr indent="0" lvl="0" marL="0" rtl="0" algn="ctr">
+              <a:spcBef>
+                <a:spcPts val="320"/>
+              </a:spcBef>
+              <a:spcAft>
+                <a:spcPts val="0"/>
+              </a:spcAft>
+              <a:buNone/>
+            </a:pPr>
+            <a:r>
+              <a:t/>
+            </a:r>
+            <a:endParaRPr/>
+          </a:p>
+          <a:p>
+            <a:pPr indent="0" lvl="0" marL="0" rtl="0" algn="ctr">
+              <a:spcBef>
+                <a:spcPts val="320"/>
+              </a:spcBef>
+              <a:spcAft>
+                <a:spcPts val="0"/>
+              </a:spcAft>
+              <a:buNone/>
+            </a:pPr>
+            <a:r>
+              <a:t/>
+            </a:r>
+            <a:endParaRPr/>
+          </a:p>
+          <a:p>
+            <a:pPr indent="0" lvl="0" marL="0" rtl="0" algn="ctr">
+              <a:spcBef>
+                <a:spcPts val="320"/>
+              </a:spcBef>
+              <a:spcAft>
+                <a:spcPts val="0"/>
+              </a:spcAft>
+              <a:buNone/>
+            </a:pPr>
+            <a:r>
+              <a:t/>
+            </a:r>
+            <a:endParaRPr/>
+          </a:p>
+          <a:p>
+            <a:pPr indent="0" lvl="0" marL="0" rtl="0" algn="ctr">
+              <a:spcBef>
+                <a:spcPts val="320"/>
+              </a:spcBef>
+              <a:spcAft>
+                <a:spcPts val="0"/>
+              </a:spcAft>
+              <a:buNone/>
+            </a:pPr>
+            <a:r>
+              <a:t/>
+            </a:r>
+            <a:endParaRPr/>
+          </a:p>
+          <a:p>
+            <a:pPr indent="0" lvl="0" marL="0" rtl="0" algn="ctr">
+              <a:spcBef>
+                <a:spcPts val="320"/>
+              </a:spcBef>
+              <a:spcAft>
+                <a:spcPts val="0"/>
+              </a:spcAft>
+              <a:buNone/>
+            </a:pPr>
+            <a:r>
+              <a:t/>
+            </a:r>
+            <a:endParaRPr/>
+          </a:p>
+          <a:p>
+            <a:pPr indent="0" lvl="0" marL="0" rtl="0" algn="ctr">
+              <a:spcBef>
+                <a:spcPts val="320"/>
+              </a:spcBef>
+              <a:spcAft>
+                <a:spcPts val="0"/>
+              </a:spcAft>
+              <a:buNone/>
+            </a:pPr>
+            <a:r>
+              <a:t/>
+            </a:r>
+            <a:endParaRPr/>
+          </a:p>
+          <a:p>
+            <a:pPr indent="0" lvl="0" marL="0" rtl="0" algn="ctr">
+              <a:spcBef>
+                <a:spcPts val="320"/>
+              </a:spcBef>
+              <a:spcAft>
+                <a:spcPts val="0"/>
+              </a:spcAft>
+              <a:buNone/>
+            </a:pPr>
+            <a:r>
+              <a:rPr lang="de" sz="3600"/>
+              <a:t>Fragen</a:t>
+            </a:r>
+            <a:endParaRPr sz="3600"/>
+          </a:p>
+        </p:txBody>
+      </p:sp>
+    </p:spTree>
+  </p:cSld>
+  <p:clrMapOvr>
+    <a:masterClrMapping/>
+  </p:clrMapOvr>
+</p:sld>
+</file>
+
+<file path=ppt/slides/slide15.xml><?xml version="1.0" encoding="utf-8"?>
+<p:sld xmlns:a="http://schemas.openxmlformats.org/drawingml/2006/main" xmlns:r="http://schemas.openxmlformats.org/officeDocument/2006/relationships" xmlns:mc="http://schemas.openxmlformats.org/markup-compatibility/2006" xmlns:mv="urn:schemas-microsoft-com:mac:vml" xmlns:p="http://schemas.openxmlformats.org/presentationml/2006/main" xmlns:c="http://schemas.openxmlformats.org/drawingml/2006/chart" xmlns:dgm="http://schemas.openxmlformats.org/drawingml/2006/diagram" xmlns:o="urn:schemas-microsoft-com:office:office" xmlns:v="urn:schemas-microsoft-com:vml" xmlns:pvml="urn:schemas-microsoft-com:office:powerpoint" xmlns:com="http://schemas.openxmlformats.org/drawingml/2006/compatibility" xmlns:p14="http://schemas.microsoft.com/office/powerpoint/2010/main" xmlns:p15="http://schemas.microsoft.com/office/powerpoint/2012/main" xmlns:ahyp="http://schemas.microsoft.com/office/drawing/2018/hyperlinkcolor">
+  <p:cSld>
+    <p:spTree>
+      <p:nvGrpSpPr>
+        <p:cNvPr id="196" name="Shape 196"/>
+        <p:cNvGrpSpPr/>
+        <p:nvPr/>
+      </p:nvGrpSpPr>
+      <p:grpSpPr>
+        <a:xfrm>
+          <a:off x="0" y="0"/>
+          <a:ext cx="0" cy="0"/>
+          <a:chOff x="0" y="0"/>
+          <a:chExt cx="0" cy="0"/>
+        </a:xfrm>
+      </p:grpSpPr>
+      <p:sp>
+        <p:nvSpPr>
+          <p:cNvPr id="197" name="Google Shape;197;p31"/>
+          <p:cNvSpPr txBox="1"/>
+          <p:nvPr>
+            <p:ph type="title"/>
+          </p:nvPr>
+        </p:nvSpPr>
+        <p:spPr>
+          <a:xfrm>
+            <a:off x="431800" y="83344"/>
+            <a:ext cx="8375700" cy="531000"/>
+          </a:xfrm>
+          <a:prstGeom prst="rect">
+            <a:avLst/>
+          </a:prstGeom>
+        </p:spPr>
+        <p:txBody>
+          <a:bodyPr anchorCtr="0" anchor="b" bIns="0" lIns="0" spcFirstLastPara="1" rIns="0" wrap="square" tIns="0">
+            <a:noAutofit/>
+          </a:bodyPr>
+          <a:lstStyle/>
+          <a:p>
+            <a:pPr indent="0" lvl="0" marL="0" rtl="0" algn="l">
+              <a:spcBef>
+                <a:spcPts val="0"/>
+              </a:spcBef>
+              <a:spcAft>
+                <a:spcPts val="0"/>
+              </a:spcAft>
+              <a:buNone/>
+            </a:pPr>
+            <a:r>
+              <a:rPr lang="de"/>
+              <a:t>6. Übungsaufgaben</a:t>
+            </a:r>
+            <a:endParaRPr/>
+          </a:p>
+        </p:txBody>
+      </p:sp>
+      <p:sp>
+        <p:nvSpPr>
+          <p:cNvPr id="198" name="Google Shape;198;p31"/>
           <p:cNvSpPr/>
           <p:nvPr>
             <p:ph idx="2" type="chart"/>
@@ -11403,98 +11680,98 @@
           </a:bodyPr>
           <a:lstStyle/>
           <a:p>
-            <a:pPr indent="-323850" lvl="0" marL="457200" rtl="0" algn="l">
+            <a:pPr indent="-311150" lvl="0" marL="457200" rtl="0" algn="l">
               <a:spcBef>
                 <a:spcPts val="320"/>
               </a:spcBef>
               <a:spcAft>
                 <a:spcPts val="0"/>
               </a:spcAft>
-              <a:buSzPts val="1500"/>
+              <a:buSzPts val="1300"/>
               <a:buAutoNum type="arabicPeriod"/>
             </a:pPr>
             <a:r>
-              <a:rPr lang="de" sz="1500"/>
+              <a:rPr lang="de" sz="1300"/>
               <a:t>Ein erstes Programm: “Hello World!”</a:t>
             </a:r>
             <a:br>
-              <a:rPr lang="de" sz="1500"/>
+              <a:rPr lang="de" sz="1300"/>
             </a:br>
-            <a:endParaRPr sz="1500"/>
-          </a:p>
-          <a:p>
-            <a:pPr indent="-323850" lvl="0" marL="457200" rtl="0" algn="l">
-              <a:spcBef>
-                <a:spcPts val="0"/>
-              </a:spcBef>
-              <a:spcAft>
-                <a:spcPts val="0"/>
-              </a:spcAft>
-              <a:buSzPts val="1500"/>
+            <a:endParaRPr sz="1300"/>
+          </a:p>
+          <a:p>
+            <a:pPr indent="-311150" lvl="0" marL="457200" rtl="0" algn="l">
+              <a:spcBef>
+                <a:spcPts val="0"/>
+              </a:spcBef>
+              <a:spcAft>
+                <a:spcPts val="0"/>
+              </a:spcAft>
+              <a:buSzPts val="1300"/>
               <a:buAutoNum type="arabicPeriod"/>
             </a:pPr>
             <a:r>
-              <a:rPr lang="de" sz="1500"/>
+              <a:rPr lang="de" sz="1300"/>
               <a:t>Variablen</a:t>
             </a:r>
-            <a:endParaRPr sz="1500"/>
-          </a:p>
-          <a:p>
-            <a:pPr indent="-323850" lvl="1" marL="914400" rtl="0" algn="l">
-              <a:spcBef>
-                <a:spcPts val="0"/>
-              </a:spcBef>
-              <a:spcAft>
-                <a:spcPts val="0"/>
-              </a:spcAft>
-              <a:buSzPts val="1500"/>
+            <a:endParaRPr sz="1300"/>
+          </a:p>
+          <a:p>
+            <a:pPr indent="-311150" lvl="1" marL="914400" rtl="0" algn="l">
+              <a:spcBef>
+                <a:spcPts val="0"/>
+              </a:spcBef>
+              <a:spcAft>
+                <a:spcPts val="0"/>
+              </a:spcAft>
+              <a:buSzPts val="1300"/>
               <a:buAutoNum type="arabicPeriod"/>
             </a:pPr>
             <a:r>
-              <a:rPr lang="de" sz="1500"/>
+              <a:rPr lang="de" sz="1300"/>
               <a:t>Was sind Variablen?</a:t>
             </a:r>
-            <a:endParaRPr sz="1500"/>
-          </a:p>
-          <a:p>
-            <a:pPr indent="-323850" lvl="1" marL="914400" rtl="0" algn="l">
-              <a:spcBef>
-                <a:spcPts val="0"/>
-              </a:spcBef>
-              <a:spcAft>
-                <a:spcPts val="0"/>
-              </a:spcAft>
-              <a:buSzPts val="1500"/>
+            <a:endParaRPr sz="1300"/>
+          </a:p>
+          <a:p>
+            <a:pPr indent="-311150" lvl="1" marL="914400" rtl="0" algn="l">
+              <a:spcBef>
+                <a:spcPts val="0"/>
+              </a:spcBef>
+              <a:spcAft>
+                <a:spcPts val="0"/>
+              </a:spcAft>
+              <a:buSzPts val="1300"/>
               <a:buAutoNum type="arabicPeriod"/>
             </a:pPr>
             <a:r>
-              <a:rPr lang="de" sz="1500"/>
+              <a:rPr lang="de" sz="1300"/>
               <a:t>Datentypen</a:t>
             </a:r>
-            <a:endParaRPr sz="1500"/>
-          </a:p>
-          <a:p>
-            <a:pPr indent="-323850" lvl="1" marL="914400" rtl="0" algn="l">
-              <a:spcBef>
-                <a:spcPts val="0"/>
-              </a:spcBef>
-              <a:spcAft>
-                <a:spcPts val="0"/>
-              </a:spcAft>
-              <a:buSzPts val="1500"/>
+            <a:endParaRPr sz="1300"/>
+          </a:p>
+          <a:p>
+            <a:pPr indent="-311150" lvl="1" marL="914400" rtl="0" algn="l">
+              <a:spcBef>
+                <a:spcPts val="0"/>
+              </a:spcBef>
+              <a:spcAft>
+                <a:spcPts val="0"/>
+              </a:spcAft>
+              <a:buSzPts val="1300"/>
               <a:buAutoNum type="arabicPeriod"/>
             </a:pPr>
             <a:r>
-              <a:rPr lang="de" sz="1500"/>
+              <a:rPr lang="de" sz="1300"/>
               <a:t>Operatoren</a:t>
             </a:r>
             <a:br>
-              <a:rPr lang="de" sz="1500"/>
+              <a:rPr lang="de" sz="1300"/>
             </a:br>
-            <a:endParaRPr sz="1500"/>
-          </a:p>
-          <a:p>
-            <a:pPr indent="-323850" lvl="0" marL="457200" rtl="0" algn="l">
+            <a:endParaRPr sz="1300"/>
+          </a:p>
+          <a:p>
+            <a:pPr indent="-311150" lvl="0" marL="457200" rtl="0" algn="l">
               <a:spcBef>
                 <a:spcPts val="0"/>
               </a:spcBef>
@@ -11504,65 +11781,85 @@
               <a:buClr>
                 <a:schemeClr val="dk1"/>
               </a:buClr>
-              <a:buSzPts val="1500"/>
+              <a:buSzPts val="1300"/>
               <a:buAutoNum type="arabicPeriod"/>
             </a:pPr>
             <a:r>
-              <a:rPr lang="de" sz="1500"/>
+              <a:rPr lang="de" sz="1300"/>
               <a:t>Bedingungen </a:t>
             </a:r>
-            <a:endParaRPr sz="1500"/>
-          </a:p>
-          <a:p>
-            <a:pPr indent="-323850" lvl="1" marL="914400" rtl="0" algn="l">
-              <a:spcBef>
-                <a:spcPts val="0"/>
-              </a:spcBef>
-              <a:spcAft>
-                <a:spcPts val="0"/>
-              </a:spcAft>
-              <a:buSzPts val="1500"/>
+            <a:endParaRPr sz="1300"/>
+          </a:p>
+          <a:p>
+            <a:pPr indent="-311150" lvl="1" marL="914400" rtl="0" algn="l">
+              <a:spcBef>
+                <a:spcPts val="0"/>
+              </a:spcBef>
+              <a:spcAft>
+                <a:spcPts val="0"/>
+              </a:spcAft>
+              <a:buSzPts val="1300"/>
               <a:buAutoNum type="arabicPeriod"/>
             </a:pPr>
             <a:r>
-              <a:rPr lang="de" sz="1500"/>
+              <a:rPr lang="de" sz="1300"/>
               <a:t>if-else</a:t>
             </a:r>
-            <a:endParaRPr sz="1500"/>
-          </a:p>
-          <a:p>
-            <a:pPr indent="-323850" lvl="1" marL="914400" rtl="0" algn="l">
-              <a:spcBef>
-                <a:spcPts val="0"/>
-              </a:spcBef>
-              <a:spcAft>
-                <a:spcPts val="0"/>
-              </a:spcAft>
-              <a:buSzPts val="1500"/>
+            <a:endParaRPr sz="1300"/>
+          </a:p>
+          <a:p>
+            <a:pPr indent="-311150" lvl="1" marL="914400" rtl="0" algn="l">
+              <a:spcBef>
+                <a:spcPts val="0"/>
+              </a:spcBef>
+              <a:spcAft>
+                <a:spcPts val="0"/>
+              </a:spcAft>
+              <a:buSzPts val="1300"/>
               <a:buAutoNum type="arabicPeriod"/>
             </a:pPr>
             <a:r>
-              <a:rPr lang="de" sz="1500"/>
+              <a:rPr lang="de" sz="1300"/>
               <a:t>switch-case</a:t>
             </a:r>
-            <a:endParaRPr sz="1500"/>
-          </a:p>
-          <a:p>
-            <a:pPr indent="-323850" lvl="1" marL="914400" rtl="0" algn="l">
-              <a:spcBef>
-                <a:spcPts val="0"/>
-              </a:spcBef>
-              <a:spcAft>
-                <a:spcPts val="0"/>
-              </a:spcAft>
-              <a:buSzPts val="1500"/>
+            <a:endParaRPr sz="1300"/>
+          </a:p>
+          <a:p>
+            <a:pPr indent="-311150" lvl="1" marL="914400" rtl="0" algn="l">
+              <a:spcBef>
+                <a:spcPts val="0"/>
+              </a:spcBef>
+              <a:spcAft>
+                <a:spcPts val="0"/>
+              </a:spcAft>
+              <a:buSzPts val="1300"/>
               <a:buAutoNum type="arabicPeriod"/>
             </a:pPr>
             <a:r>
-              <a:rPr lang="de" sz="1500"/>
+              <a:rPr lang="de" sz="1300"/>
               <a:t>ternärer Operator</a:t>
             </a:r>
-            <a:endParaRPr sz="1500"/>
+            <a:br>
+              <a:rPr lang="de" sz="1300"/>
+            </a:br>
+            <a:endParaRPr sz="1300"/>
+          </a:p>
+          <a:p>
+            <a:pPr indent="-311150" lvl="0" marL="457200" rtl="0" algn="l">
+              <a:spcBef>
+                <a:spcPts val="0"/>
+              </a:spcBef>
+              <a:spcAft>
+                <a:spcPts val="0"/>
+              </a:spcAft>
+              <a:buSzPts val="1300"/>
+              <a:buAutoNum type="arabicPeriod"/>
+            </a:pPr>
+            <a:r>
+              <a:rPr lang="de" sz="1300"/>
+              <a:t>Fehlerbehandlung</a:t>
+            </a:r>
+            <a:endParaRPr sz="1300"/>
           </a:p>
           <a:p>
             <a:pPr indent="0" lvl="0" marL="0" rtl="0" algn="l">
@@ -11582,10 +11879,10 @@
             <a:r>
               <a:t/>
             </a:r>
-            <a:endParaRPr sz="1500"/>
-          </a:p>
-          <a:p>
-            <a:pPr indent="-323850" lvl="0" marL="457200" rtl="0" algn="l">
+            <a:endParaRPr sz="1300"/>
+          </a:p>
+          <a:p>
+            <a:pPr indent="-311150" lvl="0" marL="457200" rtl="0" algn="l">
               <a:spcBef>
                 <a:spcPts val="320"/>
               </a:spcBef>
@@ -11595,20 +11892,20 @@
               <a:buClr>
                 <a:schemeClr val="dk1"/>
               </a:buClr>
-              <a:buSzPts val="1500"/>
+              <a:buSzPts val="1300"/>
               <a:buAutoNum type="arabicPeriod"/>
             </a:pPr>
             <a:r>
-              <a:rPr lang="de" sz="1500"/>
+              <a:rPr lang="de" sz="1300"/>
               <a:t>Fragen</a:t>
             </a:r>
             <a:br>
-              <a:rPr lang="de" sz="1500"/>
+              <a:rPr lang="de" sz="1300"/>
             </a:br>
-            <a:endParaRPr sz="1500"/>
-          </a:p>
-          <a:p>
-            <a:pPr indent="-323850" lvl="0" marL="457200" rtl="0" algn="l">
+            <a:endParaRPr sz="1300"/>
+          </a:p>
+          <a:p>
+            <a:pPr indent="-311150" lvl="0" marL="457200" rtl="0" algn="l">
               <a:spcBef>
                 <a:spcPts val="0"/>
               </a:spcBef>
@@ -11618,14 +11915,14 @@
               <a:buClr>
                 <a:schemeClr val="dk1"/>
               </a:buClr>
-              <a:buSzPts val="1500"/>
+              <a:buSzPts val="1300"/>
               <a:buAutoNum type="arabicPeriod"/>
             </a:pPr>
             <a:r>
-              <a:rPr lang="de" sz="1500"/>
+              <a:rPr lang="de" sz="1300"/>
               <a:t>Übungsaufgabe</a:t>
             </a:r>
-            <a:endParaRPr sz="1500"/>
+            <a:endParaRPr sz="1300"/>
           </a:p>
         </p:txBody>
       </p:sp>

--- a/slides/01_first_steps_with_java.pptx
+++ b/slides/01_first_steps_with_java.pptx
@@ -11126,7 +11126,7 @@
         </p:blipFill>
         <p:spPr>
           <a:xfrm>
-            <a:off x="-860450" y="2874649"/>
+            <a:off x="837588" y="2825274"/>
             <a:ext cx="7468825" cy="802500"/>
           </a:xfrm>
           <a:prstGeom prst="rect">

--- a/slides/01_first_steps_with_java.pptx
+++ b/slides/01_first_steps_with_java.pptx
@@ -10407,7 +10407,7 @@
             </a:pPr>
             <a:r>
               <a:rPr lang="de"/>
-              <a:t>Man in if-else-Blöcke auch mehr als zwei mögliche Codeblöcke haben, indem man einen “else-if” Block mit der entsprechenden Bedingung formuliert</a:t>
+              <a:t>Man kann in if-else-Anweisungen auch mehr als zwei mögliche Programmpfade haben, indem man einen oder mehrere “else-if” Blöcke mit der entsprechenden Bedingung formuliert.</a:t>
             </a:r>
             <a:endParaRPr/>
           </a:p>
@@ -10836,7 +10836,7 @@
             </a:pPr>
             <a:r>
               <a:rPr lang="de"/>
-              <a:t>Nur damit ihr es mal gesehen habt: Der Ternäre Operator lässt euch ein Bedingtes Statement in einer Zeile verfassen.</a:t>
+              <a:t>Nur damit du es mal gesehen hast: Der Ternäre Operator lässt euch ein Bedingtes Statement in einer Zeile verfassen.</a:t>
             </a:r>
             <a:endParaRPr/>
           </a:p>
@@ -11060,7 +11060,7 @@
             </a:pPr>
             <a:r>
               <a:rPr lang="de"/>
-              <a:t>Solltet ihr beim Programmieren einen Fehler gemacht haben, sodass das Programm nicht nur falsch, sondern gar nicht läuft, dann ist der Fehler meisten schnell gefunden (anders wenn das Programm falsch läuft, dann müsst ihr selber auf die Suche gehen).</a:t>
+              <a:t>Solltest du beim Programmieren einen Fehler gemacht haben, sodass das Programm nicht nur falsch, sondern gar nicht läuft, dann ist der Fehler meisten schnell gefunden (anders wenn das Programm falsch läuft, dann müsst ihr selber auf die Suche gehen).</a:t>
             </a:r>
             <a:endParaRPr/>
           </a:p>
@@ -12789,7 +12789,7 @@
             </a:r>
             <a:r>
               <a:rPr lang="de"/>
-              <a:t> festlegen. In dieser Variable können dann nur Daten vom Typ der Variable gespeichert werden (</a:t>
+              <a:t> feststehen. In dieser Variable können dann nur Daten vom Typ der Variable gespeichert werden (</a:t>
             </a:r>
             <a:r>
               <a:rPr b="1" lang="de"/>

--- a/slides/01_first_steps_with_java.pptx
+++ b/slides/01_first_steps_with_java.pptx
@@ -21,8 +21,6 @@
     <p:sldId id="266" r:id="rId16"/>
     <p:sldId id="267" r:id="rId17"/>
     <p:sldId id="268" r:id="rId18"/>
-    <p:sldId id="269" r:id="rId19"/>
-    <p:sldId id="270" r:id="rId20"/>
   </p:sldIdLst>
   <p:sldSz cy="5143500" cx="9144000"/>
   <p:notesSz cx="6858000" cy="9144000"/>
@@ -818,7 +816,7 @@
       </p:grpSpPr>
       <p:sp>
         <p:nvSpPr>
-          <p:cNvPr id="158" name="Google Shape;158;gfa9b00c572_0_7:notes"/>
+          <p:cNvPr id="158" name="Google Shape;158;gf9e77fe1e2_0_140:notes"/>
           <p:cNvSpPr/>
           <p:nvPr>
             <p:ph idx="2" type="sldImg"/>
@@ -853,7 +851,7 @@
       </p:sp>
       <p:sp>
         <p:nvSpPr>
-          <p:cNvPr id="159" name="Google Shape;159;gfa9b00c572_0_7:notes"/>
+          <p:cNvPr id="159" name="Google Shape;159;gf9e77fe1e2_0_140:notes"/>
           <p:cNvSpPr txBox="1"/>
           <p:nvPr>
             <p:ph idx="1" type="body"/>
@@ -903,7 +901,7 @@
   <p:cSld>
     <p:spTree>
       <p:nvGrpSpPr>
-        <p:cNvPr id="164" name="Shape 164"/>
+        <p:cNvPr id="163" name="Shape 163"/>
         <p:cNvGrpSpPr/>
         <p:nvPr/>
       </p:nvGrpSpPr>
@@ -917,7 +915,7 @@
       </p:grpSpPr>
       <p:sp>
         <p:nvSpPr>
-          <p:cNvPr id="165" name="Google Shape;165;gf9e77fe1e2_0_149:notes"/>
+          <p:cNvPr id="164" name="Google Shape;164;gfb93995a4a_0_0:notes"/>
           <p:cNvSpPr/>
           <p:nvPr>
             <p:ph idx="2" type="sldImg"/>
@@ -952,7 +950,7 @@
       </p:sp>
       <p:sp>
         <p:nvSpPr>
-          <p:cNvPr id="166" name="Google Shape;166;gf9e77fe1e2_0_149:notes"/>
+          <p:cNvPr id="165" name="Google Shape;165;gfb93995a4a_0_0:notes"/>
           <p:cNvSpPr txBox="1"/>
           <p:nvPr>
             <p:ph idx="1" type="body"/>
@@ -1002,7 +1000,7 @@
   <p:cSld>
     <p:spTree>
       <p:nvGrpSpPr>
-        <p:cNvPr id="172" name="Shape 172"/>
+        <p:cNvPr id="171" name="Shape 171"/>
         <p:cNvGrpSpPr/>
         <p:nvPr/>
       </p:nvGrpSpPr>
@@ -1016,7 +1014,7 @@
       </p:grpSpPr>
       <p:sp>
         <p:nvSpPr>
-          <p:cNvPr id="173" name="Google Shape;173;gf65309313e_0_0:notes"/>
+          <p:cNvPr id="172" name="Google Shape;172;gf9e77fe1e2_0_166:notes"/>
           <p:cNvSpPr/>
           <p:nvPr>
             <p:ph idx="2" type="sldImg"/>
@@ -1051,7 +1049,7 @@
       </p:sp>
       <p:sp>
         <p:nvSpPr>
-          <p:cNvPr id="174" name="Google Shape;174;gf65309313e_0_0:notes"/>
+          <p:cNvPr id="173" name="Google Shape;173;gf9e77fe1e2_0_166:notes"/>
           <p:cNvSpPr txBox="1"/>
           <p:nvPr>
             <p:ph idx="1" type="body"/>
@@ -1101,7 +1099,7 @@
   <p:cSld>
     <p:spTree>
       <p:nvGrpSpPr>
-        <p:cNvPr id="179" name="Shape 179"/>
+        <p:cNvPr id="177" name="Shape 177"/>
         <p:cNvGrpSpPr/>
         <p:nvPr/>
       </p:nvGrpSpPr>
@@ -1115,7 +1113,7 @@
       </p:grpSpPr>
       <p:sp>
         <p:nvSpPr>
-          <p:cNvPr id="180" name="Google Shape;180;gfb93995a4a_0_0:notes"/>
+          <p:cNvPr id="178" name="Google Shape;178;gf9e77fe1e2_0_171:notes"/>
           <p:cNvSpPr/>
           <p:nvPr>
             <p:ph idx="2" type="sldImg"/>
@@ -1150,205 +1148,7 @@
       </p:sp>
       <p:sp>
         <p:nvSpPr>
-          <p:cNvPr id="181" name="Google Shape;181;gfb93995a4a_0_0:notes"/>
-          <p:cNvSpPr txBox="1"/>
-          <p:nvPr>
-            <p:ph idx="1" type="body"/>
-          </p:nvPr>
-        </p:nvSpPr>
-        <p:spPr>
-          <a:xfrm>
-            <a:off x="685800" y="4343400"/>
-            <a:ext cx="5486400" cy="4114800"/>
-          </a:xfrm>
-          <a:prstGeom prst="rect">
-            <a:avLst/>
-          </a:prstGeom>
-        </p:spPr>
-        <p:txBody>
-          <a:bodyPr anchorCtr="0" anchor="t" bIns="91425" lIns="91425" spcFirstLastPara="1" rIns="91425" wrap="square" tIns="91425">
-            <a:noAutofit/>
-          </a:bodyPr>
-          <a:lstStyle/>
-          <a:p>
-            <a:pPr indent="0" lvl="0" marL="0" rtl="0" algn="l">
-              <a:spcBef>
-                <a:spcPts val="0"/>
-              </a:spcBef>
-              <a:spcAft>
-                <a:spcPts val="0"/>
-              </a:spcAft>
-              <a:buNone/>
-            </a:pPr>
-            <a:r>
-              <a:t/>
-            </a:r>
-            <a:endParaRPr/>
-          </a:p>
-        </p:txBody>
-      </p:sp>
-    </p:spTree>
-  </p:cSld>
-  <p:clrMapOvr>
-    <a:masterClrMapping/>
-  </p:clrMapOvr>
-</p:notes>
-</file>
-
-<file path=ppt/notesSlides/notesSlide14.xml><?xml version="1.0" encoding="utf-8"?>
-<p:notes xmlns:a="http://schemas.openxmlformats.org/drawingml/2006/main" xmlns:r="http://schemas.openxmlformats.org/officeDocument/2006/relationships" xmlns:mc="http://schemas.openxmlformats.org/markup-compatibility/2006" xmlns:mv="urn:schemas-microsoft-com:mac:vml" xmlns:p="http://schemas.openxmlformats.org/presentationml/2006/main" xmlns:c="http://schemas.openxmlformats.org/drawingml/2006/chart" xmlns:dgm="http://schemas.openxmlformats.org/drawingml/2006/diagram" xmlns:o="urn:schemas-microsoft-com:office:office" xmlns:v="urn:schemas-microsoft-com:vml" xmlns:pvml="urn:schemas-microsoft-com:office:powerpoint" xmlns:com="http://schemas.openxmlformats.org/drawingml/2006/compatibility" xmlns:p14="http://schemas.microsoft.com/office/powerpoint/2010/main" xmlns:p15="http://schemas.microsoft.com/office/powerpoint/2012/main" xmlns:ahyp="http://schemas.microsoft.com/office/drawing/2018/hyperlinkcolor" showMasterPhAnim="0" showMasterSp="0">
-  <p:cSld>
-    <p:spTree>
-      <p:nvGrpSpPr>
-        <p:cNvPr id="187" name="Shape 187"/>
-        <p:cNvGrpSpPr/>
-        <p:nvPr/>
-      </p:nvGrpSpPr>
-      <p:grpSpPr>
-        <a:xfrm>
-          <a:off x="0" y="0"/>
-          <a:ext cx="0" cy="0"/>
-          <a:chOff x="0" y="0"/>
-          <a:chExt cx="0" cy="0"/>
-        </a:xfrm>
-      </p:grpSpPr>
-      <p:sp>
-        <p:nvSpPr>
-          <p:cNvPr id="188" name="Google Shape;188;gf9e77fe1e2_0_166:notes"/>
-          <p:cNvSpPr/>
-          <p:nvPr>
-            <p:ph idx="2" type="sldImg"/>
-          </p:nvPr>
-        </p:nvSpPr>
-        <p:spPr>
-          <a:xfrm>
-            <a:off x="381300" y="685800"/>
-            <a:ext cx="6096000" cy="3429000"/>
-          </a:xfrm>
-          <a:custGeom>
-            <a:rect b="b" l="l" r="r" t="t"/>
-            <a:pathLst>
-              <a:path extrusionOk="0" h="120000" w="120000">
-                <a:moveTo>
-                  <a:pt x="0" y="0"/>
-                </a:moveTo>
-                <a:lnTo>
-                  <a:pt x="120000" y="0"/>
-                </a:lnTo>
-                <a:lnTo>
-                  <a:pt x="120000" y="120000"/>
-                </a:lnTo>
-                <a:lnTo>
-                  <a:pt x="0" y="120000"/>
-                </a:lnTo>
-                <a:close/>
-              </a:path>
-            </a:pathLst>
-          </a:custGeom>
-        </p:spPr>
-      </p:sp>
-      <p:sp>
-        <p:nvSpPr>
-          <p:cNvPr id="189" name="Google Shape;189;gf9e77fe1e2_0_166:notes"/>
-          <p:cNvSpPr txBox="1"/>
-          <p:nvPr>
-            <p:ph idx="1" type="body"/>
-          </p:nvPr>
-        </p:nvSpPr>
-        <p:spPr>
-          <a:xfrm>
-            <a:off x="685800" y="4343400"/>
-            <a:ext cx="5486400" cy="4114800"/>
-          </a:xfrm>
-          <a:prstGeom prst="rect">
-            <a:avLst/>
-          </a:prstGeom>
-        </p:spPr>
-        <p:txBody>
-          <a:bodyPr anchorCtr="0" anchor="t" bIns="91425" lIns="91425" spcFirstLastPara="1" rIns="91425" wrap="square" tIns="91425">
-            <a:noAutofit/>
-          </a:bodyPr>
-          <a:lstStyle/>
-          <a:p>
-            <a:pPr indent="0" lvl="0" marL="0" rtl="0" algn="l">
-              <a:spcBef>
-                <a:spcPts val="0"/>
-              </a:spcBef>
-              <a:spcAft>
-                <a:spcPts val="0"/>
-              </a:spcAft>
-              <a:buNone/>
-            </a:pPr>
-            <a:r>
-              <a:t/>
-            </a:r>
-            <a:endParaRPr/>
-          </a:p>
-        </p:txBody>
-      </p:sp>
-    </p:spTree>
-  </p:cSld>
-  <p:clrMapOvr>
-    <a:masterClrMapping/>
-  </p:clrMapOvr>
-</p:notes>
-</file>
-
-<file path=ppt/notesSlides/notesSlide15.xml><?xml version="1.0" encoding="utf-8"?>
-<p:notes xmlns:a="http://schemas.openxmlformats.org/drawingml/2006/main" xmlns:r="http://schemas.openxmlformats.org/officeDocument/2006/relationships" xmlns:mc="http://schemas.openxmlformats.org/markup-compatibility/2006" xmlns:mv="urn:schemas-microsoft-com:mac:vml" xmlns:p="http://schemas.openxmlformats.org/presentationml/2006/main" xmlns:c="http://schemas.openxmlformats.org/drawingml/2006/chart" xmlns:dgm="http://schemas.openxmlformats.org/drawingml/2006/diagram" xmlns:o="urn:schemas-microsoft-com:office:office" xmlns:v="urn:schemas-microsoft-com:vml" xmlns:pvml="urn:schemas-microsoft-com:office:powerpoint" xmlns:com="http://schemas.openxmlformats.org/drawingml/2006/compatibility" xmlns:p14="http://schemas.microsoft.com/office/powerpoint/2010/main" xmlns:p15="http://schemas.microsoft.com/office/powerpoint/2012/main" xmlns:ahyp="http://schemas.microsoft.com/office/drawing/2018/hyperlinkcolor" showMasterPhAnim="0" showMasterSp="0">
-  <p:cSld>
-    <p:spTree>
-      <p:nvGrpSpPr>
-        <p:cNvPr id="193" name="Shape 193"/>
-        <p:cNvGrpSpPr/>
-        <p:nvPr/>
-      </p:nvGrpSpPr>
-      <p:grpSpPr>
-        <a:xfrm>
-          <a:off x="0" y="0"/>
-          <a:ext cx="0" cy="0"/>
-          <a:chOff x="0" y="0"/>
-          <a:chExt cx="0" cy="0"/>
-        </a:xfrm>
-      </p:grpSpPr>
-      <p:sp>
-        <p:nvSpPr>
-          <p:cNvPr id="194" name="Google Shape;194;gf9e77fe1e2_0_171:notes"/>
-          <p:cNvSpPr/>
-          <p:nvPr>
-            <p:ph idx="2" type="sldImg"/>
-          </p:nvPr>
-        </p:nvSpPr>
-        <p:spPr>
-          <a:xfrm>
-            <a:off x="381300" y="685800"/>
-            <a:ext cx="6096000" cy="3429000"/>
-          </a:xfrm>
-          <a:custGeom>
-            <a:rect b="b" l="l" r="r" t="t"/>
-            <a:pathLst>
-              <a:path extrusionOk="0" h="120000" w="120000">
-                <a:moveTo>
-                  <a:pt x="0" y="0"/>
-                </a:moveTo>
-                <a:lnTo>
-                  <a:pt x="120000" y="0"/>
-                </a:lnTo>
-                <a:lnTo>
-                  <a:pt x="120000" y="120000"/>
-                </a:lnTo>
-                <a:lnTo>
-                  <a:pt x="0" y="120000"/>
-                </a:lnTo>
-                <a:close/>
-              </a:path>
-            </a:pathLst>
-          </a:custGeom>
-        </p:spPr>
-      </p:sp>
-      <p:sp>
-        <p:nvSpPr>
-          <p:cNvPr id="195" name="Google Shape;195;gf9e77fe1e2_0_171:notes"/>
+          <p:cNvPr id="179" name="Google Shape;179;gf9e77fe1e2_0_171:notes"/>
           <p:cNvSpPr txBox="1"/>
           <p:nvPr>
             <p:ph idx="1" type="body"/>
@@ -1511,7 +1311,241 @@
       </p:grpSpPr>
       <p:sp>
         <p:nvSpPr>
-          <p:cNvPr id="95" name="Google Shape;95;gf9e77fe1e2_0_83:notes"/>
+          <p:cNvPr id="95" name="Google Shape;95;g100f7858da7_0_0:notes"/>
+          <p:cNvSpPr/>
+          <p:nvPr>
+            <p:ph idx="2" type="sldImg"/>
+          </p:nvPr>
+        </p:nvSpPr>
+        <p:spPr>
+          <a:xfrm>
+            <a:off x="381300" y="685800"/>
+            <a:ext cx="6096000" cy="3429000"/>
+          </a:xfrm>
+          <a:custGeom>
+            <a:rect b="b" l="l" r="r" t="t"/>
+            <a:pathLst>
+              <a:path extrusionOk="0" h="120000" w="120000">
+                <a:moveTo>
+                  <a:pt x="0" y="0"/>
+                </a:moveTo>
+                <a:lnTo>
+                  <a:pt x="120000" y="0"/>
+                </a:lnTo>
+                <a:lnTo>
+                  <a:pt x="120000" y="120000"/>
+                </a:lnTo>
+                <a:lnTo>
+                  <a:pt x="0" y="120000"/>
+                </a:lnTo>
+                <a:close/>
+              </a:path>
+            </a:pathLst>
+          </a:custGeom>
+          <a:noFill/>
+          <a:ln cap="flat" cmpd="sng" w="9525">
+            <a:solidFill>
+              <a:srgbClr val="000000"/>
+            </a:solidFill>
+            <a:prstDash val="solid"/>
+            <a:round/>
+            <a:headEnd len="sm" w="sm" type="none"/>
+            <a:tailEnd len="sm" w="sm" type="none"/>
+          </a:ln>
+        </p:spPr>
+      </p:sp>
+      <p:sp>
+        <p:nvSpPr>
+          <p:cNvPr id="96" name="Google Shape;96;g100f7858da7_0_0:notes"/>
+          <p:cNvSpPr txBox="1"/>
+          <p:nvPr>
+            <p:ph idx="1" type="body"/>
+          </p:nvPr>
+        </p:nvSpPr>
+        <p:spPr>
+          <a:xfrm>
+            <a:off x="685800" y="4343400"/>
+            <a:ext cx="5486400" cy="4114800"/>
+          </a:xfrm>
+          <a:prstGeom prst="rect">
+            <a:avLst/>
+          </a:prstGeom>
+          <a:noFill/>
+          <a:ln>
+            <a:noFill/>
+          </a:ln>
+        </p:spPr>
+        <p:txBody>
+          <a:bodyPr anchorCtr="0" anchor="t" bIns="91425" lIns="91425" spcFirstLastPara="1" rIns="91425" wrap="square" tIns="91425">
+            <a:noAutofit/>
+          </a:bodyPr>
+          <a:lstStyle/>
+          <a:p>
+            <a:pPr indent="0" lvl="0" marL="0" rtl="0" algn="l">
+              <a:lnSpc>
+                <a:spcPct val="100000"/>
+              </a:lnSpc>
+              <a:spcBef>
+                <a:spcPts val="0"/>
+              </a:spcBef>
+              <a:spcAft>
+                <a:spcPts val="0"/>
+              </a:spcAft>
+              <a:buSzPts val="1100"/>
+              <a:buNone/>
+            </a:pPr>
+            <a:r>
+              <a:t/>
+            </a:r>
+            <a:endParaRPr/>
+          </a:p>
+        </p:txBody>
+      </p:sp>
+    </p:spTree>
+  </p:cSld>
+  <p:clrMapOvr>
+    <a:masterClrMapping/>
+  </p:clrMapOvr>
+</p:notes>
+</file>
+
+<file path=ppt/notesSlides/notesSlide4.xml><?xml version="1.0" encoding="utf-8"?>
+<p:notes xmlns:a="http://schemas.openxmlformats.org/drawingml/2006/main" xmlns:r="http://schemas.openxmlformats.org/officeDocument/2006/relationships" xmlns:mc="http://schemas.openxmlformats.org/markup-compatibility/2006" xmlns:mv="urn:schemas-microsoft-com:mac:vml" xmlns:p="http://schemas.openxmlformats.org/presentationml/2006/main" xmlns:c="http://schemas.openxmlformats.org/drawingml/2006/chart" xmlns:dgm="http://schemas.openxmlformats.org/drawingml/2006/diagram" xmlns:o="urn:schemas-microsoft-com:office:office" xmlns:v="urn:schemas-microsoft-com:vml" xmlns:pvml="urn:schemas-microsoft-com:office:powerpoint" xmlns:com="http://schemas.openxmlformats.org/drawingml/2006/compatibility" xmlns:p14="http://schemas.microsoft.com/office/powerpoint/2010/main" xmlns:p15="http://schemas.microsoft.com/office/powerpoint/2012/main" xmlns:ahyp="http://schemas.microsoft.com/office/drawing/2018/hyperlinkcolor" showMasterPhAnim="0" showMasterSp="0">
+  <p:cSld>
+    <p:spTree>
+      <p:nvGrpSpPr>
+        <p:cNvPr id="100" name="Shape 100"/>
+        <p:cNvGrpSpPr/>
+        <p:nvPr/>
+      </p:nvGrpSpPr>
+      <p:grpSpPr>
+        <a:xfrm>
+          <a:off x="0" y="0"/>
+          <a:ext cx="0" cy="0"/>
+          <a:chOff x="0" y="0"/>
+          <a:chExt cx="0" cy="0"/>
+        </a:xfrm>
+      </p:grpSpPr>
+      <p:sp>
+        <p:nvSpPr>
+          <p:cNvPr id="101" name="Google Shape;101;g100f7858da7_0_5:notes"/>
+          <p:cNvSpPr/>
+          <p:nvPr>
+            <p:ph idx="2" type="sldImg"/>
+          </p:nvPr>
+        </p:nvSpPr>
+        <p:spPr>
+          <a:xfrm>
+            <a:off x="381300" y="685800"/>
+            <a:ext cx="6096000" cy="3429000"/>
+          </a:xfrm>
+          <a:custGeom>
+            <a:rect b="b" l="l" r="r" t="t"/>
+            <a:pathLst>
+              <a:path extrusionOk="0" h="120000" w="120000">
+                <a:moveTo>
+                  <a:pt x="0" y="0"/>
+                </a:moveTo>
+                <a:lnTo>
+                  <a:pt x="120000" y="0"/>
+                </a:lnTo>
+                <a:lnTo>
+                  <a:pt x="120000" y="120000"/>
+                </a:lnTo>
+                <a:lnTo>
+                  <a:pt x="0" y="120000"/>
+                </a:lnTo>
+                <a:close/>
+              </a:path>
+            </a:pathLst>
+          </a:custGeom>
+          <a:noFill/>
+          <a:ln cap="flat" cmpd="sng" w="9525">
+            <a:solidFill>
+              <a:srgbClr val="000000"/>
+            </a:solidFill>
+            <a:prstDash val="solid"/>
+            <a:round/>
+            <a:headEnd len="sm" w="sm" type="none"/>
+            <a:tailEnd len="sm" w="sm" type="none"/>
+          </a:ln>
+        </p:spPr>
+      </p:sp>
+      <p:sp>
+        <p:nvSpPr>
+          <p:cNvPr id="102" name="Google Shape;102;g100f7858da7_0_5:notes"/>
+          <p:cNvSpPr txBox="1"/>
+          <p:nvPr>
+            <p:ph idx="1" type="body"/>
+          </p:nvPr>
+        </p:nvSpPr>
+        <p:spPr>
+          <a:xfrm>
+            <a:off x="685800" y="4343400"/>
+            <a:ext cx="5486400" cy="4114800"/>
+          </a:xfrm>
+          <a:prstGeom prst="rect">
+            <a:avLst/>
+          </a:prstGeom>
+          <a:noFill/>
+          <a:ln>
+            <a:noFill/>
+          </a:ln>
+        </p:spPr>
+        <p:txBody>
+          <a:bodyPr anchorCtr="0" anchor="t" bIns="91425" lIns="91425" spcFirstLastPara="1" rIns="91425" wrap="square" tIns="91425">
+            <a:noAutofit/>
+          </a:bodyPr>
+          <a:lstStyle/>
+          <a:p>
+            <a:pPr indent="0" lvl="0" marL="0" rtl="0" algn="l">
+              <a:lnSpc>
+                <a:spcPct val="100000"/>
+              </a:lnSpc>
+              <a:spcBef>
+                <a:spcPts val="0"/>
+              </a:spcBef>
+              <a:spcAft>
+                <a:spcPts val="0"/>
+              </a:spcAft>
+              <a:buSzPts val="1100"/>
+              <a:buNone/>
+            </a:pPr>
+            <a:r>
+              <a:t/>
+            </a:r>
+            <a:endParaRPr/>
+          </a:p>
+        </p:txBody>
+      </p:sp>
+    </p:spTree>
+  </p:cSld>
+  <p:clrMapOvr>
+    <a:masterClrMapping/>
+  </p:clrMapOvr>
+</p:notes>
+</file>
+
+<file path=ppt/notesSlides/notesSlide5.xml><?xml version="1.0" encoding="utf-8"?>
+<p:notes xmlns:a="http://schemas.openxmlformats.org/drawingml/2006/main" xmlns:r="http://schemas.openxmlformats.org/officeDocument/2006/relationships" xmlns:mc="http://schemas.openxmlformats.org/markup-compatibility/2006" xmlns:mv="urn:schemas-microsoft-com:mac:vml" xmlns:p="http://schemas.openxmlformats.org/presentationml/2006/main" xmlns:c="http://schemas.openxmlformats.org/drawingml/2006/chart" xmlns:dgm="http://schemas.openxmlformats.org/drawingml/2006/diagram" xmlns:o="urn:schemas-microsoft-com:office:office" xmlns:v="urn:schemas-microsoft-com:vml" xmlns:pvml="urn:schemas-microsoft-com:office:powerpoint" xmlns:com="http://schemas.openxmlformats.org/drawingml/2006/compatibility" xmlns:p14="http://schemas.microsoft.com/office/powerpoint/2010/main" xmlns:p15="http://schemas.microsoft.com/office/powerpoint/2012/main" xmlns:ahyp="http://schemas.microsoft.com/office/drawing/2018/hyperlinkcolor" showMasterPhAnim="0" showMasterSp="0">
+  <p:cSld>
+    <p:spTree>
+      <p:nvGrpSpPr>
+        <p:cNvPr id="107" name="Shape 107"/>
+        <p:cNvGrpSpPr/>
+        <p:nvPr/>
+      </p:nvGrpSpPr>
+      <p:grpSpPr>
+        <a:xfrm>
+          <a:off x="0" y="0"/>
+          <a:ext cx="0" cy="0"/>
+          <a:chOff x="0" y="0"/>
+          <a:chExt cx="0" cy="0"/>
+        </a:xfrm>
+      </p:grpSpPr>
+      <p:sp>
+        <p:nvSpPr>
+          <p:cNvPr id="108" name="Google Shape;108;gf9e77fe1e2_0_83:notes"/>
           <p:cNvSpPr/>
           <p:nvPr>
             <p:ph idx="2" type="sldImg"/>
@@ -1546,7 +1580,7 @@
       </p:sp>
       <p:sp>
         <p:nvSpPr>
-          <p:cNvPr id="96" name="Google Shape;96;gf9e77fe1e2_0_83:notes"/>
+          <p:cNvPr id="109" name="Google Shape;109;gf9e77fe1e2_0_83:notes"/>
           <p:cNvSpPr txBox="1"/>
           <p:nvPr>
             <p:ph idx="1" type="body"/>
@@ -1591,12 +1625,12 @@
 </p:notes>
 </file>
 
-<file path=ppt/notesSlides/notesSlide4.xml><?xml version="1.0" encoding="utf-8"?>
+<file path=ppt/notesSlides/notesSlide6.xml><?xml version="1.0" encoding="utf-8"?>
 <p:notes xmlns:a="http://schemas.openxmlformats.org/drawingml/2006/main" xmlns:r="http://schemas.openxmlformats.org/officeDocument/2006/relationships" xmlns:mc="http://schemas.openxmlformats.org/markup-compatibility/2006" xmlns:mv="urn:schemas-microsoft-com:mac:vml" xmlns:p="http://schemas.openxmlformats.org/presentationml/2006/main" xmlns:c="http://schemas.openxmlformats.org/drawingml/2006/chart" xmlns:dgm="http://schemas.openxmlformats.org/drawingml/2006/diagram" xmlns:o="urn:schemas-microsoft-com:office:office" xmlns:v="urn:schemas-microsoft-com:vml" xmlns:pvml="urn:schemas-microsoft-com:office:powerpoint" xmlns:com="http://schemas.openxmlformats.org/drawingml/2006/compatibility" xmlns:p14="http://schemas.microsoft.com/office/powerpoint/2010/main" xmlns:p15="http://schemas.microsoft.com/office/powerpoint/2012/main" xmlns:ahyp="http://schemas.microsoft.com/office/drawing/2018/hyperlinkcolor" showMasterPhAnim="0" showMasterSp="0">
   <p:cSld>
     <p:spTree>
       <p:nvGrpSpPr>
-        <p:cNvPr id="100" name="Shape 100"/>
+        <p:cNvPr id="113" name="Shape 113"/>
         <p:cNvGrpSpPr/>
         <p:nvPr/>
       </p:nvGrpSpPr>
@@ -1610,7 +1644,7 @@
       </p:grpSpPr>
       <p:sp>
         <p:nvSpPr>
-          <p:cNvPr id="101" name="Google Shape;101;gf9e77fe1e2_0_89:notes"/>
+          <p:cNvPr id="114" name="Google Shape;114;gf9e77fe1e2_0_89:notes"/>
           <p:cNvSpPr/>
           <p:nvPr>
             <p:ph idx="2" type="sldImg"/>
@@ -1645,7 +1679,7 @@
       </p:sp>
       <p:sp>
         <p:nvSpPr>
-          <p:cNvPr id="102" name="Google Shape;102;gf9e77fe1e2_0_89:notes"/>
+          <p:cNvPr id="115" name="Google Shape;115;gf9e77fe1e2_0_89:notes"/>
           <p:cNvSpPr txBox="1"/>
           <p:nvPr>
             <p:ph idx="1" type="body"/>
@@ -1690,12 +1724,12 @@
 </p:notes>
 </file>
 
-<file path=ppt/notesSlides/notesSlide5.xml><?xml version="1.0" encoding="utf-8"?>
+<file path=ppt/notesSlides/notesSlide7.xml><?xml version="1.0" encoding="utf-8"?>
 <p:notes xmlns:a="http://schemas.openxmlformats.org/drawingml/2006/main" xmlns:r="http://schemas.openxmlformats.org/officeDocument/2006/relationships" xmlns:mc="http://schemas.openxmlformats.org/markup-compatibility/2006" xmlns:mv="urn:schemas-microsoft-com:mac:vml" xmlns:p="http://schemas.openxmlformats.org/presentationml/2006/main" xmlns:c="http://schemas.openxmlformats.org/drawingml/2006/chart" xmlns:dgm="http://schemas.openxmlformats.org/drawingml/2006/diagram" xmlns:o="urn:schemas-microsoft-com:office:office" xmlns:v="urn:schemas-microsoft-com:vml" xmlns:pvml="urn:schemas-microsoft-com:office:powerpoint" xmlns:com="http://schemas.openxmlformats.org/drawingml/2006/compatibility" xmlns:p14="http://schemas.microsoft.com/office/powerpoint/2010/main" xmlns:p15="http://schemas.microsoft.com/office/powerpoint/2012/main" xmlns:ahyp="http://schemas.microsoft.com/office/drawing/2018/hyperlinkcolor" showMasterPhAnim="0" showMasterSp="0">
   <p:cSld>
     <p:spTree>
       <p:nvGrpSpPr>
-        <p:cNvPr id="123" name="Shape 123"/>
+        <p:cNvPr id="136" name="Shape 136"/>
         <p:cNvGrpSpPr/>
         <p:nvPr/>
       </p:nvGrpSpPr>
@@ -1709,7 +1743,7 @@
       </p:grpSpPr>
       <p:sp>
         <p:nvSpPr>
-          <p:cNvPr id="124" name="Google Shape;124;gf9e77fe1e2_0_118:notes"/>
+          <p:cNvPr id="137" name="Google Shape;137;gf9e77fe1e2_0_118:notes"/>
           <p:cNvSpPr/>
           <p:nvPr>
             <p:ph idx="2" type="sldImg"/>
@@ -1744,7 +1778,7 @@
       </p:sp>
       <p:sp>
         <p:nvSpPr>
-          <p:cNvPr id="125" name="Google Shape;125;gf9e77fe1e2_0_118:notes"/>
+          <p:cNvPr id="138" name="Google Shape;138;gf9e77fe1e2_0_118:notes"/>
           <p:cNvSpPr txBox="1"/>
           <p:nvPr>
             <p:ph idx="1" type="body"/>
@@ -1789,12 +1823,12 @@
 </p:notes>
 </file>
 
-<file path=ppt/notesSlides/notesSlide6.xml><?xml version="1.0" encoding="utf-8"?>
+<file path=ppt/notesSlides/notesSlide8.xml><?xml version="1.0" encoding="utf-8"?>
 <p:notes xmlns:a="http://schemas.openxmlformats.org/drawingml/2006/main" xmlns:r="http://schemas.openxmlformats.org/officeDocument/2006/relationships" xmlns:mc="http://schemas.openxmlformats.org/markup-compatibility/2006" xmlns:mv="urn:schemas-microsoft-com:mac:vml" xmlns:p="http://schemas.openxmlformats.org/presentationml/2006/main" xmlns:c="http://schemas.openxmlformats.org/drawingml/2006/chart" xmlns:dgm="http://schemas.openxmlformats.org/drawingml/2006/diagram" xmlns:o="urn:schemas-microsoft-com:office:office" xmlns:v="urn:schemas-microsoft-com:vml" xmlns:pvml="urn:schemas-microsoft-com:office:powerpoint" xmlns:com="http://schemas.openxmlformats.org/drawingml/2006/compatibility" xmlns:p14="http://schemas.microsoft.com/office/powerpoint/2010/main" xmlns:p15="http://schemas.microsoft.com/office/powerpoint/2012/main" xmlns:ahyp="http://schemas.microsoft.com/office/drawing/2018/hyperlinkcolor" showMasterPhAnim="0" showMasterSp="0">
   <p:cSld>
     <p:spTree>
       <p:nvGrpSpPr>
-        <p:cNvPr id="131" name="Shape 131"/>
+        <p:cNvPr id="144" name="Shape 144"/>
         <p:cNvGrpSpPr/>
         <p:nvPr/>
       </p:nvGrpSpPr>
@@ -1808,7 +1842,7 @@
       </p:grpSpPr>
       <p:sp>
         <p:nvSpPr>
-          <p:cNvPr id="132" name="Google Shape;132;gfa9b00c572_0_0:notes"/>
+          <p:cNvPr id="145" name="Google Shape;145;gfa9b00c572_0_0:notes"/>
           <p:cNvSpPr/>
           <p:nvPr>
             <p:ph idx="2" type="sldImg"/>
@@ -1843,7 +1877,7 @@
       </p:sp>
       <p:sp>
         <p:nvSpPr>
-          <p:cNvPr id="133" name="Google Shape;133;gfa9b00c572_0_0:notes"/>
+          <p:cNvPr id="146" name="Google Shape;146;gfa9b00c572_0_0:notes"/>
           <p:cNvSpPr txBox="1"/>
           <p:nvPr>
             <p:ph idx="1" type="body"/>
@@ -1888,12 +1922,12 @@
 </p:notes>
 </file>
 
-<file path=ppt/notesSlides/notesSlide7.xml><?xml version="1.0" encoding="utf-8"?>
+<file path=ppt/notesSlides/notesSlide9.xml><?xml version="1.0" encoding="utf-8"?>
 <p:notes xmlns:a="http://schemas.openxmlformats.org/drawingml/2006/main" xmlns:r="http://schemas.openxmlformats.org/officeDocument/2006/relationships" xmlns:mc="http://schemas.openxmlformats.org/markup-compatibility/2006" xmlns:mv="urn:schemas-microsoft-com:mac:vml" xmlns:p="http://schemas.openxmlformats.org/presentationml/2006/main" xmlns:c="http://schemas.openxmlformats.org/drawingml/2006/chart" xmlns:dgm="http://schemas.openxmlformats.org/drawingml/2006/diagram" xmlns:o="urn:schemas-microsoft-com:office:office" xmlns:v="urn:schemas-microsoft-com:vml" xmlns:pvml="urn:schemas-microsoft-com:office:powerpoint" xmlns:com="http://schemas.openxmlformats.org/drawingml/2006/compatibility" xmlns:p14="http://schemas.microsoft.com/office/powerpoint/2010/main" xmlns:p15="http://schemas.microsoft.com/office/powerpoint/2012/main" xmlns:ahyp="http://schemas.microsoft.com/office/drawing/2018/hyperlinkcolor" showMasterPhAnim="0" showMasterSp="0">
   <p:cSld>
     <p:spTree>
       <p:nvGrpSpPr>
-        <p:cNvPr id="138" name="Shape 138"/>
+        <p:cNvPr id="151" name="Shape 151"/>
         <p:cNvGrpSpPr/>
         <p:nvPr/>
       </p:nvGrpSpPr>
@@ -1907,7 +1941,7 @@
       </p:grpSpPr>
       <p:sp>
         <p:nvSpPr>
-          <p:cNvPr id="139" name="Google Shape;139;gf9e77fe1e2_0_130:notes"/>
+          <p:cNvPr id="152" name="Google Shape;152;gf9e77fe1e2_0_130:notes"/>
           <p:cNvSpPr/>
           <p:nvPr>
             <p:ph idx="2" type="sldImg"/>
@@ -1942,205 +1976,7 @@
       </p:sp>
       <p:sp>
         <p:nvSpPr>
-          <p:cNvPr id="140" name="Google Shape;140;gf9e77fe1e2_0_130:notes"/>
-          <p:cNvSpPr txBox="1"/>
-          <p:nvPr>
-            <p:ph idx="1" type="body"/>
-          </p:nvPr>
-        </p:nvSpPr>
-        <p:spPr>
-          <a:xfrm>
-            <a:off x="685800" y="4343400"/>
-            <a:ext cx="5486400" cy="4114800"/>
-          </a:xfrm>
-          <a:prstGeom prst="rect">
-            <a:avLst/>
-          </a:prstGeom>
-        </p:spPr>
-        <p:txBody>
-          <a:bodyPr anchorCtr="0" anchor="t" bIns="91425" lIns="91425" spcFirstLastPara="1" rIns="91425" wrap="square" tIns="91425">
-            <a:noAutofit/>
-          </a:bodyPr>
-          <a:lstStyle/>
-          <a:p>
-            <a:pPr indent="0" lvl="0" marL="0" rtl="0" algn="l">
-              <a:spcBef>
-                <a:spcPts val="0"/>
-              </a:spcBef>
-              <a:spcAft>
-                <a:spcPts val="0"/>
-              </a:spcAft>
-              <a:buNone/>
-            </a:pPr>
-            <a:r>
-              <a:t/>
-            </a:r>
-            <a:endParaRPr/>
-          </a:p>
-        </p:txBody>
-      </p:sp>
-    </p:spTree>
-  </p:cSld>
-  <p:clrMapOvr>
-    <a:masterClrMapping/>
-  </p:clrMapOvr>
-</p:notes>
-</file>
-
-<file path=ppt/notesSlides/notesSlide8.xml><?xml version="1.0" encoding="utf-8"?>
-<p:notes xmlns:a="http://schemas.openxmlformats.org/drawingml/2006/main" xmlns:r="http://schemas.openxmlformats.org/officeDocument/2006/relationships" xmlns:mc="http://schemas.openxmlformats.org/markup-compatibility/2006" xmlns:mv="urn:schemas-microsoft-com:mac:vml" xmlns:p="http://schemas.openxmlformats.org/presentationml/2006/main" xmlns:c="http://schemas.openxmlformats.org/drawingml/2006/chart" xmlns:dgm="http://schemas.openxmlformats.org/drawingml/2006/diagram" xmlns:o="urn:schemas-microsoft-com:office:office" xmlns:v="urn:schemas-microsoft-com:vml" xmlns:pvml="urn:schemas-microsoft-com:office:powerpoint" xmlns:com="http://schemas.openxmlformats.org/drawingml/2006/compatibility" xmlns:p14="http://schemas.microsoft.com/office/powerpoint/2010/main" xmlns:p15="http://schemas.microsoft.com/office/powerpoint/2012/main" xmlns:ahyp="http://schemas.microsoft.com/office/drawing/2018/hyperlinkcolor" showMasterPhAnim="0" showMasterSp="0">
-  <p:cSld>
-    <p:spTree>
-      <p:nvGrpSpPr>
-        <p:cNvPr id="144" name="Shape 144"/>
-        <p:cNvGrpSpPr/>
-        <p:nvPr/>
-      </p:nvGrpSpPr>
-      <p:grpSpPr>
-        <a:xfrm>
-          <a:off x="0" y="0"/>
-          <a:ext cx="0" cy="0"/>
-          <a:chOff x="0" y="0"/>
-          <a:chExt cx="0" cy="0"/>
-        </a:xfrm>
-      </p:grpSpPr>
-      <p:sp>
-        <p:nvSpPr>
-          <p:cNvPr id="145" name="Google Shape;145;gf9e77fe1e2_0_140:notes"/>
-          <p:cNvSpPr/>
-          <p:nvPr>
-            <p:ph idx="2" type="sldImg"/>
-          </p:nvPr>
-        </p:nvSpPr>
-        <p:spPr>
-          <a:xfrm>
-            <a:off x="381300" y="685800"/>
-            <a:ext cx="6096000" cy="3429000"/>
-          </a:xfrm>
-          <a:custGeom>
-            <a:rect b="b" l="l" r="r" t="t"/>
-            <a:pathLst>
-              <a:path extrusionOk="0" h="120000" w="120000">
-                <a:moveTo>
-                  <a:pt x="0" y="0"/>
-                </a:moveTo>
-                <a:lnTo>
-                  <a:pt x="120000" y="0"/>
-                </a:lnTo>
-                <a:lnTo>
-                  <a:pt x="120000" y="120000"/>
-                </a:lnTo>
-                <a:lnTo>
-                  <a:pt x="0" y="120000"/>
-                </a:lnTo>
-                <a:close/>
-              </a:path>
-            </a:pathLst>
-          </a:custGeom>
-        </p:spPr>
-      </p:sp>
-      <p:sp>
-        <p:nvSpPr>
-          <p:cNvPr id="146" name="Google Shape;146;gf9e77fe1e2_0_140:notes"/>
-          <p:cNvSpPr txBox="1"/>
-          <p:nvPr>
-            <p:ph idx="1" type="body"/>
-          </p:nvPr>
-        </p:nvSpPr>
-        <p:spPr>
-          <a:xfrm>
-            <a:off x="685800" y="4343400"/>
-            <a:ext cx="5486400" cy="4114800"/>
-          </a:xfrm>
-          <a:prstGeom prst="rect">
-            <a:avLst/>
-          </a:prstGeom>
-        </p:spPr>
-        <p:txBody>
-          <a:bodyPr anchorCtr="0" anchor="t" bIns="91425" lIns="91425" spcFirstLastPara="1" rIns="91425" wrap="square" tIns="91425">
-            <a:noAutofit/>
-          </a:bodyPr>
-          <a:lstStyle/>
-          <a:p>
-            <a:pPr indent="0" lvl="0" marL="0" rtl="0" algn="l">
-              <a:spcBef>
-                <a:spcPts val="0"/>
-              </a:spcBef>
-              <a:spcAft>
-                <a:spcPts val="0"/>
-              </a:spcAft>
-              <a:buNone/>
-            </a:pPr>
-            <a:r>
-              <a:t/>
-            </a:r>
-            <a:endParaRPr/>
-          </a:p>
-        </p:txBody>
-      </p:sp>
-    </p:spTree>
-  </p:cSld>
-  <p:clrMapOvr>
-    <a:masterClrMapping/>
-  </p:clrMapOvr>
-</p:notes>
-</file>
-
-<file path=ppt/notesSlides/notesSlide9.xml><?xml version="1.0" encoding="utf-8"?>
-<p:notes xmlns:a="http://schemas.openxmlformats.org/drawingml/2006/main" xmlns:r="http://schemas.openxmlformats.org/officeDocument/2006/relationships" xmlns:mc="http://schemas.openxmlformats.org/markup-compatibility/2006" xmlns:mv="urn:schemas-microsoft-com:mac:vml" xmlns:p="http://schemas.openxmlformats.org/presentationml/2006/main" xmlns:c="http://schemas.openxmlformats.org/drawingml/2006/chart" xmlns:dgm="http://schemas.openxmlformats.org/drawingml/2006/diagram" xmlns:o="urn:schemas-microsoft-com:office:office" xmlns:v="urn:schemas-microsoft-com:vml" xmlns:pvml="urn:schemas-microsoft-com:office:powerpoint" xmlns:com="http://schemas.openxmlformats.org/drawingml/2006/compatibility" xmlns:p14="http://schemas.microsoft.com/office/powerpoint/2010/main" xmlns:p15="http://schemas.microsoft.com/office/powerpoint/2012/main" xmlns:ahyp="http://schemas.microsoft.com/office/drawing/2018/hyperlinkcolor" showMasterPhAnim="0" showMasterSp="0">
-  <p:cSld>
-    <p:spTree>
-      <p:nvGrpSpPr>
-        <p:cNvPr id="150" name="Shape 150"/>
-        <p:cNvGrpSpPr/>
-        <p:nvPr/>
-      </p:nvGrpSpPr>
-      <p:grpSpPr>
-        <a:xfrm>
-          <a:off x="0" y="0"/>
-          <a:ext cx="0" cy="0"/>
-          <a:chOff x="0" y="0"/>
-          <a:chExt cx="0" cy="0"/>
-        </a:xfrm>
-      </p:grpSpPr>
-      <p:sp>
-        <p:nvSpPr>
-          <p:cNvPr id="151" name="Google Shape;151;gf9e77fe1e2_0_135:notes"/>
-          <p:cNvSpPr/>
-          <p:nvPr>
-            <p:ph idx="2" type="sldImg"/>
-          </p:nvPr>
-        </p:nvSpPr>
-        <p:spPr>
-          <a:xfrm>
-            <a:off x="381300" y="685800"/>
-            <a:ext cx="6096000" cy="3429000"/>
-          </a:xfrm>
-          <a:custGeom>
-            <a:rect b="b" l="l" r="r" t="t"/>
-            <a:pathLst>
-              <a:path extrusionOk="0" h="120000" w="120000">
-                <a:moveTo>
-                  <a:pt x="0" y="0"/>
-                </a:moveTo>
-                <a:lnTo>
-                  <a:pt x="120000" y="0"/>
-                </a:lnTo>
-                <a:lnTo>
-                  <a:pt x="120000" y="120000"/>
-                </a:lnTo>
-                <a:lnTo>
-                  <a:pt x="0" y="120000"/>
-                </a:lnTo>
-                <a:close/>
-              </a:path>
-            </a:pathLst>
-          </a:custGeom>
-        </p:spPr>
-      </p:sp>
-      <p:sp>
-        <p:nvSpPr>
-          <p:cNvPr id="152" name="Google Shape;152;gf9e77fe1e2_0_135:notes"/>
+          <p:cNvPr id="153" name="Google Shape;153;gf9e77fe1e2_0_130:notes"/>
           <p:cNvSpPr txBox="1"/>
           <p:nvPr>
             <p:ph idx="1" type="body"/>
@@ -10367,7 +10203,7 @@
             </a:pPr>
             <a:r>
               <a:rPr lang="de"/>
-              <a:t>3.1. if-else</a:t>
+              <a:t>3.3. Operatoren</a:t>
             </a:r>
             <a:endParaRPr/>
           </a:p>
@@ -10396,51 +10232,289 @@
           </a:bodyPr>
           <a:lstStyle/>
           <a:p>
-            <a:pPr indent="0" lvl="0" marL="0" rtl="0" algn="l">
-              <a:spcBef>
-                <a:spcPts val="320"/>
-              </a:spcBef>
-              <a:spcAft>
-                <a:spcPts val="0"/>
-              </a:spcAft>
-              <a:buNone/>
+            <a:pPr indent="-298450" lvl="0" marL="457200" rtl="0" algn="l">
+              <a:lnSpc>
+                <a:spcPct val="115000"/>
+              </a:lnSpc>
+              <a:spcBef>
+                <a:spcPts val="1200"/>
+              </a:spcBef>
+              <a:spcAft>
+                <a:spcPts val="0"/>
+              </a:spcAft>
+              <a:buClr>
+                <a:schemeClr val="dk1"/>
+              </a:buClr>
+              <a:buSzPts val="1100"/>
+              <a:buChar char="●"/>
             </a:pPr>
             <a:r>
               <a:rPr lang="de"/>
-              <a:t>Man kann in if-else-Anweisungen auch mehr als zwei mögliche Programmpfade haben, indem man einen oder mehrere “else-if” Blöcke mit der entsprechenden Bedingung formuliert.</a:t>
+              <a:t>Arithmetische Operatoren: </a:t>
+            </a:r>
+            <a:endParaRPr/>
+          </a:p>
+          <a:p>
+            <a:pPr indent="-298450" lvl="1" marL="914400" rtl="0" algn="l">
+              <a:lnSpc>
+                <a:spcPct val="115000"/>
+              </a:lnSpc>
+              <a:spcBef>
+                <a:spcPts val="0"/>
+              </a:spcBef>
+              <a:spcAft>
+                <a:spcPts val="0"/>
+              </a:spcAft>
+              <a:buSzPts val="1100"/>
+              <a:buFont typeface="Arial"/>
+              <a:buChar char="➢"/>
+            </a:pPr>
+            <a:r>
+              <a:rPr lang="de"/>
+              <a:t>+, -, *, /, % (Modulus), ++, ...</a:t>
+            </a:r>
+            <a:endParaRPr/>
+          </a:p>
+          <a:p>
+            <a:pPr indent="-298450" lvl="0" marL="457200" rtl="0" algn="l">
+              <a:lnSpc>
+                <a:spcPct val="115000"/>
+              </a:lnSpc>
+              <a:spcBef>
+                <a:spcPts val="0"/>
+              </a:spcBef>
+              <a:spcAft>
+                <a:spcPts val="0"/>
+              </a:spcAft>
+              <a:buClr>
+                <a:schemeClr val="dk1"/>
+              </a:buClr>
+              <a:buSzPts val="1100"/>
+              <a:buChar char="●"/>
+            </a:pPr>
+            <a:r>
+              <a:rPr lang="de"/>
+              <a:t>Vergleichsoperatoren:</a:t>
+            </a:r>
+            <a:endParaRPr/>
+          </a:p>
+          <a:p>
+            <a:pPr indent="-298450" lvl="1" marL="914400" rtl="0" algn="l">
+              <a:lnSpc>
+                <a:spcPct val="115000"/>
+              </a:lnSpc>
+              <a:spcBef>
+                <a:spcPts val="0"/>
+              </a:spcBef>
+              <a:spcAft>
+                <a:spcPts val="0"/>
+              </a:spcAft>
+              <a:buSzPts val="1100"/>
+              <a:buFont typeface="Arial"/>
+              <a:buChar char="➢"/>
+            </a:pPr>
+            <a:r>
+              <a:rPr lang="de"/>
+              <a:t>==, !=, &gt;, &lt;, &gt;=, &lt;=</a:t>
+            </a:r>
+            <a:endParaRPr/>
+          </a:p>
+          <a:p>
+            <a:pPr indent="-298450" lvl="0" marL="457200" rtl="0" algn="l">
+              <a:lnSpc>
+                <a:spcPct val="115000"/>
+              </a:lnSpc>
+              <a:spcBef>
+                <a:spcPts val="0"/>
+              </a:spcBef>
+              <a:spcAft>
+                <a:spcPts val="0"/>
+              </a:spcAft>
+              <a:buClr>
+                <a:schemeClr val="dk1"/>
+              </a:buClr>
+              <a:buSzPts val="1100"/>
+              <a:buChar char="●"/>
+            </a:pPr>
+            <a:r>
+              <a:rPr lang="de"/>
+              <a:t>Bool’sche Operatoren</a:t>
+            </a:r>
+            <a:endParaRPr/>
+          </a:p>
+          <a:p>
+            <a:pPr indent="-298450" lvl="1" marL="914400" rtl="0" algn="l">
+              <a:lnSpc>
+                <a:spcPct val="115000"/>
+              </a:lnSpc>
+              <a:spcBef>
+                <a:spcPts val="0"/>
+              </a:spcBef>
+              <a:spcAft>
+                <a:spcPts val="0"/>
+              </a:spcAft>
+              <a:buSzPts val="1100"/>
+              <a:buFont typeface="Arial"/>
+              <a:buChar char="➢"/>
+            </a:pPr>
+            <a:r>
+              <a:rPr lang="de"/>
+              <a:t>!, &amp;&amp;, ||, ^</a:t>
+            </a:r>
+            <a:endParaRPr/>
+          </a:p>
+          <a:p>
+            <a:pPr indent="-298450" lvl="0" marL="457200" rtl="0" algn="l">
+              <a:lnSpc>
+                <a:spcPct val="115000"/>
+              </a:lnSpc>
+              <a:spcBef>
+                <a:spcPts val="0"/>
+              </a:spcBef>
+              <a:spcAft>
+                <a:spcPts val="0"/>
+              </a:spcAft>
+              <a:buClr>
+                <a:schemeClr val="dk1"/>
+              </a:buClr>
+              <a:buSzPts val="1100"/>
+              <a:buChar char="●"/>
+            </a:pPr>
+            <a:r>
+              <a:rPr lang="de"/>
+              <a:t>Bitweise Operatoren</a:t>
+            </a:r>
+            <a:endParaRPr/>
+          </a:p>
+          <a:p>
+            <a:pPr indent="-298450" lvl="1" marL="914400" rtl="0" algn="l">
+              <a:lnSpc>
+                <a:spcPct val="115000"/>
+              </a:lnSpc>
+              <a:spcBef>
+                <a:spcPts val="0"/>
+              </a:spcBef>
+              <a:spcAft>
+                <a:spcPts val="0"/>
+              </a:spcAft>
+              <a:buSzPts val="1100"/>
+              <a:buFont typeface="Arial"/>
+              <a:buChar char="➢"/>
+            </a:pPr>
+            <a:r>
+              <a:rPr lang="de"/>
+              <a:t>~, |, &amp;, …</a:t>
+            </a:r>
+            <a:endParaRPr/>
+          </a:p>
+          <a:p>
+            <a:pPr indent="-298450" lvl="0" marL="457200" rtl="0" algn="l">
+              <a:lnSpc>
+                <a:spcPct val="115000"/>
+              </a:lnSpc>
+              <a:spcBef>
+                <a:spcPts val="0"/>
+              </a:spcBef>
+              <a:spcAft>
+                <a:spcPts val="0"/>
+              </a:spcAft>
+              <a:buClr>
+                <a:schemeClr val="dk1"/>
+              </a:buClr>
+              <a:buSzPts val="1100"/>
+              <a:buChar char="●"/>
+            </a:pPr>
+            <a:r>
+              <a:rPr lang="de"/>
+              <a:t>Zuweisungsoperatoren</a:t>
+            </a:r>
+            <a:endParaRPr/>
+          </a:p>
+          <a:p>
+            <a:pPr indent="-298450" lvl="1" marL="914400" rtl="0" algn="l">
+              <a:lnSpc>
+                <a:spcPct val="115000"/>
+              </a:lnSpc>
+              <a:spcBef>
+                <a:spcPts val="0"/>
+              </a:spcBef>
+              <a:spcAft>
+                <a:spcPts val="0"/>
+              </a:spcAft>
+              <a:buSzPts val="1100"/>
+              <a:buFont typeface="Arial"/>
+              <a:buChar char="➢"/>
+            </a:pPr>
+            <a:r>
+              <a:rPr lang="de"/>
+              <a:t>=, +=, -=, *=, /=, ...</a:t>
+            </a:r>
+            <a:endParaRPr/>
+          </a:p>
+          <a:p>
+            <a:pPr indent="-298450" lvl="0" marL="457200" rtl="0" algn="l">
+              <a:lnSpc>
+                <a:spcPct val="115000"/>
+              </a:lnSpc>
+              <a:spcBef>
+                <a:spcPts val="0"/>
+              </a:spcBef>
+              <a:spcAft>
+                <a:spcPts val="0"/>
+              </a:spcAft>
+              <a:buClr>
+                <a:schemeClr val="dk1"/>
+              </a:buClr>
+              <a:buSzPts val="1100"/>
+              <a:buChar char="●"/>
+            </a:pPr>
+            <a:r>
+              <a:rPr lang="de"/>
+              <a:t>Konkatenation (String [ =&gt; String me = “David” + “ “ + “Gemen” // “David Gemen”], ...)</a:t>
+            </a:r>
+            <a:endParaRPr/>
+          </a:p>
+          <a:p>
+            <a:pPr indent="-298450" lvl="1" marL="914400" rtl="0" algn="l">
+              <a:lnSpc>
+                <a:spcPct val="115000"/>
+              </a:lnSpc>
+              <a:spcBef>
+                <a:spcPts val="0"/>
+              </a:spcBef>
+              <a:spcAft>
+                <a:spcPts val="0"/>
+              </a:spcAft>
+              <a:buSzPts val="1100"/>
+              <a:buFont typeface="Arial"/>
+              <a:buChar char="➢"/>
+            </a:pPr>
+            <a:r>
+              <a:rPr lang="de"/>
+              <a:t>+</a:t>
+            </a:r>
+            <a:endParaRPr/>
+          </a:p>
+          <a:p>
+            <a:pPr indent="0" lvl="0" marL="457200" rtl="0" algn="l">
+              <a:lnSpc>
+                <a:spcPct val="115000"/>
+              </a:lnSpc>
+              <a:spcBef>
+                <a:spcPts val="1200"/>
+              </a:spcBef>
+              <a:spcAft>
+                <a:spcPts val="1200"/>
+              </a:spcAft>
+              <a:buNone/>
+            </a:pPr>
+            <a:r>
+              <a:t/>
             </a:r>
             <a:endParaRPr/>
           </a:p>
         </p:txBody>
       </p:sp>
-      <p:pic>
-        <p:nvPicPr>
-          <p:cNvPr id="163" name="Google Shape;163;p26"/>
-          <p:cNvPicPr preferRelativeResize="0"/>
-          <p:nvPr/>
-        </p:nvPicPr>
-        <p:blipFill>
-          <a:blip r:embed="rId3">
-            <a:alphaModFix/>
-          </a:blip>
-          <a:stretch>
-            <a:fillRect/>
-          </a:stretch>
-        </p:blipFill>
-        <p:spPr>
-          <a:xfrm>
-            <a:off x="2178513" y="1930825"/>
-            <a:ext cx="4786975" cy="1974125"/>
-          </a:xfrm>
-          <a:prstGeom prst="rect">
-            <a:avLst/>
-          </a:prstGeom>
-          <a:noFill/>
-          <a:ln>
-            <a:noFill/>
-          </a:ln>
-        </p:spPr>
-      </p:pic>
     </p:spTree>
   </p:cSld>
   <p:clrMapOvr>
@@ -10454,7 +10528,7 @@
   <p:cSld>
     <p:spTree>
       <p:nvGrpSpPr>
-        <p:cNvPr id="167" name="Shape 167"/>
+        <p:cNvPr id="166" name="Shape 166"/>
         <p:cNvGrpSpPr/>
         <p:nvPr/>
       </p:nvGrpSpPr>
@@ -10468,7 +10542,7 @@
       </p:grpSpPr>
       <p:sp>
         <p:nvSpPr>
-          <p:cNvPr id="168" name="Google Shape;168;p27"/>
+          <p:cNvPr id="167" name="Google Shape;167;p27"/>
           <p:cNvSpPr txBox="1"/>
           <p:nvPr>
             <p:ph type="title"/>
@@ -10500,7 +10574,7 @@
             </a:pPr>
             <a:r>
               <a:rPr lang="de"/>
-              <a:t>3.2. switch-case</a:t>
+              <a:t>4. Fehlerbehandlung</a:t>
             </a:r>
             <a:endParaRPr/>
           </a:p>
@@ -10508,7 +10582,7 @@
       </p:sp>
       <p:sp>
         <p:nvSpPr>
-          <p:cNvPr id="169" name="Google Shape;169;p27"/>
+          <p:cNvPr id="168" name="Google Shape;168;p27"/>
           <p:cNvSpPr/>
           <p:nvPr>
             <p:ph idx="2" type="chart"/>
@@ -10539,7 +10613,8 @@
               <a:buNone/>
             </a:pPr>
             <a:r>
-              <a:t/>
+              <a:rPr lang="de"/>
+              <a:t>Solltest du beim Programmieren einen Fehler gemacht haben, sodass das Programm nicht nur falsch, sondern gar nicht läuft, dann ist der Fehler meisten schnell gefunden (anders wenn das Programm falsch läuft, dann müsst ihr selber auf die Suche gehen).</a:t>
             </a:r>
             <a:endParaRPr/>
           </a:p>
@@ -10554,128 +10629,8 @@
               <a:buNone/>
             </a:pPr>
             <a:r>
-              <a:t/>
-            </a:r>
-            <a:endParaRPr/>
-          </a:p>
-          <a:p>
-            <a:pPr indent="0" lvl="0" marL="0" rtl="0" algn="l">
-              <a:spcBef>
-                <a:spcPts val="320"/>
-              </a:spcBef>
-              <a:spcAft>
-                <a:spcPts val="0"/>
-              </a:spcAft>
-              <a:buNone/>
-            </a:pPr>
-            <a:r>
-              <a:t/>
-            </a:r>
-            <a:endParaRPr/>
-          </a:p>
-          <a:p>
-            <a:pPr indent="0" lvl="0" marL="0" rtl="0" algn="l">
-              <a:spcBef>
-                <a:spcPts val="320"/>
-              </a:spcBef>
-              <a:spcAft>
-                <a:spcPts val="0"/>
-              </a:spcAft>
-              <a:buNone/>
-            </a:pPr>
-            <a:r>
-              <a:t/>
-            </a:r>
-            <a:endParaRPr/>
-          </a:p>
-          <a:p>
-            <a:pPr indent="0" lvl="0" marL="0" rtl="0" algn="l">
-              <a:spcBef>
-                <a:spcPts val="320"/>
-              </a:spcBef>
-              <a:spcAft>
-                <a:spcPts val="0"/>
-              </a:spcAft>
-              <a:buNone/>
-            </a:pPr>
-            <a:r>
-              <a:t/>
-            </a:r>
-            <a:endParaRPr/>
-          </a:p>
-          <a:p>
-            <a:pPr indent="0" lvl="0" marL="0" rtl="0" algn="l">
-              <a:spcBef>
-                <a:spcPts val="320"/>
-              </a:spcBef>
-              <a:spcAft>
-                <a:spcPts val="0"/>
-              </a:spcAft>
-              <a:buNone/>
-            </a:pPr>
-            <a:r>
-              <a:t/>
-            </a:r>
-            <a:endParaRPr/>
-          </a:p>
-          <a:p>
-            <a:pPr indent="0" lvl="0" marL="0" rtl="0" algn="l">
-              <a:spcBef>
-                <a:spcPts val="320"/>
-              </a:spcBef>
-              <a:spcAft>
-                <a:spcPts val="0"/>
-              </a:spcAft>
-              <a:buNone/>
-            </a:pPr>
-            <a:r>
-              <a:t/>
-            </a:r>
-            <a:endParaRPr/>
-          </a:p>
-          <a:p>
-            <a:pPr indent="0" lvl="0" marL="0" rtl="0" algn="l">
-              <a:spcBef>
-                <a:spcPts val="320"/>
-              </a:spcBef>
-              <a:spcAft>
-                <a:spcPts val="0"/>
-              </a:spcAft>
-              <a:buNone/>
-            </a:pPr>
-            <a:r>
-              <a:t/>
-            </a:r>
-            <a:endParaRPr/>
-          </a:p>
-          <a:p>
-            <a:pPr indent="0" lvl="0" marL="0" rtl="0" algn="l">
-              <a:spcBef>
-                <a:spcPts val="320"/>
-              </a:spcBef>
-              <a:spcAft>
-                <a:spcPts val="0"/>
-              </a:spcAft>
-              <a:buNone/>
-            </a:pPr>
-            <a:r>
               <a:rPr lang="de"/>
-              <a:t>Die switch-case-Anweisung ist (bis auf wenige Kleinigkeiten) nichts anderes, als eine intuitivere Schreibweise für...</a:t>
-            </a:r>
-            <a:endParaRPr/>
-          </a:p>
-          <a:p>
-            <a:pPr indent="0" lvl="0" marL="0" rtl="0" algn="l">
-              <a:spcBef>
-                <a:spcPts val="320"/>
-              </a:spcBef>
-              <a:spcAft>
-                <a:spcPts val="0"/>
-              </a:spcAft>
-              <a:buNone/>
-            </a:pPr>
-            <a:r>
-              <a:t/>
+              <a:t>Auf Fehler, die bewirken, dass das Programm nicht kompiliert werden kann, weist euch der Compiler hin.</a:t>
             </a:r>
             <a:endParaRPr/>
           </a:p>
@@ -10683,408 +10638,7 @@
       </p:sp>
       <p:pic>
         <p:nvPicPr>
-          <p:cNvPr id="170" name="Google Shape;170;p27"/>
-          <p:cNvPicPr preferRelativeResize="0"/>
-          <p:nvPr/>
-        </p:nvPicPr>
-        <p:blipFill>
-          <a:blip r:embed="rId3">
-            <a:alphaModFix/>
-          </a:blip>
-          <a:stretch>
-            <a:fillRect/>
-          </a:stretch>
-        </p:blipFill>
-        <p:spPr>
-          <a:xfrm>
-            <a:off x="3541125" y="3385575"/>
-            <a:ext cx="1506575" cy="1107775"/>
-          </a:xfrm>
-          <a:prstGeom prst="rect">
-            <a:avLst/>
-          </a:prstGeom>
-          <a:noFill/>
-          <a:ln>
-            <a:noFill/>
-          </a:ln>
-        </p:spPr>
-      </p:pic>
-      <p:pic>
-        <p:nvPicPr>
-          <p:cNvPr id="171" name="Google Shape;171;p27"/>
-          <p:cNvPicPr preferRelativeResize="0"/>
-          <p:nvPr/>
-        </p:nvPicPr>
-        <p:blipFill>
-          <a:blip r:embed="rId4">
-            <a:alphaModFix/>
-          </a:blip>
-          <a:stretch>
-            <a:fillRect/>
-          </a:stretch>
-        </p:blipFill>
-        <p:spPr>
-          <a:xfrm>
-            <a:off x="2648963" y="782250"/>
-            <a:ext cx="3290901" cy="2147225"/>
-          </a:xfrm>
-          <a:prstGeom prst="rect">
-            <a:avLst/>
-          </a:prstGeom>
-          <a:noFill/>
-          <a:ln>
-            <a:noFill/>
-          </a:ln>
-        </p:spPr>
-      </p:pic>
-    </p:spTree>
-  </p:cSld>
-  <p:clrMapOvr>
-    <a:masterClrMapping/>
-  </p:clrMapOvr>
-</p:sld>
-</file>
-
-<file path=ppt/slides/slide12.xml><?xml version="1.0" encoding="utf-8"?>
-<p:sld xmlns:a="http://schemas.openxmlformats.org/drawingml/2006/main" xmlns:r="http://schemas.openxmlformats.org/officeDocument/2006/relationships" xmlns:mc="http://schemas.openxmlformats.org/markup-compatibility/2006" xmlns:mv="urn:schemas-microsoft-com:mac:vml" xmlns:p="http://schemas.openxmlformats.org/presentationml/2006/main" xmlns:c="http://schemas.openxmlformats.org/drawingml/2006/chart" xmlns:dgm="http://schemas.openxmlformats.org/drawingml/2006/diagram" xmlns:o="urn:schemas-microsoft-com:office:office" xmlns:v="urn:schemas-microsoft-com:vml" xmlns:pvml="urn:schemas-microsoft-com:office:powerpoint" xmlns:com="http://schemas.openxmlformats.org/drawingml/2006/compatibility" xmlns:p14="http://schemas.microsoft.com/office/powerpoint/2010/main" xmlns:p15="http://schemas.microsoft.com/office/powerpoint/2012/main" xmlns:ahyp="http://schemas.microsoft.com/office/drawing/2018/hyperlinkcolor">
-  <p:cSld>
-    <p:spTree>
-      <p:nvGrpSpPr>
-        <p:cNvPr id="175" name="Shape 175"/>
-        <p:cNvGrpSpPr/>
-        <p:nvPr/>
-      </p:nvGrpSpPr>
-      <p:grpSpPr>
-        <a:xfrm>
-          <a:off x="0" y="0"/>
-          <a:ext cx="0" cy="0"/>
-          <a:chOff x="0" y="0"/>
-          <a:chExt cx="0" cy="0"/>
-        </a:xfrm>
-      </p:grpSpPr>
-      <p:sp>
-        <p:nvSpPr>
-          <p:cNvPr id="176" name="Google Shape;176;p28"/>
-          <p:cNvSpPr txBox="1"/>
-          <p:nvPr>
-            <p:ph type="title"/>
-          </p:nvPr>
-        </p:nvSpPr>
-        <p:spPr>
-          <a:xfrm>
-            <a:off x="431800" y="83344"/>
-            <a:ext cx="8375700" cy="531000"/>
-          </a:xfrm>
-          <a:prstGeom prst="rect">
-            <a:avLst/>
-          </a:prstGeom>
-        </p:spPr>
-        <p:txBody>
-          <a:bodyPr anchorCtr="0" anchor="b" bIns="0" lIns="0" spcFirstLastPara="1" rIns="0" wrap="square" tIns="0">
-            <a:noAutofit/>
-          </a:bodyPr>
-          <a:lstStyle/>
-          <a:p>
-            <a:pPr indent="0" lvl="0" marL="0" rtl="0" algn="l">
-              <a:spcBef>
-                <a:spcPts val="0"/>
-              </a:spcBef>
-              <a:spcAft>
-                <a:spcPts val="0"/>
-              </a:spcAft>
-              <a:buNone/>
-            </a:pPr>
-            <a:r>
-              <a:rPr lang="de"/>
-              <a:t>3.3 ternärer Operator</a:t>
-            </a:r>
-            <a:endParaRPr/>
-          </a:p>
-        </p:txBody>
-      </p:sp>
-      <p:sp>
-        <p:nvSpPr>
-          <p:cNvPr id="177" name="Google Shape;177;p28"/>
-          <p:cNvSpPr/>
-          <p:nvPr>
-            <p:ph idx="2" type="chart"/>
-          </p:nvPr>
-        </p:nvSpPr>
-        <p:spPr>
-          <a:xfrm>
-            <a:off x="431800" y="782241"/>
-            <a:ext cx="8375700" cy="3579000"/>
-          </a:xfrm>
-          <a:prstGeom prst="rect">
-            <a:avLst/>
-          </a:prstGeom>
-        </p:spPr>
-        <p:txBody>
-          <a:bodyPr anchorCtr="0" anchor="t" bIns="0" lIns="0" spcFirstLastPara="1" rIns="0" wrap="square" tIns="0">
-            <a:noAutofit/>
-          </a:bodyPr>
-          <a:lstStyle/>
-          <a:p>
-            <a:pPr indent="0" lvl="0" marL="0" rtl="0" algn="l">
-              <a:spcBef>
-                <a:spcPts val="320"/>
-              </a:spcBef>
-              <a:spcAft>
-                <a:spcPts val="0"/>
-              </a:spcAft>
-              <a:buNone/>
-            </a:pPr>
-            <a:r>
-              <a:rPr lang="de"/>
-              <a:t>Nur damit du es mal gesehen hast: Der Ternäre Operator lässt euch ein Bedingtes Statement in einer Zeile verfassen.</a:t>
-            </a:r>
-            <a:endParaRPr/>
-          </a:p>
-          <a:p>
-            <a:pPr indent="0" lvl="0" marL="0" rtl="0" algn="l">
-              <a:spcBef>
-                <a:spcPts val="320"/>
-              </a:spcBef>
-              <a:spcAft>
-                <a:spcPts val="0"/>
-              </a:spcAft>
-              <a:buNone/>
-            </a:pPr>
-            <a:r>
-              <a:t/>
-            </a:r>
-            <a:endParaRPr/>
-          </a:p>
-          <a:p>
-            <a:pPr indent="0" lvl="0" marL="0" rtl="0" algn="l">
-              <a:spcBef>
-                <a:spcPts val="320"/>
-              </a:spcBef>
-              <a:spcAft>
-                <a:spcPts val="0"/>
-              </a:spcAft>
-              <a:buNone/>
-            </a:pPr>
-            <a:r>
-              <a:t/>
-            </a:r>
-            <a:endParaRPr/>
-          </a:p>
-          <a:p>
-            <a:pPr indent="0" lvl="0" marL="0" rtl="0" algn="l">
-              <a:spcBef>
-                <a:spcPts val="320"/>
-              </a:spcBef>
-              <a:spcAft>
-                <a:spcPts val="0"/>
-              </a:spcAft>
-              <a:buNone/>
-            </a:pPr>
-            <a:r>
-              <a:t/>
-            </a:r>
-            <a:endParaRPr/>
-          </a:p>
-          <a:p>
-            <a:pPr indent="0" lvl="0" marL="0" rtl="0" algn="l">
-              <a:spcBef>
-                <a:spcPts val="320"/>
-              </a:spcBef>
-              <a:spcAft>
-                <a:spcPts val="0"/>
-              </a:spcAft>
-              <a:buNone/>
-            </a:pPr>
-            <a:r>
-              <a:t/>
-            </a:r>
-            <a:endParaRPr/>
-          </a:p>
-          <a:p>
-            <a:pPr indent="0" lvl="0" marL="0" rtl="0" algn="l">
-              <a:spcBef>
-                <a:spcPts val="320"/>
-              </a:spcBef>
-              <a:spcAft>
-                <a:spcPts val="0"/>
-              </a:spcAft>
-              <a:buNone/>
-            </a:pPr>
-            <a:r>
-              <a:t/>
-            </a:r>
-            <a:endParaRPr/>
-          </a:p>
-          <a:p>
-            <a:pPr indent="0" lvl="0" marL="0" rtl="0" algn="l">
-              <a:spcBef>
-                <a:spcPts val="320"/>
-              </a:spcBef>
-              <a:spcAft>
-                <a:spcPts val="0"/>
-              </a:spcAft>
-              <a:buNone/>
-            </a:pPr>
-            <a:r>
-              <a:rPr lang="de"/>
-              <a:t>Vor dem Fragezeichen steht die Bedingung, zwischen Fragezeichen und Doppelpunkt das gewünschte Statement im “true”-Fall und nach dem Doppelpunkt das gewünschte Statement im “false”-Fall.</a:t>
-            </a:r>
-            <a:endParaRPr/>
-          </a:p>
-        </p:txBody>
-      </p:sp>
-      <p:pic>
-        <p:nvPicPr>
-          <p:cNvPr id="178" name="Google Shape;178;p28"/>
-          <p:cNvPicPr preferRelativeResize="0"/>
-          <p:nvPr/>
-        </p:nvPicPr>
-        <p:blipFill>
-          <a:blip r:embed="rId3">
-            <a:alphaModFix/>
-          </a:blip>
-          <a:stretch>
-            <a:fillRect/>
-          </a:stretch>
-        </p:blipFill>
-        <p:spPr>
-          <a:xfrm>
-            <a:off x="1804550" y="1553974"/>
-            <a:ext cx="5534876" cy="838625"/>
-          </a:xfrm>
-          <a:prstGeom prst="rect">
-            <a:avLst/>
-          </a:prstGeom>
-          <a:noFill/>
-          <a:ln>
-            <a:noFill/>
-          </a:ln>
-        </p:spPr>
-      </p:pic>
-    </p:spTree>
-  </p:cSld>
-  <p:clrMapOvr>
-    <a:masterClrMapping/>
-  </p:clrMapOvr>
-</p:sld>
-</file>
-
-<file path=ppt/slides/slide13.xml><?xml version="1.0" encoding="utf-8"?>
-<p:sld xmlns:a="http://schemas.openxmlformats.org/drawingml/2006/main" xmlns:r="http://schemas.openxmlformats.org/officeDocument/2006/relationships" xmlns:mc="http://schemas.openxmlformats.org/markup-compatibility/2006" xmlns:mv="urn:schemas-microsoft-com:mac:vml" xmlns:p="http://schemas.openxmlformats.org/presentationml/2006/main" xmlns:c="http://schemas.openxmlformats.org/drawingml/2006/chart" xmlns:dgm="http://schemas.openxmlformats.org/drawingml/2006/diagram" xmlns:o="urn:schemas-microsoft-com:office:office" xmlns:v="urn:schemas-microsoft-com:vml" xmlns:pvml="urn:schemas-microsoft-com:office:powerpoint" xmlns:com="http://schemas.openxmlformats.org/drawingml/2006/compatibility" xmlns:p14="http://schemas.microsoft.com/office/powerpoint/2010/main" xmlns:p15="http://schemas.microsoft.com/office/powerpoint/2012/main" xmlns:ahyp="http://schemas.microsoft.com/office/drawing/2018/hyperlinkcolor">
-  <p:cSld>
-    <p:spTree>
-      <p:nvGrpSpPr>
-        <p:cNvPr id="182" name="Shape 182"/>
-        <p:cNvGrpSpPr/>
-        <p:nvPr/>
-      </p:nvGrpSpPr>
-      <p:grpSpPr>
-        <a:xfrm>
-          <a:off x="0" y="0"/>
-          <a:ext cx="0" cy="0"/>
-          <a:chOff x="0" y="0"/>
-          <a:chExt cx="0" cy="0"/>
-        </a:xfrm>
-      </p:grpSpPr>
-      <p:sp>
-        <p:nvSpPr>
-          <p:cNvPr id="183" name="Google Shape;183;p29"/>
-          <p:cNvSpPr txBox="1"/>
-          <p:nvPr>
-            <p:ph type="title"/>
-          </p:nvPr>
-        </p:nvSpPr>
-        <p:spPr>
-          <a:xfrm>
-            <a:off x="431800" y="83344"/>
-            <a:ext cx="8375700" cy="531000"/>
-          </a:xfrm>
-          <a:prstGeom prst="rect">
-            <a:avLst/>
-          </a:prstGeom>
-        </p:spPr>
-        <p:txBody>
-          <a:bodyPr anchorCtr="0" anchor="b" bIns="0" lIns="0" spcFirstLastPara="1" rIns="0" wrap="square" tIns="0">
-            <a:noAutofit/>
-          </a:bodyPr>
-          <a:lstStyle/>
-          <a:p>
-            <a:pPr indent="0" lvl="0" marL="0" rtl="0" algn="l">
-              <a:spcBef>
-                <a:spcPts val="0"/>
-              </a:spcBef>
-              <a:spcAft>
-                <a:spcPts val="0"/>
-              </a:spcAft>
-              <a:buNone/>
-            </a:pPr>
-            <a:r>
-              <a:rPr lang="de"/>
-              <a:t>4. Fehlerbehandlung</a:t>
-            </a:r>
-            <a:endParaRPr/>
-          </a:p>
-        </p:txBody>
-      </p:sp>
-      <p:sp>
-        <p:nvSpPr>
-          <p:cNvPr id="184" name="Google Shape;184;p29"/>
-          <p:cNvSpPr/>
-          <p:nvPr>
-            <p:ph idx="2" type="chart"/>
-          </p:nvPr>
-        </p:nvSpPr>
-        <p:spPr>
-          <a:xfrm>
-            <a:off x="431800" y="782241"/>
-            <a:ext cx="8375700" cy="3579000"/>
-          </a:xfrm>
-          <a:prstGeom prst="rect">
-            <a:avLst/>
-          </a:prstGeom>
-        </p:spPr>
-        <p:txBody>
-          <a:bodyPr anchorCtr="0" anchor="t" bIns="0" lIns="0" spcFirstLastPara="1" rIns="0" wrap="square" tIns="0">
-            <a:noAutofit/>
-          </a:bodyPr>
-          <a:lstStyle/>
-          <a:p>
-            <a:pPr indent="0" lvl="0" marL="0" rtl="0" algn="l">
-              <a:spcBef>
-                <a:spcPts val="320"/>
-              </a:spcBef>
-              <a:spcAft>
-                <a:spcPts val="0"/>
-              </a:spcAft>
-              <a:buNone/>
-            </a:pPr>
-            <a:r>
-              <a:rPr lang="de"/>
-              <a:t>Solltest du beim Programmieren einen Fehler gemacht haben, sodass das Programm nicht nur falsch, sondern gar nicht läuft, dann ist der Fehler meisten schnell gefunden (anders wenn das Programm falsch läuft, dann müsst ihr selber auf die Suche gehen).</a:t>
-            </a:r>
-            <a:endParaRPr/>
-          </a:p>
-          <a:p>
-            <a:pPr indent="0" lvl="0" marL="0" rtl="0" algn="l">
-              <a:spcBef>
-                <a:spcPts val="320"/>
-              </a:spcBef>
-              <a:spcAft>
-                <a:spcPts val="0"/>
-              </a:spcAft>
-              <a:buNone/>
-            </a:pPr>
-            <a:r>
-              <a:rPr lang="de"/>
-              <a:t>Auf Fehler, die bewirken, dass das Programm nicht kompiliert werden kann, weist euch der Compiler hin.</a:t>
-            </a:r>
-            <a:endParaRPr/>
-          </a:p>
-        </p:txBody>
-      </p:sp>
-      <p:pic>
-        <p:nvPicPr>
-          <p:cNvPr id="185" name="Google Shape;185;p29"/>
+          <p:cNvPr id="169" name="Google Shape;169;p27"/>
           <p:cNvPicPr preferRelativeResize="0"/>
           <p:nvPr/>
         </p:nvPicPr>
@@ -11112,7 +10666,7 @@
       </p:pic>
       <p:pic>
         <p:nvPicPr>
-          <p:cNvPr id="186" name="Google Shape;186;p29"/>
+          <p:cNvPr id="170" name="Google Shape;170;p27"/>
           <p:cNvPicPr preferRelativeResize="0"/>
           <p:nvPr/>
         </p:nvPicPr>
@@ -11146,12 +10700,12 @@
 </p:sld>
 </file>
 
-<file path=ppt/slides/slide14.xml><?xml version="1.0" encoding="utf-8"?>
+<file path=ppt/slides/slide12.xml><?xml version="1.0" encoding="utf-8"?>
 <p:sld xmlns:a="http://schemas.openxmlformats.org/drawingml/2006/main" xmlns:r="http://schemas.openxmlformats.org/officeDocument/2006/relationships" xmlns:mc="http://schemas.openxmlformats.org/markup-compatibility/2006" xmlns:mv="urn:schemas-microsoft-com:mac:vml" xmlns:p="http://schemas.openxmlformats.org/presentationml/2006/main" xmlns:c="http://schemas.openxmlformats.org/drawingml/2006/chart" xmlns:dgm="http://schemas.openxmlformats.org/drawingml/2006/diagram" xmlns:o="urn:schemas-microsoft-com:office:office" xmlns:v="urn:schemas-microsoft-com:vml" xmlns:pvml="urn:schemas-microsoft-com:office:powerpoint" xmlns:com="http://schemas.openxmlformats.org/drawingml/2006/compatibility" xmlns:p14="http://schemas.microsoft.com/office/powerpoint/2010/main" xmlns:p15="http://schemas.microsoft.com/office/powerpoint/2012/main" xmlns:ahyp="http://schemas.microsoft.com/office/drawing/2018/hyperlinkcolor">
   <p:cSld>
     <p:spTree>
       <p:nvGrpSpPr>
-        <p:cNvPr id="190" name="Shape 190"/>
+        <p:cNvPr id="174" name="Shape 174"/>
         <p:cNvGrpSpPr/>
         <p:nvPr/>
       </p:nvGrpSpPr>
@@ -11165,7 +10719,7 @@
       </p:grpSpPr>
       <p:sp>
         <p:nvSpPr>
-          <p:cNvPr id="191" name="Google Shape;191;p30"/>
+          <p:cNvPr id="175" name="Google Shape;175;p28"/>
           <p:cNvSpPr txBox="1"/>
           <p:nvPr>
             <p:ph type="title"/>
@@ -11205,7 +10759,7 @@
       </p:sp>
       <p:sp>
         <p:nvSpPr>
-          <p:cNvPr id="192" name="Google Shape;192;p30"/>
+          <p:cNvPr id="176" name="Google Shape;176;p28"/>
           <p:cNvSpPr/>
           <p:nvPr>
             <p:ph idx="2" type="chart"/>
@@ -11341,12 +10895,12 @@
 </p:sld>
 </file>
 
-<file path=ppt/slides/slide15.xml><?xml version="1.0" encoding="utf-8"?>
+<file path=ppt/slides/slide13.xml><?xml version="1.0" encoding="utf-8"?>
 <p:sld xmlns:a="http://schemas.openxmlformats.org/drawingml/2006/main" xmlns:r="http://schemas.openxmlformats.org/officeDocument/2006/relationships" xmlns:mc="http://schemas.openxmlformats.org/markup-compatibility/2006" xmlns:mv="urn:schemas-microsoft-com:mac:vml" xmlns:p="http://schemas.openxmlformats.org/presentationml/2006/main" xmlns:c="http://schemas.openxmlformats.org/drawingml/2006/chart" xmlns:dgm="http://schemas.openxmlformats.org/drawingml/2006/diagram" xmlns:o="urn:schemas-microsoft-com:office:office" xmlns:v="urn:schemas-microsoft-com:vml" xmlns:pvml="urn:schemas-microsoft-com:office:powerpoint" xmlns:com="http://schemas.openxmlformats.org/drawingml/2006/compatibility" xmlns:p14="http://schemas.microsoft.com/office/powerpoint/2010/main" xmlns:p15="http://schemas.microsoft.com/office/powerpoint/2012/main" xmlns:ahyp="http://schemas.microsoft.com/office/drawing/2018/hyperlinkcolor">
   <p:cSld>
     <p:spTree>
       <p:nvGrpSpPr>
-        <p:cNvPr id="196" name="Shape 196"/>
+        <p:cNvPr id="180" name="Shape 180"/>
         <p:cNvGrpSpPr/>
         <p:nvPr/>
       </p:nvGrpSpPr>
@@ -11360,7 +10914,7 @@
       </p:grpSpPr>
       <p:sp>
         <p:nvSpPr>
-          <p:cNvPr id="197" name="Google Shape;197;p31"/>
+          <p:cNvPr id="181" name="Google Shape;181;p29"/>
           <p:cNvSpPr txBox="1"/>
           <p:nvPr>
             <p:ph type="title"/>
@@ -11392,7 +10946,7 @@
             </a:pPr>
             <a:r>
               <a:rPr lang="de"/>
-              <a:t>6. Übungsaufgaben</a:t>
+              <a:t>6. Übungsaufgabe</a:t>
             </a:r>
             <a:endParaRPr/>
           </a:p>
@@ -11400,7 +10954,7 @@
       </p:sp>
       <p:sp>
         <p:nvSpPr>
-          <p:cNvPr id="198" name="Google Shape;198;p31"/>
+          <p:cNvPr id="182" name="Google Shape;182;p29"/>
           <p:cNvSpPr/>
           <p:nvPr>
             <p:ph idx="2" type="chart"/>
@@ -11450,6 +11004,9 @@
               <a:rPr lang="de"/>
               <a:t>Schreibe ein Programm mit folgenden Eigenschaften:</a:t>
             </a:r>
+            <a:br>
+              <a:rPr lang="de"/>
+            </a:br>
             <a:endParaRPr/>
           </a:p>
           <a:p>
@@ -11516,8 +11073,11 @@
             </a:pPr>
             <a:r>
               <a:rPr lang="de"/>
-              <a:t>Ob du nächste Woche wieder beim Tutorium sein wirst</a:t>
-            </a:r>
+              <a:t>Dein Studiengang</a:t>
+            </a:r>
+            <a:br>
+              <a:rPr lang="de"/>
+            </a:br>
             <a:endParaRPr/>
           </a:p>
           <a:p>
@@ -11538,40 +11098,41 @@
             <a:endParaRPr/>
           </a:p>
           <a:p>
-            <a:pPr indent="-330200" lvl="1" marL="914400" rtl="0" algn="l">
-              <a:spcBef>
-                <a:spcPts val="0"/>
-              </a:spcBef>
-              <a:spcAft>
-                <a:spcPts val="0"/>
-              </a:spcAft>
-              <a:buSzPts val="1600"/>
-              <a:buChar char="-"/>
-            </a:pPr>
-            <a:r>
+            <a:pPr indent="0" lvl="0" marL="914400" rtl="0" algn="l">
+              <a:spcBef>
+                <a:spcPts val="320"/>
+              </a:spcBef>
+              <a:spcAft>
+                <a:spcPts val="0"/>
+              </a:spcAft>
+              <a:buNone/>
+            </a:pPr>
+            <a:br>
               <a:rPr lang="de"/>
-              <a:t>“Ich heiße &lt;Name&gt;, bin &lt;’minderjährig’/’volljährig’/’im Ruhestand’&gt; und komme nächste Woche [‘nicht’] wieder zum Tutorium.”</a:t>
-            </a:r>
+            </a:br>
+            <a:r>
+              <a:rPr lang="de"/>
+              <a:t>“Ich heiße &lt;Name&gt;, bin &lt;Alter&gt; Jahre alt und studiere &lt;Studiengang&gt;”</a:t>
+            </a:r>
+            <a:br>
+              <a:rPr lang="de"/>
+            </a:br>
             <a:endParaRPr/>
           </a:p>
           <a:p>
-            <a:pPr indent="-330200" lvl="0" marL="457200" rtl="0" algn="l">
-              <a:spcBef>
-                <a:spcPts val="0"/>
-              </a:spcBef>
-              <a:spcAft>
-                <a:spcPts val="0"/>
-              </a:spcAft>
-              <a:buClr>
-                <a:schemeClr val="dk1"/>
-              </a:buClr>
-              <a:buSzPts val="1600"/>
-              <a:buFont typeface="Noto Sans Symbols"/>
+            <a:pPr indent="-317500" lvl="0" marL="457200" rtl="0" algn="l">
+              <a:spcBef>
+                <a:spcPts val="320"/>
+              </a:spcBef>
+              <a:spcAft>
+                <a:spcPts val="0"/>
+              </a:spcAft>
+              <a:buSzPts val="1400"/>
               <a:buChar char="●"/>
             </a:pPr>
             <a:r>
               <a:rPr lang="de"/>
-              <a:t>Das Programm soll auf Basis der Variablenwerte selber entscheiden können, welcher Name, welcher Altersstatus ausgegeben wird. Auch ob das ‘nicht’ ausgegeben wird oder nicht soll das Programm an der dafür vorgesehenen Variable festmachen.</a:t>
+              <a:t>Bei der Ausgabe soll auf die deklarierten Variablen zurückgegriffen werden</a:t>
             </a:r>
             <a:endParaRPr/>
           </a:p>
@@ -11680,98 +11241,7 @@
           </a:bodyPr>
           <a:lstStyle/>
           <a:p>
-            <a:pPr indent="-311150" lvl="0" marL="457200" rtl="0" algn="l">
-              <a:spcBef>
-                <a:spcPts val="320"/>
-              </a:spcBef>
-              <a:spcAft>
-                <a:spcPts val="0"/>
-              </a:spcAft>
-              <a:buSzPts val="1300"/>
-              <a:buAutoNum type="arabicPeriod"/>
-            </a:pPr>
-            <a:r>
-              <a:rPr lang="de" sz="1300"/>
-              <a:t>Ein erstes Programm: “Hello World!”</a:t>
-            </a:r>
-            <a:br>
-              <a:rPr lang="de" sz="1300"/>
-            </a:br>
-            <a:endParaRPr sz="1300"/>
-          </a:p>
-          <a:p>
-            <a:pPr indent="-311150" lvl="0" marL="457200" rtl="0" algn="l">
-              <a:spcBef>
-                <a:spcPts val="0"/>
-              </a:spcBef>
-              <a:spcAft>
-                <a:spcPts val="0"/>
-              </a:spcAft>
-              <a:buSzPts val="1300"/>
-              <a:buAutoNum type="arabicPeriod"/>
-            </a:pPr>
-            <a:r>
-              <a:rPr lang="de" sz="1300"/>
-              <a:t>Variablen</a:t>
-            </a:r>
-            <a:endParaRPr sz="1300"/>
-          </a:p>
-          <a:p>
-            <a:pPr indent="-311150" lvl="1" marL="914400" rtl="0" algn="l">
-              <a:spcBef>
-                <a:spcPts val="0"/>
-              </a:spcBef>
-              <a:spcAft>
-                <a:spcPts val="0"/>
-              </a:spcAft>
-              <a:buSzPts val="1300"/>
-              <a:buAutoNum type="arabicPeriod"/>
-            </a:pPr>
-            <a:r>
-              <a:rPr lang="de" sz="1300"/>
-              <a:t>Was sind Variablen?</a:t>
-            </a:r>
-            <a:endParaRPr sz="1300"/>
-          </a:p>
-          <a:p>
-            <a:pPr indent="-311150" lvl="1" marL="914400" rtl="0" algn="l">
-              <a:spcBef>
-                <a:spcPts val="0"/>
-              </a:spcBef>
-              <a:spcAft>
-                <a:spcPts val="0"/>
-              </a:spcAft>
-              <a:buSzPts val="1300"/>
-              <a:buAutoNum type="arabicPeriod"/>
-            </a:pPr>
-            <a:r>
-              <a:rPr lang="de" sz="1300"/>
-              <a:t>Datentypen</a:t>
-            </a:r>
-            <a:endParaRPr sz="1300"/>
-          </a:p>
-          <a:p>
-            <a:pPr indent="-311150" lvl="1" marL="914400" rtl="0" algn="l">
-              <a:spcBef>
-                <a:spcPts val="0"/>
-              </a:spcBef>
-              <a:spcAft>
-                <a:spcPts val="0"/>
-              </a:spcAft>
-              <a:buSzPts val="1300"/>
-              <a:buAutoNum type="arabicPeriod"/>
-            </a:pPr>
-            <a:r>
-              <a:rPr lang="de" sz="1300"/>
-              <a:t>Operatoren</a:t>
-            </a:r>
-            <a:br>
-              <a:rPr lang="de" sz="1300"/>
-            </a:br>
-            <a:endParaRPr sz="1300"/>
-          </a:p>
-          <a:p>
-            <a:pPr indent="-311150" lvl="0" marL="457200" rtl="0" algn="l">
+            <a:pPr indent="-317500" lvl="0" marL="457200" rtl="0" algn="l">
               <a:spcBef>
                 <a:spcPts val="0"/>
               </a:spcBef>
@@ -11781,85 +11251,162 @@
               <a:buClr>
                 <a:schemeClr val="dk1"/>
               </a:buClr>
-              <a:buSzPts val="1300"/>
+              <a:buSzPts val="1400"/>
               <a:buAutoNum type="arabicPeriod"/>
             </a:pPr>
             <a:r>
-              <a:rPr lang="de" sz="1300"/>
-              <a:t>Bedingungen </a:t>
-            </a:r>
-            <a:endParaRPr sz="1300"/>
-          </a:p>
-          <a:p>
-            <a:pPr indent="-311150" lvl="1" marL="914400" rtl="0" algn="l">
-              <a:spcBef>
-                <a:spcPts val="0"/>
-              </a:spcBef>
-              <a:spcAft>
-                <a:spcPts val="0"/>
-              </a:spcAft>
-              <a:buSzPts val="1300"/>
+              <a:rPr lang="de" sz="1400"/>
+              <a:t>Funktionsweise von Java</a:t>
+            </a:r>
+            <a:endParaRPr sz="1400"/>
+          </a:p>
+          <a:p>
+            <a:pPr indent="-317500" lvl="1" marL="914400" rtl="0" algn="l">
+              <a:spcBef>
+                <a:spcPts val="0"/>
+              </a:spcBef>
+              <a:spcAft>
+                <a:spcPts val="0"/>
+              </a:spcAft>
+              <a:buSzPts val="1400"/>
               <a:buAutoNum type="arabicPeriod"/>
             </a:pPr>
             <a:r>
-              <a:rPr lang="de" sz="1300"/>
-              <a:t>if-else</a:t>
-            </a:r>
-            <a:endParaRPr sz="1300"/>
-          </a:p>
-          <a:p>
-            <a:pPr indent="-311150" lvl="1" marL="914400" rtl="0" algn="l">
-              <a:spcBef>
-                <a:spcPts val="0"/>
-              </a:spcBef>
-              <a:spcAft>
-                <a:spcPts val="0"/>
-              </a:spcAft>
-              <a:buSzPts val="1300"/>
+              <a:rPr lang="de" sz="1400"/>
+              <a:t>Sprachkonzepte von Java</a:t>
+            </a:r>
+            <a:endParaRPr sz="1400"/>
+          </a:p>
+          <a:p>
+            <a:pPr indent="-317500" lvl="1" marL="914400" rtl="0" algn="l">
+              <a:spcBef>
+                <a:spcPts val="0"/>
+              </a:spcBef>
+              <a:spcAft>
+                <a:spcPts val="0"/>
+              </a:spcAft>
+              <a:buSzPts val="1400"/>
               <a:buAutoNum type="arabicPeriod"/>
             </a:pPr>
             <a:r>
-              <a:rPr lang="de" sz="1300"/>
-              <a:t>switch-case</a:t>
-            </a:r>
-            <a:endParaRPr sz="1300"/>
-          </a:p>
-          <a:p>
-            <a:pPr indent="-311150" lvl="1" marL="914400" rtl="0" algn="l">
-              <a:spcBef>
-                <a:spcPts val="0"/>
-              </a:spcBef>
-              <a:spcAft>
-                <a:spcPts val="0"/>
-              </a:spcAft>
-              <a:buSzPts val="1300"/>
+              <a:rPr lang="de" sz="1400"/>
+              <a:t>Workflow</a:t>
+            </a:r>
+            <a:br>
+              <a:rPr lang="de" sz="1400"/>
+            </a:br>
+            <a:endParaRPr sz="1400"/>
+          </a:p>
+          <a:p>
+            <a:pPr indent="-317500" lvl="0" marL="457200" rtl="0" algn="l">
+              <a:spcBef>
+                <a:spcPts val="0"/>
+              </a:spcBef>
+              <a:spcAft>
+                <a:spcPts val="0"/>
+              </a:spcAft>
+              <a:buClr>
+                <a:schemeClr val="dk1"/>
+              </a:buClr>
+              <a:buSzPts val="1400"/>
               <a:buAutoNum type="arabicPeriod"/>
             </a:pPr>
             <a:r>
-              <a:rPr lang="de" sz="1300"/>
-              <a:t>ternärer Operator</a:t>
+              <a:rPr lang="de" sz="1400"/>
+              <a:t>Ein erstes Programm: “Hello World!”</a:t>
             </a:r>
             <a:br>
-              <a:rPr lang="de" sz="1300"/>
+              <a:rPr lang="de" sz="1400"/>
             </a:br>
-            <a:endParaRPr sz="1300"/>
-          </a:p>
-          <a:p>
-            <a:pPr indent="-311150" lvl="0" marL="457200" rtl="0" algn="l">
-              <a:spcBef>
-                <a:spcPts val="0"/>
-              </a:spcBef>
-              <a:spcAft>
-                <a:spcPts val="0"/>
-              </a:spcAft>
-              <a:buSzPts val="1300"/>
+            <a:endParaRPr sz="1400"/>
+          </a:p>
+          <a:p>
+            <a:pPr indent="-317500" lvl="0" marL="457200" rtl="0" algn="l">
+              <a:spcBef>
+                <a:spcPts val="0"/>
+              </a:spcBef>
+              <a:spcAft>
+                <a:spcPts val="0"/>
+              </a:spcAft>
+              <a:buSzPts val="1400"/>
               <a:buAutoNum type="arabicPeriod"/>
             </a:pPr>
             <a:r>
-              <a:rPr lang="de" sz="1300"/>
+              <a:rPr lang="de" sz="1400"/>
+              <a:t>Variablen</a:t>
+            </a:r>
+            <a:endParaRPr sz="1400"/>
+          </a:p>
+          <a:p>
+            <a:pPr indent="-317500" lvl="1" marL="914400" rtl="0" algn="l">
+              <a:spcBef>
+                <a:spcPts val="0"/>
+              </a:spcBef>
+              <a:spcAft>
+                <a:spcPts val="0"/>
+              </a:spcAft>
+              <a:buSzPts val="1400"/>
+              <a:buAutoNum type="arabicPeriod"/>
+            </a:pPr>
+            <a:r>
+              <a:rPr lang="de" sz="1400"/>
+              <a:t>Was sind Variablen?</a:t>
+            </a:r>
+            <a:endParaRPr sz="1400"/>
+          </a:p>
+          <a:p>
+            <a:pPr indent="-317500" lvl="1" marL="914400" rtl="0" algn="l">
+              <a:spcBef>
+                <a:spcPts val="0"/>
+              </a:spcBef>
+              <a:spcAft>
+                <a:spcPts val="0"/>
+              </a:spcAft>
+              <a:buSzPts val="1400"/>
+              <a:buAutoNum type="arabicPeriod"/>
+            </a:pPr>
+            <a:r>
+              <a:rPr lang="de" sz="1400"/>
+              <a:t>Datentypen</a:t>
+            </a:r>
+            <a:endParaRPr sz="1400"/>
+          </a:p>
+          <a:p>
+            <a:pPr indent="-317500" lvl="1" marL="914400" rtl="0" algn="l">
+              <a:spcBef>
+                <a:spcPts val="0"/>
+              </a:spcBef>
+              <a:spcAft>
+                <a:spcPts val="0"/>
+              </a:spcAft>
+              <a:buSzPts val="1400"/>
+              <a:buAutoNum type="arabicPeriod"/>
+            </a:pPr>
+            <a:r>
+              <a:rPr lang="de" sz="1400"/>
+              <a:t>Operatoren</a:t>
+            </a:r>
+            <a:br>
+              <a:rPr lang="de" sz="1400"/>
+            </a:br>
+            <a:endParaRPr sz="1400"/>
+          </a:p>
+          <a:p>
+            <a:pPr indent="-317500" lvl="0" marL="457200" rtl="0" algn="l">
+              <a:spcBef>
+                <a:spcPts val="0"/>
+              </a:spcBef>
+              <a:spcAft>
+                <a:spcPts val="0"/>
+              </a:spcAft>
+              <a:buSzPts val="1400"/>
+              <a:buAutoNum type="arabicPeriod"/>
+            </a:pPr>
+            <a:r>
+              <a:rPr lang="de" sz="1400"/>
               <a:t>Fehlerbehandlung</a:t>
             </a:r>
-            <a:endParaRPr sz="1300"/>
+            <a:endParaRPr sz="1400"/>
           </a:p>
           <a:p>
             <a:pPr indent="0" lvl="0" marL="0" rtl="0" algn="l">
@@ -11879,10 +11426,10 @@
             <a:r>
               <a:t/>
             </a:r>
-            <a:endParaRPr sz="1300"/>
-          </a:p>
-          <a:p>
-            <a:pPr indent="-311150" lvl="0" marL="457200" rtl="0" algn="l">
+            <a:endParaRPr sz="1400"/>
+          </a:p>
+          <a:p>
+            <a:pPr indent="-317500" lvl="0" marL="457200" rtl="0" algn="l">
               <a:spcBef>
                 <a:spcPts val="320"/>
               </a:spcBef>
@@ -11892,20 +11439,20 @@
               <a:buClr>
                 <a:schemeClr val="dk1"/>
               </a:buClr>
-              <a:buSzPts val="1300"/>
+              <a:buSzPts val="1400"/>
               <a:buAutoNum type="arabicPeriod"/>
             </a:pPr>
             <a:r>
-              <a:rPr lang="de" sz="1300"/>
+              <a:rPr lang="de" sz="1400"/>
               <a:t>Fragen</a:t>
             </a:r>
             <a:br>
-              <a:rPr lang="de" sz="1300"/>
+              <a:rPr lang="de" sz="1400"/>
             </a:br>
-            <a:endParaRPr sz="1300"/>
-          </a:p>
-          <a:p>
-            <a:pPr indent="-311150" lvl="0" marL="457200" rtl="0" algn="l">
+            <a:endParaRPr sz="1400"/>
+          </a:p>
+          <a:p>
+            <a:pPr indent="-317500" lvl="0" marL="457200" rtl="0" algn="l">
               <a:spcBef>
                 <a:spcPts val="0"/>
               </a:spcBef>
@@ -11915,14 +11462,14 @@
               <a:buClr>
                 <a:schemeClr val="dk1"/>
               </a:buClr>
-              <a:buSzPts val="1300"/>
+              <a:buSzPts val="1400"/>
               <a:buAutoNum type="arabicPeriod"/>
             </a:pPr>
             <a:r>
-              <a:rPr lang="de" sz="1300"/>
+              <a:rPr lang="de" sz="1400"/>
               <a:t>Übungsaufgabe</a:t>
             </a:r>
-            <a:endParaRPr sz="1300"/>
+            <a:endParaRPr sz="1400"/>
           </a:p>
         </p:txBody>
       </p:sp>
@@ -11967,6 +11514,10 @@
           <a:prstGeom prst="rect">
             <a:avLst/>
           </a:prstGeom>
+          <a:noFill/>
+          <a:ln>
+            <a:noFill/>
+          </a:ln>
         </p:spPr>
         <p:txBody>
           <a:bodyPr anchorCtr="0" anchor="b" bIns="0" lIns="0" spcFirstLastPara="1" rIns="0" wrap="square" tIns="0">
@@ -11975,40 +11526,42 @@
           <a:lstStyle/>
           <a:p>
             <a:pPr indent="0" lvl="0" marL="0" rtl="0" algn="l">
-              <a:spcBef>
-                <a:spcPts val="0"/>
-              </a:spcBef>
-              <a:spcAft>
-                <a:spcPts val="0"/>
-              </a:spcAft>
+              <a:lnSpc>
+                <a:spcPct val="100000"/>
+              </a:lnSpc>
+              <a:spcBef>
+                <a:spcPts val="0"/>
+              </a:spcBef>
+              <a:spcAft>
+                <a:spcPts val="0"/>
+              </a:spcAft>
+              <a:buSzPts val="1400"/>
               <a:buNone/>
             </a:pPr>
             <a:r>
               <a:rPr lang="de"/>
-              <a:t>1. Ein erstes Programm: “Hello World!”</a:t>
+              <a:t>1</a:t>
+            </a:r>
+            <a:r>
+              <a:rPr lang="de"/>
+              <a:t>.1. Sprachkonzepte von Java</a:t>
             </a:r>
             <a:endParaRPr/>
           </a:p>
         </p:txBody>
       </p:sp>
-      <p:pic>
-        <p:nvPicPr>
+      <p:sp>
+        <p:nvSpPr>
           <p:cNvPr id="99" name="Google Shape;99;p19"/>
-          <p:cNvPicPr preferRelativeResize="0"/>
-          <p:nvPr/>
-        </p:nvPicPr>
-        <p:blipFill>
-          <a:blip r:embed="rId3">
-            <a:alphaModFix/>
-          </a:blip>
-          <a:stretch>
-            <a:fillRect/>
-          </a:stretch>
-        </p:blipFill>
+          <p:cNvSpPr txBox="1"/>
+          <p:nvPr>
+            <p:ph idx="1" type="body"/>
+          </p:nvPr>
+        </p:nvSpPr>
         <p:spPr>
           <a:xfrm>
-            <a:off x="1224212" y="799475"/>
-            <a:ext cx="6790876" cy="3544550"/>
+            <a:off x="431800" y="945000"/>
+            <a:ext cx="8375700" cy="3375000"/>
           </a:xfrm>
           <a:prstGeom prst="rect">
             <a:avLst/>
@@ -12018,7 +11571,251 @@
             <a:noFill/>
           </a:ln>
         </p:spPr>
-      </p:pic>
+        <p:txBody>
+          <a:bodyPr anchorCtr="0" anchor="t" bIns="0" lIns="0" spcFirstLastPara="1" rIns="0" wrap="square" tIns="0">
+            <a:noAutofit/>
+          </a:bodyPr>
+          <a:lstStyle/>
+          <a:p>
+            <a:pPr indent="-317500" lvl="0" marL="457200" rtl="0" algn="l">
+              <a:lnSpc>
+                <a:spcPct val="100000"/>
+              </a:lnSpc>
+              <a:spcBef>
+                <a:spcPts val="320"/>
+              </a:spcBef>
+              <a:spcAft>
+                <a:spcPts val="0"/>
+              </a:spcAft>
+              <a:buSzPts val="1400"/>
+              <a:buChar char="●"/>
+            </a:pPr>
+            <a:r>
+              <a:rPr b="1" lang="de"/>
+              <a:t>Objektorientiert</a:t>
+            </a:r>
+            <a:endParaRPr b="1"/>
+          </a:p>
+          <a:p>
+            <a:pPr indent="-342900" lvl="1" marL="914400" rtl="0" algn="l">
+              <a:lnSpc>
+                <a:spcPct val="100000"/>
+              </a:lnSpc>
+              <a:spcBef>
+                <a:spcPts val="0"/>
+              </a:spcBef>
+              <a:spcAft>
+                <a:spcPts val="0"/>
+              </a:spcAft>
+              <a:buSzPts val="1800"/>
+              <a:buChar char="-"/>
+            </a:pPr>
+            <a:r>
+              <a:rPr lang="de"/>
+              <a:t>Für euch in den ersten zwei Wochen noch nicht so wichtig, aber hier ganz passend</a:t>
+            </a:r>
+            <a:endParaRPr/>
+          </a:p>
+          <a:p>
+            <a:pPr indent="-342900" lvl="1" marL="914400" rtl="0" algn="l">
+              <a:lnSpc>
+                <a:spcPct val="100000"/>
+              </a:lnSpc>
+              <a:spcBef>
+                <a:spcPts val="0"/>
+              </a:spcBef>
+              <a:spcAft>
+                <a:spcPts val="0"/>
+              </a:spcAft>
+              <a:buSzPts val="1800"/>
+              <a:buChar char="-"/>
+            </a:pPr>
+            <a:r>
+              <a:rPr lang="de"/>
+              <a:t>In Java ist (nahezu) </a:t>
+            </a:r>
+            <a:r>
+              <a:rPr b="1" lang="de"/>
+              <a:t>alles ein Objekt.</a:t>
+            </a:r>
+            <a:endParaRPr b="1"/>
+          </a:p>
+          <a:p>
+            <a:pPr indent="-342900" lvl="1" marL="914400" rtl="0" algn="l">
+              <a:lnSpc>
+                <a:spcPct val="100000"/>
+              </a:lnSpc>
+              <a:spcBef>
+                <a:spcPts val="0"/>
+              </a:spcBef>
+              <a:spcAft>
+                <a:spcPts val="0"/>
+              </a:spcAft>
+              <a:buSzPts val="1800"/>
+              <a:buChar char="-"/>
+            </a:pPr>
+            <a:r>
+              <a:rPr lang="de"/>
+              <a:t>Ein Klasse ist ein Datentyp, welcher bestimmte Attribute und Verhalten kapselt</a:t>
+            </a:r>
+            <a:endParaRPr/>
+          </a:p>
+          <a:p>
+            <a:pPr indent="-342900" lvl="1" marL="914400" rtl="0" algn="l">
+              <a:lnSpc>
+                <a:spcPct val="100000"/>
+              </a:lnSpc>
+              <a:spcBef>
+                <a:spcPts val="0"/>
+              </a:spcBef>
+              <a:spcAft>
+                <a:spcPts val="0"/>
+              </a:spcAft>
+              <a:buSzPts val="1800"/>
+              <a:buChar char="-"/>
+            </a:pPr>
+            <a:r>
+              <a:rPr lang="de"/>
+              <a:t>Eine Instanz einer Klasse nennt sich Objekt </a:t>
+            </a:r>
+            <a:endParaRPr/>
+          </a:p>
+          <a:p>
+            <a:pPr indent="-342900" lvl="2" marL="1371600" rtl="0" algn="l">
+              <a:lnSpc>
+                <a:spcPct val="100000"/>
+              </a:lnSpc>
+              <a:spcBef>
+                <a:spcPts val="0"/>
+              </a:spcBef>
+              <a:spcAft>
+                <a:spcPts val="0"/>
+              </a:spcAft>
+              <a:buSzPts val="1800"/>
+              <a:buChar char="■"/>
+            </a:pPr>
+            <a:r>
+              <a:rPr lang="de"/>
+              <a:t>Klasse: Person, Objekt/Instanz: Die Person David Gemen</a:t>
+            </a:r>
+            <a:endParaRPr/>
+          </a:p>
+          <a:p>
+            <a:pPr indent="-342900" lvl="1" marL="914400" rtl="0" algn="l">
+              <a:lnSpc>
+                <a:spcPct val="100000"/>
+              </a:lnSpc>
+              <a:spcBef>
+                <a:spcPts val="0"/>
+              </a:spcBef>
+              <a:spcAft>
+                <a:spcPts val="0"/>
+              </a:spcAft>
+              <a:buSzPts val="1800"/>
+              <a:buChar char="-"/>
+            </a:pPr>
+            <a:r>
+              <a:rPr lang="de"/>
+              <a:t>Komplexere Java-Programme sind ein Zusammenspiel kooperierender Objekte</a:t>
+            </a:r>
+            <a:endParaRPr/>
+          </a:p>
+          <a:p>
+            <a:pPr indent="0" lvl="0" marL="914400" rtl="0" algn="l">
+              <a:lnSpc>
+                <a:spcPct val="100000"/>
+              </a:lnSpc>
+              <a:spcBef>
+                <a:spcPts val="320"/>
+              </a:spcBef>
+              <a:spcAft>
+                <a:spcPts val="0"/>
+              </a:spcAft>
+              <a:buSzPts val="1400"/>
+              <a:buNone/>
+            </a:pPr>
+            <a:r>
+              <a:t/>
+            </a:r>
+            <a:endParaRPr/>
+          </a:p>
+          <a:p>
+            <a:pPr indent="-317500" lvl="0" marL="457200" rtl="0" algn="l">
+              <a:lnSpc>
+                <a:spcPct val="100000"/>
+              </a:lnSpc>
+              <a:spcBef>
+                <a:spcPts val="320"/>
+              </a:spcBef>
+              <a:spcAft>
+                <a:spcPts val="0"/>
+              </a:spcAft>
+              <a:buSzPts val="1400"/>
+              <a:buChar char="●"/>
+            </a:pPr>
+            <a:r>
+              <a:rPr b="1" lang="de"/>
+              <a:t>Imperativ</a:t>
+            </a:r>
+            <a:endParaRPr b="1"/>
+          </a:p>
+          <a:p>
+            <a:pPr indent="-342900" lvl="1" marL="914400" rtl="0" algn="l">
+              <a:lnSpc>
+                <a:spcPct val="100000"/>
+              </a:lnSpc>
+              <a:spcBef>
+                <a:spcPts val="0"/>
+              </a:spcBef>
+              <a:spcAft>
+                <a:spcPts val="0"/>
+              </a:spcAft>
+              <a:buSzPts val="1800"/>
+              <a:buChar char="-"/>
+            </a:pPr>
+            <a:r>
+              <a:rPr lang="de"/>
+              <a:t>Java-Programmcode ist eine Reihe von Anweisungen an den Computer, die dieser in </a:t>
+            </a:r>
+            <a:r>
+              <a:rPr b="1" lang="de"/>
+              <a:t>vorgegebener Reihenfolge</a:t>
+            </a:r>
+            <a:r>
+              <a:rPr lang="de"/>
+              <a:t> (</a:t>
+            </a:r>
+            <a:r>
+              <a:rPr b="1" lang="de"/>
+              <a:t>von oben nach unten</a:t>
+            </a:r>
+            <a:r>
+              <a:rPr lang="de"/>
+              <a:t>, ggf. mit expliziten Sprüngen) ausführt.</a:t>
+            </a:r>
+            <a:endParaRPr/>
+          </a:p>
+          <a:p>
+            <a:pPr indent="0" lvl="0" marL="914400" rtl="0" algn="l">
+              <a:lnSpc>
+                <a:spcPct val="100000"/>
+              </a:lnSpc>
+              <a:spcBef>
+                <a:spcPts val="320"/>
+              </a:spcBef>
+              <a:spcAft>
+                <a:spcPts val="0"/>
+              </a:spcAft>
+              <a:buSzPts val="1400"/>
+              <a:buNone/>
+            </a:pPr>
+            <a:r>
+              <a:t/>
+            </a:r>
+            <a:endParaRPr/>
+          </a:p>
+        </p:txBody>
+      </p:sp>
     </p:spTree>
   </p:cSld>
   <p:clrMapOvr>
@@ -12060,6 +11857,10 @@
           <a:prstGeom prst="rect">
             <a:avLst/>
           </a:prstGeom>
+          <a:noFill/>
+          <a:ln>
+            <a:noFill/>
+          </a:ln>
         </p:spPr>
         <p:txBody>
           <a:bodyPr anchorCtr="0" anchor="b" bIns="0" lIns="0" spcFirstLastPara="1" rIns="0" wrap="square" tIns="0">
@@ -12068,17 +11869,147 @@
           <a:lstStyle/>
           <a:p>
             <a:pPr indent="0" lvl="0" marL="0" rtl="0" algn="l">
-              <a:spcBef>
-                <a:spcPts val="0"/>
-              </a:spcBef>
-              <a:spcAft>
-                <a:spcPts val="0"/>
-              </a:spcAft>
+              <a:lnSpc>
+                <a:spcPct val="100000"/>
+              </a:lnSpc>
+              <a:spcBef>
+                <a:spcPts val="0"/>
+              </a:spcBef>
+              <a:spcAft>
+                <a:spcPts val="0"/>
+              </a:spcAft>
+              <a:buSzPts val="1400"/>
               <a:buNone/>
             </a:pPr>
             <a:r>
               <a:rPr lang="de"/>
-              <a:t>1. Ein erstes Programm: “Hello World!”</a:t>
+              <a:t>1</a:t>
+            </a:r>
+            <a:r>
+              <a:rPr lang="de"/>
+              <a:t>.2. Workflow</a:t>
+            </a:r>
+            <a:endParaRPr/>
+          </a:p>
+        </p:txBody>
+      </p:sp>
+      <p:sp>
+        <p:nvSpPr>
+          <p:cNvPr id="105" name="Google Shape;105;p20"/>
+          <p:cNvSpPr txBox="1"/>
+          <p:nvPr>
+            <p:ph idx="1" type="body"/>
+          </p:nvPr>
+        </p:nvSpPr>
+        <p:spPr>
+          <a:xfrm>
+            <a:off x="481175" y="884250"/>
+            <a:ext cx="8375700" cy="3375000"/>
+          </a:xfrm>
+          <a:prstGeom prst="rect">
+            <a:avLst/>
+          </a:prstGeom>
+          <a:noFill/>
+          <a:ln>
+            <a:noFill/>
+          </a:ln>
+        </p:spPr>
+        <p:txBody>
+          <a:bodyPr anchorCtr="0" anchor="t" bIns="0" lIns="0" spcFirstLastPara="1" rIns="0" wrap="square" tIns="0">
+            <a:noAutofit/>
+          </a:bodyPr>
+          <a:lstStyle/>
+          <a:p>
+            <a:pPr indent="0" lvl="0" marL="0" rtl="0" algn="l">
+              <a:lnSpc>
+                <a:spcPct val="100000"/>
+              </a:lnSpc>
+              <a:spcBef>
+                <a:spcPts val="320"/>
+              </a:spcBef>
+              <a:spcAft>
+                <a:spcPts val="0"/>
+              </a:spcAft>
+              <a:buSzPts val="1400"/>
+              <a:buNone/>
+            </a:pPr>
+            <a:r>
+              <a:rPr lang="de"/>
+              <a:t>Die meisten Programmiersprachen sind entweder </a:t>
+            </a:r>
+            <a:r>
+              <a:rPr b="1" lang="de"/>
+              <a:t>kompiliert</a:t>
+            </a:r>
+            <a:r>
+              <a:rPr lang="de"/>
+              <a:t> (Umwandlung des Programmcodes in Maschinencode, der dann ausgeführt wird) oder </a:t>
+            </a:r>
+            <a:r>
+              <a:rPr b="1" lang="de"/>
+              <a:t>interpretiert</a:t>
+            </a:r>
+            <a:r>
+              <a:rPr lang="de"/>
+              <a:t> (Direkte Ausführung des Programmcodes). Java hat beides: Kompilierung und Interpretation. </a:t>
+            </a:r>
+            <a:endParaRPr/>
+          </a:p>
+          <a:p>
+            <a:pPr indent="-317500" lvl="0" marL="457200" rtl="0" algn="l">
+              <a:lnSpc>
+                <a:spcPct val="100000"/>
+              </a:lnSpc>
+              <a:spcBef>
+                <a:spcPts val="320"/>
+              </a:spcBef>
+              <a:spcAft>
+                <a:spcPts val="0"/>
+              </a:spcAft>
+              <a:buSzPts val="1400"/>
+              <a:buChar char="➔"/>
+            </a:pPr>
+            <a:r>
+              <a:rPr lang="de"/>
+              <a:t>Der Vorteil: Plattformunabhängigkeit.</a:t>
+            </a:r>
+            <a:endParaRPr/>
+          </a:p>
+          <a:p>
+            <a:pPr indent="0" lvl="0" marL="0" rtl="0" algn="l">
+              <a:lnSpc>
+                <a:spcPct val="100000"/>
+              </a:lnSpc>
+              <a:spcBef>
+                <a:spcPts val="320"/>
+              </a:spcBef>
+              <a:spcAft>
+                <a:spcPts val="0"/>
+              </a:spcAft>
+              <a:buSzPts val="1400"/>
+              <a:buNone/>
+            </a:pPr>
+            <a:r>
+              <a:t/>
+            </a:r>
+            <a:endParaRPr/>
+          </a:p>
+          <a:p>
+            <a:pPr indent="0" lvl="0" marL="0" rtl="0" algn="l">
+              <a:lnSpc>
+                <a:spcPct val="100000"/>
+              </a:lnSpc>
+              <a:spcBef>
+                <a:spcPts val="320"/>
+              </a:spcBef>
+              <a:spcAft>
+                <a:spcPts val="0"/>
+              </a:spcAft>
+              <a:buSzPts val="1400"/>
+              <a:buNone/>
+            </a:pPr>
+            <a:r>
+              <a:t/>
             </a:r>
             <a:endParaRPr/>
           </a:p>
@@ -12086,7 +12017,196 @@
       </p:sp>
       <p:pic>
         <p:nvPicPr>
-          <p:cNvPr id="105" name="Google Shape;105;p20"/>
+          <p:cNvPr id="106" name="Google Shape;106;p20"/>
+          <p:cNvPicPr preferRelativeResize="0"/>
+          <p:nvPr/>
+        </p:nvPicPr>
+        <p:blipFill rotWithShape="1">
+          <a:blip r:embed="rId3">
+            <a:alphaModFix/>
+          </a:blip>
+          <a:srcRect b="0" l="0" r="0" t="0"/>
+          <a:stretch/>
+        </p:blipFill>
+        <p:spPr>
+          <a:xfrm>
+            <a:off x="2019300" y="2097063"/>
+            <a:ext cx="5105400" cy="2162175"/>
+          </a:xfrm>
+          <a:prstGeom prst="rect">
+            <a:avLst/>
+          </a:prstGeom>
+          <a:noFill/>
+          <a:ln>
+            <a:noFill/>
+          </a:ln>
+        </p:spPr>
+      </p:pic>
+    </p:spTree>
+  </p:cSld>
+  <p:clrMapOvr>
+    <a:masterClrMapping/>
+  </p:clrMapOvr>
+</p:sld>
+</file>
+
+<file path=ppt/slides/slide5.xml><?xml version="1.0" encoding="utf-8"?>
+<p:sld xmlns:a="http://schemas.openxmlformats.org/drawingml/2006/main" xmlns:r="http://schemas.openxmlformats.org/officeDocument/2006/relationships" xmlns:mc="http://schemas.openxmlformats.org/markup-compatibility/2006" xmlns:mv="urn:schemas-microsoft-com:mac:vml" xmlns:p="http://schemas.openxmlformats.org/presentationml/2006/main" xmlns:c="http://schemas.openxmlformats.org/drawingml/2006/chart" xmlns:dgm="http://schemas.openxmlformats.org/drawingml/2006/diagram" xmlns:o="urn:schemas-microsoft-com:office:office" xmlns:v="urn:schemas-microsoft-com:vml" xmlns:pvml="urn:schemas-microsoft-com:office:powerpoint" xmlns:com="http://schemas.openxmlformats.org/drawingml/2006/compatibility" xmlns:p14="http://schemas.microsoft.com/office/powerpoint/2010/main" xmlns:p15="http://schemas.microsoft.com/office/powerpoint/2012/main" xmlns:ahyp="http://schemas.microsoft.com/office/drawing/2018/hyperlinkcolor">
+  <p:cSld>
+    <p:spTree>
+      <p:nvGrpSpPr>
+        <p:cNvPr id="110" name="Shape 110"/>
+        <p:cNvGrpSpPr/>
+        <p:nvPr/>
+      </p:nvGrpSpPr>
+      <p:grpSpPr>
+        <a:xfrm>
+          <a:off x="0" y="0"/>
+          <a:ext cx="0" cy="0"/>
+          <a:chOff x="0" y="0"/>
+          <a:chExt cx="0" cy="0"/>
+        </a:xfrm>
+      </p:grpSpPr>
+      <p:sp>
+        <p:nvSpPr>
+          <p:cNvPr id="111" name="Google Shape;111;p21"/>
+          <p:cNvSpPr txBox="1"/>
+          <p:nvPr>
+            <p:ph type="title"/>
+          </p:nvPr>
+        </p:nvSpPr>
+        <p:spPr>
+          <a:xfrm>
+            <a:off x="431800" y="83344"/>
+            <a:ext cx="8375700" cy="531000"/>
+          </a:xfrm>
+          <a:prstGeom prst="rect">
+            <a:avLst/>
+          </a:prstGeom>
+        </p:spPr>
+        <p:txBody>
+          <a:bodyPr anchorCtr="0" anchor="b" bIns="0" lIns="0" spcFirstLastPara="1" rIns="0" wrap="square" tIns="0">
+            <a:noAutofit/>
+          </a:bodyPr>
+          <a:lstStyle/>
+          <a:p>
+            <a:pPr indent="0" lvl="0" marL="0" rtl="0" algn="l">
+              <a:spcBef>
+                <a:spcPts val="0"/>
+              </a:spcBef>
+              <a:spcAft>
+                <a:spcPts val="0"/>
+              </a:spcAft>
+              <a:buNone/>
+            </a:pPr>
+            <a:r>
+              <a:rPr lang="de"/>
+              <a:t>2. Ein erstes Programm: “Hello World!”</a:t>
+            </a:r>
+            <a:endParaRPr/>
+          </a:p>
+        </p:txBody>
+      </p:sp>
+      <p:pic>
+        <p:nvPicPr>
+          <p:cNvPr id="112" name="Google Shape;112;p21"/>
+          <p:cNvPicPr preferRelativeResize="0"/>
+          <p:nvPr/>
+        </p:nvPicPr>
+        <p:blipFill>
+          <a:blip r:embed="rId3">
+            <a:alphaModFix/>
+          </a:blip>
+          <a:stretch>
+            <a:fillRect/>
+          </a:stretch>
+        </p:blipFill>
+        <p:spPr>
+          <a:xfrm>
+            <a:off x="1224212" y="799475"/>
+            <a:ext cx="6790876" cy="3544550"/>
+          </a:xfrm>
+          <a:prstGeom prst="rect">
+            <a:avLst/>
+          </a:prstGeom>
+          <a:noFill/>
+          <a:ln>
+            <a:noFill/>
+          </a:ln>
+        </p:spPr>
+      </p:pic>
+    </p:spTree>
+  </p:cSld>
+  <p:clrMapOvr>
+    <a:masterClrMapping/>
+  </p:clrMapOvr>
+</p:sld>
+</file>
+
+<file path=ppt/slides/slide6.xml><?xml version="1.0" encoding="utf-8"?>
+<p:sld xmlns:a="http://schemas.openxmlformats.org/drawingml/2006/main" xmlns:r="http://schemas.openxmlformats.org/officeDocument/2006/relationships" xmlns:mc="http://schemas.openxmlformats.org/markup-compatibility/2006" xmlns:mv="urn:schemas-microsoft-com:mac:vml" xmlns:p="http://schemas.openxmlformats.org/presentationml/2006/main" xmlns:c="http://schemas.openxmlformats.org/drawingml/2006/chart" xmlns:dgm="http://schemas.openxmlformats.org/drawingml/2006/diagram" xmlns:o="urn:schemas-microsoft-com:office:office" xmlns:v="urn:schemas-microsoft-com:vml" xmlns:pvml="urn:schemas-microsoft-com:office:powerpoint" xmlns:com="http://schemas.openxmlformats.org/drawingml/2006/compatibility" xmlns:p14="http://schemas.microsoft.com/office/powerpoint/2010/main" xmlns:p15="http://schemas.microsoft.com/office/powerpoint/2012/main" xmlns:ahyp="http://schemas.microsoft.com/office/drawing/2018/hyperlinkcolor">
+  <p:cSld>
+    <p:spTree>
+      <p:nvGrpSpPr>
+        <p:cNvPr id="116" name="Shape 116"/>
+        <p:cNvGrpSpPr/>
+        <p:nvPr/>
+      </p:nvGrpSpPr>
+      <p:grpSpPr>
+        <a:xfrm>
+          <a:off x="0" y="0"/>
+          <a:ext cx="0" cy="0"/>
+          <a:chOff x="0" y="0"/>
+          <a:chExt cx="0" cy="0"/>
+        </a:xfrm>
+      </p:grpSpPr>
+      <p:sp>
+        <p:nvSpPr>
+          <p:cNvPr id="117" name="Google Shape;117;p22"/>
+          <p:cNvSpPr txBox="1"/>
+          <p:nvPr>
+            <p:ph type="title"/>
+          </p:nvPr>
+        </p:nvSpPr>
+        <p:spPr>
+          <a:xfrm>
+            <a:off x="431800" y="83344"/>
+            <a:ext cx="8375700" cy="531000"/>
+          </a:xfrm>
+          <a:prstGeom prst="rect">
+            <a:avLst/>
+          </a:prstGeom>
+        </p:spPr>
+        <p:txBody>
+          <a:bodyPr anchorCtr="0" anchor="b" bIns="0" lIns="0" spcFirstLastPara="1" rIns="0" wrap="square" tIns="0">
+            <a:noAutofit/>
+          </a:bodyPr>
+          <a:lstStyle/>
+          <a:p>
+            <a:pPr indent="0" lvl="0" marL="0" rtl="0" algn="l">
+              <a:spcBef>
+                <a:spcPts val="0"/>
+              </a:spcBef>
+              <a:spcAft>
+                <a:spcPts val="0"/>
+              </a:spcAft>
+              <a:buNone/>
+            </a:pPr>
+            <a:r>
+              <a:rPr lang="de"/>
+              <a:t>2</a:t>
+            </a:r>
+            <a:r>
+              <a:rPr lang="de"/>
+              <a:t>. Ein erstes Programm: “Hello World!”</a:t>
+            </a:r>
+            <a:endParaRPr/>
+          </a:p>
+        </p:txBody>
+      </p:sp>
+      <p:pic>
+        <p:nvPicPr>
+          <p:cNvPr id="118" name="Google Shape;118;p22"/>
           <p:cNvPicPr preferRelativeResize="0"/>
           <p:nvPr/>
         </p:nvPicPr>
@@ -12114,7 +12234,7 @@
       </p:pic>
       <p:cxnSp>
         <p:nvCxnSpPr>
-          <p:cNvPr id="106" name="Google Shape;106;p20"/>
+          <p:cNvPr id="119" name="Google Shape;119;p22"/>
           <p:cNvCxnSpPr/>
           <p:nvPr/>
         </p:nvCxnSpPr>
@@ -12140,7 +12260,7 @@
       </p:cxnSp>
       <p:cxnSp>
         <p:nvCxnSpPr>
-          <p:cNvPr id="107" name="Google Shape;107;p20"/>
+          <p:cNvPr id="120" name="Google Shape;120;p22"/>
           <p:cNvCxnSpPr/>
           <p:nvPr/>
         </p:nvCxnSpPr>
@@ -12166,7 +12286,7 @@
       </p:cxnSp>
       <p:cxnSp>
         <p:nvCxnSpPr>
-          <p:cNvPr id="108" name="Google Shape;108;p20"/>
+          <p:cNvPr id="121" name="Google Shape;121;p22"/>
           <p:cNvCxnSpPr/>
           <p:nvPr/>
         </p:nvCxnSpPr>
@@ -12192,7 +12312,7 @@
       </p:cxnSp>
       <p:sp>
         <p:nvSpPr>
-          <p:cNvPr id="109" name="Google Shape;109;p20"/>
+          <p:cNvPr id="122" name="Google Shape;122;p22"/>
           <p:cNvSpPr txBox="1"/>
           <p:nvPr/>
         </p:nvSpPr>
@@ -12234,7 +12354,7 @@
       </p:sp>
       <p:sp>
         <p:nvSpPr>
-          <p:cNvPr id="110" name="Google Shape;110;p20"/>
+          <p:cNvPr id="123" name="Google Shape;123;p22"/>
           <p:cNvSpPr txBox="1"/>
           <p:nvPr/>
         </p:nvSpPr>
@@ -12276,7 +12396,7 @@
       </p:sp>
       <p:cxnSp>
         <p:nvCxnSpPr>
-          <p:cNvPr id="111" name="Google Shape;111;p20"/>
+          <p:cNvPr id="124" name="Google Shape;124;p22"/>
           <p:cNvCxnSpPr/>
           <p:nvPr/>
         </p:nvCxnSpPr>
@@ -12302,7 +12422,7 @@
       </p:cxnSp>
       <p:sp>
         <p:nvSpPr>
-          <p:cNvPr id="112" name="Google Shape;112;p20"/>
+          <p:cNvPr id="125" name="Google Shape;125;p22"/>
           <p:cNvSpPr txBox="1"/>
           <p:nvPr/>
         </p:nvSpPr>
@@ -12344,9 +12464,9 @@
       </p:sp>
       <p:cxnSp>
         <p:nvCxnSpPr>
-          <p:cNvPr id="113" name="Google Shape;113;p20"/>
+          <p:cNvPr id="126" name="Google Shape;126;p22"/>
           <p:cNvCxnSpPr>
-            <a:stCxn id="112" idx="1"/>
+            <a:stCxn id="125" idx="1"/>
           </p:cNvCxnSpPr>
           <p:nvPr/>
         </p:nvCxnSpPr>
@@ -12372,9 +12492,9 @@
       </p:cxnSp>
       <p:cxnSp>
         <p:nvCxnSpPr>
-          <p:cNvPr id="114" name="Google Shape;114;p20"/>
+          <p:cNvPr id="127" name="Google Shape;127;p22"/>
           <p:cNvCxnSpPr>
-            <a:stCxn id="112" idx="1"/>
+            <a:stCxn id="125" idx="1"/>
           </p:cNvCxnSpPr>
           <p:nvPr/>
         </p:nvCxnSpPr>
@@ -12400,9 +12520,9 @@
       </p:cxnSp>
       <p:cxnSp>
         <p:nvCxnSpPr>
-          <p:cNvPr id="115" name="Google Shape;115;p20"/>
+          <p:cNvPr id="128" name="Google Shape;128;p22"/>
           <p:cNvCxnSpPr>
-            <a:stCxn id="112" idx="3"/>
+            <a:stCxn id="125" idx="3"/>
           </p:cNvCxnSpPr>
           <p:nvPr/>
         </p:nvCxnSpPr>
@@ -12428,9 +12548,9 @@
       </p:cxnSp>
       <p:cxnSp>
         <p:nvCxnSpPr>
-          <p:cNvPr id="116" name="Google Shape;116;p20"/>
+          <p:cNvPr id="129" name="Google Shape;129;p22"/>
           <p:cNvCxnSpPr>
-            <a:stCxn id="112" idx="3"/>
+            <a:stCxn id="125" idx="3"/>
           </p:cNvCxnSpPr>
           <p:nvPr/>
         </p:nvCxnSpPr>
@@ -12456,7 +12576,7 @@
       </p:cxnSp>
       <p:sp>
         <p:nvSpPr>
-          <p:cNvPr id="117" name="Google Shape;117;p20"/>
+          <p:cNvPr id="130" name="Google Shape;130;p22"/>
           <p:cNvSpPr txBox="1"/>
           <p:nvPr/>
         </p:nvSpPr>
@@ -12498,7 +12618,7 @@
       </p:sp>
       <p:cxnSp>
         <p:nvCxnSpPr>
-          <p:cNvPr id="118" name="Google Shape;118;p20"/>
+          <p:cNvPr id="131" name="Google Shape;131;p22"/>
           <p:cNvCxnSpPr/>
           <p:nvPr/>
         </p:nvCxnSpPr>
@@ -12524,7 +12644,7 @@
       </p:cxnSp>
       <p:sp>
         <p:nvSpPr>
-          <p:cNvPr id="119" name="Google Shape;119;p20"/>
+          <p:cNvPr id="132" name="Google Shape;132;p22"/>
           <p:cNvSpPr txBox="1"/>
           <p:nvPr/>
         </p:nvSpPr>
@@ -12566,7 +12686,7 @@
       </p:sp>
       <p:cxnSp>
         <p:nvCxnSpPr>
-          <p:cNvPr id="120" name="Google Shape;120;p20"/>
+          <p:cNvPr id="133" name="Google Shape;133;p22"/>
           <p:cNvCxnSpPr/>
           <p:nvPr/>
         </p:nvCxnSpPr>
@@ -12592,7 +12712,7 @@
       </p:cxnSp>
       <p:sp>
         <p:nvSpPr>
-          <p:cNvPr id="121" name="Google Shape;121;p20"/>
+          <p:cNvPr id="134" name="Google Shape;134;p22"/>
           <p:cNvSpPr txBox="1"/>
           <p:nvPr/>
         </p:nvSpPr>
@@ -12634,7 +12754,7 @@
       </p:sp>
       <p:cxnSp>
         <p:nvCxnSpPr>
-          <p:cNvPr id="122" name="Google Shape;122;p20"/>
+          <p:cNvPr id="135" name="Google Shape;135;p22"/>
           <p:cNvCxnSpPr/>
           <p:nvPr/>
         </p:nvCxnSpPr>
@@ -12666,12 +12786,12 @@
 </p:sld>
 </file>
 
-<file path=ppt/slides/slide5.xml><?xml version="1.0" encoding="utf-8"?>
+<file path=ppt/slides/slide7.xml><?xml version="1.0" encoding="utf-8"?>
 <p:sld xmlns:a="http://schemas.openxmlformats.org/drawingml/2006/main" xmlns:r="http://schemas.openxmlformats.org/officeDocument/2006/relationships" xmlns:mc="http://schemas.openxmlformats.org/markup-compatibility/2006" xmlns:mv="urn:schemas-microsoft-com:mac:vml" xmlns:p="http://schemas.openxmlformats.org/presentationml/2006/main" xmlns:c="http://schemas.openxmlformats.org/drawingml/2006/chart" xmlns:dgm="http://schemas.openxmlformats.org/drawingml/2006/diagram" xmlns:o="urn:schemas-microsoft-com:office:office" xmlns:v="urn:schemas-microsoft-com:vml" xmlns:pvml="urn:schemas-microsoft-com:office:powerpoint" xmlns:com="http://schemas.openxmlformats.org/drawingml/2006/compatibility" xmlns:p14="http://schemas.microsoft.com/office/powerpoint/2010/main" xmlns:p15="http://schemas.microsoft.com/office/powerpoint/2012/main" xmlns:ahyp="http://schemas.microsoft.com/office/drawing/2018/hyperlinkcolor">
   <p:cSld>
     <p:spTree>
       <p:nvGrpSpPr>
-        <p:cNvPr id="126" name="Shape 126"/>
+        <p:cNvPr id="139" name="Shape 139"/>
         <p:cNvGrpSpPr/>
         <p:nvPr/>
       </p:nvGrpSpPr>
@@ -12685,7 +12805,7 @@
       </p:grpSpPr>
       <p:sp>
         <p:nvSpPr>
-          <p:cNvPr id="127" name="Google Shape;127;p21"/>
+          <p:cNvPr id="140" name="Google Shape;140;p23"/>
           <p:cNvSpPr txBox="1"/>
           <p:nvPr>
             <p:ph type="title"/>
@@ -12717,7 +12837,7 @@
             </a:pPr>
             <a:r>
               <a:rPr lang="de"/>
-              <a:t>2.1. Was sind Variablen?</a:t>
+              <a:t>3.1. Was sind Variablen?</a:t>
             </a:r>
             <a:endParaRPr/>
           </a:p>
@@ -12725,7 +12845,7 @@
       </p:sp>
       <p:sp>
         <p:nvSpPr>
-          <p:cNvPr id="128" name="Google Shape;128;p21"/>
+          <p:cNvPr id="141" name="Google Shape;141;p23"/>
           <p:cNvSpPr/>
           <p:nvPr>
             <p:ph idx="2" type="chart"/>
@@ -12935,7 +13055,7 @@
       </p:sp>
       <p:pic>
         <p:nvPicPr>
-          <p:cNvPr id="129" name="Google Shape;129;p21"/>
+          <p:cNvPr id="142" name="Google Shape;142;p23"/>
           <p:cNvPicPr preferRelativeResize="0"/>
           <p:nvPr/>
         </p:nvPicPr>
@@ -12963,7 +13083,7 @@
       </p:pic>
       <p:pic>
         <p:nvPicPr>
-          <p:cNvPr id="130" name="Google Shape;130;p21"/>
+          <p:cNvPr id="143" name="Google Shape;143;p23"/>
           <p:cNvPicPr preferRelativeResize="0"/>
           <p:nvPr/>
         </p:nvPicPr>
@@ -12989,579 +13109,6 @@
           </a:ln>
         </p:spPr>
       </p:pic>
-    </p:spTree>
-  </p:cSld>
-  <p:clrMapOvr>
-    <a:masterClrMapping/>
-  </p:clrMapOvr>
-</p:sld>
-</file>
-
-<file path=ppt/slides/slide6.xml><?xml version="1.0" encoding="utf-8"?>
-<p:sld xmlns:a="http://schemas.openxmlformats.org/drawingml/2006/main" xmlns:r="http://schemas.openxmlformats.org/officeDocument/2006/relationships" xmlns:mc="http://schemas.openxmlformats.org/markup-compatibility/2006" xmlns:mv="urn:schemas-microsoft-com:mac:vml" xmlns:p="http://schemas.openxmlformats.org/presentationml/2006/main" xmlns:c="http://schemas.openxmlformats.org/drawingml/2006/chart" xmlns:dgm="http://schemas.openxmlformats.org/drawingml/2006/diagram" xmlns:o="urn:schemas-microsoft-com:office:office" xmlns:v="urn:schemas-microsoft-com:vml" xmlns:pvml="urn:schemas-microsoft-com:office:powerpoint" xmlns:com="http://schemas.openxmlformats.org/drawingml/2006/compatibility" xmlns:p14="http://schemas.microsoft.com/office/powerpoint/2010/main" xmlns:p15="http://schemas.microsoft.com/office/powerpoint/2012/main" xmlns:ahyp="http://schemas.microsoft.com/office/drawing/2018/hyperlinkcolor">
-  <p:cSld>
-    <p:spTree>
-      <p:nvGrpSpPr>
-        <p:cNvPr id="134" name="Shape 134"/>
-        <p:cNvGrpSpPr/>
-        <p:nvPr/>
-      </p:nvGrpSpPr>
-      <p:grpSpPr>
-        <a:xfrm>
-          <a:off x="0" y="0"/>
-          <a:ext cx="0" cy="0"/>
-          <a:chOff x="0" y="0"/>
-          <a:chExt cx="0" cy="0"/>
-        </a:xfrm>
-      </p:grpSpPr>
-      <p:sp>
-        <p:nvSpPr>
-          <p:cNvPr id="135" name="Google Shape;135;p22"/>
-          <p:cNvSpPr txBox="1"/>
-          <p:nvPr>
-            <p:ph type="title"/>
-          </p:nvPr>
-        </p:nvSpPr>
-        <p:spPr>
-          <a:xfrm>
-            <a:off x="431800" y="83344"/>
-            <a:ext cx="8375700" cy="531000"/>
-          </a:xfrm>
-          <a:prstGeom prst="rect">
-            <a:avLst/>
-          </a:prstGeom>
-        </p:spPr>
-        <p:txBody>
-          <a:bodyPr anchorCtr="0" anchor="b" bIns="0" lIns="0" spcFirstLastPara="1" rIns="0" wrap="square" tIns="0">
-            <a:noAutofit/>
-          </a:bodyPr>
-          <a:lstStyle/>
-          <a:p>
-            <a:pPr indent="0" lvl="0" marL="0" rtl="0" algn="l">
-              <a:spcBef>
-                <a:spcPts val="0"/>
-              </a:spcBef>
-              <a:spcAft>
-                <a:spcPts val="0"/>
-              </a:spcAft>
-              <a:buNone/>
-            </a:pPr>
-            <a:r>
-              <a:rPr lang="de"/>
-              <a:t>2.1. Was sind Variablen?</a:t>
-            </a:r>
-            <a:endParaRPr/>
-          </a:p>
-        </p:txBody>
-      </p:sp>
-      <p:sp>
-        <p:nvSpPr>
-          <p:cNvPr id="136" name="Google Shape;136;p22"/>
-          <p:cNvSpPr/>
-          <p:nvPr>
-            <p:ph idx="2" type="chart"/>
-          </p:nvPr>
-        </p:nvSpPr>
-        <p:spPr>
-          <a:xfrm>
-            <a:off x="431800" y="782241"/>
-            <a:ext cx="8375700" cy="3579000"/>
-          </a:xfrm>
-          <a:prstGeom prst="rect">
-            <a:avLst/>
-          </a:prstGeom>
-        </p:spPr>
-        <p:txBody>
-          <a:bodyPr anchorCtr="0" anchor="t" bIns="0" lIns="0" spcFirstLastPara="1" rIns="0" wrap="square" tIns="0">
-            <a:noAutofit/>
-          </a:bodyPr>
-          <a:lstStyle/>
-          <a:p>
-            <a:pPr indent="0" lvl="0" marL="0" rtl="0" algn="l">
-              <a:spcBef>
-                <a:spcPts val="320"/>
-              </a:spcBef>
-              <a:spcAft>
-                <a:spcPts val="0"/>
-              </a:spcAft>
-              <a:buNone/>
-            </a:pPr>
-            <a:r>
-              <a:rPr lang="de"/>
-              <a:t>Variablen können auch überschrieben werden, indem man ihnen einfach einen neuen Wert zuweist.</a:t>
-            </a:r>
-            <a:endParaRPr/>
-          </a:p>
-          <a:p>
-            <a:pPr indent="0" lvl="0" marL="0" rtl="0" algn="l">
-              <a:spcBef>
-                <a:spcPts val="320"/>
-              </a:spcBef>
-              <a:spcAft>
-                <a:spcPts val="0"/>
-              </a:spcAft>
-              <a:buNone/>
-            </a:pPr>
-            <a:r>
-              <a:t/>
-            </a:r>
-            <a:endParaRPr/>
-          </a:p>
-          <a:p>
-            <a:pPr indent="0" lvl="0" marL="0" rtl="0" algn="l">
-              <a:spcBef>
-                <a:spcPts val="320"/>
-              </a:spcBef>
-              <a:spcAft>
-                <a:spcPts val="0"/>
-              </a:spcAft>
-              <a:buNone/>
-            </a:pPr>
-            <a:r>
-              <a:t/>
-            </a:r>
-            <a:endParaRPr/>
-          </a:p>
-          <a:p>
-            <a:pPr indent="0" lvl="0" marL="0" rtl="0" algn="l">
-              <a:spcBef>
-                <a:spcPts val="320"/>
-              </a:spcBef>
-              <a:spcAft>
-                <a:spcPts val="0"/>
-              </a:spcAft>
-              <a:buNone/>
-            </a:pPr>
-            <a:r>
-              <a:t/>
-            </a:r>
-            <a:endParaRPr/>
-          </a:p>
-          <a:p>
-            <a:pPr indent="0" lvl="0" marL="0" rtl="0" algn="l">
-              <a:spcBef>
-                <a:spcPts val="320"/>
-              </a:spcBef>
-              <a:spcAft>
-                <a:spcPts val="0"/>
-              </a:spcAft>
-              <a:buNone/>
-            </a:pPr>
-            <a:r>
-              <a:t/>
-            </a:r>
-            <a:endParaRPr/>
-          </a:p>
-          <a:p>
-            <a:pPr indent="0" lvl="0" marL="0" rtl="0" algn="l">
-              <a:spcBef>
-                <a:spcPts val="320"/>
-              </a:spcBef>
-              <a:spcAft>
-                <a:spcPts val="0"/>
-              </a:spcAft>
-              <a:buNone/>
-            </a:pPr>
-            <a:r>
-              <a:t/>
-            </a:r>
-            <a:endParaRPr/>
-          </a:p>
-          <a:p>
-            <a:pPr indent="0" lvl="0" marL="0" rtl="0" algn="l">
-              <a:spcBef>
-                <a:spcPts val="320"/>
-              </a:spcBef>
-              <a:spcAft>
-                <a:spcPts val="0"/>
-              </a:spcAft>
-              <a:buNone/>
-            </a:pPr>
-            <a:r>
-              <a:t/>
-            </a:r>
-            <a:endParaRPr/>
-          </a:p>
-          <a:p>
-            <a:pPr indent="0" lvl="0" marL="0" rtl="0" algn="l">
-              <a:spcBef>
-                <a:spcPts val="320"/>
-              </a:spcBef>
-              <a:spcAft>
-                <a:spcPts val="0"/>
-              </a:spcAft>
-              <a:buClr>
-                <a:schemeClr val="dk1"/>
-              </a:buClr>
-              <a:buSzPts val="1100"/>
-              <a:buFont typeface="Arial"/>
-              <a:buNone/>
-            </a:pPr>
-            <a:r>
-              <a:rPr lang="de"/>
-              <a:t>Variablen sind nur innerhalb des Scopes ( =&gt; {}), in dem sie deklariert sind und erst nach der Deklaration sichtbar.</a:t>
-            </a:r>
-            <a:endParaRPr/>
-          </a:p>
-        </p:txBody>
-      </p:sp>
-      <p:pic>
-        <p:nvPicPr>
-          <p:cNvPr id="137" name="Google Shape;137;p22"/>
-          <p:cNvPicPr preferRelativeResize="0"/>
-          <p:nvPr/>
-        </p:nvPicPr>
-        <p:blipFill>
-          <a:blip r:embed="rId3">
-            <a:alphaModFix/>
-          </a:blip>
-          <a:stretch>
-            <a:fillRect/>
-          </a:stretch>
-        </p:blipFill>
-        <p:spPr>
-          <a:xfrm>
-            <a:off x="2071325" y="1328400"/>
-            <a:ext cx="4476258" cy="1284500"/>
-          </a:xfrm>
-          <a:prstGeom prst="rect">
-            <a:avLst/>
-          </a:prstGeom>
-          <a:noFill/>
-          <a:ln>
-            <a:noFill/>
-          </a:ln>
-        </p:spPr>
-      </p:pic>
-    </p:spTree>
-  </p:cSld>
-  <p:clrMapOvr>
-    <a:masterClrMapping/>
-  </p:clrMapOvr>
-</p:sld>
-</file>
-
-<file path=ppt/slides/slide7.xml><?xml version="1.0" encoding="utf-8"?>
-<p:sld xmlns:a="http://schemas.openxmlformats.org/drawingml/2006/main" xmlns:r="http://schemas.openxmlformats.org/officeDocument/2006/relationships" xmlns:mc="http://schemas.openxmlformats.org/markup-compatibility/2006" xmlns:mv="urn:schemas-microsoft-com:mac:vml" xmlns:p="http://schemas.openxmlformats.org/presentationml/2006/main" xmlns:c="http://schemas.openxmlformats.org/drawingml/2006/chart" xmlns:dgm="http://schemas.openxmlformats.org/drawingml/2006/diagram" xmlns:o="urn:schemas-microsoft-com:office:office" xmlns:v="urn:schemas-microsoft-com:vml" xmlns:pvml="urn:schemas-microsoft-com:office:powerpoint" xmlns:com="http://schemas.openxmlformats.org/drawingml/2006/compatibility" xmlns:p14="http://schemas.microsoft.com/office/powerpoint/2010/main" xmlns:p15="http://schemas.microsoft.com/office/powerpoint/2012/main" xmlns:ahyp="http://schemas.microsoft.com/office/drawing/2018/hyperlinkcolor">
-  <p:cSld>
-    <p:spTree>
-      <p:nvGrpSpPr>
-        <p:cNvPr id="141" name="Shape 141"/>
-        <p:cNvGrpSpPr/>
-        <p:nvPr/>
-      </p:nvGrpSpPr>
-      <p:grpSpPr>
-        <a:xfrm>
-          <a:off x="0" y="0"/>
-          <a:ext cx="0" cy="0"/>
-          <a:chOff x="0" y="0"/>
-          <a:chExt cx="0" cy="0"/>
-        </a:xfrm>
-      </p:grpSpPr>
-      <p:sp>
-        <p:nvSpPr>
-          <p:cNvPr id="142" name="Google Shape;142;p23"/>
-          <p:cNvSpPr txBox="1"/>
-          <p:nvPr>
-            <p:ph type="title"/>
-          </p:nvPr>
-        </p:nvSpPr>
-        <p:spPr>
-          <a:xfrm>
-            <a:off x="431800" y="83344"/>
-            <a:ext cx="8375700" cy="531000"/>
-          </a:xfrm>
-          <a:prstGeom prst="rect">
-            <a:avLst/>
-          </a:prstGeom>
-        </p:spPr>
-        <p:txBody>
-          <a:bodyPr anchorCtr="0" anchor="b" bIns="0" lIns="0" spcFirstLastPara="1" rIns="0" wrap="square" tIns="0">
-            <a:noAutofit/>
-          </a:bodyPr>
-          <a:lstStyle/>
-          <a:p>
-            <a:pPr indent="0" lvl="0" marL="0" rtl="0" algn="l">
-              <a:spcBef>
-                <a:spcPts val="0"/>
-              </a:spcBef>
-              <a:spcAft>
-                <a:spcPts val="0"/>
-              </a:spcAft>
-              <a:buNone/>
-            </a:pPr>
-            <a:r>
-              <a:rPr lang="de"/>
-              <a:t>2.2. Datentypen</a:t>
-            </a:r>
-            <a:endParaRPr/>
-          </a:p>
-        </p:txBody>
-      </p:sp>
-      <p:sp>
-        <p:nvSpPr>
-          <p:cNvPr id="143" name="Google Shape;143;p23"/>
-          <p:cNvSpPr/>
-          <p:nvPr>
-            <p:ph idx="2" type="chart"/>
-          </p:nvPr>
-        </p:nvSpPr>
-        <p:spPr>
-          <a:xfrm>
-            <a:off x="431800" y="782241"/>
-            <a:ext cx="8375700" cy="3579000"/>
-          </a:xfrm>
-          <a:prstGeom prst="rect">
-            <a:avLst/>
-          </a:prstGeom>
-        </p:spPr>
-        <p:txBody>
-          <a:bodyPr anchorCtr="0" anchor="t" bIns="0" lIns="0" spcFirstLastPara="1" rIns="0" wrap="square" tIns="0">
-            <a:noAutofit/>
-          </a:bodyPr>
-          <a:lstStyle/>
-          <a:p>
-            <a:pPr indent="0" lvl="0" marL="0" rtl="0" algn="l">
-              <a:spcBef>
-                <a:spcPts val="320"/>
-              </a:spcBef>
-              <a:spcAft>
-                <a:spcPts val="0"/>
-              </a:spcAft>
-              <a:buNone/>
-            </a:pPr>
-            <a:r>
-              <a:rPr lang="de"/>
-              <a:t>Primitive Datentypen:</a:t>
-            </a:r>
-            <a:endParaRPr/>
-          </a:p>
-          <a:p>
-            <a:pPr indent="-317500" lvl="0" marL="457200" rtl="0" algn="l">
-              <a:spcBef>
-                <a:spcPts val="320"/>
-              </a:spcBef>
-              <a:spcAft>
-                <a:spcPts val="0"/>
-              </a:spcAft>
-              <a:buSzPts val="1400"/>
-              <a:buChar char="●"/>
-            </a:pPr>
-            <a:r>
-              <a:rPr lang="de"/>
-              <a:t>Numerisch</a:t>
-            </a:r>
-            <a:endParaRPr/>
-          </a:p>
-          <a:p>
-            <a:pPr indent="-330200" lvl="1" marL="914400" rtl="0" algn="l">
-              <a:spcBef>
-                <a:spcPts val="0"/>
-              </a:spcBef>
-              <a:spcAft>
-                <a:spcPts val="0"/>
-              </a:spcAft>
-              <a:buSzPts val="1600"/>
-              <a:buChar char="-"/>
-            </a:pPr>
-            <a:r>
-              <a:rPr lang="de"/>
-              <a:t>Ganzzahlig: byte (8 Bit), short (16 Bit), int (32 Bit), long (64 Bit)</a:t>
-            </a:r>
-            <a:endParaRPr/>
-          </a:p>
-          <a:p>
-            <a:pPr indent="-330200" lvl="1" marL="914400" rtl="0" algn="l">
-              <a:spcBef>
-                <a:spcPts val="0"/>
-              </a:spcBef>
-              <a:spcAft>
-                <a:spcPts val="0"/>
-              </a:spcAft>
-              <a:buSzPts val="1600"/>
-              <a:buChar char="-"/>
-            </a:pPr>
-            <a:r>
-              <a:rPr lang="de"/>
-              <a:t>Fließkommazahlen: float (32 Bit), double (64 Bit)</a:t>
-            </a:r>
-            <a:br>
-              <a:rPr lang="de"/>
-            </a:br>
-            <a:endParaRPr/>
-          </a:p>
-          <a:p>
-            <a:pPr indent="-317500" lvl="0" marL="457200" rtl="0" algn="l">
-              <a:spcBef>
-                <a:spcPts val="0"/>
-              </a:spcBef>
-              <a:spcAft>
-                <a:spcPts val="0"/>
-              </a:spcAft>
-              <a:buSzPts val="1400"/>
-              <a:buChar char="●"/>
-            </a:pPr>
-            <a:r>
-              <a:rPr lang="de"/>
-              <a:t>Einzelne Zeichen: char</a:t>
-            </a:r>
-            <a:br>
-              <a:rPr lang="de"/>
-            </a:br>
-            <a:endParaRPr/>
-          </a:p>
-          <a:p>
-            <a:pPr indent="-317500" lvl="0" marL="457200" rtl="0" algn="l">
-              <a:spcBef>
-                <a:spcPts val="0"/>
-              </a:spcBef>
-              <a:spcAft>
-                <a:spcPts val="0"/>
-              </a:spcAft>
-              <a:buSzPts val="1400"/>
-              <a:buChar char="●"/>
-            </a:pPr>
-            <a:r>
-              <a:rPr lang="de"/>
-              <a:t>Bool’scher Wert (wahr / falsch): boolean</a:t>
-            </a:r>
-            <a:endParaRPr/>
-          </a:p>
-          <a:p>
-            <a:pPr indent="0" lvl="0" marL="0" rtl="0" algn="l">
-              <a:spcBef>
-                <a:spcPts val="320"/>
-              </a:spcBef>
-              <a:spcAft>
-                <a:spcPts val="0"/>
-              </a:spcAft>
-              <a:buNone/>
-            </a:pPr>
-            <a:r>
-              <a:t/>
-            </a:r>
-            <a:endParaRPr/>
-          </a:p>
-          <a:p>
-            <a:pPr indent="0" lvl="0" marL="0" rtl="0" algn="l">
-              <a:spcBef>
-                <a:spcPts val="320"/>
-              </a:spcBef>
-              <a:spcAft>
-                <a:spcPts val="0"/>
-              </a:spcAft>
-              <a:buNone/>
-            </a:pPr>
-            <a:r>
-              <a:rPr lang="de"/>
-              <a:t>Referenzdatentypen:</a:t>
-            </a:r>
-            <a:endParaRPr/>
-          </a:p>
-          <a:p>
-            <a:pPr indent="-317500" lvl="0" marL="457200" rtl="0" algn="l">
-              <a:spcBef>
-                <a:spcPts val="320"/>
-              </a:spcBef>
-              <a:spcAft>
-                <a:spcPts val="0"/>
-              </a:spcAft>
-              <a:buSzPts val="1400"/>
-              <a:buChar char="●"/>
-            </a:pPr>
-            <a:r>
-              <a:rPr lang="de"/>
-              <a:t>Zeichenketten: String</a:t>
-            </a:r>
-            <a:endParaRPr/>
-          </a:p>
-          <a:p>
-            <a:pPr indent="-317500" lvl="0" marL="457200" rtl="0" algn="l">
-              <a:spcBef>
-                <a:spcPts val="0"/>
-              </a:spcBef>
-              <a:spcAft>
-                <a:spcPts val="0"/>
-              </a:spcAft>
-              <a:buSzPts val="1400"/>
-              <a:buChar char="●"/>
-            </a:pPr>
-            <a:r>
-              <a:rPr lang="de"/>
-              <a:t>Listen: Array</a:t>
-            </a:r>
-            <a:endParaRPr/>
-          </a:p>
-          <a:p>
-            <a:pPr indent="-317500" lvl="0" marL="457200" rtl="0" algn="l">
-              <a:spcBef>
-                <a:spcPts val="0"/>
-              </a:spcBef>
-              <a:spcAft>
-                <a:spcPts val="0"/>
-              </a:spcAft>
-              <a:buSzPts val="1400"/>
-              <a:buChar char="●"/>
-            </a:pPr>
-            <a:r>
-              <a:rPr lang="de"/>
-              <a:t>null</a:t>
-            </a:r>
-            <a:endParaRPr/>
-          </a:p>
-          <a:p>
-            <a:pPr indent="-317500" lvl="0" marL="457200" rtl="0" algn="l">
-              <a:spcBef>
-                <a:spcPts val="0"/>
-              </a:spcBef>
-              <a:spcAft>
-                <a:spcPts val="0"/>
-              </a:spcAft>
-              <a:buSzPts val="1400"/>
-              <a:buChar char="●"/>
-            </a:pPr>
-            <a:r>
-              <a:rPr lang="de"/>
-              <a:t>...</a:t>
-            </a:r>
-            <a:r>
-              <a:rPr lang="de"/>
-              <a:t>.</a:t>
-            </a:r>
-            <a:endParaRPr/>
-          </a:p>
-          <a:p>
-            <a:pPr indent="0" lvl="0" marL="0" rtl="0" algn="l">
-              <a:spcBef>
-                <a:spcPts val="320"/>
-              </a:spcBef>
-              <a:spcAft>
-                <a:spcPts val="0"/>
-              </a:spcAft>
-              <a:buNone/>
-            </a:pPr>
-            <a:r>
-              <a:t/>
-            </a:r>
-            <a:endParaRPr/>
-          </a:p>
-          <a:p>
-            <a:pPr indent="0" lvl="0" marL="0" rtl="0" algn="l">
-              <a:spcBef>
-                <a:spcPts val="320"/>
-              </a:spcBef>
-              <a:spcAft>
-                <a:spcPts val="0"/>
-              </a:spcAft>
-              <a:buNone/>
-            </a:pPr>
-            <a:r>
-              <a:t/>
-            </a:r>
-            <a:endParaRPr/>
-          </a:p>
-        </p:txBody>
-      </p:sp>
     </p:spTree>
   </p:cSld>
   <p:clrMapOvr>
@@ -13621,7 +13168,7 @@
             </a:pPr>
             <a:r>
               <a:rPr lang="de"/>
-              <a:t>2.3. Operatoren</a:t>
+              <a:t>3.1. Was sind Variablen?</a:t>
             </a:r>
             <a:endParaRPr/>
           </a:p>
@@ -13650,12 +13197,115 @@
           </a:bodyPr>
           <a:lstStyle/>
           <a:p>
-            <a:pPr indent="-298450" lvl="0" marL="457200" rtl="0" algn="l">
-              <a:lnSpc>
-                <a:spcPct val="115000"/>
-              </a:lnSpc>
-              <a:spcBef>
-                <a:spcPts val="1200"/>
+            <a:pPr indent="0" lvl="0" marL="0" rtl="0" algn="l">
+              <a:spcBef>
+                <a:spcPts val="320"/>
+              </a:spcBef>
+              <a:spcAft>
+                <a:spcPts val="0"/>
+              </a:spcAft>
+              <a:buNone/>
+            </a:pPr>
+            <a:r>
+              <a:rPr lang="de"/>
+              <a:t>Variablen können auch überschrieben werden, indem man ihnen einfach einen neuen Wert zuweist.</a:t>
+            </a:r>
+            <a:endParaRPr/>
+          </a:p>
+          <a:p>
+            <a:pPr indent="0" lvl="0" marL="0" rtl="0" algn="l">
+              <a:spcBef>
+                <a:spcPts val="320"/>
+              </a:spcBef>
+              <a:spcAft>
+                <a:spcPts val="0"/>
+              </a:spcAft>
+              <a:buNone/>
+            </a:pPr>
+            <a:r>
+              <a:t/>
+            </a:r>
+            <a:endParaRPr/>
+          </a:p>
+          <a:p>
+            <a:pPr indent="0" lvl="0" marL="0" rtl="0" algn="l">
+              <a:spcBef>
+                <a:spcPts val="320"/>
+              </a:spcBef>
+              <a:spcAft>
+                <a:spcPts val="0"/>
+              </a:spcAft>
+              <a:buNone/>
+            </a:pPr>
+            <a:r>
+              <a:t/>
+            </a:r>
+            <a:endParaRPr/>
+          </a:p>
+          <a:p>
+            <a:pPr indent="0" lvl="0" marL="0" rtl="0" algn="l">
+              <a:spcBef>
+                <a:spcPts val="320"/>
+              </a:spcBef>
+              <a:spcAft>
+                <a:spcPts val="0"/>
+              </a:spcAft>
+              <a:buNone/>
+            </a:pPr>
+            <a:r>
+              <a:t/>
+            </a:r>
+            <a:endParaRPr/>
+          </a:p>
+          <a:p>
+            <a:pPr indent="0" lvl="0" marL="0" rtl="0" algn="l">
+              <a:spcBef>
+                <a:spcPts val="320"/>
+              </a:spcBef>
+              <a:spcAft>
+                <a:spcPts val="0"/>
+              </a:spcAft>
+              <a:buNone/>
+            </a:pPr>
+            <a:r>
+              <a:t/>
+            </a:r>
+            <a:endParaRPr/>
+          </a:p>
+          <a:p>
+            <a:pPr indent="0" lvl="0" marL="0" rtl="0" algn="l">
+              <a:spcBef>
+                <a:spcPts val="320"/>
+              </a:spcBef>
+              <a:spcAft>
+                <a:spcPts val="0"/>
+              </a:spcAft>
+              <a:buNone/>
+            </a:pPr>
+            <a:r>
+              <a:t/>
+            </a:r>
+            <a:endParaRPr/>
+          </a:p>
+          <a:p>
+            <a:pPr indent="0" lvl="0" marL="0" rtl="0" algn="l">
+              <a:spcBef>
+                <a:spcPts val="320"/>
+              </a:spcBef>
+              <a:spcAft>
+                <a:spcPts val="0"/>
+              </a:spcAft>
+              <a:buNone/>
+            </a:pPr>
+            <a:r>
+              <a:t/>
+            </a:r>
+            <a:endParaRPr/>
+          </a:p>
+          <a:p>
+            <a:pPr indent="0" lvl="0" marL="0" rtl="0" algn="l">
+              <a:spcBef>
+                <a:spcPts val="320"/>
               </a:spcBef>
               <a:spcAft>
                 <a:spcPts val="0"/>
@@ -13664,275 +13314,45 @@
                 <a:schemeClr val="dk1"/>
               </a:buClr>
               <a:buSzPts val="1100"/>
-              <a:buChar char="●"/>
+              <a:buFont typeface="Arial"/>
+              <a:buNone/>
             </a:pPr>
             <a:r>
               <a:rPr lang="de"/>
-              <a:t>Arithmetische Operatoren: </a:t>
-            </a:r>
-            <a:endParaRPr/>
-          </a:p>
-          <a:p>
-            <a:pPr indent="-298450" lvl="1" marL="914400" rtl="0" algn="l">
-              <a:lnSpc>
-                <a:spcPct val="115000"/>
-              </a:lnSpc>
-              <a:spcBef>
-                <a:spcPts val="0"/>
-              </a:spcBef>
-              <a:spcAft>
-                <a:spcPts val="0"/>
-              </a:spcAft>
-              <a:buSzPts val="1100"/>
-              <a:buFont typeface="Arial"/>
-              <a:buChar char="➢"/>
-            </a:pPr>
-            <a:r>
-              <a:rPr lang="de"/>
-              <a:t>+, -, *, /, % (Modulus), ++, ...</a:t>
-            </a:r>
-            <a:endParaRPr/>
-          </a:p>
-          <a:p>
-            <a:pPr indent="-298450" lvl="0" marL="457200" rtl="0" algn="l">
-              <a:lnSpc>
-                <a:spcPct val="115000"/>
-              </a:lnSpc>
-              <a:spcBef>
-                <a:spcPts val="0"/>
-              </a:spcBef>
-              <a:spcAft>
-                <a:spcPts val="0"/>
-              </a:spcAft>
-              <a:buClr>
-                <a:schemeClr val="dk1"/>
-              </a:buClr>
-              <a:buSzPts val="1100"/>
-              <a:buChar char="●"/>
-            </a:pPr>
-            <a:r>
-              <a:rPr lang="de"/>
-              <a:t>Vergleichsoperatoren:</a:t>
-            </a:r>
-            <a:endParaRPr/>
-          </a:p>
-          <a:p>
-            <a:pPr indent="-298450" lvl="1" marL="914400" rtl="0" algn="l">
-              <a:lnSpc>
-                <a:spcPct val="115000"/>
-              </a:lnSpc>
-              <a:spcBef>
-                <a:spcPts val="0"/>
-              </a:spcBef>
-              <a:spcAft>
-                <a:spcPts val="0"/>
-              </a:spcAft>
-              <a:buSzPts val="1100"/>
-              <a:buFont typeface="Arial"/>
-              <a:buChar char="➢"/>
-            </a:pPr>
-            <a:r>
-              <a:rPr lang="de"/>
-              <a:t>==, !=, &gt;, &lt;, &gt;=, &lt;=</a:t>
-            </a:r>
-            <a:endParaRPr/>
-          </a:p>
-          <a:p>
-            <a:pPr indent="-298450" lvl="0" marL="457200" rtl="0" algn="l">
-              <a:lnSpc>
-                <a:spcPct val="115000"/>
-              </a:lnSpc>
-              <a:spcBef>
-                <a:spcPts val="0"/>
-              </a:spcBef>
-              <a:spcAft>
-                <a:spcPts val="0"/>
-              </a:spcAft>
-              <a:buClr>
-                <a:schemeClr val="dk1"/>
-              </a:buClr>
-              <a:buSzPts val="1100"/>
-              <a:buChar char="●"/>
-            </a:pPr>
-            <a:r>
-              <a:rPr lang="de"/>
-              <a:t>Bool’sche Operatoren</a:t>
-            </a:r>
-            <a:endParaRPr/>
-          </a:p>
-          <a:p>
-            <a:pPr indent="-298450" lvl="1" marL="914400" rtl="0" algn="l">
-              <a:lnSpc>
-                <a:spcPct val="115000"/>
-              </a:lnSpc>
-              <a:spcBef>
-                <a:spcPts val="0"/>
-              </a:spcBef>
-              <a:spcAft>
-                <a:spcPts val="0"/>
-              </a:spcAft>
-              <a:buSzPts val="1100"/>
-              <a:buFont typeface="Arial"/>
-              <a:buChar char="➢"/>
-            </a:pPr>
-            <a:r>
-              <a:rPr lang="de"/>
-              <a:t>!, &amp;&amp;, ||, ^</a:t>
-            </a:r>
-            <a:endParaRPr/>
-          </a:p>
-          <a:p>
-            <a:pPr indent="-298450" lvl="0" marL="457200" rtl="0" algn="l">
-              <a:lnSpc>
-                <a:spcPct val="115000"/>
-              </a:lnSpc>
-              <a:spcBef>
-                <a:spcPts val="0"/>
-              </a:spcBef>
-              <a:spcAft>
-                <a:spcPts val="0"/>
-              </a:spcAft>
-              <a:buClr>
-                <a:schemeClr val="dk1"/>
-              </a:buClr>
-              <a:buSzPts val="1100"/>
-              <a:buChar char="●"/>
-            </a:pPr>
-            <a:r>
-              <a:rPr lang="de"/>
-              <a:t>Bitweise Operatoren</a:t>
-            </a:r>
-            <a:endParaRPr/>
-          </a:p>
-          <a:p>
-            <a:pPr indent="-298450" lvl="1" marL="914400" rtl="0" algn="l">
-              <a:lnSpc>
-                <a:spcPct val="115000"/>
-              </a:lnSpc>
-              <a:spcBef>
-                <a:spcPts val="0"/>
-              </a:spcBef>
-              <a:spcAft>
-                <a:spcPts val="0"/>
-              </a:spcAft>
-              <a:buSzPts val="1100"/>
-              <a:buFont typeface="Arial"/>
-              <a:buChar char="➢"/>
-            </a:pPr>
-            <a:r>
-              <a:rPr lang="de"/>
-              <a:t>~, |, &amp;, …</a:t>
-            </a:r>
-            <a:endParaRPr/>
-          </a:p>
-          <a:p>
-            <a:pPr indent="-298450" lvl="0" marL="457200" rtl="0" algn="l">
-              <a:lnSpc>
-                <a:spcPct val="115000"/>
-              </a:lnSpc>
-              <a:spcBef>
-                <a:spcPts val="0"/>
-              </a:spcBef>
-              <a:spcAft>
-                <a:spcPts val="0"/>
-              </a:spcAft>
-              <a:buClr>
-                <a:schemeClr val="dk1"/>
-              </a:buClr>
-              <a:buSzPts val="1100"/>
-              <a:buChar char="●"/>
-            </a:pPr>
-            <a:r>
-              <a:rPr lang="de"/>
-              <a:t>Zuweisungsoperatoren</a:t>
-            </a:r>
-            <a:endParaRPr/>
-          </a:p>
-          <a:p>
-            <a:pPr indent="-298450" lvl="1" marL="914400" rtl="0" algn="l">
-              <a:lnSpc>
-                <a:spcPct val="115000"/>
-              </a:lnSpc>
-              <a:spcBef>
-                <a:spcPts val="0"/>
-              </a:spcBef>
-              <a:spcAft>
-                <a:spcPts val="0"/>
-              </a:spcAft>
-              <a:buSzPts val="1100"/>
-              <a:buFont typeface="Arial"/>
-              <a:buChar char="➢"/>
-            </a:pPr>
-            <a:r>
-              <a:rPr lang="de"/>
-              <a:t>=, +=, -=, *=, /=, ...</a:t>
-            </a:r>
-            <a:endParaRPr/>
-          </a:p>
-          <a:p>
-            <a:pPr indent="-298450" lvl="0" marL="457200" rtl="0" algn="l">
-              <a:lnSpc>
-                <a:spcPct val="115000"/>
-              </a:lnSpc>
-              <a:spcBef>
-                <a:spcPts val="0"/>
-              </a:spcBef>
-              <a:spcAft>
-                <a:spcPts val="0"/>
-              </a:spcAft>
-              <a:buClr>
-                <a:schemeClr val="dk1"/>
-              </a:buClr>
-              <a:buSzPts val="1100"/>
-              <a:buChar char="●"/>
-            </a:pPr>
-            <a:r>
-              <a:rPr lang="de"/>
-              <a:t>Konkatenation (String [ =&gt; String me = “David” + “ “ + “Gemen” // “David Gemen”], ...)</a:t>
-            </a:r>
-            <a:endParaRPr/>
-          </a:p>
-          <a:p>
-            <a:pPr indent="-298450" lvl="1" marL="914400" rtl="0" algn="l">
-              <a:lnSpc>
-                <a:spcPct val="115000"/>
-              </a:lnSpc>
-              <a:spcBef>
-                <a:spcPts val="0"/>
-              </a:spcBef>
-              <a:spcAft>
-                <a:spcPts val="0"/>
-              </a:spcAft>
-              <a:buSzPts val="1100"/>
-              <a:buFont typeface="Arial"/>
-              <a:buChar char="➢"/>
-            </a:pPr>
-            <a:r>
-              <a:rPr lang="de"/>
-              <a:t>+</a:t>
-            </a:r>
-            <a:endParaRPr/>
-          </a:p>
-          <a:p>
-            <a:pPr indent="0" lvl="0" marL="457200" rtl="0" algn="l">
-              <a:lnSpc>
-                <a:spcPct val="115000"/>
-              </a:lnSpc>
-              <a:spcBef>
-                <a:spcPts val="1200"/>
-              </a:spcBef>
-              <a:spcAft>
-                <a:spcPts val="1200"/>
-              </a:spcAft>
-              <a:buNone/>
-            </a:pPr>
-            <a:r>
-              <a:t/>
+              <a:t>Variablen sind nur innerhalb des Scopes ( =&gt; {}), in dem sie deklariert sind und erst nach der Deklaration sichtbar.</a:t>
             </a:r>
             <a:endParaRPr/>
           </a:p>
         </p:txBody>
       </p:sp>
+      <p:pic>
+        <p:nvPicPr>
+          <p:cNvPr id="150" name="Google Shape;150;p24"/>
+          <p:cNvPicPr preferRelativeResize="0"/>
+          <p:nvPr/>
+        </p:nvPicPr>
+        <p:blipFill>
+          <a:blip r:embed="rId3">
+            <a:alphaModFix/>
+          </a:blip>
+          <a:stretch>
+            <a:fillRect/>
+          </a:stretch>
+        </p:blipFill>
+        <p:spPr>
+          <a:xfrm>
+            <a:off x="2071325" y="1328400"/>
+            <a:ext cx="4476258" cy="1284500"/>
+          </a:xfrm>
+          <a:prstGeom prst="rect">
+            <a:avLst/>
+          </a:prstGeom>
+          <a:noFill/>
+          <a:ln>
+            <a:noFill/>
+          </a:ln>
+        </p:spPr>
+      </p:pic>
     </p:spTree>
   </p:cSld>
   <p:clrMapOvr>
@@ -13946,7 +13366,7 @@
   <p:cSld>
     <p:spTree>
       <p:nvGrpSpPr>
-        <p:cNvPr id="153" name="Shape 153"/>
+        <p:cNvPr id="154" name="Shape 154"/>
         <p:cNvGrpSpPr/>
         <p:nvPr/>
       </p:nvGrpSpPr>
@@ -13960,7 +13380,7 @@
       </p:grpSpPr>
       <p:sp>
         <p:nvSpPr>
-          <p:cNvPr id="154" name="Google Shape;154;p25"/>
+          <p:cNvPr id="155" name="Google Shape;155;p25"/>
           <p:cNvSpPr txBox="1"/>
           <p:nvPr>
             <p:ph type="title"/>
@@ -13992,7 +13412,7 @@
             </a:pPr>
             <a:r>
               <a:rPr lang="de"/>
-              <a:t>3.1. if-else</a:t>
+              <a:t>3.2. Datentypen</a:t>
             </a:r>
             <a:endParaRPr/>
           </a:p>
@@ -14000,7 +13420,7 @@
       </p:sp>
       <p:sp>
         <p:nvSpPr>
-          <p:cNvPr id="155" name="Google Shape;155;p25"/>
+          <p:cNvPr id="156" name="Google Shape;156;p25"/>
           <p:cNvSpPr/>
           <p:nvPr>
             <p:ph idx="2" type="chart"/>
@@ -14032,19 +13452,102 @@
             </a:pPr>
             <a:r>
               <a:rPr lang="de"/>
-              <a:t>Es können Programmschnipsel bedingt ausgeführt werden. Die Bedingungen müssen immer den </a:t>
-            </a:r>
-            <a:r>
-              <a:rPr b="1" lang="de"/>
-              <a:t>bool’schen Datentypen</a:t>
-            </a:r>
+              <a:t>Primitive Datentypen:</a:t>
+            </a:r>
+            <a:endParaRPr/>
+          </a:p>
+          <a:p>
+            <a:pPr indent="-317500" lvl="0" marL="457200" rtl="0" algn="l">
+              <a:spcBef>
+                <a:spcPts val="320"/>
+              </a:spcBef>
+              <a:spcAft>
+                <a:spcPts val="0"/>
+              </a:spcAft>
+              <a:buSzPts val="1400"/>
+              <a:buChar char="●"/>
+            </a:pPr>
             <a:r>
               <a:rPr lang="de"/>
-              <a:t> haben. </a:t>
+              <a:t>Numerisch</a:t>
             </a:r>
             <a:endParaRPr/>
           </a:p>
           <a:p>
+            <a:pPr indent="-330200" lvl="1" marL="914400" rtl="0" algn="l">
+              <a:spcBef>
+                <a:spcPts val="0"/>
+              </a:spcBef>
+              <a:spcAft>
+                <a:spcPts val="0"/>
+              </a:spcAft>
+              <a:buSzPts val="1600"/>
+              <a:buChar char="-"/>
+            </a:pPr>
+            <a:r>
+              <a:rPr lang="de"/>
+              <a:t>Ganzzahlig: byte (8 Bit), short (16 Bit), int (32 Bit), long (64 Bit)</a:t>
+            </a:r>
+            <a:endParaRPr/>
+          </a:p>
+          <a:p>
+            <a:pPr indent="-330200" lvl="1" marL="914400" rtl="0" algn="l">
+              <a:spcBef>
+                <a:spcPts val="0"/>
+              </a:spcBef>
+              <a:spcAft>
+                <a:spcPts val="0"/>
+              </a:spcAft>
+              <a:buSzPts val="1600"/>
+              <a:buChar char="-"/>
+            </a:pPr>
+            <a:r>
+              <a:rPr lang="de"/>
+              <a:t>Fließkommazahlen: float (32 Bit), double (64 Bit)</a:t>
+            </a:r>
+            <a:br>
+              <a:rPr lang="de"/>
+            </a:br>
+            <a:endParaRPr/>
+          </a:p>
+          <a:p>
+            <a:pPr indent="-317500" lvl="0" marL="457200" rtl="0" algn="l">
+              <a:spcBef>
+                <a:spcPts val="0"/>
+              </a:spcBef>
+              <a:spcAft>
+                <a:spcPts val="0"/>
+              </a:spcAft>
+              <a:buSzPts val="1400"/>
+              <a:buChar char="●"/>
+            </a:pPr>
+            <a:r>
+              <a:rPr lang="de"/>
+              <a:t>Einzelne Zeichen: char</a:t>
+            </a:r>
+            <a:br>
+              <a:rPr lang="de"/>
+            </a:br>
+            <a:endParaRPr/>
+          </a:p>
+          <a:p>
+            <a:pPr indent="-317500" lvl="0" marL="457200" rtl="0" algn="l">
+              <a:spcBef>
+                <a:spcPts val="0"/>
+              </a:spcBef>
+              <a:spcAft>
+                <a:spcPts val="0"/>
+              </a:spcAft>
+              <a:buSzPts val="1400"/>
+              <a:buChar char="●"/>
+            </a:pPr>
+            <a:r>
+              <a:rPr lang="de"/>
+              <a:t>Bool’scher Wert (wahr / falsch): boolean</a:t>
+            </a:r>
+            <a:endParaRPr/>
+          </a:p>
+          <a:p>
             <a:pPr indent="0" lvl="0" marL="0" rtl="0" algn="l">
               <a:spcBef>
                 <a:spcPts val="320"/>
@@ -14055,49 +13558,130 @@
               <a:buNone/>
             </a:pPr>
             <a:r>
+              <a:t/>
+            </a:r>
+            <a:endParaRPr/>
+          </a:p>
+          <a:p>
+            <a:pPr indent="0" lvl="0" marL="0" rtl="0" algn="l">
+              <a:spcBef>
+                <a:spcPts val="320"/>
+              </a:spcBef>
+              <a:spcAft>
+                <a:spcPts val="0"/>
+              </a:spcAft>
+              <a:buNone/>
+            </a:pPr>
+            <a:r>
               <a:rPr lang="de"/>
-              <a:t>Der “if-Block” wird ausgeführt, wenn die Bedingung den Wert “true” hat. Der </a:t>
-            </a:r>
-            <a:r>
-              <a:rPr b="1" lang="de"/>
-              <a:t>optionale</a:t>
-            </a:r>
+              <a:t>Referenzdatentypen:</a:t>
+            </a:r>
+            <a:endParaRPr/>
+          </a:p>
+          <a:p>
+            <a:pPr indent="-317500" lvl="0" marL="457200" rtl="0" algn="l">
+              <a:spcBef>
+                <a:spcPts val="320"/>
+              </a:spcBef>
+              <a:spcAft>
+                <a:spcPts val="0"/>
+              </a:spcAft>
+              <a:buSzPts val="1400"/>
+              <a:buChar char="●"/>
+            </a:pPr>
             <a:r>
               <a:rPr lang="de"/>
-              <a:t> “else-Block” wird ausgeführt, wenn die Bedingung nicht erfüllt ist.</a:t>
+              <a:t>Zeichenketten: String</a:t>
+            </a:r>
+            <a:endParaRPr/>
+          </a:p>
+          <a:p>
+            <a:pPr indent="-317500" lvl="0" marL="457200" rtl="0" algn="l">
+              <a:spcBef>
+                <a:spcPts val="0"/>
+              </a:spcBef>
+              <a:spcAft>
+                <a:spcPts val="0"/>
+              </a:spcAft>
+              <a:buSzPts val="1400"/>
+              <a:buChar char="●"/>
+            </a:pPr>
+            <a:r>
+              <a:rPr lang="de"/>
+              <a:t>Listen: Array</a:t>
+            </a:r>
+            <a:endParaRPr/>
+          </a:p>
+          <a:p>
+            <a:pPr indent="-317500" lvl="0" marL="457200" rtl="0" algn="l">
+              <a:spcBef>
+                <a:spcPts val="0"/>
+              </a:spcBef>
+              <a:spcAft>
+                <a:spcPts val="0"/>
+              </a:spcAft>
+              <a:buSzPts val="1400"/>
+              <a:buChar char="●"/>
+            </a:pPr>
+            <a:r>
+              <a:rPr lang="de"/>
+              <a:t>null</a:t>
+            </a:r>
+            <a:endParaRPr/>
+          </a:p>
+          <a:p>
+            <a:pPr indent="-317500" lvl="0" marL="457200" rtl="0" algn="l">
+              <a:spcBef>
+                <a:spcPts val="0"/>
+              </a:spcBef>
+              <a:spcAft>
+                <a:spcPts val="0"/>
+              </a:spcAft>
+              <a:buSzPts val="1400"/>
+              <a:buChar char="●"/>
+            </a:pPr>
+            <a:r>
+              <a:rPr lang="de"/>
+              <a:t>...</a:t>
+            </a:r>
+            <a:r>
+              <a:rPr lang="de"/>
+              <a:t>.</a:t>
+            </a:r>
+            <a:endParaRPr/>
+          </a:p>
+          <a:p>
+            <a:pPr indent="0" lvl="0" marL="0" rtl="0" algn="l">
+              <a:spcBef>
+                <a:spcPts val="320"/>
+              </a:spcBef>
+              <a:spcAft>
+                <a:spcPts val="0"/>
+              </a:spcAft>
+              <a:buNone/>
+            </a:pPr>
+            <a:r>
+              <a:t/>
+            </a:r>
+            <a:endParaRPr/>
+          </a:p>
+          <a:p>
+            <a:pPr indent="0" lvl="0" marL="0" rtl="0" algn="l">
+              <a:spcBef>
+                <a:spcPts val="320"/>
+              </a:spcBef>
+              <a:spcAft>
+                <a:spcPts val="0"/>
+              </a:spcAft>
+              <a:buNone/>
+            </a:pPr>
+            <a:r>
+              <a:t/>
             </a:r>
             <a:endParaRPr/>
           </a:p>
         </p:txBody>
       </p:sp>
-      <p:pic>
-        <p:nvPicPr>
-          <p:cNvPr id="156" name="Google Shape;156;p25"/>
-          <p:cNvPicPr preferRelativeResize="0"/>
-          <p:nvPr/>
-        </p:nvPicPr>
-        <p:blipFill>
-          <a:blip r:embed="rId3">
-            <a:alphaModFix/>
-          </a:blip>
-          <a:stretch>
-            <a:fillRect/>
-          </a:stretch>
-        </p:blipFill>
-        <p:spPr>
-          <a:xfrm>
-            <a:off x="2439688" y="2156575"/>
-            <a:ext cx="4359925" cy="1167300"/>
-          </a:xfrm>
-          <a:prstGeom prst="rect">
-            <a:avLst/>
-          </a:prstGeom>
-          <a:noFill/>
-          <a:ln>
-            <a:noFill/>
-          </a:ln>
-        </p:spPr>
-      </p:pic>
     </p:spTree>
   </p:cSld>
   <p:clrMapOvr>
@@ -14107,6 +13691,285 @@
 </file>
 
 <file path=ppt/theme/theme1.xml><?xml version="1.0" encoding="utf-8"?>
+<a:theme xmlns:a="http://schemas.openxmlformats.org/drawingml/2006/main" xmlns:r="http://schemas.openxmlformats.org/officeDocument/2006/relationships">
+  <a:themeElements>
+    <a:clrScheme name="Default">
+      <a:dk1>
+        <a:srgbClr val="000000"/>
+      </a:dk1>
+      <a:lt1>
+        <a:srgbClr val="FFFFFF"/>
+      </a:lt1>
+      <a:dk2>
+        <a:srgbClr val="158158"/>
+      </a:dk2>
+      <a:lt2>
+        <a:srgbClr val="F3F3F3"/>
+      </a:lt2>
+      <a:accent1>
+        <a:srgbClr val="058DC7"/>
+      </a:accent1>
+      <a:accent2>
+        <a:srgbClr val="50B432"/>
+      </a:accent2>
+      <a:accent3>
+        <a:srgbClr val="ED561B"/>
+      </a:accent3>
+      <a:accent4>
+        <a:srgbClr val="EDEF00"/>
+      </a:accent4>
+      <a:accent5>
+        <a:srgbClr val="24CBE5"/>
+      </a:accent5>
+      <a:accent6>
+        <a:srgbClr val="64E572"/>
+      </a:accent6>
+      <a:hlink>
+        <a:srgbClr val="2200CC"/>
+      </a:hlink>
+      <a:folHlink>
+        <a:srgbClr val="551A8B"/>
+      </a:folHlink>
+    </a:clrScheme>
+    <a:fontScheme name="Office">
+      <a:majorFont>
+        <a:latin typeface="Arial"/>
+        <a:ea typeface=""/>
+        <a:cs typeface=""/>
+        <a:font script="Jpan" typeface="ＭＳ Ｐゴシック"/>
+        <a:font script="Hang" typeface="맑은 고딕"/>
+        <a:font script="Hans" typeface="宋体"/>
+        <a:font script="Hant" typeface="新細明體"/>
+        <a:font script="Arab" typeface="Times New Roman"/>
+        <a:font script="Hebr" typeface="Times New Roman"/>
+        <a:font script="Thai" typeface="Angsana New"/>
+        <a:font script="Ethi" typeface="Nyala"/>
+        <a:font script="Beng" typeface="Vrinda"/>
+        <a:font script="Gujr" typeface="Shruti"/>
+        <a:font script="Khmr" typeface="MoolBoran"/>
+        <a:font script="Knda" typeface="Tunga"/>
+        <a:font script="Guru" typeface="Raavi"/>
+        <a:font script="Cans" typeface="Euphemia"/>
+        <a:font script="Cher" typeface="Plantagenet Cherokee"/>
+        <a:font script="Yiii" typeface="Microsoft Yi Baiti"/>
+        <a:font script="Tibt" typeface="Microsoft Himalaya"/>
+        <a:font script="Thaa" typeface="MV Boli"/>
+        <a:font script="Deva" typeface="Mangal"/>
+        <a:font script="Telu" typeface="Gautami"/>
+        <a:font script="Taml" typeface="Latha"/>
+        <a:font script="Syrc" typeface="Estrangelo Edessa"/>
+        <a:font script="Orya" typeface="Kalinga"/>
+        <a:font script="Mlym" typeface="Kartika"/>
+        <a:font script="Laoo" typeface="DokChampa"/>
+        <a:font script="Sinh" typeface="Iskoola Pota"/>
+        <a:font script="Mong" typeface="Mongolian Baiti"/>
+        <a:font script="Viet" typeface="Times New Roman"/>
+        <a:font script="Uigh" typeface="Microsoft Uighur"/>
+        <a:font script="Geor" typeface="Sylfaen"/>
+      </a:majorFont>
+      <a:minorFont>
+        <a:latin typeface="Arial"/>
+        <a:ea typeface=""/>
+        <a:cs typeface=""/>
+        <a:font script="Jpan" typeface="ＭＳ Ｐゴシック"/>
+        <a:font script="Hang" typeface="맑은 고딕"/>
+        <a:font script="Hans" typeface="宋体"/>
+        <a:font script="Hant" typeface="新細明體"/>
+        <a:font script="Arab" typeface="Arial"/>
+        <a:font script="Hebr" typeface="Arial"/>
+        <a:font script="Thai" typeface="Cordia New"/>
+        <a:font script="Ethi" typeface="Nyala"/>
+        <a:font script="Beng" typeface="Vrinda"/>
+        <a:font script="Gujr" typeface="Shruti"/>
+        <a:font script="Khmr" typeface="DaunPenh"/>
+        <a:font script="Knda" typeface="Tunga"/>
+        <a:font script="Guru" typeface="Raavi"/>
+        <a:font script="Cans" typeface="Euphemia"/>
+        <a:font script="Cher" typeface="Plantagenet Cherokee"/>
+        <a:font script="Yiii" typeface="Microsoft Yi Baiti"/>
+        <a:font script="Tibt" typeface="Microsoft Himalaya"/>
+        <a:font script="Thaa" typeface="MV Boli"/>
+        <a:font script="Deva" typeface="Mangal"/>
+        <a:font script="Telu" typeface="Gautami"/>
+        <a:font script="Taml" typeface="Latha"/>
+        <a:font script="Syrc" typeface="Estrangelo Edessa"/>
+        <a:font script="Orya" typeface="Kalinga"/>
+        <a:font script="Mlym" typeface="Kartika"/>
+        <a:font script="Laoo" typeface="DokChampa"/>
+        <a:font script="Sinh" typeface="Iskoola Pota"/>
+        <a:font script="Mong" typeface="Mongolian Baiti"/>
+        <a:font script="Viet" typeface="Arial"/>
+        <a:font script="Uigh" typeface="Microsoft Uighur"/>
+        <a:font script="Geor" typeface="Sylfaen"/>
+      </a:minorFont>
+    </a:fontScheme>
+    <a:fmtScheme name="Office">
+      <a:fillStyleLst>
+        <a:solidFill>
+          <a:schemeClr val="phClr"/>
+        </a:solidFill>
+        <a:gradFill rotWithShape="1">
+          <a:gsLst>
+            <a:gs pos="0">
+              <a:schemeClr val="phClr">
+                <a:tint val="50000"/>
+                <a:satMod val="300000"/>
+              </a:schemeClr>
+            </a:gs>
+            <a:gs pos="35000">
+              <a:schemeClr val="phClr">
+                <a:tint val="37000"/>
+                <a:satMod val="300000"/>
+              </a:schemeClr>
+            </a:gs>
+            <a:gs pos="100000">
+              <a:schemeClr val="phClr">
+                <a:tint val="15000"/>
+                <a:satMod val="350000"/>
+              </a:schemeClr>
+            </a:gs>
+          </a:gsLst>
+          <a:lin ang="16200000" scaled="1"/>
+        </a:gradFill>
+        <a:gradFill rotWithShape="1">
+          <a:gsLst>
+            <a:gs pos="0">
+              <a:schemeClr val="phClr">
+                <a:tint val="100000"/>
+                <a:shade val="100000"/>
+                <a:satMod val="130000"/>
+              </a:schemeClr>
+            </a:gs>
+            <a:gs pos="100000">
+              <a:schemeClr val="phClr">
+                <a:tint val="50000"/>
+                <a:shade val="100000"/>
+                <a:satMod val="350000"/>
+              </a:schemeClr>
+            </a:gs>
+          </a:gsLst>
+          <a:lin ang="16200000" scaled="0"/>
+        </a:gradFill>
+      </a:fillStyleLst>
+      <a:lnStyleLst>
+        <a:ln w="9525" cap="flat" cmpd="sng" algn="ctr">
+          <a:solidFill>
+            <a:schemeClr val="phClr">
+              <a:shade val="95000"/>
+              <a:satMod val="105000"/>
+            </a:schemeClr>
+          </a:solidFill>
+          <a:prstDash val="solid"/>
+        </a:ln>
+        <a:ln w="25400" cap="flat" cmpd="sng" algn="ctr">
+          <a:solidFill>
+            <a:schemeClr val="phClr"/>
+          </a:solidFill>
+          <a:prstDash val="solid"/>
+        </a:ln>
+        <a:ln w="38100" cap="flat" cmpd="sng" algn="ctr">
+          <a:solidFill>
+            <a:schemeClr val="phClr"/>
+          </a:solidFill>
+          <a:prstDash val="solid"/>
+        </a:ln>
+      </a:lnStyleLst>
+      <a:effectStyleLst>
+        <a:effectStyle>
+          <a:effectLst>
+            <a:outerShdw blurRad="40000" dist="20000" dir="5400000" rotWithShape="0">
+              <a:srgbClr val="000000">
+                <a:alpha val="38000"/>
+              </a:srgbClr>
+            </a:outerShdw>
+          </a:effectLst>
+        </a:effectStyle>
+        <a:effectStyle>
+          <a:effectLst>
+            <a:outerShdw blurRad="40000" dist="23000" dir="5400000" rotWithShape="0">
+              <a:srgbClr val="000000">
+                <a:alpha val="35000"/>
+              </a:srgbClr>
+            </a:outerShdw>
+          </a:effectLst>
+        </a:effectStyle>
+        <a:effectStyle>
+          <a:effectLst>
+            <a:outerShdw blurRad="40000" dist="23000" dir="5400000" rotWithShape="0">
+              <a:srgbClr val="000000">
+                <a:alpha val="35000"/>
+              </a:srgbClr>
+            </a:outerShdw>
+          </a:effectLst>
+          <a:scene3d>
+            <a:camera prst="orthographicFront">
+              <a:rot lat="0" lon="0" rev="0"/>
+            </a:camera>
+            <a:lightRig rig="threePt" dir="t">
+              <a:rot lat="0" lon="0" rev="1200000"/>
+            </a:lightRig>
+          </a:scene3d>
+          <a:sp3d>
+            <a:bevelT w="63500" h="25400"/>
+          </a:sp3d>
+        </a:effectStyle>
+      </a:effectStyleLst>
+      <a:bgFillStyleLst>
+        <a:solidFill>
+          <a:schemeClr val="phClr"/>
+        </a:solidFill>
+        <a:gradFill rotWithShape="1">
+          <a:gsLst>
+            <a:gs pos="0">
+              <a:schemeClr val="phClr">
+                <a:tint val="40000"/>
+                <a:satMod val="350000"/>
+              </a:schemeClr>
+            </a:gs>
+            <a:gs pos="40000">
+              <a:schemeClr val="phClr">
+                <a:tint val="45000"/>
+                <a:shade val="99000"/>
+                <a:satMod val="350000"/>
+              </a:schemeClr>
+            </a:gs>
+            <a:gs pos="100000">
+              <a:schemeClr val="phClr">
+                <a:shade val="20000"/>
+                <a:satMod val="255000"/>
+              </a:schemeClr>
+            </a:gs>
+          </a:gsLst>
+          <a:path path="circle">
+            <a:fillToRect l="50000" t="-80000" r="50000" b="180000"/>
+          </a:path>
+        </a:gradFill>
+        <a:gradFill rotWithShape="1">
+          <a:gsLst>
+            <a:gs pos="0">
+              <a:schemeClr val="phClr">
+                <a:tint val="80000"/>
+                <a:satMod val="300000"/>
+              </a:schemeClr>
+            </a:gs>
+            <a:gs pos="100000">
+              <a:schemeClr val="phClr">
+                <a:shade val="30000"/>
+                <a:satMod val="200000"/>
+              </a:schemeClr>
+            </a:gs>
+          </a:gsLst>
+          <a:path path="circle">
+            <a:fillToRect l="50000" t="50000" r="50000" b="50000"/>
+          </a:path>
+        </a:gradFill>
+      </a:bgFillStyleLst>
+    </a:fmtScheme>
+  </a:themeElements>
+</a:theme>
+</file>
+
+<file path=ppt/theme/theme2.xml><?xml version="1.0" encoding="utf-8"?>
 <a:theme xmlns:a="http://schemas.openxmlformats.org/drawingml/2006/main" xmlns:r="http://schemas.openxmlformats.org/officeDocument/2006/relationships" name="TUBraunschweig_PPT2007_Folienpool_pptx">
   <a:themeElements>
     <a:clrScheme name="TU Braunschweig">
@@ -14383,283 +14246,4 @@
     </a:fmtScheme>
   </a:themeElements>
 </a:theme>
-</file>
-
-<file path=ppt/theme/theme2.xml><?xml version="1.0" encoding="utf-8"?>
-<a:theme xmlns:a="http://schemas.openxmlformats.org/drawingml/2006/main" xmlns:r="http://schemas.openxmlformats.org/officeDocument/2006/relationships">
-  <a:themeElements>
-    <a:clrScheme name="Default">
-      <a:dk1>
-        <a:srgbClr val="000000"/>
-      </a:dk1>
-      <a:lt1>
-        <a:srgbClr val="FFFFFF"/>
-      </a:lt1>
-      <a:dk2>
-        <a:srgbClr val="158158"/>
-      </a:dk2>
-      <a:lt2>
-        <a:srgbClr val="F3F3F3"/>
-      </a:lt2>
-      <a:accent1>
-        <a:srgbClr val="058DC7"/>
-      </a:accent1>
-      <a:accent2>
-        <a:srgbClr val="50B432"/>
-      </a:accent2>
-      <a:accent3>
-        <a:srgbClr val="ED561B"/>
-      </a:accent3>
-      <a:accent4>
-        <a:srgbClr val="EDEF00"/>
-      </a:accent4>
-      <a:accent5>
-        <a:srgbClr val="24CBE5"/>
-      </a:accent5>
-      <a:accent6>
-        <a:srgbClr val="64E572"/>
-      </a:accent6>
-      <a:hlink>
-        <a:srgbClr val="2200CC"/>
-      </a:hlink>
-      <a:folHlink>
-        <a:srgbClr val="551A8B"/>
-      </a:folHlink>
-    </a:clrScheme>
-    <a:fontScheme name="Office">
-      <a:majorFont>
-        <a:latin typeface="Arial"/>
-        <a:ea typeface=""/>
-        <a:cs typeface=""/>
-        <a:font script="Jpan" typeface="ＭＳ Ｐゴシック"/>
-        <a:font script="Hang" typeface="맑은 고딕"/>
-        <a:font script="Hans" typeface="宋体"/>
-        <a:font script="Hant" typeface="新細明體"/>
-        <a:font script="Arab" typeface="Times New Roman"/>
-        <a:font script="Hebr" typeface="Times New Roman"/>
-        <a:font script="Thai" typeface="Angsana New"/>
-        <a:font script="Ethi" typeface="Nyala"/>
-        <a:font script="Beng" typeface="Vrinda"/>
-        <a:font script="Gujr" typeface="Shruti"/>
-        <a:font script="Khmr" typeface="MoolBoran"/>
-        <a:font script="Knda" typeface="Tunga"/>
-        <a:font script="Guru" typeface="Raavi"/>
-        <a:font script="Cans" typeface="Euphemia"/>
-        <a:font script="Cher" typeface="Plantagenet Cherokee"/>
-        <a:font script="Yiii" typeface="Microsoft Yi Baiti"/>
-        <a:font script="Tibt" typeface="Microsoft Himalaya"/>
-        <a:font script="Thaa" typeface="MV Boli"/>
-        <a:font script="Deva" typeface="Mangal"/>
-        <a:font script="Telu" typeface="Gautami"/>
-        <a:font script="Taml" typeface="Latha"/>
-        <a:font script="Syrc" typeface="Estrangelo Edessa"/>
-        <a:font script="Orya" typeface="Kalinga"/>
-        <a:font script="Mlym" typeface="Kartika"/>
-        <a:font script="Laoo" typeface="DokChampa"/>
-        <a:font script="Sinh" typeface="Iskoola Pota"/>
-        <a:font script="Mong" typeface="Mongolian Baiti"/>
-        <a:font script="Viet" typeface="Times New Roman"/>
-        <a:font script="Uigh" typeface="Microsoft Uighur"/>
-        <a:font script="Geor" typeface="Sylfaen"/>
-      </a:majorFont>
-      <a:minorFont>
-        <a:latin typeface="Arial"/>
-        <a:ea typeface=""/>
-        <a:cs typeface=""/>
-        <a:font script="Jpan" typeface="ＭＳ Ｐゴシック"/>
-        <a:font script="Hang" typeface="맑은 고딕"/>
-        <a:font script="Hans" typeface="宋体"/>
-        <a:font script="Hant" typeface="新細明體"/>
-        <a:font script="Arab" typeface="Arial"/>
-        <a:font script="Hebr" typeface="Arial"/>
-        <a:font script="Thai" typeface="Cordia New"/>
-        <a:font script="Ethi" typeface="Nyala"/>
-        <a:font script="Beng" typeface="Vrinda"/>
-        <a:font script="Gujr" typeface="Shruti"/>
-        <a:font script="Khmr" typeface="DaunPenh"/>
-        <a:font script="Knda" typeface="Tunga"/>
-        <a:font script="Guru" typeface="Raavi"/>
-        <a:font script="Cans" typeface="Euphemia"/>
-        <a:font script="Cher" typeface="Plantagenet Cherokee"/>
-        <a:font script="Yiii" typeface="Microsoft Yi Baiti"/>
-        <a:font script="Tibt" typeface="Microsoft Himalaya"/>
-        <a:font script="Thaa" typeface="MV Boli"/>
-        <a:font script="Deva" typeface="Mangal"/>
-        <a:font script="Telu" typeface="Gautami"/>
-        <a:font script="Taml" typeface="Latha"/>
-        <a:font script="Syrc" typeface="Estrangelo Edessa"/>
-        <a:font script="Orya" typeface="Kalinga"/>
-        <a:font script="Mlym" typeface="Kartika"/>
-        <a:font script="Laoo" typeface="DokChampa"/>
-        <a:font script="Sinh" typeface="Iskoola Pota"/>
-        <a:font script="Mong" typeface="Mongolian Baiti"/>
-        <a:font script="Viet" typeface="Arial"/>
-        <a:font script="Uigh" typeface="Microsoft Uighur"/>
-        <a:font script="Geor" typeface="Sylfaen"/>
-      </a:minorFont>
-    </a:fontScheme>
-    <a:fmtScheme name="Office">
-      <a:fillStyleLst>
-        <a:solidFill>
-          <a:schemeClr val="phClr"/>
-        </a:solidFill>
-        <a:gradFill rotWithShape="1">
-          <a:gsLst>
-            <a:gs pos="0">
-              <a:schemeClr val="phClr">
-                <a:tint val="50000"/>
-                <a:satMod val="300000"/>
-              </a:schemeClr>
-            </a:gs>
-            <a:gs pos="35000">
-              <a:schemeClr val="phClr">
-                <a:tint val="37000"/>
-                <a:satMod val="300000"/>
-              </a:schemeClr>
-            </a:gs>
-            <a:gs pos="100000">
-              <a:schemeClr val="phClr">
-                <a:tint val="15000"/>
-                <a:satMod val="350000"/>
-              </a:schemeClr>
-            </a:gs>
-          </a:gsLst>
-          <a:lin ang="16200000" scaled="1"/>
-        </a:gradFill>
-        <a:gradFill rotWithShape="1">
-          <a:gsLst>
-            <a:gs pos="0">
-              <a:schemeClr val="phClr">
-                <a:tint val="100000"/>
-                <a:shade val="100000"/>
-                <a:satMod val="130000"/>
-              </a:schemeClr>
-            </a:gs>
-            <a:gs pos="100000">
-              <a:schemeClr val="phClr">
-                <a:tint val="50000"/>
-                <a:shade val="100000"/>
-                <a:satMod val="350000"/>
-              </a:schemeClr>
-            </a:gs>
-          </a:gsLst>
-          <a:lin ang="16200000" scaled="0"/>
-        </a:gradFill>
-      </a:fillStyleLst>
-      <a:lnStyleLst>
-        <a:ln w="9525" cap="flat" cmpd="sng" algn="ctr">
-          <a:solidFill>
-            <a:schemeClr val="phClr">
-              <a:shade val="95000"/>
-              <a:satMod val="105000"/>
-            </a:schemeClr>
-          </a:solidFill>
-          <a:prstDash val="solid"/>
-        </a:ln>
-        <a:ln w="25400" cap="flat" cmpd="sng" algn="ctr">
-          <a:solidFill>
-            <a:schemeClr val="phClr"/>
-          </a:solidFill>
-          <a:prstDash val="solid"/>
-        </a:ln>
-        <a:ln w="38100" cap="flat" cmpd="sng" algn="ctr">
-          <a:solidFill>
-            <a:schemeClr val="phClr"/>
-          </a:solidFill>
-          <a:prstDash val="solid"/>
-        </a:ln>
-      </a:lnStyleLst>
-      <a:effectStyleLst>
-        <a:effectStyle>
-          <a:effectLst>
-            <a:outerShdw blurRad="40000" dist="20000" dir="5400000" rotWithShape="0">
-              <a:srgbClr val="000000">
-                <a:alpha val="38000"/>
-              </a:srgbClr>
-            </a:outerShdw>
-          </a:effectLst>
-        </a:effectStyle>
-        <a:effectStyle>
-          <a:effectLst>
-            <a:outerShdw blurRad="40000" dist="23000" dir="5400000" rotWithShape="0">
-              <a:srgbClr val="000000">
-                <a:alpha val="35000"/>
-              </a:srgbClr>
-            </a:outerShdw>
-          </a:effectLst>
-        </a:effectStyle>
-        <a:effectStyle>
-          <a:effectLst>
-            <a:outerShdw blurRad="40000" dist="23000" dir="5400000" rotWithShape="0">
-              <a:srgbClr val="000000">
-                <a:alpha val="35000"/>
-              </a:srgbClr>
-            </a:outerShdw>
-          </a:effectLst>
-          <a:scene3d>
-            <a:camera prst="orthographicFront">
-              <a:rot lat="0" lon="0" rev="0"/>
-            </a:camera>
-            <a:lightRig rig="threePt" dir="t">
-              <a:rot lat="0" lon="0" rev="1200000"/>
-            </a:lightRig>
-          </a:scene3d>
-          <a:sp3d>
-            <a:bevelT w="63500" h="25400"/>
-          </a:sp3d>
-        </a:effectStyle>
-      </a:effectStyleLst>
-      <a:bgFillStyleLst>
-        <a:solidFill>
-          <a:schemeClr val="phClr"/>
-        </a:solidFill>
-        <a:gradFill rotWithShape="1">
-          <a:gsLst>
-            <a:gs pos="0">
-              <a:schemeClr val="phClr">
-                <a:tint val="40000"/>
-                <a:satMod val="350000"/>
-              </a:schemeClr>
-            </a:gs>
-            <a:gs pos="40000">
-              <a:schemeClr val="phClr">
-                <a:tint val="45000"/>
-                <a:shade val="99000"/>
-                <a:satMod val="350000"/>
-              </a:schemeClr>
-            </a:gs>
-            <a:gs pos="100000">
-              <a:schemeClr val="phClr">
-                <a:shade val="20000"/>
-                <a:satMod val="255000"/>
-              </a:schemeClr>
-            </a:gs>
-          </a:gsLst>
-          <a:path path="circle">
-            <a:fillToRect l="50000" t="-80000" r="50000" b="180000"/>
-          </a:path>
-        </a:gradFill>
-        <a:gradFill rotWithShape="1">
-          <a:gsLst>
-            <a:gs pos="0">
-              <a:schemeClr val="phClr">
-                <a:tint val="80000"/>
-                <a:satMod val="300000"/>
-              </a:schemeClr>
-            </a:gs>
-            <a:gs pos="100000">
-              <a:schemeClr val="phClr">
-                <a:shade val="30000"/>
-                <a:satMod val="200000"/>
-              </a:schemeClr>
-            </a:gs>
-          </a:gsLst>
-          <a:path path="circle">
-            <a:fillToRect l="50000" t="50000" r="50000" b="50000"/>
-          </a:path>
-        </a:gradFill>
-      </a:bgFillStyleLst>
-    </a:fmtScheme>
-  </a:themeElements>
-</a:theme>
 </file>
--- a/slides/01_first_steps_with_java.pptx
+++ b/slides/01_first_steps_with_java.pptx
@@ -802,7 +802,7 @@
   <p:cSld>
     <p:spTree>
       <p:nvGrpSpPr>
-        <p:cNvPr id="157" name="Shape 157"/>
+        <p:cNvPr id="158" name="Shape 158"/>
         <p:cNvGrpSpPr/>
         <p:nvPr/>
       </p:nvGrpSpPr>
@@ -816,7 +816,7 @@
       </p:grpSpPr>
       <p:sp>
         <p:nvSpPr>
-          <p:cNvPr id="158" name="Google Shape;158;gf9e77fe1e2_0_140:notes"/>
+          <p:cNvPr id="159" name="Google Shape;159;gf9e77fe1e2_0_140:notes"/>
           <p:cNvSpPr/>
           <p:nvPr>
             <p:ph idx="2" type="sldImg"/>
@@ -851,7 +851,7 @@
       </p:sp>
       <p:sp>
         <p:nvSpPr>
-          <p:cNvPr id="159" name="Google Shape;159;gf9e77fe1e2_0_140:notes"/>
+          <p:cNvPr id="160" name="Google Shape;160;gf9e77fe1e2_0_140:notes"/>
           <p:cNvSpPr txBox="1"/>
           <p:nvPr>
             <p:ph idx="1" type="body"/>
@@ -901,7 +901,7 @@
   <p:cSld>
     <p:spTree>
       <p:nvGrpSpPr>
-        <p:cNvPr id="163" name="Shape 163"/>
+        <p:cNvPr id="164" name="Shape 164"/>
         <p:cNvGrpSpPr/>
         <p:nvPr/>
       </p:nvGrpSpPr>
@@ -915,7 +915,7 @@
       </p:grpSpPr>
       <p:sp>
         <p:nvSpPr>
-          <p:cNvPr id="164" name="Google Shape;164;gfb93995a4a_0_0:notes"/>
+          <p:cNvPr id="165" name="Google Shape;165;gfb93995a4a_0_0:notes"/>
           <p:cNvSpPr/>
           <p:nvPr>
             <p:ph idx="2" type="sldImg"/>
@@ -950,7 +950,7 @@
       </p:sp>
       <p:sp>
         <p:nvSpPr>
-          <p:cNvPr id="165" name="Google Shape;165;gfb93995a4a_0_0:notes"/>
+          <p:cNvPr id="166" name="Google Shape;166;gfb93995a4a_0_0:notes"/>
           <p:cNvSpPr txBox="1"/>
           <p:nvPr>
             <p:ph idx="1" type="body"/>
@@ -1000,7 +1000,7 @@
   <p:cSld>
     <p:spTree>
       <p:nvGrpSpPr>
-        <p:cNvPr id="171" name="Shape 171"/>
+        <p:cNvPr id="172" name="Shape 172"/>
         <p:cNvGrpSpPr/>
         <p:nvPr/>
       </p:nvGrpSpPr>
@@ -1014,7 +1014,7 @@
       </p:grpSpPr>
       <p:sp>
         <p:nvSpPr>
-          <p:cNvPr id="172" name="Google Shape;172;gf9e77fe1e2_0_166:notes"/>
+          <p:cNvPr id="173" name="Google Shape;173;gf9e77fe1e2_0_166:notes"/>
           <p:cNvSpPr/>
           <p:nvPr>
             <p:ph idx="2" type="sldImg"/>
@@ -1049,7 +1049,7 @@
       </p:sp>
       <p:sp>
         <p:nvSpPr>
-          <p:cNvPr id="173" name="Google Shape;173;gf9e77fe1e2_0_166:notes"/>
+          <p:cNvPr id="174" name="Google Shape;174;gf9e77fe1e2_0_166:notes"/>
           <p:cNvSpPr txBox="1"/>
           <p:nvPr>
             <p:ph idx="1" type="body"/>
@@ -1099,7 +1099,7 @@
   <p:cSld>
     <p:spTree>
       <p:nvGrpSpPr>
-        <p:cNvPr id="177" name="Shape 177"/>
+        <p:cNvPr id="178" name="Shape 178"/>
         <p:cNvGrpSpPr/>
         <p:nvPr/>
       </p:nvGrpSpPr>
@@ -1113,7 +1113,7 @@
       </p:grpSpPr>
       <p:sp>
         <p:nvSpPr>
-          <p:cNvPr id="178" name="Google Shape;178;gf9e77fe1e2_0_171:notes"/>
+          <p:cNvPr id="179" name="Google Shape;179;gf9e77fe1e2_0_171:notes"/>
           <p:cNvSpPr/>
           <p:nvPr>
             <p:ph idx="2" type="sldImg"/>
@@ -1148,7 +1148,7 @@
       </p:sp>
       <p:sp>
         <p:nvSpPr>
-          <p:cNvPr id="179" name="Google Shape;179;gf9e77fe1e2_0_171:notes"/>
+          <p:cNvPr id="180" name="Google Shape;180;gf9e77fe1e2_0_171:notes"/>
           <p:cNvSpPr txBox="1"/>
           <p:nvPr>
             <p:ph idx="1" type="body"/>
@@ -10157,7 +10157,7 @@
   <p:cSld>
     <p:spTree>
       <p:nvGrpSpPr>
-        <p:cNvPr id="160" name="Shape 160"/>
+        <p:cNvPr id="161" name="Shape 161"/>
         <p:cNvGrpSpPr/>
         <p:nvPr/>
       </p:nvGrpSpPr>
@@ -10171,7 +10171,7 @@
       </p:grpSpPr>
       <p:sp>
         <p:nvSpPr>
-          <p:cNvPr id="161" name="Google Shape;161;p26"/>
+          <p:cNvPr id="162" name="Google Shape;162;p26"/>
           <p:cNvSpPr txBox="1"/>
           <p:nvPr>
             <p:ph type="title"/>
@@ -10211,7 +10211,7 @@
       </p:sp>
       <p:sp>
         <p:nvSpPr>
-          <p:cNvPr id="162" name="Google Shape;162;p26"/>
+          <p:cNvPr id="163" name="Google Shape;163;p26"/>
           <p:cNvSpPr/>
           <p:nvPr>
             <p:ph idx="2" type="chart"/>
@@ -10528,7 +10528,7 @@
   <p:cSld>
     <p:spTree>
       <p:nvGrpSpPr>
-        <p:cNvPr id="166" name="Shape 166"/>
+        <p:cNvPr id="167" name="Shape 167"/>
         <p:cNvGrpSpPr/>
         <p:nvPr/>
       </p:nvGrpSpPr>
@@ -10542,7 +10542,7 @@
       </p:grpSpPr>
       <p:sp>
         <p:nvSpPr>
-          <p:cNvPr id="167" name="Google Shape;167;p27"/>
+          <p:cNvPr id="168" name="Google Shape;168;p27"/>
           <p:cNvSpPr txBox="1"/>
           <p:nvPr>
             <p:ph type="title"/>
@@ -10582,7 +10582,7 @@
       </p:sp>
       <p:sp>
         <p:nvSpPr>
-          <p:cNvPr id="168" name="Google Shape;168;p27"/>
+          <p:cNvPr id="169" name="Google Shape;169;p27"/>
           <p:cNvSpPr/>
           <p:nvPr>
             <p:ph idx="2" type="chart"/>
@@ -10638,7 +10638,7 @@
       </p:sp>
       <p:pic>
         <p:nvPicPr>
-          <p:cNvPr id="169" name="Google Shape;169;p27"/>
+          <p:cNvPr id="170" name="Google Shape;170;p27"/>
           <p:cNvPicPr preferRelativeResize="0"/>
           <p:nvPr/>
         </p:nvPicPr>
@@ -10666,7 +10666,7 @@
       </p:pic>
       <p:pic>
         <p:nvPicPr>
-          <p:cNvPr id="170" name="Google Shape;170;p27"/>
+          <p:cNvPr id="171" name="Google Shape;171;p27"/>
           <p:cNvPicPr preferRelativeResize="0"/>
           <p:nvPr/>
         </p:nvPicPr>
@@ -10705,7 +10705,7 @@
   <p:cSld>
     <p:spTree>
       <p:nvGrpSpPr>
-        <p:cNvPr id="174" name="Shape 174"/>
+        <p:cNvPr id="175" name="Shape 175"/>
         <p:cNvGrpSpPr/>
         <p:nvPr/>
       </p:nvGrpSpPr>
@@ -10719,7 +10719,7 @@
       </p:grpSpPr>
       <p:sp>
         <p:nvSpPr>
-          <p:cNvPr id="175" name="Google Shape;175;p28"/>
+          <p:cNvPr id="176" name="Google Shape;176;p28"/>
           <p:cNvSpPr txBox="1"/>
           <p:nvPr>
             <p:ph type="title"/>
@@ -10759,7 +10759,7 @@
       </p:sp>
       <p:sp>
         <p:nvSpPr>
-          <p:cNvPr id="176" name="Google Shape;176;p28"/>
+          <p:cNvPr id="177" name="Google Shape;177;p28"/>
           <p:cNvSpPr/>
           <p:nvPr>
             <p:ph idx="2" type="chart"/>
@@ -10900,7 +10900,7 @@
   <p:cSld>
     <p:spTree>
       <p:nvGrpSpPr>
-        <p:cNvPr id="180" name="Shape 180"/>
+        <p:cNvPr id="181" name="Shape 181"/>
         <p:cNvGrpSpPr/>
         <p:nvPr/>
       </p:nvGrpSpPr>
@@ -10914,7 +10914,7 @@
       </p:grpSpPr>
       <p:sp>
         <p:nvSpPr>
-          <p:cNvPr id="181" name="Google Shape;181;p29"/>
+          <p:cNvPr id="182" name="Google Shape;182;p29"/>
           <p:cNvSpPr txBox="1"/>
           <p:nvPr>
             <p:ph type="title"/>
@@ -10954,7 +10954,7 @@
       </p:sp>
       <p:sp>
         <p:nvSpPr>
-          <p:cNvPr id="182" name="Google Shape;182;p29"/>
+          <p:cNvPr id="183" name="Google Shape;183;p29"/>
           <p:cNvSpPr/>
           <p:nvPr>
             <p:ph idx="2" type="chart"/>
@@ -13682,6 +13682,34 @@
           </a:p>
         </p:txBody>
       </p:sp>
+      <p:pic>
+        <p:nvPicPr>
+          <p:cNvPr id="157" name="Google Shape;157;p25"/>
+          <p:cNvPicPr preferRelativeResize="0"/>
+          <p:nvPr/>
+        </p:nvPicPr>
+        <p:blipFill>
+          <a:blip r:embed="rId3">
+            <a:alphaModFix/>
+          </a:blip>
+          <a:stretch>
+            <a:fillRect/>
+          </a:stretch>
+        </p:blipFill>
+        <p:spPr>
+          <a:xfrm>
+            <a:off x="5711725" y="2371125"/>
+            <a:ext cx="2279200" cy="1560625"/>
+          </a:xfrm>
+          <a:prstGeom prst="rect">
+            <a:avLst/>
+          </a:prstGeom>
+          <a:noFill/>
+          <a:ln>
+            <a:noFill/>
+          </a:ln>
+        </p:spPr>
+      </p:pic>
     </p:spTree>
   </p:cSld>
   <p:clrMapOvr>

--- a/slides/01_first_steps_with_java.pptx
+++ b/slides/01_first_steps_with_java.pptx
@@ -10470,7 +10470,7 @@
             </a:pPr>
             <a:r>
               <a:rPr lang="de"/>
-              <a:t>Konkatenation (String [ =&gt; String me = “David” + “ “ + “Gemen” // “David Gemen”], ...)</a:t>
+              <a:t>Konkatenation (z.B.: String fullName = “David” + “ “ + “Gemen” [=&gt; “David Gemen”])</a:t>
             </a:r>
             <a:endParaRPr/>
           </a:p>
@@ -10614,7 +10614,7 @@
             </a:pPr>
             <a:r>
               <a:rPr lang="de"/>
-              <a:t>Solltest du beim Programmieren einen Fehler gemacht haben, sodass das Programm nicht nur falsch, sondern gar nicht läuft, dann ist der Fehler meisten schnell gefunden (anders wenn das Programm falsch läuft, dann müsst ihr selber auf die Suche gehen).</a:t>
+              <a:t>Solltest du beim Programmieren einen Fehler gemacht haben, sodass das Programm nicht nur falsch, sondern gar nicht läuft, dann ist der Fehler meistens schnell gefunden (anders wenn das Programm falsch läuft, dann müsst ihr selber auf die Suche gehen).</a:t>
             </a:r>
             <a:endParaRPr/>
           </a:p>
@@ -10630,7 +10630,7 @@
             </a:pPr>
             <a:r>
               <a:rPr lang="de"/>
-              <a:t>Auf Fehler, die bewirken, dass das Programm nicht kompiliert werden kann, weist euch der Compiler hin.</a:t>
+              <a:t>Auf Fehler, die bewirken, dass das Programm nicht kompiliert werden kann, weist euch der Compiler hin:</a:t>
             </a:r>
             <a:endParaRPr/>
           </a:p>
@@ -11692,7 +11692,7 @@
                 <a:spcPts val="0"/>
               </a:spcAft>
               <a:buSzPts val="1800"/>
-              <a:buChar char="■"/>
+              <a:buChar char="→"/>
             </a:pPr>
             <a:r>
               <a:rPr lang="de"/>
@@ -13319,7 +13319,7 @@
             </a:pPr>
             <a:r>
               <a:rPr lang="de"/>
-              <a:t>Variablen sind nur innerhalb des Scopes ( =&gt; {}), in dem sie deklariert sind und erst nach der Deklaration sichtbar.</a:t>
+              <a:t>Variablen sind nur innerhalb des Scopes ( =&gt; { }), in dem sie deklariert sind und erst nach der Deklaration sichtbar.</a:t>
             </a:r>
             <a:endParaRPr/>
           </a:p>
@@ -13719,6 +13719,285 @@
 </file>
 
 <file path=ppt/theme/theme1.xml><?xml version="1.0" encoding="utf-8"?>
+<a:theme xmlns:a="http://schemas.openxmlformats.org/drawingml/2006/main" xmlns:r="http://schemas.openxmlformats.org/officeDocument/2006/relationships" name="TUBraunschweig_PPT2007_Folienpool_pptx">
+  <a:themeElements>
+    <a:clrScheme name="TU Braunschweig">
+      <a:dk1>
+        <a:srgbClr val="000000"/>
+      </a:dk1>
+      <a:lt1>
+        <a:srgbClr val="FFFFFF"/>
+      </a:lt1>
+      <a:dk2>
+        <a:srgbClr val="000000"/>
+      </a:dk2>
+      <a:lt2>
+        <a:srgbClr val="DDDDDD"/>
+      </a:lt2>
+      <a:accent1>
+        <a:srgbClr val="BE1E3C"/>
+      </a:accent1>
+      <a:accent2>
+        <a:srgbClr val="4DA6CB"/>
+      </a:accent2>
+      <a:accent3>
+        <a:srgbClr val="ADBF4D"/>
+      </a:accent3>
+      <a:accent4>
+        <a:srgbClr val="FA6E00"/>
+      </a:accent4>
+      <a:accent5>
+        <a:srgbClr val="407E97"/>
+      </a:accent5>
+      <a:accent6>
+        <a:srgbClr val="984098"/>
+      </a:accent6>
+      <a:hlink>
+        <a:srgbClr val="BE1E3C"/>
+      </a:hlink>
+      <a:folHlink>
+        <a:srgbClr val="760054"/>
+      </a:folHlink>
+    </a:clrScheme>
+    <a:fontScheme name="Office">
+      <a:majorFont>
+        <a:latin typeface="Arial"/>
+        <a:ea typeface=""/>
+        <a:cs typeface=""/>
+        <a:font script="Jpan" typeface="ＭＳ Ｐゴシック"/>
+        <a:font script="Hang" typeface="맑은 고딕"/>
+        <a:font script="Hans" typeface="宋体"/>
+        <a:font script="Hant" typeface="新細明體"/>
+        <a:font script="Arab" typeface="Times New Roman"/>
+        <a:font script="Hebr" typeface="Times New Roman"/>
+        <a:font script="Thai" typeface="Angsana New"/>
+        <a:font script="Ethi" typeface="Nyala"/>
+        <a:font script="Beng" typeface="Vrinda"/>
+        <a:font script="Gujr" typeface="Shruti"/>
+        <a:font script="Khmr" typeface="MoolBoran"/>
+        <a:font script="Knda" typeface="Tunga"/>
+        <a:font script="Guru" typeface="Raavi"/>
+        <a:font script="Cans" typeface="Euphemia"/>
+        <a:font script="Cher" typeface="Plantagenet Cherokee"/>
+        <a:font script="Yiii" typeface="Microsoft Yi Baiti"/>
+        <a:font script="Tibt" typeface="Microsoft Himalaya"/>
+        <a:font script="Thaa" typeface="MV Boli"/>
+        <a:font script="Deva" typeface="Mangal"/>
+        <a:font script="Telu" typeface="Gautami"/>
+        <a:font script="Taml" typeface="Latha"/>
+        <a:font script="Syrc" typeface="Estrangelo Edessa"/>
+        <a:font script="Orya" typeface="Kalinga"/>
+        <a:font script="Mlym" typeface="Kartika"/>
+        <a:font script="Laoo" typeface="DokChampa"/>
+        <a:font script="Sinh" typeface="Iskoola Pota"/>
+        <a:font script="Mong" typeface="Mongolian Baiti"/>
+        <a:font script="Viet" typeface="Times New Roman"/>
+        <a:font script="Uigh" typeface="Microsoft Uighur"/>
+        <a:font script="Geor" typeface="Sylfaen"/>
+      </a:majorFont>
+      <a:minorFont>
+        <a:latin typeface="Arial"/>
+        <a:ea typeface=""/>
+        <a:cs typeface=""/>
+        <a:font script="Jpan" typeface="ＭＳ Ｐゴシック"/>
+        <a:font script="Hang" typeface="맑은 고딕"/>
+        <a:font script="Hans" typeface="宋体"/>
+        <a:font script="Hant" typeface="新細明體"/>
+        <a:font script="Arab" typeface="Arial"/>
+        <a:font script="Hebr" typeface="Arial"/>
+        <a:font script="Thai" typeface="Cordia New"/>
+        <a:font script="Ethi" typeface="Nyala"/>
+        <a:font script="Beng" typeface="Vrinda"/>
+        <a:font script="Gujr" typeface="Shruti"/>
+        <a:font script="Khmr" typeface="DaunPenh"/>
+        <a:font script="Knda" typeface="Tunga"/>
+        <a:font script="Guru" typeface="Raavi"/>
+        <a:font script="Cans" typeface="Euphemia"/>
+        <a:font script="Cher" typeface="Plantagenet Cherokee"/>
+        <a:font script="Yiii" typeface="Microsoft Yi Baiti"/>
+        <a:font script="Tibt" typeface="Microsoft Himalaya"/>
+        <a:font script="Thaa" typeface="MV Boli"/>
+        <a:font script="Deva" typeface="Mangal"/>
+        <a:font script="Telu" typeface="Gautami"/>
+        <a:font script="Taml" typeface="Latha"/>
+        <a:font script="Syrc" typeface="Estrangelo Edessa"/>
+        <a:font script="Orya" typeface="Kalinga"/>
+        <a:font script="Mlym" typeface="Kartika"/>
+        <a:font script="Laoo" typeface="DokChampa"/>
+        <a:font script="Sinh" typeface="Iskoola Pota"/>
+        <a:font script="Mong" typeface="Mongolian Baiti"/>
+        <a:font script="Viet" typeface="Arial"/>
+        <a:font script="Uigh" typeface="Microsoft Uighur"/>
+        <a:font script="Geor" typeface="Sylfaen"/>
+      </a:minorFont>
+    </a:fontScheme>
+    <a:fmtScheme name="Office">
+      <a:fillStyleLst>
+        <a:solidFill>
+          <a:schemeClr val="phClr"/>
+        </a:solidFill>
+        <a:gradFill rotWithShape="1">
+          <a:gsLst>
+            <a:gs pos="0">
+              <a:schemeClr val="phClr">
+                <a:tint val="50000"/>
+                <a:satMod val="300000"/>
+              </a:schemeClr>
+            </a:gs>
+            <a:gs pos="35000">
+              <a:schemeClr val="phClr">
+                <a:tint val="37000"/>
+                <a:satMod val="300000"/>
+              </a:schemeClr>
+            </a:gs>
+            <a:gs pos="100000">
+              <a:schemeClr val="phClr">
+                <a:tint val="15000"/>
+                <a:satMod val="350000"/>
+              </a:schemeClr>
+            </a:gs>
+          </a:gsLst>
+          <a:lin ang="16200000" scaled="1"/>
+        </a:gradFill>
+        <a:gradFill rotWithShape="1">
+          <a:gsLst>
+            <a:gs pos="0">
+              <a:schemeClr val="phClr">
+                <a:tint val="100000"/>
+                <a:shade val="100000"/>
+                <a:satMod val="130000"/>
+              </a:schemeClr>
+            </a:gs>
+            <a:gs pos="100000">
+              <a:schemeClr val="phClr">
+                <a:tint val="50000"/>
+                <a:shade val="100000"/>
+                <a:satMod val="350000"/>
+              </a:schemeClr>
+            </a:gs>
+          </a:gsLst>
+          <a:lin ang="16200000" scaled="0"/>
+        </a:gradFill>
+      </a:fillStyleLst>
+      <a:lnStyleLst>
+        <a:ln w="9525" cap="flat" cmpd="sng" algn="ctr">
+          <a:solidFill>
+            <a:schemeClr val="phClr">
+              <a:shade val="95000"/>
+              <a:satMod val="105000"/>
+            </a:schemeClr>
+          </a:solidFill>
+          <a:prstDash val="solid"/>
+        </a:ln>
+        <a:ln w="25400" cap="flat" cmpd="sng" algn="ctr">
+          <a:solidFill>
+            <a:schemeClr val="phClr"/>
+          </a:solidFill>
+          <a:prstDash val="solid"/>
+        </a:ln>
+        <a:ln w="38100" cap="flat" cmpd="sng" algn="ctr">
+          <a:solidFill>
+            <a:schemeClr val="phClr"/>
+          </a:solidFill>
+          <a:prstDash val="solid"/>
+        </a:ln>
+      </a:lnStyleLst>
+      <a:effectStyleLst>
+        <a:effectStyle>
+          <a:effectLst>
+            <a:outerShdw blurRad="40000" dist="20000" dir="5400000" rotWithShape="0">
+              <a:srgbClr val="000000">
+                <a:alpha val="38000"/>
+              </a:srgbClr>
+            </a:outerShdw>
+          </a:effectLst>
+        </a:effectStyle>
+        <a:effectStyle>
+          <a:effectLst>
+            <a:outerShdw blurRad="40000" dist="23000" dir="5400000" rotWithShape="0">
+              <a:srgbClr val="000000">
+                <a:alpha val="35000"/>
+              </a:srgbClr>
+            </a:outerShdw>
+          </a:effectLst>
+        </a:effectStyle>
+        <a:effectStyle>
+          <a:effectLst>
+            <a:outerShdw blurRad="40000" dist="23000" dir="5400000" rotWithShape="0">
+              <a:srgbClr val="000000">
+                <a:alpha val="35000"/>
+              </a:srgbClr>
+            </a:outerShdw>
+          </a:effectLst>
+          <a:scene3d>
+            <a:camera prst="orthographicFront">
+              <a:rot lat="0" lon="0" rev="0"/>
+            </a:camera>
+            <a:lightRig rig="threePt" dir="t">
+              <a:rot lat="0" lon="0" rev="1200000"/>
+            </a:lightRig>
+          </a:scene3d>
+          <a:sp3d>
+            <a:bevelT w="63500" h="25400"/>
+          </a:sp3d>
+        </a:effectStyle>
+      </a:effectStyleLst>
+      <a:bgFillStyleLst>
+        <a:solidFill>
+          <a:schemeClr val="phClr"/>
+        </a:solidFill>
+        <a:gradFill rotWithShape="1">
+          <a:gsLst>
+            <a:gs pos="0">
+              <a:schemeClr val="phClr">
+                <a:tint val="40000"/>
+                <a:satMod val="350000"/>
+              </a:schemeClr>
+            </a:gs>
+            <a:gs pos="40000">
+              <a:schemeClr val="phClr">
+                <a:tint val="45000"/>
+                <a:shade val="99000"/>
+                <a:satMod val="350000"/>
+              </a:schemeClr>
+            </a:gs>
+            <a:gs pos="100000">
+              <a:schemeClr val="phClr">
+                <a:shade val="20000"/>
+                <a:satMod val="255000"/>
+              </a:schemeClr>
+            </a:gs>
+          </a:gsLst>
+          <a:path path="circle">
+            <a:fillToRect l="50000" t="-80000" r="50000" b="180000"/>
+          </a:path>
+        </a:gradFill>
+        <a:gradFill rotWithShape="1">
+          <a:gsLst>
+            <a:gs pos="0">
+              <a:schemeClr val="phClr">
+                <a:tint val="80000"/>
+                <a:satMod val="300000"/>
+              </a:schemeClr>
+            </a:gs>
+            <a:gs pos="100000">
+              <a:schemeClr val="phClr">
+                <a:shade val="30000"/>
+                <a:satMod val="200000"/>
+              </a:schemeClr>
+            </a:gs>
+          </a:gsLst>
+          <a:path path="circle">
+            <a:fillToRect l="50000" t="50000" r="50000" b="50000"/>
+          </a:path>
+        </a:gradFill>
+      </a:bgFillStyleLst>
+    </a:fmtScheme>
+  </a:themeElements>
+</a:theme>
+</file>
+
+<file path=ppt/theme/theme2.xml><?xml version="1.0" encoding="utf-8"?>
 <a:theme xmlns:a="http://schemas.openxmlformats.org/drawingml/2006/main" xmlns:r="http://schemas.openxmlformats.org/officeDocument/2006/relationships">
   <a:themeElements>
     <a:clrScheme name="Default">
@@ -13995,283 +14274,4 @@
     </a:fmtScheme>
   </a:themeElements>
 </a:theme>
-</file>
-
-<file path=ppt/theme/theme2.xml><?xml version="1.0" encoding="utf-8"?>
-<a:theme xmlns:a="http://schemas.openxmlformats.org/drawingml/2006/main" xmlns:r="http://schemas.openxmlformats.org/officeDocument/2006/relationships" name="TUBraunschweig_PPT2007_Folienpool_pptx">
-  <a:themeElements>
-    <a:clrScheme name="TU Braunschweig">
-      <a:dk1>
-        <a:srgbClr val="000000"/>
-      </a:dk1>
-      <a:lt1>
-        <a:srgbClr val="FFFFFF"/>
-      </a:lt1>
-      <a:dk2>
-        <a:srgbClr val="000000"/>
-      </a:dk2>
-      <a:lt2>
-        <a:srgbClr val="DDDDDD"/>
-      </a:lt2>
-      <a:accent1>
-        <a:srgbClr val="BE1E3C"/>
-      </a:accent1>
-      <a:accent2>
-        <a:srgbClr val="4DA6CB"/>
-      </a:accent2>
-      <a:accent3>
-        <a:srgbClr val="ADBF4D"/>
-      </a:accent3>
-      <a:accent4>
-        <a:srgbClr val="FA6E00"/>
-      </a:accent4>
-      <a:accent5>
-        <a:srgbClr val="407E97"/>
-      </a:accent5>
-      <a:accent6>
-        <a:srgbClr val="984098"/>
-      </a:accent6>
-      <a:hlink>
-        <a:srgbClr val="BE1E3C"/>
-      </a:hlink>
-      <a:folHlink>
-        <a:srgbClr val="760054"/>
-      </a:folHlink>
-    </a:clrScheme>
-    <a:fontScheme name="Office">
-      <a:majorFont>
-        <a:latin typeface="Arial"/>
-        <a:ea typeface=""/>
-        <a:cs typeface=""/>
-        <a:font script="Jpan" typeface="ＭＳ Ｐゴシック"/>
-        <a:font script="Hang" typeface="맑은 고딕"/>
-        <a:font script="Hans" typeface="宋体"/>
-        <a:font script="Hant" typeface="新細明體"/>
-        <a:font script="Arab" typeface="Times New Roman"/>
-        <a:font script="Hebr" typeface="Times New Roman"/>
-        <a:font script="Thai" typeface="Angsana New"/>
-        <a:font script="Ethi" typeface="Nyala"/>
-        <a:font script="Beng" typeface="Vrinda"/>
-        <a:font script="Gujr" typeface="Shruti"/>
-        <a:font script="Khmr" typeface="MoolBoran"/>
-        <a:font script="Knda" typeface="Tunga"/>
-        <a:font script="Guru" typeface="Raavi"/>
-        <a:font script="Cans" typeface="Euphemia"/>
-        <a:font script="Cher" typeface="Plantagenet Cherokee"/>
-        <a:font script="Yiii" typeface="Microsoft Yi Baiti"/>
-        <a:font script="Tibt" typeface="Microsoft Himalaya"/>
-        <a:font script="Thaa" typeface="MV Boli"/>
-        <a:font script="Deva" typeface="Mangal"/>
-        <a:font script="Telu" typeface="Gautami"/>
-        <a:font script="Taml" typeface="Latha"/>
-        <a:font script="Syrc" typeface="Estrangelo Edessa"/>
-        <a:font script="Orya" typeface="Kalinga"/>
-        <a:font script="Mlym" typeface="Kartika"/>
-        <a:font script="Laoo" typeface="DokChampa"/>
-        <a:font script="Sinh" typeface="Iskoola Pota"/>
-        <a:font script="Mong" typeface="Mongolian Baiti"/>
-        <a:font script="Viet" typeface="Times New Roman"/>
-        <a:font script="Uigh" typeface="Microsoft Uighur"/>
-        <a:font script="Geor" typeface="Sylfaen"/>
-      </a:majorFont>
-      <a:minorFont>
-        <a:latin typeface="Arial"/>
-        <a:ea typeface=""/>
-        <a:cs typeface=""/>
-        <a:font script="Jpan" typeface="ＭＳ Ｐゴシック"/>
-        <a:font script="Hang" typeface="맑은 고딕"/>
-        <a:font script="Hans" typeface="宋体"/>
-        <a:font script="Hant" typeface="新細明體"/>
-        <a:font script="Arab" typeface="Arial"/>
-        <a:font script="Hebr" typeface="Arial"/>
-        <a:font script="Thai" typeface="Cordia New"/>
-        <a:font script="Ethi" typeface="Nyala"/>
-        <a:font script="Beng" typeface="Vrinda"/>
-        <a:font script="Gujr" typeface="Shruti"/>
-        <a:font script="Khmr" typeface="DaunPenh"/>
-        <a:font script="Knda" typeface="Tunga"/>
-        <a:font script="Guru" typeface="Raavi"/>
-        <a:font script="Cans" typeface="Euphemia"/>
-        <a:font script="Cher" typeface="Plantagenet Cherokee"/>
-        <a:font script="Yiii" typeface="Microsoft Yi Baiti"/>
-        <a:font script="Tibt" typeface="Microsoft Himalaya"/>
-        <a:font script="Thaa" typeface="MV Boli"/>
-        <a:font script="Deva" typeface="Mangal"/>
-        <a:font script="Telu" typeface="Gautami"/>
-        <a:font script="Taml" typeface="Latha"/>
-        <a:font script="Syrc" typeface="Estrangelo Edessa"/>
-        <a:font script="Orya" typeface="Kalinga"/>
-        <a:font script="Mlym" typeface="Kartika"/>
-        <a:font script="Laoo" typeface="DokChampa"/>
-        <a:font script="Sinh" typeface="Iskoola Pota"/>
-        <a:font script="Mong" typeface="Mongolian Baiti"/>
-        <a:font script="Viet" typeface="Arial"/>
-        <a:font script="Uigh" typeface="Microsoft Uighur"/>
-        <a:font script="Geor" typeface="Sylfaen"/>
-      </a:minorFont>
-    </a:fontScheme>
-    <a:fmtScheme name="Office">
-      <a:fillStyleLst>
-        <a:solidFill>
-          <a:schemeClr val="phClr"/>
-        </a:solidFill>
-        <a:gradFill rotWithShape="1">
-          <a:gsLst>
-            <a:gs pos="0">
-              <a:schemeClr val="phClr">
-                <a:tint val="50000"/>
-                <a:satMod val="300000"/>
-              </a:schemeClr>
-            </a:gs>
-            <a:gs pos="35000">
-              <a:schemeClr val="phClr">
-                <a:tint val="37000"/>
-                <a:satMod val="300000"/>
-              </a:schemeClr>
-            </a:gs>
-            <a:gs pos="100000">
-              <a:schemeClr val="phClr">
-                <a:tint val="15000"/>
-                <a:satMod val="350000"/>
-              </a:schemeClr>
-            </a:gs>
-          </a:gsLst>
-          <a:lin ang="16200000" scaled="1"/>
-        </a:gradFill>
-        <a:gradFill rotWithShape="1">
-          <a:gsLst>
-            <a:gs pos="0">
-              <a:schemeClr val="phClr">
-                <a:tint val="100000"/>
-                <a:shade val="100000"/>
-                <a:satMod val="130000"/>
-              </a:schemeClr>
-            </a:gs>
-            <a:gs pos="100000">
-              <a:schemeClr val="phClr">
-                <a:tint val="50000"/>
-                <a:shade val="100000"/>
-                <a:satMod val="350000"/>
-              </a:schemeClr>
-            </a:gs>
-          </a:gsLst>
-          <a:lin ang="16200000" scaled="0"/>
-        </a:gradFill>
-      </a:fillStyleLst>
-      <a:lnStyleLst>
-        <a:ln w="9525" cap="flat" cmpd="sng" algn="ctr">
-          <a:solidFill>
-            <a:schemeClr val="phClr">
-              <a:shade val="95000"/>
-              <a:satMod val="105000"/>
-            </a:schemeClr>
-          </a:solidFill>
-          <a:prstDash val="solid"/>
-        </a:ln>
-        <a:ln w="25400" cap="flat" cmpd="sng" algn="ctr">
-          <a:solidFill>
-            <a:schemeClr val="phClr"/>
-          </a:solidFill>
-          <a:prstDash val="solid"/>
-        </a:ln>
-        <a:ln w="38100" cap="flat" cmpd="sng" algn="ctr">
-          <a:solidFill>
-            <a:schemeClr val="phClr"/>
-          </a:solidFill>
-          <a:prstDash val="solid"/>
-        </a:ln>
-      </a:lnStyleLst>
-      <a:effectStyleLst>
-        <a:effectStyle>
-          <a:effectLst>
-            <a:outerShdw blurRad="40000" dist="20000" dir="5400000" rotWithShape="0">
-              <a:srgbClr val="000000">
-                <a:alpha val="38000"/>
-              </a:srgbClr>
-            </a:outerShdw>
-          </a:effectLst>
-        </a:effectStyle>
-        <a:effectStyle>
-          <a:effectLst>
-            <a:outerShdw blurRad="40000" dist="23000" dir="5400000" rotWithShape="0">
-              <a:srgbClr val="000000">
-                <a:alpha val="35000"/>
-              </a:srgbClr>
-            </a:outerShdw>
-          </a:effectLst>
-        </a:effectStyle>
-        <a:effectStyle>
-          <a:effectLst>
-            <a:outerShdw blurRad="40000" dist="23000" dir="5400000" rotWithShape="0">
-              <a:srgbClr val="000000">
-                <a:alpha val="35000"/>
-              </a:srgbClr>
-            </a:outerShdw>
-          </a:effectLst>
-          <a:scene3d>
-            <a:camera prst="orthographicFront">
-              <a:rot lat="0" lon="0" rev="0"/>
-            </a:camera>
-            <a:lightRig rig="threePt" dir="t">
-              <a:rot lat="0" lon="0" rev="1200000"/>
-            </a:lightRig>
-          </a:scene3d>
-          <a:sp3d>
-            <a:bevelT w="63500" h="25400"/>
-          </a:sp3d>
-        </a:effectStyle>
-      </a:effectStyleLst>
-      <a:bgFillStyleLst>
-        <a:solidFill>
-          <a:schemeClr val="phClr"/>
-        </a:solidFill>
-        <a:gradFill rotWithShape="1">
-          <a:gsLst>
-            <a:gs pos="0">
-              <a:schemeClr val="phClr">
-                <a:tint val="40000"/>
-                <a:satMod val="350000"/>
-              </a:schemeClr>
-            </a:gs>
-            <a:gs pos="40000">
-              <a:schemeClr val="phClr">
-                <a:tint val="45000"/>
-                <a:shade val="99000"/>
-                <a:satMod val="350000"/>
-              </a:schemeClr>
-            </a:gs>
-            <a:gs pos="100000">
-              <a:schemeClr val="phClr">
-                <a:shade val="20000"/>
-                <a:satMod val="255000"/>
-              </a:schemeClr>
-            </a:gs>
-          </a:gsLst>
-          <a:path path="circle">
-            <a:fillToRect l="50000" t="-80000" r="50000" b="180000"/>
-          </a:path>
-        </a:gradFill>
-        <a:gradFill rotWithShape="1">
-          <a:gsLst>
-            <a:gs pos="0">
-              <a:schemeClr val="phClr">
-                <a:tint val="80000"/>
-                <a:satMod val="300000"/>
-              </a:schemeClr>
-            </a:gs>
-            <a:gs pos="100000">
-              <a:schemeClr val="phClr">
-                <a:shade val="30000"/>
-                <a:satMod val="200000"/>
-              </a:schemeClr>
-            </a:gs>
-          </a:gsLst>
-          <a:path path="circle">
-            <a:fillToRect l="50000" t="50000" r="50000" b="50000"/>
-          </a:path>
-        </a:gradFill>
-      </a:bgFillStyleLst>
-    </a:fmtScheme>
-  </a:themeElements>
-</a:theme>
 </file>
--- a/slides/01_first_steps_with_java.pptx
+++ b/slides/01_first_steps_with_java.pptx
@@ -10267,7 +10267,7 @@
               </a:spcAft>
               <a:buSzPts val="1100"/>
               <a:buFont typeface="Arial"/>
-              <a:buChar char="➢"/>
+              <a:buChar char="・"/>
             </a:pPr>
             <a:r>
               <a:rPr lang="de"/>
@@ -10311,7 +10311,7 @@
               </a:spcAft>
               <a:buSzPts val="1100"/>
               <a:buFont typeface="Arial"/>
-              <a:buChar char="➢"/>
+              <a:buChar char="・"/>
             </a:pPr>
             <a:r>
               <a:rPr lang="de"/>
@@ -10355,7 +10355,7 @@
               </a:spcAft>
               <a:buSzPts val="1100"/>
               <a:buFont typeface="Arial"/>
-              <a:buChar char="➢"/>
+              <a:buChar char="・"/>
             </a:pPr>
             <a:r>
               <a:rPr lang="de"/>
@@ -10399,7 +10399,7 @@
               </a:spcAft>
               <a:buSzPts val="1100"/>
               <a:buFont typeface="Arial"/>
-              <a:buChar char="➢"/>
+              <a:buChar char="・"/>
             </a:pPr>
             <a:r>
               <a:rPr lang="de"/>
@@ -10443,7 +10443,7 @@
               </a:spcAft>
               <a:buSzPts val="1100"/>
               <a:buFont typeface="Arial"/>
-              <a:buChar char="➢"/>
+              <a:buChar char="・"/>
             </a:pPr>
             <a:r>
               <a:rPr lang="de"/>
@@ -10487,7 +10487,7 @@
               </a:spcAft>
               <a:buSzPts val="1100"/>
               <a:buFont typeface="Arial"/>
-              <a:buChar char="➢"/>
+              <a:buChar char="・"/>
             </a:pPr>
             <a:r>
               <a:rPr lang="de"/>

--- a/slides/01_first_steps_with_java.pptx
+++ b/slides/01_first_steps_with_java.pptx
@@ -10614,7 +10614,7 @@
             </a:pPr>
             <a:r>
               <a:rPr lang="de"/>
-              <a:t>Solltest du beim Programmieren einen Fehler gemacht haben, sodass das Programm nicht nur falsch, sondern gar nicht läuft, dann ist der Fehler meistens schnell gefunden (anders wenn das Programm falsch läuft, dann müsst ihr selber auf die Suche gehen).</a:t>
+              <a:t>Solltest du beim Programmieren einen Fehler gemacht haben, sodass das Programm nicht nur falsch, sondern gar nicht läuft, dann ist der Fehler meistens schnell gefunden (anders wenn das Programm falsch läuft, dann muss man selber auf die Suche gehen).</a:t>
             </a:r>
             <a:endParaRPr/>
           </a:p>
@@ -10630,7 +10630,7 @@
             </a:pPr>
             <a:r>
               <a:rPr lang="de"/>
-              <a:t>Auf Fehler, die bewirken, dass das Programm nicht kompiliert werden kann, weist euch der Compiler hin:</a:t>
+              <a:t>Auf Fehler, die bewirken, dass das Programm nicht kompiliert werden kann, weist der Compiler hin:</a:t>
             </a:r>
             <a:endParaRPr/>
           </a:p>
@@ -13719,6 +13719,285 @@
 </file>
 
 <file path=ppt/theme/theme1.xml><?xml version="1.0" encoding="utf-8"?>
+<a:theme xmlns:a="http://schemas.openxmlformats.org/drawingml/2006/main" xmlns:r="http://schemas.openxmlformats.org/officeDocument/2006/relationships">
+  <a:themeElements>
+    <a:clrScheme name="Default">
+      <a:dk1>
+        <a:srgbClr val="000000"/>
+      </a:dk1>
+      <a:lt1>
+        <a:srgbClr val="FFFFFF"/>
+      </a:lt1>
+      <a:dk2>
+        <a:srgbClr val="158158"/>
+      </a:dk2>
+      <a:lt2>
+        <a:srgbClr val="F3F3F3"/>
+      </a:lt2>
+      <a:accent1>
+        <a:srgbClr val="058DC7"/>
+      </a:accent1>
+      <a:accent2>
+        <a:srgbClr val="50B432"/>
+      </a:accent2>
+      <a:accent3>
+        <a:srgbClr val="ED561B"/>
+      </a:accent3>
+      <a:accent4>
+        <a:srgbClr val="EDEF00"/>
+      </a:accent4>
+      <a:accent5>
+        <a:srgbClr val="24CBE5"/>
+      </a:accent5>
+      <a:accent6>
+        <a:srgbClr val="64E572"/>
+      </a:accent6>
+      <a:hlink>
+        <a:srgbClr val="2200CC"/>
+      </a:hlink>
+      <a:folHlink>
+        <a:srgbClr val="551A8B"/>
+      </a:folHlink>
+    </a:clrScheme>
+    <a:fontScheme name="Office">
+      <a:majorFont>
+        <a:latin typeface="Arial"/>
+        <a:ea typeface=""/>
+        <a:cs typeface=""/>
+        <a:font script="Jpan" typeface="ＭＳ Ｐゴシック"/>
+        <a:font script="Hang" typeface="맑은 고딕"/>
+        <a:font script="Hans" typeface="宋体"/>
+        <a:font script="Hant" typeface="新細明體"/>
+        <a:font script="Arab" typeface="Times New Roman"/>
+        <a:font script="Hebr" typeface="Times New Roman"/>
+        <a:font script="Thai" typeface="Angsana New"/>
+        <a:font script="Ethi" typeface="Nyala"/>
+        <a:font script="Beng" typeface="Vrinda"/>
+        <a:font script="Gujr" typeface="Shruti"/>
+        <a:font script="Khmr" typeface="MoolBoran"/>
+        <a:font script="Knda" typeface="Tunga"/>
+        <a:font script="Guru" typeface="Raavi"/>
+        <a:font script="Cans" typeface="Euphemia"/>
+        <a:font script="Cher" typeface="Plantagenet Cherokee"/>
+        <a:font script="Yiii" typeface="Microsoft Yi Baiti"/>
+        <a:font script="Tibt" typeface="Microsoft Himalaya"/>
+        <a:font script="Thaa" typeface="MV Boli"/>
+        <a:font script="Deva" typeface="Mangal"/>
+        <a:font script="Telu" typeface="Gautami"/>
+        <a:font script="Taml" typeface="Latha"/>
+        <a:font script="Syrc" typeface="Estrangelo Edessa"/>
+        <a:font script="Orya" typeface="Kalinga"/>
+        <a:font script="Mlym" typeface="Kartika"/>
+        <a:font script="Laoo" typeface="DokChampa"/>
+        <a:font script="Sinh" typeface="Iskoola Pota"/>
+        <a:font script="Mong" typeface="Mongolian Baiti"/>
+        <a:font script="Viet" typeface="Times New Roman"/>
+        <a:font script="Uigh" typeface="Microsoft Uighur"/>
+        <a:font script="Geor" typeface="Sylfaen"/>
+      </a:majorFont>
+      <a:minorFont>
+        <a:latin typeface="Arial"/>
+        <a:ea typeface=""/>
+        <a:cs typeface=""/>
+        <a:font script="Jpan" typeface="ＭＳ Ｐゴシック"/>
+        <a:font script="Hang" typeface="맑은 고딕"/>
+        <a:font script="Hans" typeface="宋体"/>
+        <a:font script="Hant" typeface="新細明體"/>
+        <a:font script="Arab" typeface="Arial"/>
+        <a:font script="Hebr" typeface="Arial"/>
+        <a:font script="Thai" typeface="Cordia New"/>
+        <a:font script="Ethi" typeface="Nyala"/>
+        <a:font script="Beng" typeface="Vrinda"/>
+        <a:font script="Gujr" typeface="Shruti"/>
+        <a:font script="Khmr" typeface="DaunPenh"/>
+        <a:font script="Knda" typeface="Tunga"/>
+        <a:font script="Guru" typeface="Raavi"/>
+        <a:font script="Cans" typeface="Euphemia"/>
+        <a:font script="Cher" typeface="Plantagenet Cherokee"/>
+        <a:font script="Yiii" typeface="Microsoft Yi Baiti"/>
+        <a:font script="Tibt" typeface="Microsoft Himalaya"/>
+        <a:font script="Thaa" typeface="MV Boli"/>
+        <a:font script="Deva" typeface="Mangal"/>
+        <a:font script="Telu" typeface="Gautami"/>
+        <a:font script="Taml" typeface="Latha"/>
+        <a:font script="Syrc" typeface="Estrangelo Edessa"/>
+        <a:font script="Orya" typeface="Kalinga"/>
+        <a:font script="Mlym" typeface="Kartika"/>
+        <a:font script="Laoo" typeface="DokChampa"/>
+        <a:font script="Sinh" typeface="Iskoola Pota"/>
+        <a:font script="Mong" typeface="Mongolian Baiti"/>
+        <a:font script="Viet" typeface="Arial"/>
+        <a:font script="Uigh" typeface="Microsoft Uighur"/>
+        <a:font script="Geor" typeface="Sylfaen"/>
+      </a:minorFont>
+    </a:fontScheme>
+    <a:fmtScheme name="Office">
+      <a:fillStyleLst>
+        <a:solidFill>
+          <a:schemeClr val="phClr"/>
+        </a:solidFill>
+        <a:gradFill rotWithShape="1">
+          <a:gsLst>
+            <a:gs pos="0">
+              <a:schemeClr val="phClr">
+                <a:tint val="50000"/>
+                <a:satMod val="300000"/>
+              </a:schemeClr>
+            </a:gs>
+            <a:gs pos="35000">
+              <a:schemeClr val="phClr">
+                <a:tint val="37000"/>
+                <a:satMod val="300000"/>
+              </a:schemeClr>
+            </a:gs>
+            <a:gs pos="100000">
+              <a:schemeClr val="phClr">
+                <a:tint val="15000"/>
+                <a:satMod val="350000"/>
+              </a:schemeClr>
+            </a:gs>
+          </a:gsLst>
+          <a:lin ang="16200000" scaled="1"/>
+        </a:gradFill>
+        <a:gradFill rotWithShape="1">
+          <a:gsLst>
+            <a:gs pos="0">
+              <a:schemeClr val="phClr">
+                <a:tint val="100000"/>
+                <a:shade val="100000"/>
+                <a:satMod val="130000"/>
+              </a:schemeClr>
+            </a:gs>
+            <a:gs pos="100000">
+              <a:schemeClr val="phClr">
+                <a:tint val="50000"/>
+                <a:shade val="100000"/>
+                <a:satMod val="350000"/>
+              </a:schemeClr>
+            </a:gs>
+          </a:gsLst>
+          <a:lin ang="16200000" scaled="0"/>
+        </a:gradFill>
+      </a:fillStyleLst>
+      <a:lnStyleLst>
+        <a:ln w="9525" cap="flat" cmpd="sng" algn="ctr">
+          <a:solidFill>
+            <a:schemeClr val="phClr">
+              <a:shade val="95000"/>
+              <a:satMod val="105000"/>
+            </a:schemeClr>
+          </a:solidFill>
+          <a:prstDash val="solid"/>
+        </a:ln>
+        <a:ln w="25400" cap="flat" cmpd="sng" algn="ctr">
+          <a:solidFill>
+            <a:schemeClr val="phClr"/>
+          </a:solidFill>
+          <a:prstDash val="solid"/>
+        </a:ln>
+        <a:ln w="38100" cap="flat" cmpd="sng" algn="ctr">
+          <a:solidFill>
+            <a:schemeClr val="phClr"/>
+          </a:solidFill>
+          <a:prstDash val="solid"/>
+        </a:ln>
+      </a:lnStyleLst>
+      <a:effectStyleLst>
+        <a:effectStyle>
+          <a:effectLst>
+            <a:outerShdw blurRad="40000" dist="20000" dir="5400000" rotWithShape="0">
+              <a:srgbClr val="000000">
+                <a:alpha val="38000"/>
+              </a:srgbClr>
+            </a:outerShdw>
+          </a:effectLst>
+        </a:effectStyle>
+        <a:effectStyle>
+          <a:effectLst>
+            <a:outerShdw blurRad="40000" dist="23000" dir="5400000" rotWithShape="0">
+              <a:srgbClr val="000000">
+                <a:alpha val="35000"/>
+              </a:srgbClr>
+            </a:outerShdw>
+          </a:effectLst>
+        </a:effectStyle>
+        <a:effectStyle>
+          <a:effectLst>
+            <a:outerShdw blurRad="40000" dist="23000" dir="5400000" rotWithShape="0">
+              <a:srgbClr val="000000">
+                <a:alpha val="35000"/>
+              </a:srgbClr>
+            </a:outerShdw>
+          </a:effectLst>
+          <a:scene3d>
+            <a:camera prst="orthographicFront">
+              <a:rot lat="0" lon="0" rev="0"/>
+            </a:camera>
+            <a:lightRig rig="threePt" dir="t">
+              <a:rot lat="0" lon="0" rev="1200000"/>
+            </a:lightRig>
+          </a:scene3d>
+          <a:sp3d>
+            <a:bevelT w="63500" h="25400"/>
+          </a:sp3d>
+        </a:effectStyle>
+      </a:effectStyleLst>
+      <a:bgFillStyleLst>
+        <a:solidFill>
+          <a:schemeClr val="phClr"/>
+        </a:solidFill>
+        <a:gradFill rotWithShape="1">
+          <a:gsLst>
+            <a:gs pos="0">
+              <a:schemeClr val="phClr">
+                <a:tint val="40000"/>
+                <a:satMod val="350000"/>
+              </a:schemeClr>
+            </a:gs>
+            <a:gs pos="40000">
+              <a:schemeClr val="phClr">
+                <a:tint val="45000"/>
+                <a:shade val="99000"/>
+                <a:satMod val="350000"/>
+              </a:schemeClr>
+            </a:gs>
+            <a:gs pos="100000">
+              <a:schemeClr val="phClr">
+                <a:shade val="20000"/>
+                <a:satMod val="255000"/>
+              </a:schemeClr>
+            </a:gs>
+          </a:gsLst>
+          <a:path path="circle">
+            <a:fillToRect l="50000" t="-80000" r="50000" b="180000"/>
+          </a:path>
+        </a:gradFill>
+        <a:gradFill rotWithShape="1">
+          <a:gsLst>
+            <a:gs pos="0">
+              <a:schemeClr val="phClr">
+                <a:tint val="80000"/>
+                <a:satMod val="300000"/>
+              </a:schemeClr>
+            </a:gs>
+            <a:gs pos="100000">
+              <a:schemeClr val="phClr">
+                <a:shade val="30000"/>
+                <a:satMod val="200000"/>
+              </a:schemeClr>
+            </a:gs>
+          </a:gsLst>
+          <a:path path="circle">
+            <a:fillToRect l="50000" t="50000" r="50000" b="50000"/>
+          </a:path>
+        </a:gradFill>
+      </a:bgFillStyleLst>
+    </a:fmtScheme>
+  </a:themeElements>
+</a:theme>
+</file>
+
+<file path=ppt/theme/theme2.xml><?xml version="1.0" encoding="utf-8"?>
 <a:theme xmlns:a="http://schemas.openxmlformats.org/drawingml/2006/main" xmlns:r="http://schemas.openxmlformats.org/officeDocument/2006/relationships" name="TUBraunschweig_PPT2007_Folienpool_pptx">
   <a:themeElements>
     <a:clrScheme name="TU Braunschweig">
@@ -13995,283 +14274,4 @@
     </a:fmtScheme>
   </a:themeElements>
 </a:theme>
-</file>
-
-<file path=ppt/theme/theme2.xml><?xml version="1.0" encoding="utf-8"?>
-<a:theme xmlns:a="http://schemas.openxmlformats.org/drawingml/2006/main" xmlns:r="http://schemas.openxmlformats.org/officeDocument/2006/relationships">
-  <a:themeElements>
-    <a:clrScheme name="Default">
-      <a:dk1>
-        <a:srgbClr val="000000"/>
-      </a:dk1>
-      <a:lt1>
-        <a:srgbClr val="FFFFFF"/>
-      </a:lt1>
-      <a:dk2>
-        <a:srgbClr val="158158"/>
-      </a:dk2>
-      <a:lt2>
-        <a:srgbClr val="F3F3F3"/>
-      </a:lt2>
-      <a:accent1>
-        <a:srgbClr val="058DC7"/>
-      </a:accent1>
-      <a:accent2>
-        <a:srgbClr val="50B432"/>
-      </a:accent2>
-      <a:accent3>
-        <a:srgbClr val="ED561B"/>
-      </a:accent3>
-      <a:accent4>
-        <a:srgbClr val="EDEF00"/>
-      </a:accent4>
-      <a:accent5>
-        <a:srgbClr val="24CBE5"/>
-      </a:accent5>
-      <a:accent6>
-        <a:srgbClr val="64E572"/>
-      </a:accent6>
-      <a:hlink>
-        <a:srgbClr val="2200CC"/>
-      </a:hlink>
-      <a:folHlink>
-        <a:srgbClr val="551A8B"/>
-      </a:folHlink>
-    </a:clrScheme>
-    <a:fontScheme name="Office">
-      <a:majorFont>
-        <a:latin typeface="Arial"/>
-        <a:ea typeface=""/>
-        <a:cs typeface=""/>
-        <a:font script="Jpan" typeface="ＭＳ Ｐゴシック"/>
-        <a:font script="Hang" typeface="맑은 고딕"/>
-        <a:font script="Hans" typeface="宋体"/>
-        <a:font script="Hant" typeface="新細明體"/>
-        <a:font script="Arab" typeface="Times New Roman"/>
-        <a:font script="Hebr" typeface="Times New Roman"/>
-        <a:font script="Thai" typeface="Angsana New"/>
-        <a:font script="Ethi" typeface="Nyala"/>
-        <a:font script="Beng" typeface="Vrinda"/>
-        <a:font script="Gujr" typeface="Shruti"/>
-        <a:font script="Khmr" typeface="MoolBoran"/>
-        <a:font script="Knda" typeface="Tunga"/>
-        <a:font script="Guru" typeface="Raavi"/>
-        <a:font script="Cans" typeface="Euphemia"/>
-        <a:font script="Cher" typeface="Plantagenet Cherokee"/>
-        <a:font script="Yiii" typeface="Microsoft Yi Baiti"/>
-        <a:font script="Tibt" typeface="Microsoft Himalaya"/>
-        <a:font script="Thaa" typeface="MV Boli"/>
-        <a:font script="Deva" typeface="Mangal"/>
-        <a:font script="Telu" typeface="Gautami"/>
-        <a:font script="Taml" typeface="Latha"/>
-        <a:font script="Syrc" typeface="Estrangelo Edessa"/>
-        <a:font script="Orya" typeface="Kalinga"/>
-        <a:font script="Mlym" typeface="Kartika"/>
-        <a:font script="Laoo" typeface="DokChampa"/>
-        <a:font script="Sinh" typeface="Iskoola Pota"/>
-        <a:font script="Mong" typeface="Mongolian Baiti"/>
-        <a:font script="Viet" typeface="Times New Roman"/>
-        <a:font script="Uigh" typeface="Microsoft Uighur"/>
-        <a:font script="Geor" typeface="Sylfaen"/>
-      </a:majorFont>
-      <a:minorFont>
-        <a:latin typeface="Arial"/>
-        <a:ea typeface=""/>
-        <a:cs typeface=""/>
-        <a:font script="Jpan" typeface="ＭＳ Ｐゴシック"/>
-        <a:font script="Hang" typeface="맑은 고딕"/>
-        <a:font script="Hans" typeface="宋体"/>
-        <a:font script="Hant" typeface="新細明體"/>
-        <a:font script="Arab" typeface="Arial"/>
-        <a:font script="Hebr" typeface="Arial"/>
-        <a:font script="Thai" typeface="Cordia New"/>
-        <a:font script="Ethi" typeface="Nyala"/>
-        <a:font script="Beng" typeface="Vrinda"/>
-        <a:font script="Gujr" typeface="Shruti"/>
-        <a:font script="Khmr" typeface="DaunPenh"/>
-        <a:font script="Knda" typeface="Tunga"/>
-        <a:font script="Guru" typeface="Raavi"/>
-        <a:font script="Cans" typeface="Euphemia"/>
-        <a:font script="Cher" typeface="Plantagenet Cherokee"/>
-        <a:font script="Yiii" typeface="Microsoft Yi Baiti"/>
-        <a:font script="Tibt" typeface="Microsoft Himalaya"/>
-        <a:font script="Thaa" typeface="MV Boli"/>
-        <a:font script="Deva" typeface="Mangal"/>
-        <a:font script="Telu" typeface="Gautami"/>
-        <a:font script="Taml" typeface="Latha"/>
-        <a:font script="Syrc" typeface="Estrangelo Edessa"/>
-        <a:font script="Orya" typeface="Kalinga"/>
-        <a:font script="Mlym" typeface="Kartika"/>
-        <a:font script="Laoo" typeface="DokChampa"/>
-        <a:font script="Sinh" typeface="Iskoola Pota"/>
-        <a:font script="Mong" typeface="Mongolian Baiti"/>
-        <a:font script="Viet" typeface="Arial"/>
-        <a:font script="Uigh" typeface="Microsoft Uighur"/>
-        <a:font script="Geor" typeface="Sylfaen"/>
-      </a:minorFont>
-    </a:fontScheme>
-    <a:fmtScheme name="Office">
-      <a:fillStyleLst>
-        <a:solidFill>
-          <a:schemeClr val="phClr"/>
-        </a:solidFill>
-        <a:gradFill rotWithShape="1">
-          <a:gsLst>
-            <a:gs pos="0">
-              <a:schemeClr val="phClr">
-                <a:tint val="50000"/>
-                <a:satMod val="300000"/>
-              </a:schemeClr>
-            </a:gs>
-            <a:gs pos="35000">
-              <a:schemeClr val="phClr">
-                <a:tint val="37000"/>
-                <a:satMod val="300000"/>
-              </a:schemeClr>
-            </a:gs>
-            <a:gs pos="100000">
-              <a:schemeClr val="phClr">
-                <a:tint val="15000"/>
-                <a:satMod val="350000"/>
-              </a:schemeClr>
-            </a:gs>
-          </a:gsLst>
-          <a:lin ang="16200000" scaled="1"/>
-        </a:gradFill>
-        <a:gradFill rotWithShape="1">
-          <a:gsLst>
-            <a:gs pos="0">
-              <a:schemeClr val="phClr">
-                <a:tint val="100000"/>
-                <a:shade val="100000"/>
-                <a:satMod val="130000"/>
-              </a:schemeClr>
-            </a:gs>
-            <a:gs pos="100000">
-              <a:schemeClr val="phClr">
-                <a:tint val="50000"/>
-                <a:shade val="100000"/>
-                <a:satMod val="350000"/>
-              </a:schemeClr>
-            </a:gs>
-          </a:gsLst>
-          <a:lin ang="16200000" scaled="0"/>
-        </a:gradFill>
-      </a:fillStyleLst>
-      <a:lnStyleLst>
-        <a:ln w="9525" cap="flat" cmpd="sng" algn="ctr">
-          <a:solidFill>
-            <a:schemeClr val="phClr">
-              <a:shade val="95000"/>
-              <a:satMod val="105000"/>
-            </a:schemeClr>
-          </a:solidFill>
-          <a:prstDash val="solid"/>
-        </a:ln>
-        <a:ln w="25400" cap="flat" cmpd="sng" algn="ctr">
-          <a:solidFill>
-            <a:schemeClr val="phClr"/>
-          </a:solidFill>
-          <a:prstDash val="solid"/>
-        </a:ln>
-        <a:ln w="38100" cap="flat" cmpd="sng" algn="ctr">
-          <a:solidFill>
-            <a:schemeClr val="phClr"/>
-          </a:solidFill>
-          <a:prstDash val="solid"/>
-        </a:ln>
-      </a:lnStyleLst>
-      <a:effectStyleLst>
-        <a:effectStyle>
-          <a:effectLst>
-            <a:outerShdw blurRad="40000" dist="20000" dir="5400000" rotWithShape="0">
-              <a:srgbClr val="000000">
-                <a:alpha val="38000"/>
-              </a:srgbClr>
-            </a:outerShdw>
-          </a:effectLst>
-        </a:effectStyle>
-        <a:effectStyle>
-          <a:effectLst>
-            <a:outerShdw blurRad="40000" dist="23000" dir="5400000" rotWithShape="0">
-              <a:srgbClr val="000000">
-                <a:alpha val="35000"/>
-              </a:srgbClr>
-            </a:outerShdw>
-          </a:effectLst>
-        </a:effectStyle>
-        <a:effectStyle>
-          <a:effectLst>
-            <a:outerShdw blurRad="40000" dist="23000" dir="5400000" rotWithShape="0">
-              <a:srgbClr val="000000">
-                <a:alpha val="35000"/>
-              </a:srgbClr>
-            </a:outerShdw>
-          </a:effectLst>
-          <a:scene3d>
-            <a:camera prst="orthographicFront">
-              <a:rot lat="0" lon="0" rev="0"/>
-            </a:camera>
-            <a:lightRig rig="threePt" dir="t">
-              <a:rot lat="0" lon="0" rev="1200000"/>
-            </a:lightRig>
-          </a:scene3d>
-          <a:sp3d>
-            <a:bevelT w="63500" h="25400"/>
-          </a:sp3d>
-        </a:effectStyle>
-      </a:effectStyleLst>
-      <a:bgFillStyleLst>
-        <a:solidFill>
-          <a:schemeClr val="phClr"/>
-        </a:solidFill>
-        <a:gradFill rotWithShape="1">
-          <a:gsLst>
-            <a:gs pos="0">
-              <a:schemeClr val="phClr">
-                <a:tint val="40000"/>
-                <a:satMod val="350000"/>
-              </a:schemeClr>
-            </a:gs>
-            <a:gs pos="40000">
-              <a:schemeClr val="phClr">
-                <a:tint val="45000"/>
-                <a:shade val="99000"/>
-                <a:satMod val="350000"/>
-              </a:schemeClr>
-            </a:gs>
-            <a:gs pos="100000">
-              <a:schemeClr val="phClr">
-                <a:shade val="20000"/>
-                <a:satMod val="255000"/>
-              </a:schemeClr>
-            </a:gs>
-          </a:gsLst>
-          <a:path path="circle">
-            <a:fillToRect l="50000" t="-80000" r="50000" b="180000"/>
-          </a:path>
-        </a:gradFill>
-        <a:gradFill rotWithShape="1">
-          <a:gsLst>
-            <a:gs pos="0">
-              <a:schemeClr val="phClr">
-                <a:tint val="80000"/>
-                <a:satMod val="300000"/>
-              </a:schemeClr>
-            </a:gs>
-            <a:gs pos="100000">
-              <a:schemeClr val="phClr">
-                <a:shade val="30000"/>
-                <a:satMod val="200000"/>
-              </a:schemeClr>
-            </a:gs>
-          </a:gsLst>
-          <a:path path="circle">
-            <a:fillToRect l="50000" t="50000" r="50000" b="50000"/>
-          </a:path>
-        </a:gradFill>
-      </a:bgFillStyleLst>
-    </a:fmtScheme>
-  </a:themeElements>
-</a:theme>
 </file>
--- a/slides/01_first_steps_with_java.pptx
+++ b/slides/01_first_steps_with_java.pptx
@@ -9112,7 +9112,7 @@
                 <a:cs typeface="Arial"/>
                 <a:sym typeface="Arial"/>
               </a:rPr>
-              <a:t>David Gemen und Andriyan Lapychak | Seite </a:t>
+              <a:t>David Gemen | Seite </a:t>
             </a:r>
             <a:fld id="{00000000-1234-1234-1234-123412341234}" type="slidenum">
               <a:rPr b="0" i="0" lang="de" sz="800" u="none" cap="none" strike="noStrike">
